--- a/2020s_w6998/lecs/11_text.pptx
+++ b/2020s_w6998/lecs/11_text.pptx
@@ -5,36 +5,40 @@
     <p:sldMasterId id="2147483648" r:id="rId1"/>
   </p:sldMasterIdLst>
   <p:notesMasterIdLst>
-    <p:notesMasterId r:id="rId29"/>
+    <p:notesMasterId r:id="rId33"/>
   </p:notesMasterIdLst>
   <p:sldIdLst>
     <p:sldId id="256" r:id="rId2"/>
     <p:sldId id="257" r:id="rId3"/>
     <p:sldId id="260" r:id="rId4"/>
-    <p:sldId id="266" r:id="rId5"/>
-    <p:sldId id="261" r:id="rId6"/>
-    <p:sldId id="259" r:id="rId7"/>
-    <p:sldId id="274" r:id="rId8"/>
-    <p:sldId id="277" r:id="rId9"/>
-    <p:sldId id="286" r:id="rId10"/>
-    <p:sldId id="287" r:id="rId11"/>
-    <p:sldId id="275" r:id="rId12"/>
-    <p:sldId id="258" r:id="rId13"/>
-    <p:sldId id="285" r:id="rId14"/>
-    <p:sldId id="276" r:id="rId15"/>
-    <p:sldId id="278" r:id="rId16"/>
-    <p:sldId id="281" r:id="rId17"/>
-    <p:sldId id="282" r:id="rId18"/>
-    <p:sldId id="279" r:id="rId19"/>
-    <p:sldId id="284" r:id="rId20"/>
-    <p:sldId id="280" r:id="rId21"/>
-    <p:sldId id="283" r:id="rId22"/>
-    <p:sldId id="288" r:id="rId23"/>
-    <p:sldId id="264" r:id="rId24"/>
-    <p:sldId id="273" r:id="rId25"/>
-    <p:sldId id="262" r:id="rId26"/>
-    <p:sldId id="271" r:id="rId27"/>
-    <p:sldId id="272" r:id="rId28"/>
+    <p:sldId id="261" r:id="rId5"/>
+    <p:sldId id="259" r:id="rId6"/>
+    <p:sldId id="274" r:id="rId7"/>
+    <p:sldId id="277" r:id="rId8"/>
+    <p:sldId id="286" r:id="rId9"/>
+    <p:sldId id="287" r:id="rId10"/>
+    <p:sldId id="275" r:id="rId11"/>
+    <p:sldId id="258" r:id="rId12"/>
+    <p:sldId id="285" r:id="rId13"/>
+    <p:sldId id="276" r:id="rId14"/>
+    <p:sldId id="278" r:id="rId15"/>
+    <p:sldId id="281" r:id="rId16"/>
+    <p:sldId id="282" r:id="rId17"/>
+    <p:sldId id="279" r:id="rId18"/>
+    <p:sldId id="284" r:id="rId19"/>
+    <p:sldId id="280" r:id="rId20"/>
+    <p:sldId id="283" r:id="rId21"/>
+    <p:sldId id="288" r:id="rId22"/>
+    <p:sldId id="264" r:id="rId23"/>
+    <p:sldId id="289" r:id="rId24"/>
+    <p:sldId id="293" r:id="rId25"/>
+    <p:sldId id="295" r:id="rId26"/>
+    <p:sldId id="297" r:id="rId27"/>
+    <p:sldId id="298" r:id="rId28"/>
+    <p:sldId id="296" r:id="rId29"/>
+    <p:sldId id="292" r:id="rId30"/>
+    <p:sldId id="290" r:id="rId31"/>
+    <p:sldId id="273" r:id="rId32"/>
   </p:sldIdLst>
   <p:sldSz cx="12192000" cy="6858000"/>
   <p:notesSz cx="6858000" cy="9144000"/>
@@ -223,7 +227,7 @@
           <a:p>
             <a:fld id="{F177EEB3-2532-254F-AD9A-958C580B366B}" type="datetimeFigureOut">
               <a:rPr lang="en-US" smtClean="0"/>
-              <a:t>3/31/20</a:t>
+              <a:t>4/1/20</a:t>
             </a:fld>
             <a:endParaRPr lang="en-US"/>
           </a:p>
@@ -559,7 +563,7 @@
           <a:p>
             <a:fld id="{10241E23-ECDC-F84B-8EB6-F34600CF02DF}" type="slidenum">
               <a:rPr lang="en-US" smtClean="0"/>
-              <a:t>13</a:t>
+              <a:t>12</a:t>
             </a:fld>
             <a:endParaRPr lang="en-US"/>
           </a:p>
@@ -646,7 +650,7 @@
           <a:p>
             <a:fld id="{10241E23-ECDC-F84B-8EB6-F34600CF02DF}" type="slidenum">
               <a:rPr lang="en-US" smtClean="0"/>
-              <a:t>24</a:t>
+              <a:t>31</a:t>
             </a:fld>
             <a:endParaRPr lang="en-US"/>
           </a:p>
@@ -812,7 +816,7 @@
           <a:p>
             <a:fld id="{D077B7F3-A623-604C-9FA0-35347E68EB54}" type="datetimeFigureOut">
               <a:rPr lang="en-US" smtClean="0"/>
-              <a:t>3/31/20</a:t>
+              <a:t>4/1/20</a:t>
             </a:fld>
             <a:endParaRPr lang="en-US"/>
           </a:p>
@@ -1010,7 +1014,7 @@
           <a:p>
             <a:fld id="{D077B7F3-A623-604C-9FA0-35347E68EB54}" type="datetimeFigureOut">
               <a:rPr lang="en-US" smtClean="0"/>
-              <a:t>3/31/20</a:t>
+              <a:t>4/1/20</a:t>
             </a:fld>
             <a:endParaRPr lang="en-US"/>
           </a:p>
@@ -1218,7 +1222,7 @@
           <a:p>
             <a:fld id="{D077B7F3-A623-604C-9FA0-35347E68EB54}" type="datetimeFigureOut">
               <a:rPr lang="en-US" smtClean="0"/>
-              <a:t>3/31/20</a:t>
+              <a:t>4/1/20</a:t>
             </a:fld>
             <a:endParaRPr lang="en-US"/>
           </a:p>
@@ -1416,7 +1420,7 @@
           <a:p>
             <a:fld id="{D077B7F3-A623-604C-9FA0-35347E68EB54}" type="datetimeFigureOut">
               <a:rPr lang="en-US" smtClean="0"/>
-              <a:t>3/31/20</a:t>
+              <a:t>4/1/20</a:t>
             </a:fld>
             <a:endParaRPr lang="en-US"/>
           </a:p>
@@ -1691,7 +1695,7 @@
           <a:p>
             <a:fld id="{D077B7F3-A623-604C-9FA0-35347E68EB54}" type="datetimeFigureOut">
               <a:rPr lang="en-US" smtClean="0"/>
-              <a:t>3/31/20</a:t>
+              <a:t>4/1/20</a:t>
             </a:fld>
             <a:endParaRPr lang="en-US"/>
           </a:p>
@@ -1956,7 +1960,7 @@
           <a:p>
             <a:fld id="{D077B7F3-A623-604C-9FA0-35347E68EB54}" type="datetimeFigureOut">
               <a:rPr lang="en-US" smtClean="0"/>
-              <a:t>3/31/20</a:t>
+              <a:t>4/1/20</a:t>
             </a:fld>
             <a:endParaRPr lang="en-US"/>
           </a:p>
@@ -2368,7 +2372,7 @@
           <a:p>
             <a:fld id="{D077B7F3-A623-604C-9FA0-35347E68EB54}" type="datetimeFigureOut">
               <a:rPr lang="en-US" smtClean="0"/>
-              <a:t>3/31/20</a:t>
+              <a:t>4/1/20</a:t>
             </a:fld>
             <a:endParaRPr lang="en-US"/>
           </a:p>
@@ -2509,7 +2513,7 @@
           <a:p>
             <a:fld id="{D077B7F3-A623-604C-9FA0-35347E68EB54}" type="datetimeFigureOut">
               <a:rPr lang="en-US" smtClean="0"/>
-              <a:t>3/31/20</a:t>
+              <a:t>4/1/20</a:t>
             </a:fld>
             <a:endParaRPr lang="en-US"/>
           </a:p>
@@ -2622,7 +2626,7 @@
           <a:p>
             <a:fld id="{D077B7F3-A623-604C-9FA0-35347E68EB54}" type="datetimeFigureOut">
               <a:rPr lang="en-US" smtClean="0"/>
-              <a:t>3/31/20</a:t>
+              <a:t>4/1/20</a:t>
             </a:fld>
             <a:endParaRPr lang="en-US"/>
           </a:p>
@@ -2933,7 +2937,7 @@
           <a:p>
             <a:fld id="{D077B7F3-A623-604C-9FA0-35347E68EB54}" type="datetimeFigureOut">
               <a:rPr lang="en-US" smtClean="0"/>
-              <a:t>3/31/20</a:t>
+              <a:t>4/1/20</a:t>
             </a:fld>
             <a:endParaRPr lang="en-US"/>
           </a:p>
@@ -3224,7 +3228,7 @@
           <a:p>
             <a:fld id="{D077B7F3-A623-604C-9FA0-35347E68EB54}" type="datetimeFigureOut">
               <a:rPr lang="en-US" smtClean="0"/>
-              <a:t>3/31/20</a:t>
+              <a:t>4/1/20</a:t>
             </a:fld>
             <a:endParaRPr lang="en-US"/>
           </a:p>
@@ -3468,7 +3472,7 @@
             <a:fld id="{D077B7F3-A623-604C-9FA0-35347E68EB54}" type="datetimeFigureOut">
               <a:rPr lang="en-US" smtClean="0"/>
               <a:pPr/>
-              <a:t>3/31/20</a:t>
+              <a:t>4/1/20</a:t>
             </a:fld>
             <a:endParaRPr lang="en-US"/>
           </a:p>
@@ -3980,157 +3984,6 @@
       </p:grpSpPr>
       <p:sp>
         <p:nvSpPr>
-          <p:cNvPr id="2" name="Title 1">
-            <a:extLst>
-              <a:ext uri="{FF2B5EF4-FFF2-40B4-BE49-F238E27FC236}">
-                <a16:creationId xmlns:a16="http://schemas.microsoft.com/office/drawing/2014/main" id="{3A025F16-6245-4A44-AC8C-477467733A58}"/>
-              </a:ext>
-            </a:extLst>
-          </p:cNvPr>
-          <p:cNvSpPr>
-            <a:spLocks noGrp="1"/>
-          </p:cNvSpPr>
-          <p:nvPr>
-            <p:ph type="title"/>
-          </p:nvPr>
-        </p:nvSpPr>
-        <p:spPr/>
-        <p:txBody>
-          <a:bodyPr/>
-          <a:lstStyle/>
-          <a:p>
-            <a:r>
-              <a:rPr lang="en-US" dirty="0"/>
-              <a:t>Wrangler thoughts</a:t>
-            </a:r>
-          </a:p>
-        </p:txBody>
-      </p:sp>
-      <p:sp>
-        <p:nvSpPr>
-          <p:cNvPr id="3" name="Content Placeholder 2">
-            <a:extLst>
-              <a:ext uri="{FF2B5EF4-FFF2-40B4-BE49-F238E27FC236}">
-                <a16:creationId xmlns:a16="http://schemas.microsoft.com/office/drawing/2014/main" id="{90E6C4C7-53F3-DF4A-BE38-7C9369CF3199}"/>
-              </a:ext>
-            </a:extLst>
-          </p:cNvPr>
-          <p:cNvSpPr>
-            <a:spLocks noGrp="1"/>
-          </p:cNvSpPr>
-          <p:nvPr>
-            <p:ph idx="1"/>
-          </p:nvPr>
-        </p:nvSpPr>
-        <p:spPr/>
-        <p:txBody>
-          <a:bodyPr>
-            <a:normAutofit fontScale="92500" lnSpcReduction="20000"/>
-          </a:bodyPr>
-          <a:lstStyle/>
-          <a:p>
-            <a:pPr marL="0" indent="0">
-              <a:buNone/>
-            </a:pPr>
-            <a:r>
-              <a:rPr lang="en-US" dirty="0"/>
-              <a:t>Strengths compared to programming, excel?</a:t>
-            </a:r>
-          </a:p>
-          <a:p>
-            <a:r>
-              <a:rPr lang="en-US" dirty="0"/>
-              <a:t>Easier to select what you want to extract than to write code</a:t>
-            </a:r>
-          </a:p>
-          <a:p>
-            <a:r>
-              <a:rPr lang="en-US" dirty="0"/>
-              <a:t>Previews of options</a:t>
-            </a:r>
-          </a:p>
-          <a:p>
-            <a:pPr marL="0" indent="0">
-              <a:buNone/>
-            </a:pPr>
-            <a:endParaRPr lang="en-US" dirty="0"/>
-          </a:p>
-          <a:p>
-            <a:pPr marL="0" indent="0">
-              <a:buNone/>
-            </a:pPr>
-            <a:r>
-              <a:rPr lang="en-US" dirty="0"/>
-              <a:t>Weaknesses/Concerns?</a:t>
-            </a:r>
-          </a:p>
-          <a:p>
-            <a:r>
-              <a:rPr lang="en-US" dirty="0"/>
-              <a:t>Doesn’t do everything well, but not integrated with e.g., notebooks</a:t>
-            </a:r>
-          </a:p>
-          <a:p>
-            <a:r>
-              <a:rPr lang="en-US" dirty="0"/>
-              <a:t>In-place previews relies on low latency</a:t>
-            </a:r>
-          </a:p>
-          <a:p>
-            <a:r>
-              <a:rPr lang="en-US" dirty="0"/>
-              <a:t>Scalability</a:t>
-            </a:r>
-          </a:p>
-          <a:p>
-            <a:pPr marL="0" indent="0">
-              <a:buNone/>
-            </a:pPr>
-            <a:endParaRPr lang="en-US" dirty="0"/>
-          </a:p>
-          <a:p>
-            <a:pPr marL="0" indent="0">
-              <a:buNone/>
-            </a:pPr>
-            <a:r>
-              <a:rPr lang="en-US" dirty="0"/>
-              <a:t>Overall, when is programming by example appropriate?</a:t>
-            </a:r>
-          </a:p>
-        </p:txBody>
-      </p:sp>
-    </p:spTree>
-    <p:extLst>
-      <p:ext uri="{BB962C8B-B14F-4D97-AF65-F5344CB8AC3E}">
-        <p14:creationId xmlns:p14="http://schemas.microsoft.com/office/powerpoint/2010/main" val="2753276679"/>
-      </p:ext>
-    </p:extLst>
-  </p:cSld>
-  <p:clrMapOvr>
-    <a:masterClrMapping/>
-  </p:clrMapOvr>
-</p:sld>
-</file>
-
-<file path=ppt/slides/slide11.xml><?xml version="1.0" encoding="utf-8"?>
-<p:sld xmlns:a="http://schemas.openxmlformats.org/drawingml/2006/main" xmlns:r="http://schemas.openxmlformats.org/officeDocument/2006/relationships" xmlns:p="http://schemas.openxmlformats.org/presentationml/2006/main">
-  <p:cSld>
-    <p:spTree>
-      <p:nvGrpSpPr>
-        <p:cNvPr id="1" name=""/>
-        <p:cNvGrpSpPr/>
-        <p:nvPr/>
-      </p:nvGrpSpPr>
-      <p:grpSpPr>
-        <a:xfrm>
-          <a:off x="0" y="0"/>
-          <a:ext cx="0" cy="0"/>
-          <a:chOff x="0" y="0"/>
-          <a:chExt cx="0" cy="0"/>
-        </a:xfrm>
-      </p:grpSpPr>
-      <p:sp>
-        <p:nvSpPr>
           <p:cNvPr id="6" name="Title 5">
             <a:extLst>
               <a:ext uri="{FF2B5EF4-FFF2-40B4-BE49-F238E27FC236}">
@@ -4195,7 +4048,7 @@
 </p:sld>
 </file>
 
-<file path=ppt/slides/slide12.xml><?xml version="1.0" encoding="utf-8"?>
+<file path=ppt/slides/slide11.xml><?xml version="1.0" encoding="utf-8"?>
 <p:sld xmlns:a="http://schemas.openxmlformats.org/drawingml/2006/main" xmlns:r="http://schemas.openxmlformats.org/officeDocument/2006/relationships" xmlns:p="http://schemas.openxmlformats.org/presentationml/2006/main">
   <p:cSld>
     <p:spTree>
@@ -4283,6 +4136,113 @@
 </p:sld>
 </file>
 
+<file path=ppt/slides/slide12.xml><?xml version="1.0" encoding="utf-8"?>
+<p:sld xmlns:a="http://schemas.openxmlformats.org/drawingml/2006/main" xmlns:r="http://schemas.openxmlformats.org/officeDocument/2006/relationships" xmlns:p="http://schemas.openxmlformats.org/presentationml/2006/main">
+  <p:cSld>
+    <p:spTree>
+      <p:nvGrpSpPr>
+        <p:cNvPr id="1" name=""/>
+        <p:cNvGrpSpPr/>
+        <p:nvPr/>
+      </p:nvGrpSpPr>
+      <p:grpSpPr>
+        <a:xfrm>
+          <a:off x="0" y="0"/>
+          <a:ext cx="0" cy="0"/>
+          <a:chOff x="0" y="0"/>
+          <a:chExt cx="0" cy="0"/>
+        </a:xfrm>
+      </p:grpSpPr>
+      <p:sp>
+        <p:nvSpPr>
+          <p:cNvPr id="2" name="Title 1">
+            <a:extLst>
+              <a:ext uri="{FF2B5EF4-FFF2-40B4-BE49-F238E27FC236}">
+                <a16:creationId xmlns:a16="http://schemas.microsoft.com/office/drawing/2014/main" id="{5B3C1B7C-DF47-E04A-8A41-1D3F23403AD8}"/>
+              </a:ext>
+            </a:extLst>
+          </p:cNvPr>
+          <p:cNvSpPr>
+            <a:spLocks noGrp="1"/>
+          </p:cNvSpPr>
+          <p:nvPr>
+            <p:ph type="title"/>
+          </p:nvPr>
+        </p:nvSpPr>
+        <p:spPr/>
+        <p:txBody>
+          <a:bodyPr/>
+          <a:lstStyle/>
+          <a:p>
+            <a:r>
+              <a:rPr lang="en-US" dirty="0"/>
+              <a:t>Real use case for Texture?</a:t>
+            </a:r>
+          </a:p>
+        </p:txBody>
+      </p:sp>
+      <p:sp>
+        <p:nvSpPr>
+          <p:cNvPr id="3" name="Content Placeholder 2">
+            <a:extLst>
+              <a:ext uri="{FF2B5EF4-FFF2-40B4-BE49-F238E27FC236}">
+                <a16:creationId xmlns:a16="http://schemas.microsoft.com/office/drawing/2014/main" id="{B40B2430-E9EB-BB44-ACD3-B95A360ABD9D}"/>
+              </a:ext>
+            </a:extLst>
+          </p:cNvPr>
+          <p:cNvSpPr>
+            <a:spLocks noGrp="1"/>
+          </p:cNvSpPr>
+          <p:nvPr>
+            <p:ph idx="1"/>
+          </p:nvPr>
+        </p:nvSpPr>
+        <p:spPr/>
+        <p:txBody>
+          <a:bodyPr/>
+          <a:lstStyle/>
+          <a:p>
+            <a:pPr marL="0" indent="0">
+              <a:buNone/>
+            </a:pPr>
+            <a:r>
+              <a:rPr lang="en-US" dirty="0"/>
+              <a:t>Examples of…</a:t>
+            </a:r>
+          </a:p>
+          <a:p>
+            <a:r>
+              <a:rPr lang="en-US" dirty="0"/>
+              <a:t>Documents</a:t>
+            </a:r>
+          </a:p>
+          <a:p>
+            <a:r>
+              <a:rPr lang="en-US" dirty="0"/>
+              <a:t>End Users</a:t>
+            </a:r>
+          </a:p>
+          <a:p>
+            <a:r>
+              <a:rPr lang="en-US" dirty="0"/>
+              <a:t>Developers</a:t>
+            </a:r>
+          </a:p>
+        </p:txBody>
+      </p:sp>
+    </p:spTree>
+    <p:extLst>
+      <p:ext uri="{BB962C8B-B14F-4D97-AF65-F5344CB8AC3E}">
+        <p14:creationId xmlns:p14="http://schemas.microsoft.com/office/powerpoint/2010/main" val="648433798"/>
+      </p:ext>
+    </p:extLst>
+  </p:cSld>
+  <p:clrMapOvr>
+    <a:masterClrMapping/>
+  </p:clrMapOvr>
+</p:sld>
+</file>
+
 <file path=ppt/slides/slide13.xml><?xml version="1.0" encoding="utf-8"?>
 <p:sld xmlns:a="http://schemas.openxmlformats.org/drawingml/2006/main" xmlns:r="http://schemas.openxmlformats.org/officeDocument/2006/relationships" xmlns:p="http://schemas.openxmlformats.org/presentationml/2006/main">
   <p:cSld>
@@ -4302,113 +4262,6 @@
       </p:grpSpPr>
       <p:sp>
         <p:nvSpPr>
-          <p:cNvPr id="2" name="Title 1">
-            <a:extLst>
-              <a:ext uri="{FF2B5EF4-FFF2-40B4-BE49-F238E27FC236}">
-                <a16:creationId xmlns:a16="http://schemas.microsoft.com/office/drawing/2014/main" id="{5B3C1B7C-DF47-E04A-8A41-1D3F23403AD8}"/>
-              </a:ext>
-            </a:extLst>
-          </p:cNvPr>
-          <p:cNvSpPr>
-            <a:spLocks noGrp="1"/>
-          </p:cNvSpPr>
-          <p:nvPr>
-            <p:ph type="title"/>
-          </p:nvPr>
-        </p:nvSpPr>
-        <p:spPr/>
-        <p:txBody>
-          <a:bodyPr/>
-          <a:lstStyle/>
-          <a:p>
-            <a:r>
-              <a:rPr lang="en-US" dirty="0"/>
-              <a:t>Real use case for Texture?</a:t>
-            </a:r>
-          </a:p>
-        </p:txBody>
-      </p:sp>
-      <p:sp>
-        <p:nvSpPr>
-          <p:cNvPr id="3" name="Content Placeholder 2">
-            <a:extLst>
-              <a:ext uri="{FF2B5EF4-FFF2-40B4-BE49-F238E27FC236}">
-                <a16:creationId xmlns:a16="http://schemas.microsoft.com/office/drawing/2014/main" id="{B40B2430-E9EB-BB44-ACD3-B95A360ABD9D}"/>
-              </a:ext>
-            </a:extLst>
-          </p:cNvPr>
-          <p:cNvSpPr>
-            <a:spLocks noGrp="1"/>
-          </p:cNvSpPr>
-          <p:nvPr>
-            <p:ph idx="1"/>
-          </p:nvPr>
-        </p:nvSpPr>
-        <p:spPr/>
-        <p:txBody>
-          <a:bodyPr/>
-          <a:lstStyle/>
-          <a:p>
-            <a:pPr marL="0" indent="0">
-              <a:buNone/>
-            </a:pPr>
-            <a:r>
-              <a:rPr lang="en-US" dirty="0"/>
-              <a:t>Examples of…</a:t>
-            </a:r>
-          </a:p>
-          <a:p>
-            <a:r>
-              <a:rPr lang="en-US" dirty="0"/>
-              <a:t>Documents</a:t>
-            </a:r>
-          </a:p>
-          <a:p>
-            <a:r>
-              <a:rPr lang="en-US" dirty="0"/>
-              <a:t>End Users</a:t>
-            </a:r>
-          </a:p>
-          <a:p>
-            <a:r>
-              <a:rPr lang="en-US" dirty="0"/>
-              <a:t>Developers</a:t>
-            </a:r>
-          </a:p>
-        </p:txBody>
-      </p:sp>
-    </p:spTree>
-    <p:extLst>
-      <p:ext uri="{BB962C8B-B14F-4D97-AF65-F5344CB8AC3E}">
-        <p14:creationId xmlns:p14="http://schemas.microsoft.com/office/powerpoint/2010/main" val="648433798"/>
-      </p:ext>
-    </p:extLst>
-  </p:cSld>
-  <p:clrMapOvr>
-    <a:masterClrMapping/>
-  </p:clrMapOvr>
-</p:sld>
-</file>
-
-<file path=ppt/slides/slide14.xml><?xml version="1.0" encoding="utf-8"?>
-<p:sld xmlns:a="http://schemas.openxmlformats.org/drawingml/2006/main" xmlns:r="http://schemas.openxmlformats.org/officeDocument/2006/relationships" xmlns:p="http://schemas.openxmlformats.org/presentationml/2006/main">
-  <p:cSld>
-    <p:spTree>
-      <p:nvGrpSpPr>
-        <p:cNvPr id="1" name=""/>
-        <p:cNvGrpSpPr/>
-        <p:nvPr/>
-      </p:nvGrpSpPr>
-      <p:grpSpPr>
-        <a:xfrm>
-          <a:off x="0" y="0"/>
-          <a:ext cx="0" cy="0"/>
-          <a:chOff x="0" y="0"/>
-          <a:chExt cx="0" cy="0"/>
-        </a:xfrm>
-      </p:grpSpPr>
-      <p:sp>
-        <p:nvSpPr>
           <p:cNvPr id="6" name="Title 5">
             <a:extLst>
               <a:ext uri="{FF2B5EF4-FFF2-40B4-BE49-F238E27FC236}">
@@ -4473,7 +4326,7 @@
 </p:sld>
 </file>
 
-<file path=ppt/slides/slide15.xml><?xml version="1.0" encoding="utf-8"?>
+<file path=ppt/slides/slide14.xml><?xml version="1.0" encoding="utf-8"?>
 <p:sld xmlns:a="http://schemas.openxmlformats.org/drawingml/2006/main" xmlns:r="http://schemas.openxmlformats.org/officeDocument/2006/relationships" xmlns:p="http://schemas.openxmlformats.org/presentationml/2006/main">
   <p:cSld>
     <p:spTree>
@@ -5866,7 +5719,7 @@
 </p:sld>
 </file>
 
-<file path=ppt/slides/slide16.xml><?xml version="1.0" encoding="utf-8"?>
+<file path=ppt/slides/slide15.xml><?xml version="1.0" encoding="utf-8"?>
 <p:sld xmlns:a="http://schemas.openxmlformats.org/drawingml/2006/main" xmlns:r="http://schemas.openxmlformats.org/officeDocument/2006/relationships" xmlns:p="http://schemas.openxmlformats.org/presentationml/2006/main">
   <p:cSld>
     <p:spTree>
@@ -6381,7 +6234,7 @@
 </p:sld>
 </file>
 
-<file path=ppt/slides/slide17.xml><?xml version="1.0" encoding="utf-8"?>
+<file path=ppt/slides/slide16.xml><?xml version="1.0" encoding="utf-8"?>
 <p:sld xmlns:a="http://schemas.openxmlformats.org/drawingml/2006/main" xmlns:r="http://schemas.openxmlformats.org/officeDocument/2006/relationships" xmlns:p="http://schemas.openxmlformats.org/presentationml/2006/main">
   <p:cSld>
     <p:spTree>
@@ -6862,7 +6715,7 @@
 </p:sld>
 </file>
 
-<file path=ppt/slides/slide18.xml><?xml version="1.0" encoding="utf-8"?>
+<file path=ppt/slides/slide17.xml><?xml version="1.0" encoding="utf-8"?>
 <p:sld xmlns:a="http://schemas.openxmlformats.org/drawingml/2006/main" xmlns:r="http://schemas.openxmlformats.org/officeDocument/2006/relationships" xmlns:p="http://schemas.openxmlformats.org/presentationml/2006/main">
   <p:cSld>
     <p:spTree>
@@ -7058,6 +6911,183 @@
 </p:sld>
 </file>
 
+<file path=ppt/slides/slide18.xml><?xml version="1.0" encoding="utf-8"?>
+<p:sld xmlns:a="http://schemas.openxmlformats.org/drawingml/2006/main" xmlns:r="http://schemas.openxmlformats.org/officeDocument/2006/relationships" xmlns:p="http://schemas.openxmlformats.org/presentationml/2006/main">
+  <p:cSld>
+    <p:spTree>
+      <p:nvGrpSpPr>
+        <p:cNvPr id="1" name=""/>
+        <p:cNvGrpSpPr/>
+        <p:nvPr/>
+      </p:nvGrpSpPr>
+      <p:grpSpPr>
+        <a:xfrm>
+          <a:off x="0" y="0"/>
+          <a:ext cx="0" cy="0"/>
+          <a:chOff x="0" y="0"/>
+          <a:chExt cx="0" cy="0"/>
+        </a:xfrm>
+      </p:grpSpPr>
+      <p:sp>
+        <p:nvSpPr>
+          <p:cNvPr id="2" name="Title 1">
+            <a:extLst>
+              <a:ext uri="{FF2B5EF4-FFF2-40B4-BE49-F238E27FC236}">
+                <a16:creationId xmlns:a16="http://schemas.microsoft.com/office/drawing/2014/main" id="{5CB88E1C-7810-E34E-8F80-68901A29CAF3}"/>
+              </a:ext>
+            </a:extLst>
+          </p:cNvPr>
+          <p:cNvSpPr>
+            <a:spLocks noGrp="1"/>
+          </p:cNvSpPr>
+          <p:nvPr>
+            <p:ph type="title"/>
+          </p:nvPr>
+        </p:nvSpPr>
+        <p:spPr/>
+        <p:txBody>
+          <a:bodyPr/>
+          <a:lstStyle/>
+          <a:p>
+            <a:r>
+              <a:rPr lang="en-US" dirty="0"/>
+              <a:t>How best to combine HDIs and AI?</a:t>
+            </a:r>
+          </a:p>
+        </p:txBody>
+      </p:sp>
+      <p:sp>
+        <p:nvSpPr>
+          <p:cNvPr id="3" name="Content Placeholder 2">
+            <a:extLst>
+              <a:ext uri="{FF2B5EF4-FFF2-40B4-BE49-F238E27FC236}">
+                <a16:creationId xmlns:a16="http://schemas.microsoft.com/office/drawing/2014/main" id="{31427E0F-8F86-EF44-9A86-154AEA932376}"/>
+              </a:ext>
+            </a:extLst>
+          </p:cNvPr>
+          <p:cNvSpPr>
+            <a:spLocks noGrp="1"/>
+          </p:cNvSpPr>
+          <p:nvPr>
+            <p:ph idx="1"/>
+          </p:nvPr>
+        </p:nvSpPr>
+        <p:spPr/>
+        <p:txBody>
+          <a:bodyPr>
+            <a:normAutofit lnSpcReduction="10000"/>
+          </a:bodyPr>
+          <a:lstStyle/>
+          <a:p>
+            <a:pPr marL="0" indent="0">
+              <a:buNone/>
+            </a:pPr>
+            <a:r>
+              <a:rPr lang="en-US" dirty="0"/>
+              <a:t>Provide shared representation: DSL</a:t>
+            </a:r>
+          </a:p>
+          <a:p>
+            <a:pPr marL="0" indent="0">
+              <a:buNone/>
+            </a:pPr>
+            <a:r>
+              <a:rPr lang="en-US" dirty="0"/>
+              <a:t>AI: </a:t>
+            </a:r>
+            <a:r>
+              <a:rPr lang="en-US" dirty="0">
+                <a:solidFill>
+                  <a:schemeClr val="bg1">
+                    <a:lumMod val="50000"/>
+                  </a:schemeClr>
+                </a:solidFill>
+              </a:rPr>
+              <a:t>generate and rank suggestions in DSL</a:t>
+            </a:r>
+          </a:p>
+          <a:p>
+            <a:pPr marL="0" indent="0">
+              <a:buNone/>
+            </a:pPr>
+            <a:r>
+              <a:rPr lang="en-US" dirty="0"/>
+              <a:t>Users: </a:t>
+            </a:r>
+            <a:r>
+              <a:rPr lang="en-US" dirty="0">
+                <a:solidFill>
+                  <a:schemeClr val="bg1">
+                    <a:lumMod val="50000"/>
+                  </a:schemeClr>
+                </a:solidFill>
+              </a:rPr>
+              <a:t>review, select, edit, ignore suggestions</a:t>
+            </a:r>
+          </a:p>
+          <a:p>
+            <a:pPr marL="0" indent="0">
+              <a:buNone/>
+            </a:pPr>
+            <a:endParaRPr lang="en-US" dirty="0"/>
+          </a:p>
+          <a:p>
+            <a:pPr marL="0" indent="0">
+              <a:buNone/>
+            </a:pPr>
+            <a:r>
+              <a:rPr lang="en-US" dirty="0"/>
+              <a:t>Examples of DSLs</a:t>
+            </a:r>
+          </a:p>
+          <a:p>
+            <a:r>
+              <a:rPr lang="en-US" dirty="0"/>
+              <a:t>Tableau:</a:t>
+            </a:r>
+          </a:p>
+          <a:p>
+            <a:r>
+              <a:rPr lang="en-US" dirty="0"/>
+              <a:t>Voyager:</a:t>
+            </a:r>
+          </a:p>
+          <a:p>
+            <a:r>
+              <a:rPr lang="en-US" dirty="0"/>
+              <a:t>Wrangler:</a:t>
+            </a:r>
+          </a:p>
+          <a:p>
+            <a:r>
+              <a:rPr lang="en-US" dirty="0"/>
+              <a:t>Texture:</a:t>
+            </a:r>
+          </a:p>
+          <a:p>
+            <a:endParaRPr lang="en-US" dirty="0"/>
+          </a:p>
+          <a:p>
+            <a:endParaRPr lang="en-US" dirty="0"/>
+          </a:p>
+          <a:p>
+            <a:endParaRPr lang="en-US" dirty="0"/>
+          </a:p>
+        </p:txBody>
+      </p:sp>
+    </p:spTree>
+    <p:extLst>
+      <p:ext uri="{BB962C8B-B14F-4D97-AF65-F5344CB8AC3E}">
+        <p14:creationId xmlns:p14="http://schemas.microsoft.com/office/powerpoint/2010/main" val="1474211064"/>
+      </p:ext>
+    </p:extLst>
+  </p:cSld>
+  <p:clrMapOvr>
+    <a:masterClrMapping/>
+  </p:clrMapOvr>
+</p:sld>
+</file>
+
 <file path=ppt/slides/slide19.xml><?xml version="1.0" encoding="utf-8"?>
 <p:sld xmlns:a="http://schemas.openxmlformats.org/drawingml/2006/main" xmlns:r="http://schemas.openxmlformats.org/officeDocument/2006/relationships" xmlns:p="http://schemas.openxmlformats.org/presentationml/2006/main">
   <p:cSld>
@@ -7190,25 +7220,38 @@
           <a:p>
             <a:r>
               <a:rPr lang="en-US" dirty="0"/>
-              <a:t>Tableau:</a:t>
-            </a:r>
+              <a:t>Tableau: </a:t>
+            </a:r>
+            <a:r>
+              <a:rPr lang="en-US" dirty="0" err="1"/>
+              <a:t>VisQL</a:t>
+            </a:r>
+            <a:endParaRPr lang="en-US" dirty="0"/>
           </a:p>
           <a:p>
             <a:r>
               <a:rPr lang="en-US" dirty="0"/>
-              <a:t>Voyager:</a:t>
-            </a:r>
-          </a:p>
-          <a:p>
+              <a:t>Voyager: </a:t>
+            </a:r>
+            <a:r>
+              <a:rPr lang="en-US" dirty="0" err="1"/>
+              <a:t>vega</a:t>
+            </a:r>
             <a:r>
               <a:rPr lang="en-US" dirty="0"/>
-              <a:t>Wrangler:</a:t>
+              <a:t>-lite</a:t>
             </a:r>
           </a:p>
           <a:p>
             <a:r>
               <a:rPr lang="en-US" dirty="0"/>
-              <a:t>Texture:</a:t>
+              <a:t>Wrangler: wrangler transforms</a:t>
+            </a:r>
+          </a:p>
+          <a:p>
+            <a:r>
+              <a:rPr lang="en-US" dirty="0"/>
+              <a:t>Texture: SBEL extraction rule</a:t>
             </a:r>
           </a:p>
           <a:p>
@@ -7225,7 +7268,7 @@
     </p:spTree>
     <p:extLst>
       <p:ext uri="{BB962C8B-B14F-4D97-AF65-F5344CB8AC3E}">
-        <p14:creationId xmlns:p14="http://schemas.microsoft.com/office/powerpoint/2010/main" val="1474211064"/>
+        <p14:creationId xmlns:p14="http://schemas.microsoft.com/office/powerpoint/2010/main" val="801336988"/>
       </p:ext>
     </p:extLst>
   </p:cSld>
@@ -7450,48 +7493,32 @@
             </a:pPr>
             <a:r>
               <a:rPr lang="en-US" dirty="0"/>
-              <a:t>Examples of DSLs</a:t>
+              <a:t>Principles</a:t>
             </a:r>
           </a:p>
           <a:p>
             <a:r>
               <a:rPr lang="en-US" dirty="0"/>
-              <a:t>Tableau: </a:t>
-            </a:r>
-            <a:r>
-              <a:rPr lang="en-US" dirty="0" err="1"/>
-              <a:t>VisQL</a:t>
-            </a:r>
-            <a:endParaRPr lang="en-US" dirty="0"/>
+              <a:t>Positive value (for user tasks)</a:t>
+            </a:r>
           </a:p>
           <a:p>
             <a:r>
               <a:rPr lang="en-US" dirty="0"/>
-              <a:t>Voyager: </a:t>
-            </a:r>
-            <a:r>
-              <a:rPr lang="en-US" dirty="0" err="1"/>
-              <a:t>vega</a:t>
-            </a:r>
+              <a:t>Low overhead: augment, not replace, user interaction</a:t>
+            </a:r>
+          </a:p>
+          <a:p>
             <a:r>
               <a:rPr lang="en-US" dirty="0"/>
-              <a:t>-lite</a:t>
+              <a:t>Doesn’t decrease value</a:t>
             </a:r>
           </a:p>
           <a:p>
             <a:r>
               <a:rPr lang="en-US" dirty="0"/>
-              <a:t>Wrangler: wrangler transforms</a:t>
-            </a:r>
-          </a:p>
-          <a:p>
-            <a:r>
-              <a:rPr lang="en-US" dirty="0"/>
-              <a:t>Texture: SBEL extraction rule</a:t>
-            </a:r>
-          </a:p>
-          <a:p>
-            <a:endParaRPr lang="en-US" dirty="0"/>
+              <a:t>Better over time</a:t>
+            </a:r>
           </a:p>
           <a:p>
             <a:endParaRPr lang="en-US" dirty="0"/>
@@ -7504,7 +7531,7 @@
     </p:spTree>
     <p:extLst>
       <p:ext uri="{BB962C8B-B14F-4D97-AF65-F5344CB8AC3E}">
-        <p14:creationId xmlns:p14="http://schemas.microsoft.com/office/powerpoint/2010/main" val="801336988"/>
+        <p14:creationId xmlns:p14="http://schemas.microsoft.com/office/powerpoint/2010/main" val="2476532077"/>
       </p:ext>
     </p:extLst>
   </p:cSld>
@@ -7536,7 +7563,7 @@
           <p:cNvPr id="2" name="Title 1">
             <a:extLst>
               <a:ext uri="{FF2B5EF4-FFF2-40B4-BE49-F238E27FC236}">
-                <a16:creationId xmlns:a16="http://schemas.microsoft.com/office/drawing/2014/main" id="{5CB88E1C-7810-E34E-8F80-68901A29CAF3}"/>
+                <a16:creationId xmlns:a16="http://schemas.microsoft.com/office/drawing/2014/main" id="{6D8A9253-2EBF-7C4B-AC49-5344E32D826C}"/>
               </a:ext>
             </a:extLst>
           </p:cNvPr>
@@ -7554,7 +7581,7 @@
           <a:p>
             <a:r>
               <a:rPr lang="en-US" dirty="0"/>
-              <a:t>How best to combine HDIs and AI?</a:t>
+              <a:t>Why Combine HDIs and AI anyways?</a:t>
             </a:r>
           </a:p>
         </p:txBody>
@@ -7564,7 +7591,7 @@
           <p:cNvPr id="3" name="Content Placeholder 2">
             <a:extLst>
               <a:ext uri="{FF2B5EF4-FFF2-40B4-BE49-F238E27FC236}">
-                <a16:creationId xmlns:a16="http://schemas.microsoft.com/office/drawing/2014/main" id="{31427E0F-8F86-EF44-9A86-154AEA932376}"/>
+                <a16:creationId xmlns:a16="http://schemas.microsoft.com/office/drawing/2014/main" id="{6B3274AD-9DBB-9D48-8DB6-D36F9B697E9B}"/>
               </a:ext>
             </a:extLst>
           </p:cNvPr>
@@ -7578,7 +7605,7 @@
         <p:spPr/>
         <p:txBody>
           <a:bodyPr>
-            <a:normAutofit lnSpcReduction="10000"/>
+            <a:normAutofit/>
           </a:bodyPr>
           <a:lstStyle/>
           <a:p>
@@ -7587,45 +7614,13 @@
             </a:pPr>
             <a:r>
               <a:rPr lang="en-US" dirty="0"/>
-              <a:t>Provide shared representation: DSL</a:t>
-            </a:r>
-          </a:p>
-          <a:p>
-            <a:pPr marL="0" indent="0">
-              <a:buNone/>
-            </a:pPr>
+              <a:t>Data tasks are ill-formed.  User iteratively identifies the task</a:t>
+            </a:r>
+          </a:p>
+          <a:p>
             <a:r>
               <a:rPr lang="en-US" dirty="0"/>
-              <a:t>AI: </a:t>
-            </a:r>
-            <a:r>
-              <a:rPr lang="en-US" dirty="0">
-                <a:solidFill>
-                  <a:schemeClr val="bg1">
-                    <a:lumMod val="50000"/>
-                  </a:schemeClr>
-                </a:solidFill>
-              </a:rPr>
-              <a:t>generate and rank suggestions in DSL</a:t>
-            </a:r>
-          </a:p>
-          <a:p>
-            <a:pPr marL="0" indent="0">
-              <a:buNone/>
-            </a:pPr>
-            <a:r>
-              <a:rPr lang="en-US" dirty="0"/>
-              <a:t>Users: </a:t>
-            </a:r>
-            <a:r>
-              <a:rPr lang="en-US" dirty="0">
-                <a:solidFill>
-                  <a:schemeClr val="bg1">
-                    <a:lumMod val="50000"/>
-                  </a:schemeClr>
-                </a:solidFill>
-              </a:rPr>
-              <a:t>review, select, edit, ignore suggestions</a:t>
+              <a:t>Data science, cleaning, exploration, creativity</a:t>
             </a:r>
           </a:p>
           <a:p>
@@ -7640,37 +7635,43 @@
             </a:pPr>
             <a:r>
               <a:rPr lang="en-US" dirty="0"/>
-              <a:t>Principles</a:t>
-            </a:r>
-          </a:p>
-          <a:p>
+              <a:t>Big design + action (programs) space</a:t>
+            </a:r>
+          </a:p>
+          <a:p>
+            <a:pPr marL="0" indent="0">
+              <a:buNone/>
+            </a:pPr>
+            <a:endParaRPr lang="en-US" dirty="0"/>
+          </a:p>
+          <a:p>
+            <a:pPr marL="0" indent="0">
+              <a:buNone/>
+            </a:pPr>
             <a:r>
               <a:rPr lang="en-US" dirty="0"/>
-              <a:t>Positive value (for user tasks)</a:t>
-            </a:r>
-          </a:p>
-          <a:p>
+              <a:t>Big and unknown task (goals) space</a:t>
+            </a:r>
+          </a:p>
+          <a:p>
+            <a:pPr marL="0" indent="0">
+              <a:buNone/>
+            </a:pPr>
+            <a:endParaRPr lang="en-US" dirty="0"/>
+          </a:p>
+          <a:p>
+            <a:pPr marL="0" indent="0">
+              <a:buNone/>
+            </a:pPr>
             <a:r>
               <a:rPr lang="en-US" dirty="0"/>
-              <a:t>Low overhead: augment, not replace, user interaction</a:t>
-            </a:r>
-          </a:p>
-          <a:p>
-            <a:r>
-              <a:rPr lang="en-US" dirty="0"/>
-              <a:t>Doesn’t decrease value</a:t>
-            </a:r>
-          </a:p>
-          <a:p>
-            <a:r>
-              <a:rPr lang="en-US" dirty="0"/>
-              <a:t>Better over time</a:t>
-            </a:r>
-          </a:p>
-          <a:p>
-            <a:endParaRPr lang="en-US" dirty="0"/>
-          </a:p>
-          <a:p>
+              <a:t>Imperfect AI</a:t>
+            </a:r>
+          </a:p>
+          <a:p>
+            <a:pPr marL="0" indent="0">
+              <a:buNone/>
+            </a:pPr>
             <a:endParaRPr lang="en-US" dirty="0"/>
           </a:p>
         </p:txBody>
@@ -7678,7 +7679,7 @@
     </p:spTree>
     <p:extLst>
       <p:ext uri="{BB962C8B-B14F-4D97-AF65-F5344CB8AC3E}">
-        <p14:creationId xmlns:p14="http://schemas.microsoft.com/office/powerpoint/2010/main" val="2476532077"/>
+        <p14:creationId xmlns:p14="http://schemas.microsoft.com/office/powerpoint/2010/main" val="3593747778"/>
       </p:ext>
     </p:extLst>
   </p:cSld>
@@ -7710,7 +7711,7 @@
           <p:cNvPr id="2" name="Title 1">
             <a:extLst>
               <a:ext uri="{FF2B5EF4-FFF2-40B4-BE49-F238E27FC236}">
-                <a16:creationId xmlns:a16="http://schemas.microsoft.com/office/drawing/2014/main" id="{6D8A9253-2EBF-7C4B-AC49-5344E32D826C}"/>
+                <a16:creationId xmlns:a16="http://schemas.microsoft.com/office/drawing/2014/main" id="{967FA871-0E28-D543-A2DC-049CD4D12C8F}"/>
               </a:ext>
             </a:extLst>
           </p:cNvPr>
@@ -7723,110 +7724,260 @@
         </p:nvSpPr>
         <p:spPr/>
         <p:txBody>
-          <a:bodyPr/>
-          <a:lstStyle/>
-          <a:p>
-            <a:r>
-              <a:rPr lang="en-US" dirty="0"/>
-              <a:t>Why Combine HDIs and AI anyways?</a:t>
-            </a:r>
-          </a:p>
-        </p:txBody>
-      </p:sp>
-      <p:sp>
-        <p:nvSpPr>
-          <p:cNvPr id="3" name="Content Placeholder 2">
-            <a:extLst>
-              <a:ext uri="{FF2B5EF4-FFF2-40B4-BE49-F238E27FC236}">
-                <a16:creationId xmlns:a16="http://schemas.microsoft.com/office/drawing/2014/main" id="{6B3274AD-9DBB-9D48-8DB6-D36F9B697E9B}"/>
-              </a:ext>
-            </a:extLst>
-          </p:cNvPr>
-          <p:cNvSpPr>
-            <a:spLocks noGrp="1"/>
-          </p:cNvSpPr>
-          <p:nvPr>
-            <p:ph idx="1"/>
-          </p:nvPr>
-        </p:nvSpPr>
-        <p:spPr/>
-        <p:txBody>
           <a:bodyPr>
             <a:normAutofit/>
           </a:bodyPr>
           <a:lstStyle/>
           <a:p>
-            <a:pPr marL="0" indent="0">
-              <a:buNone/>
-            </a:pPr>
-            <a:r>
-              <a:rPr lang="en-US" dirty="0"/>
-              <a:t>Data tasks are ill-formed.  User iteratively identifies the task</a:t>
-            </a:r>
-          </a:p>
-          <a:p>
-            <a:r>
-              <a:rPr lang="en-US" dirty="0"/>
-              <a:t>Data science, cleaning, exploration, creativity</a:t>
-            </a:r>
-          </a:p>
-          <a:p>
-            <a:pPr marL="0" indent="0">
-              <a:buNone/>
-            </a:pPr>
-            <a:endParaRPr lang="en-US" dirty="0"/>
-          </a:p>
-          <a:p>
-            <a:pPr marL="0" indent="0">
-              <a:buNone/>
-            </a:pPr>
-            <a:r>
-              <a:rPr lang="en-US" dirty="0"/>
-              <a:t>Big design + action (programs) space</a:t>
-            </a:r>
-          </a:p>
-          <a:p>
-            <a:pPr marL="0" indent="0">
-              <a:buNone/>
-            </a:pPr>
-            <a:endParaRPr lang="en-US" dirty="0"/>
-          </a:p>
-          <a:p>
-            <a:pPr marL="0" indent="0">
-              <a:buNone/>
-            </a:pPr>
-            <a:r>
-              <a:rPr lang="en-US" dirty="0"/>
-              <a:t>Big and unknown task (goals) space</a:t>
-            </a:r>
-          </a:p>
-          <a:p>
-            <a:pPr marL="0" indent="0">
-              <a:buNone/>
-            </a:pPr>
-            <a:endParaRPr lang="en-US" dirty="0"/>
-          </a:p>
-          <a:p>
-            <a:pPr marL="0" indent="0">
-              <a:buNone/>
-            </a:pPr>
-            <a:r>
-              <a:rPr lang="en-US" dirty="0"/>
-              <a:t>Imperfect AI</a:t>
-            </a:r>
-          </a:p>
-          <a:p>
-            <a:pPr marL="0" indent="0">
-              <a:buNone/>
-            </a:pPr>
-            <a:endParaRPr lang="en-US" dirty="0"/>
+            <a:r>
+              <a:rPr lang="en-US" sz="4000" dirty="0"/>
+              <a:t>Contrast between the three systems</a:t>
+            </a:r>
+          </a:p>
+        </p:txBody>
+      </p:sp>
+      <p:pic>
+        <p:nvPicPr>
+          <p:cNvPr id="4" name="Picture 3">
+            <a:extLst>
+              <a:ext uri="{FF2B5EF4-FFF2-40B4-BE49-F238E27FC236}">
+                <a16:creationId xmlns:a16="http://schemas.microsoft.com/office/drawing/2014/main" id="{FC04ECD9-CD9D-3245-8A90-88C4D6128D52}"/>
+              </a:ext>
+            </a:extLst>
+          </p:cNvPr>
+          <p:cNvPicPr>
+            <a:picLocks noChangeAspect="1"/>
+          </p:cNvPicPr>
+          <p:nvPr/>
+        </p:nvPicPr>
+        <p:blipFill rotWithShape="1">
+          <a:blip r:embed="rId2"/>
+          <a:srcRect l="13501" r="14008"/>
+          <a:stretch/>
+        </p:blipFill>
+        <p:spPr>
+          <a:xfrm>
+            <a:off x="4584588" y="2664197"/>
+            <a:ext cx="3308512" cy="3437008"/>
+          </a:xfrm>
+          <a:prstGeom prst="rect">
+            <a:avLst/>
+          </a:prstGeom>
+        </p:spPr>
+      </p:pic>
+      <p:pic>
+        <p:nvPicPr>
+          <p:cNvPr id="5" name="Picture 4">
+            <a:extLst>
+              <a:ext uri="{FF2B5EF4-FFF2-40B4-BE49-F238E27FC236}">
+                <a16:creationId xmlns:a16="http://schemas.microsoft.com/office/drawing/2014/main" id="{F329E73E-63BF-8049-BB0A-D95080944A80}"/>
+              </a:ext>
+            </a:extLst>
+          </p:cNvPr>
+          <p:cNvPicPr>
+            <a:picLocks noChangeAspect="1"/>
+          </p:cNvPicPr>
+          <p:nvPr/>
+        </p:nvPicPr>
+        <p:blipFill rotWithShape="1">
+          <a:blip r:embed="rId3"/>
+          <a:srcRect r="32825"/>
+          <a:stretch/>
+        </p:blipFill>
+        <p:spPr>
+          <a:xfrm>
+            <a:off x="8804297" y="2673342"/>
+            <a:ext cx="2815274" cy="3396972"/>
+          </a:xfrm>
+          <a:prstGeom prst="rect">
+            <a:avLst/>
+          </a:prstGeom>
+        </p:spPr>
+      </p:pic>
+      <p:pic>
+        <p:nvPicPr>
+          <p:cNvPr id="6" name="Picture 5">
+            <a:extLst>
+              <a:ext uri="{FF2B5EF4-FFF2-40B4-BE49-F238E27FC236}">
+                <a16:creationId xmlns:a16="http://schemas.microsoft.com/office/drawing/2014/main" id="{A8C03813-D0E2-8C44-BBCD-0F0E290E9888}"/>
+              </a:ext>
+            </a:extLst>
+          </p:cNvPr>
+          <p:cNvPicPr>
+            <a:picLocks noChangeAspect="1"/>
+          </p:cNvPicPr>
+          <p:nvPr/>
+        </p:nvPicPr>
+        <p:blipFill rotWithShape="1">
+          <a:blip r:embed="rId4"/>
+          <a:srcRect l="1078" t="1410" r="27053"/>
+          <a:stretch/>
+        </p:blipFill>
+        <p:spPr>
+          <a:xfrm>
+            <a:off x="875898" y="2709512"/>
+            <a:ext cx="2511805" cy="3391692"/>
+          </a:xfrm>
+          <a:prstGeom prst="rect">
+            <a:avLst/>
+          </a:prstGeom>
+        </p:spPr>
+      </p:pic>
+      <p:sp>
+        <p:nvSpPr>
+          <p:cNvPr id="9" name="TextBox 8">
+            <a:extLst>
+              <a:ext uri="{FF2B5EF4-FFF2-40B4-BE49-F238E27FC236}">
+                <a16:creationId xmlns:a16="http://schemas.microsoft.com/office/drawing/2014/main" id="{BB1CE9B1-5555-8044-AE46-B3AF6880735C}"/>
+              </a:ext>
+            </a:extLst>
+          </p:cNvPr>
+          <p:cNvSpPr txBox="1"/>
+          <p:nvPr/>
+        </p:nvSpPr>
+        <p:spPr>
+          <a:xfrm>
+            <a:off x="1293690" y="1706880"/>
+            <a:ext cx="1638525" cy="954107"/>
+          </a:xfrm>
+          <a:prstGeom prst="rect">
+            <a:avLst/>
+          </a:prstGeom>
+          <a:noFill/>
+        </p:spPr>
+        <p:txBody>
+          <a:bodyPr wrap="none" rtlCol="0">
+            <a:spAutoFit/>
+          </a:bodyPr>
+          <a:lstStyle/>
+          <a:p>
+            <a:pPr algn="ctr"/>
+            <a:r>
+              <a:rPr lang="en-US" sz="2800" dirty="0">
+                <a:latin typeface="Arial" panose="020B0604020202020204" pitchFamily="34" charset="0"/>
+                <a:cs typeface="Arial" panose="020B0604020202020204" pitchFamily="34" charset="0"/>
+              </a:rPr>
+              <a:t>Wrangler</a:t>
+            </a:r>
+          </a:p>
+          <a:p>
+            <a:pPr algn="ctr"/>
+            <a:r>
+              <a:rPr lang="en-US" sz="2800" dirty="0">
+                <a:latin typeface="Arial" panose="020B0604020202020204" pitchFamily="34" charset="0"/>
+                <a:cs typeface="Arial" panose="020B0604020202020204" pitchFamily="34" charset="0"/>
+              </a:rPr>
+              <a:t>csv/text</a:t>
+            </a:r>
+          </a:p>
+        </p:txBody>
+      </p:sp>
+      <p:sp>
+        <p:nvSpPr>
+          <p:cNvPr id="10" name="TextBox 9">
+            <a:extLst>
+              <a:ext uri="{FF2B5EF4-FFF2-40B4-BE49-F238E27FC236}">
+                <a16:creationId xmlns:a16="http://schemas.microsoft.com/office/drawing/2014/main" id="{8CDD9BFE-EBDE-7F49-A24A-2E9202484386}"/>
+              </a:ext>
+            </a:extLst>
+          </p:cNvPr>
+          <p:cNvSpPr txBox="1"/>
+          <p:nvPr/>
+        </p:nvSpPr>
+        <p:spPr>
+          <a:xfrm>
+            <a:off x="5347414" y="1706880"/>
+            <a:ext cx="1782860" cy="954107"/>
+          </a:xfrm>
+          <a:prstGeom prst="rect">
+            <a:avLst/>
+          </a:prstGeom>
+          <a:noFill/>
+        </p:spPr>
+        <p:txBody>
+          <a:bodyPr wrap="none" rtlCol="0">
+            <a:spAutoFit/>
+          </a:bodyPr>
+          <a:lstStyle/>
+          <a:p>
+            <a:pPr algn="ctr"/>
+            <a:r>
+              <a:rPr lang="en-US" sz="2800" dirty="0">
+                <a:latin typeface="Arial" panose="020B0604020202020204" pitchFamily="34" charset="0"/>
+                <a:cs typeface="Arial" panose="020B0604020202020204" pitchFamily="34" charset="0"/>
+              </a:rPr>
+              <a:t>Texture</a:t>
+            </a:r>
+          </a:p>
+          <a:p>
+            <a:pPr algn="ctr"/>
+            <a:r>
+              <a:rPr lang="en-US" sz="2800" dirty="0">
+                <a:latin typeface="Arial" panose="020B0604020202020204" pitchFamily="34" charset="0"/>
+                <a:cs typeface="Arial" panose="020B0604020202020204" pitchFamily="34" charset="0"/>
+              </a:rPr>
+              <a:t>Print docs</a:t>
+            </a:r>
+          </a:p>
+        </p:txBody>
+      </p:sp>
+      <p:sp>
+        <p:nvSpPr>
+          <p:cNvPr id="11" name="TextBox 10">
+            <a:extLst>
+              <a:ext uri="{FF2B5EF4-FFF2-40B4-BE49-F238E27FC236}">
+                <a16:creationId xmlns:a16="http://schemas.microsoft.com/office/drawing/2014/main" id="{A76C25E9-A96A-A049-B0EF-36999F4496A1}"/>
+              </a:ext>
+            </a:extLst>
+          </p:cNvPr>
+          <p:cNvSpPr txBox="1"/>
+          <p:nvPr/>
+        </p:nvSpPr>
+        <p:spPr>
+          <a:xfrm>
+            <a:off x="8890098" y="1706880"/>
+            <a:ext cx="2643672" cy="954107"/>
+          </a:xfrm>
+          <a:prstGeom prst="rect">
+            <a:avLst/>
+          </a:prstGeom>
+          <a:noFill/>
+        </p:spPr>
+        <p:txBody>
+          <a:bodyPr wrap="none" rtlCol="0">
+            <a:spAutoFit/>
+          </a:bodyPr>
+          <a:lstStyle/>
+          <a:p>
+            <a:pPr algn="ctr"/>
+            <a:r>
+              <a:rPr lang="en-US" sz="2800" dirty="0" err="1">
+                <a:latin typeface="Arial" panose="020B0604020202020204" pitchFamily="34" charset="0"/>
+                <a:cs typeface="Arial" panose="020B0604020202020204" pitchFamily="34" charset="0"/>
+              </a:rPr>
+              <a:t>Instabase</a:t>
+            </a:r>
+            <a:endParaRPr lang="en-US" sz="2800" dirty="0">
+              <a:latin typeface="Arial" panose="020B0604020202020204" pitchFamily="34" charset="0"/>
+              <a:cs typeface="Arial" panose="020B0604020202020204" pitchFamily="34" charset="0"/>
+            </a:endParaRPr>
+          </a:p>
+          <a:p>
+            <a:pPr algn="ctr"/>
+            <a:r>
+              <a:rPr lang="en-US" sz="2800" dirty="0">
+                <a:latin typeface="Arial" panose="020B0604020202020204" pitchFamily="34" charset="0"/>
+                <a:cs typeface="Arial" panose="020B0604020202020204" pitchFamily="34" charset="0"/>
+              </a:rPr>
+              <a:t>structured docs</a:t>
+            </a:r>
           </a:p>
         </p:txBody>
       </p:sp>
     </p:spTree>
     <p:extLst>
       <p:ext uri="{BB962C8B-B14F-4D97-AF65-F5344CB8AC3E}">
-        <p14:creationId xmlns:p14="http://schemas.microsoft.com/office/powerpoint/2010/main" val="3593747778"/>
+        <p14:creationId xmlns:p14="http://schemas.microsoft.com/office/powerpoint/2010/main" val="241482674"/>
       </p:ext>
     </p:extLst>
   </p:cSld>
@@ -7878,98 +8029,11 @@
           <a:p>
             <a:r>
               <a:rPr lang="en-US" sz="4000" dirty="0"/>
-              <a:t>Contrast between the three systems</a:t>
-            </a:r>
-          </a:p>
-        </p:txBody>
-      </p:sp>
-      <p:pic>
-        <p:nvPicPr>
-          <p:cNvPr id="4" name="Picture 3">
-            <a:extLst>
-              <a:ext uri="{FF2B5EF4-FFF2-40B4-BE49-F238E27FC236}">
-                <a16:creationId xmlns:a16="http://schemas.microsoft.com/office/drawing/2014/main" id="{FC04ECD9-CD9D-3245-8A90-88C4D6128D52}"/>
-              </a:ext>
-            </a:extLst>
-          </p:cNvPr>
-          <p:cNvPicPr>
-            <a:picLocks noChangeAspect="1"/>
-          </p:cNvPicPr>
-          <p:nvPr/>
-        </p:nvPicPr>
-        <p:blipFill rotWithShape="1">
-          <a:blip r:embed="rId2"/>
-          <a:srcRect l="13501" r="14008"/>
-          <a:stretch/>
-        </p:blipFill>
-        <p:spPr>
-          <a:xfrm>
-            <a:off x="4584588" y="2664197"/>
-            <a:ext cx="3308512" cy="3437008"/>
-          </a:xfrm>
-          <a:prstGeom prst="rect">
-            <a:avLst/>
-          </a:prstGeom>
-        </p:spPr>
-      </p:pic>
-      <p:pic>
-        <p:nvPicPr>
-          <p:cNvPr id="5" name="Picture 4">
-            <a:extLst>
-              <a:ext uri="{FF2B5EF4-FFF2-40B4-BE49-F238E27FC236}">
-                <a16:creationId xmlns:a16="http://schemas.microsoft.com/office/drawing/2014/main" id="{F329E73E-63BF-8049-BB0A-D95080944A80}"/>
-              </a:ext>
-            </a:extLst>
-          </p:cNvPr>
-          <p:cNvPicPr>
-            <a:picLocks noChangeAspect="1"/>
-          </p:cNvPicPr>
-          <p:nvPr/>
-        </p:nvPicPr>
-        <p:blipFill rotWithShape="1">
-          <a:blip r:embed="rId3"/>
-          <a:srcRect r="32825"/>
-          <a:stretch/>
-        </p:blipFill>
-        <p:spPr>
-          <a:xfrm>
-            <a:off x="8804297" y="2673342"/>
-            <a:ext cx="2815274" cy="3396972"/>
-          </a:xfrm>
-          <a:prstGeom prst="rect">
-            <a:avLst/>
-          </a:prstGeom>
-        </p:spPr>
-      </p:pic>
-      <p:pic>
-        <p:nvPicPr>
-          <p:cNvPr id="6" name="Picture 5">
-            <a:extLst>
-              <a:ext uri="{FF2B5EF4-FFF2-40B4-BE49-F238E27FC236}">
-                <a16:creationId xmlns:a16="http://schemas.microsoft.com/office/drawing/2014/main" id="{A8C03813-D0E2-8C44-BBCD-0F0E290E9888}"/>
-              </a:ext>
-            </a:extLst>
-          </p:cNvPr>
-          <p:cNvPicPr>
-            <a:picLocks noChangeAspect="1"/>
-          </p:cNvPicPr>
-          <p:nvPr/>
-        </p:nvPicPr>
-        <p:blipFill rotWithShape="1">
-          <a:blip r:embed="rId4"/>
-          <a:srcRect l="1078" t="1410" r="27053"/>
-          <a:stretch/>
-        </p:blipFill>
-        <p:spPr>
-          <a:xfrm>
-            <a:off x="875898" y="2709512"/>
-            <a:ext cx="2511805" cy="3391692"/>
-          </a:xfrm>
-          <a:prstGeom prst="rect">
-            <a:avLst/>
-          </a:prstGeom>
-        </p:spPr>
-      </p:pic>
+              <a:t>Compare: Problems They Tackle</a:t>
+            </a:r>
+          </a:p>
+        </p:txBody>
+      </p:sp>
       <p:sp>
         <p:nvSpPr>
           <p:cNvPr id="9" name="TextBox 8">
@@ -7985,7 +8049,7 @@
         <p:spPr>
           <a:xfrm>
             <a:off x="1293690" y="1706880"/>
-            <a:ext cx="1638525" cy="954107"/>
+            <a:ext cx="1638525" cy="523220"/>
           </a:xfrm>
           <a:prstGeom prst="rect">
             <a:avLst/>
@@ -8007,16 +8071,6 @@
               <a:t>Wrangler</a:t>
             </a:r>
           </a:p>
-          <a:p>
-            <a:pPr algn="ctr"/>
-            <a:r>
-              <a:rPr lang="en-US" sz="2800" dirty="0">
-                <a:latin typeface="Arial" panose="020B0604020202020204" pitchFamily="34" charset="0"/>
-                <a:cs typeface="Arial" panose="020B0604020202020204" pitchFamily="34" charset="0"/>
-              </a:rPr>
-              <a:t>csv/text</a:t>
-            </a:r>
-          </a:p>
         </p:txBody>
       </p:sp>
       <p:sp>
@@ -8033,8 +8087,8 @@
         </p:nvSpPr>
         <p:spPr>
           <a:xfrm>
-            <a:off x="5347414" y="1706880"/>
-            <a:ext cx="1782860" cy="954107"/>
+            <a:off x="5556477" y="1706880"/>
+            <a:ext cx="1364733" cy="523220"/>
           </a:xfrm>
           <a:prstGeom prst="rect">
             <a:avLst/>
@@ -8056,16 +8110,6 @@
               <a:t>Texture</a:t>
             </a:r>
           </a:p>
-          <a:p>
-            <a:pPr algn="ctr"/>
-            <a:r>
-              <a:rPr lang="en-US" sz="2800" dirty="0">
-                <a:latin typeface="Arial" panose="020B0604020202020204" pitchFamily="34" charset="0"/>
-                <a:cs typeface="Arial" panose="020B0604020202020204" pitchFamily="34" charset="0"/>
-              </a:rPr>
-              <a:t>Print docs</a:t>
-            </a:r>
-          </a:p>
         </p:txBody>
       </p:sp>
       <p:sp>
@@ -8082,8 +8126,8 @@
         </p:nvSpPr>
         <p:spPr>
           <a:xfrm>
-            <a:off x="8890098" y="1706880"/>
-            <a:ext cx="2643672" cy="954107"/>
+            <a:off x="9339740" y="1706880"/>
+            <a:ext cx="1744388" cy="523220"/>
           </a:xfrm>
           <a:prstGeom prst="rect">
             <a:avLst/>
@@ -8109,14 +8153,200 @@
               <a:cs typeface="Arial" panose="020B0604020202020204" pitchFamily="34" charset="0"/>
             </a:endParaRPr>
           </a:p>
-          <a:p>
-            <a:pPr algn="ctr"/>
-            <a:r>
-              <a:rPr lang="en-US" sz="2800" dirty="0">
+        </p:txBody>
+      </p:sp>
+      <p:sp>
+        <p:nvSpPr>
+          <p:cNvPr id="3" name="TextBox 2">
+            <a:extLst>
+              <a:ext uri="{FF2B5EF4-FFF2-40B4-BE49-F238E27FC236}">
+                <a16:creationId xmlns:a16="http://schemas.microsoft.com/office/drawing/2014/main" id="{878A08FC-E5ED-5C49-A489-9FB2694C8DBE}"/>
+              </a:ext>
+            </a:extLst>
+          </p:cNvPr>
+          <p:cNvSpPr txBox="1"/>
+          <p:nvPr/>
+        </p:nvSpPr>
+        <p:spPr>
+          <a:xfrm>
+            <a:off x="648448" y="2673342"/>
+            <a:ext cx="3037432" cy="1200329"/>
+          </a:xfrm>
+          <a:prstGeom prst="rect">
+            <a:avLst/>
+          </a:prstGeom>
+          <a:noFill/>
+        </p:spPr>
+        <p:txBody>
+          <a:bodyPr wrap="square" rtlCol="0">
+            <a:spAutoFit/>
+          </a:bodyPr>
+          <a:lstStyle/>
+          <a:p>
+            <a:pPr algn="l"/>
+            <a:r>
+              <a:rPr lang="en-US" dirty="0">
                 <a:latin typeface="Arial" panose="020B0604020202020204" pitchFamily="34" charset="0"/>
                 <a:cs typeface="Arial" panose="020B0604020202020204" pitchFamily="34" charset="0"/>
               </a:rPr>
-              <a:t>structured docs</a:t>
+              <a:t>Extracting from text is hard</a:t>
+            </a:r>
+          </a:p>
+          <a:p>
+            <a:pPr algn="l"/>
+            <a:endParaRPr lang="en-US" dirty="0">
+              <a:latin typeface="Arial" panose="020B0604020202020204" pitchFamily="34" charset="0"/>
+              <a:cs typeface="Arial" panose="020B0604020202020204" pitchFamily="34" charset="0"/>
+            </a:endParaRPr>
+          </a:p>
+          <a:p>
+            <a:pPr algn="l"/>
+            <a:r>
+              <a:rPr lang="en-US" dirty="0">
+                <a:latin typeface="Arial" panose="020B0604020202020204" pitchFamily="34" charset="0"/>
+                <a:cs typeface="Arial" panose="020B0604020202020204" pitchFamily="34" charset="0"/>
+              </a:rPr>
+              <a:t>Extraction is self contained to a single cell</a:t>
+            </a:r>
+          </a:p>
+        </p:txBody>
+      </p:sp>
+      <p:sp>
+        <p:nvSpPr>
+          <p:cNvPr id="12" name="TextBox 11">
+            <a:extLst>
+              <a:ext uri="{FF2B5EF4-FFF2-40B4-BE49-F238E27FC236}">
+                <a16:creationId xmlns:a16="http://schemas.microsoft.com/office/drawing/2014/main" id="{E81716B8-161D-7245-B22D-8D8941877B79}"/>
+              </a:ext>
+            </a:extLst>
+          </p:cNvPr>
+          <p:cNvSpPr txBox="1"/>
+          <p:nvPr/>
+        </p:nvSpPr>
+        <p:spPr>
+          <a:xfrm>
+            <a:off x="4538772" y="2660987"/>
+            <a:ext cx="3400142" cy="1754326"/>
+          </a:xfrm>
+          <a:prstGeom prst="rect">
+            <a:avLst/>
+          </a:prstGeom>
+          <a:noFill/>
+        </p:spPr>
+        <p:txBody>
+          <a:bodyPr wrap="square" rtlCol="0">
+            <a:spAutoFit/>
+          </a:bodyPr>
+          <a:lstStyle/>
+          <a:p>
+            <a:pPr algn="l"/>
+            <a:r>
+              <a:rPr lang="en-US" dirty="0">
+                <a:latin typeface="Arial" panose="020B0604020202020204" pitchFamily="34" charset="0"/>
+                <a:cs typeface="Arial" panose="020B0604020202020204" pitchFamily="34" charset="0"/>
+              </a:rPr>
+              <a:t>Documents have similar types of data (titles, paragraphs) </a:t>
+            </a:r>
+          </a:p>
+          <a:p>
+            <a:pPr algn="l"/>
+            <a:endParaRPr lang="en-US" dirty="0">
+              <a:latin typeface="Arial" panose="020B0604020202020204" pitchFamily="34" charset="0"/>
+              <a:cs typeface="Arial" panose="020B0604020202020204" pitchFamily="34" charset="0"/>
+            </a:endParaRPr>
+          </a:p>
+          <a:p>
+            <a:pPr algn="l"/>
+            <a:r>
+              <a:rPr lang="en-US" dirty="0">
+                <a:latin typeface="Arial" panose="020B0604020202020204" pitchFamily="34" charset="0"/>
+                <a:cs typeface="Arial" panose="020B0604020202020204" pitchFamily="34" charset="0"/>
+              </a:rPr>
+              <a:t>Lots of </a:t>
+            </a:r>
+            <a:r>
+              <a:rPr lang="en-US" i="1" dirty="0">
+                <a:latin typeface="Arial" panose="020B0604020202020204" pitchFamily="34" charset="0"/>
+                <a:cs typeface="Arial" panose="020B0604020202020204" pitchFamily="34" charset="0"/>
+              </a:rPr>
+              <a:t>design</a:t>
+            </a:r>
+            <a:r>
+              <a:rPr lang="en-US" dirty="0">
+                <a:latin typeface="Arial" panose="020B0604020202020204" pitchFamily="34" charset="0"/>
+                <a:cs typeface="Arial" panose="020B0604020202020204" pitchFamily="34" charset="0"/>
+              </a:rPr>
+              <a:t> variation in docs </a:t>
+            </a:r>
+          </a:p>
+          <a:p>
+            <a:pPr algn="l"/>
+            <a:endParaRPr lang="en-US" dirty="0">
+              <a:latin typeface="Arial" panose="020B0604020202020204" pitchFamily="34" charset="0"/>
+              <a:cs typeface="Arial" panose="020B0604020202020204" pitchFamily="34" charset="0"/>
+            </a:endParaRPr>
+          </a:p>
+          <a:p>
+            <a:pPr algn="l"/>
+            <a:endParaRPr lang="en-US" dirty="0">
+              <a:latin typeface="Arial" panose="020B0604020202020204" pitchFamily="34" charset="0"/>
+              <a:cs typeface="Arial" panose="020B0604020202020204" pitchFamily="34" charset="0"/>
+            </a:endParaRPr>
+          </a:p>
+        </p:txBody>
+      </p:sp>
+      <p:sp>
+        <p:nvSpPr>
+          <p:cNvPr id="13" name="TextBox 12">
+            <a:extLst>
+              <a:ext uri="{FF2B5EF4-FFF2-40B4-BE49-F238E27FC236}">
+                <a16:creationId xmlns:a16="http://schemas.microsoft.com/office/drawing/2014/main" id="{0A722801-970F-D242-8755-464ED53D7B1D}"/>
+              </a:ext>
+            </a:extLst>
+          </p:cNvPr>
+          <p:cNvSpPr txBox="1"/>
+          <p:nvPr/>
+        </p:nvSpPr>
+        <p:spPr>
+          <a:xfrm>
+            <a:off x="8611121" y="2660987"/>
+            <a:ext cx="3201625" cy="923330"/>
+          </a:xfrm>
+          <a:prstGeom prst="rect">
+            <a:avLst/>
+          </a:prstGeom>
+          <a:noFill/>
+        </p:spPr>
+        <p:txBody>
+          <a:bodyPr wrap="square" rtlCol="0">
+            <a:spAutoFit/>
+          </a:bodyPr>
+          <a:lstStyle/>
+          <a:p>
+            <a:pPr algn="l"/>
+            <a:r>
+              <a:rPr lang="en-US" dirty="0">
+                <a:latin typeface="Arial" panose="020B0604020202020204" pitchFamily="34" charset="0"/>
+                <a:cs typeface="Arial" panose="020B0604020202020204" pitchFamily="34" charset="0"/>
+              </a:rPr>
+              <a:t>Low design variation</a:t>
+            </a:r>
+          </a:p>
+          <a:p>
+            <a:pPr algn="l"/>
+            <a:endParaRPr lang="en-US" dirty="0">
+              <a:latin typeface="Arial" panose="020B0604020202020204" pitchFamily="34" charset="0"/>
+              <a:cs typeface="Arial" panose="020B0604020202020204" pitchFamily="34" charset="0"/>
+            </a:endParaRPr>
+          </a:p>
+          <a:p>
+            <a:pPr algn="l"/>
+            <a:r>
+              <a:rPr lang="en-US" dirty="0">
+                <a:latin typeface="Arial" panose="020B0604020202020204" pitchFamily="34" charset="0"/>
+                <a:cs typeface="Arial" panose="020B0604020202020204" pitchFamily="34" charset="0"/>
+              </a:rPr>
+              <a:t>Extraction is contextual </a:t>
             </a:r>
           </a:p>
         </p:txBody>
@@ -8124,7 +8354,7 @@
     </p:spTree>
     <p:extLst>
       <p:ext uri="{BB962C8B-B14F-4D97-AF65-F5344CB8AC3E}">
-        <p14:creationId xmlns:p14="http://schemas.microsoft.com/office/powerpoint/2010/main" val="241482674"/>
+        <p14:creationId xmlns:p14="http://schemas.microsoft.com/office/powerpoint/2010/main" val="451018280"/>
       </p:ext>
     </p:extLst>
   </p:cSld>
@@ -8136,6 +8366,3702 @@
 
 <file path=ppt/slides/slide24.xml><?xml version="1.0" encoding="utf-8"?>
 <p:sld xmlns:a="http://schemas.openxmlformats.org/drawingml/2006/main" xmlns:r="http://schemas.openxmlformats.org/officeDocument/2006/relationships" xmlns:p="http://schemas.openxmlformats.org/presentationml/2006/main">
+  <p:cSld>
+    <p:spTree>
+      <p:nvGrpSpPr>
+        <p:cNvPr id="1" name=""/>
+        <p:cNvGrpSpPr/>
+        <p:nvPr/>
+      </p:nvGrpSpPr>
+      <p:grpSpPr>
+        <a:xfrm>
+          <a:off x="0" y="0"/>
+          <a:ext cx="0" cy="0"/>
+          <a:chOff x="0" y="0"/>
+          <a:chExt cx="0" cy="0"/>
+        </a:xfrm>
+      </p:grpSpPr>
+      <p:sp>
+        <p:nvSpPr>
+          <p:cNvPr id="2" name="Title 1">
+            <a:extLst>
+              <a:ext uri="{FF2B5EF4-FFF2-40B4-BE49-F238E27FC236}">
+                <a16:creationId xmlns:a16="http://schemas.microsoft.com/office/drawing/2014/main" id="{967FA871-0E28-D543-A2DC-049CD4D12C8F}"/>
+              </a:ext>
+            </a:extLst>
+          </p:cNvPr>
+          <p:cNvSpPr>
+            <a:spLocks noGrp="1"/>
+          </p:cNvSpPr>
+          <p:nvPr>
+            <p:ph type="title"/>
+          </p:nvPr>
+        </p:nvSpPr>
+        <p:spPr/>
+        <p:txBody>
+          <a:bodyPr>
+            <a:normAutofit/>
+          </a:bodyPr>
+          <a:lstStyle/>
+          <a:p>
+            <a:r>
+              <a:rPr lang="en-US" sz="4000" dirty="0"/>
+              <a:t>Compare: Assumptions About Setting/Users</a:t>
+            </a:r>
+          </a:p>
+        </p:txBody>
+      </p:sp>
+      <p:sp>
+        <p:nvSpPr>
+          <p:cNvPr id="9" name="TextBox 8">
+            <a:extLst>
+              <a:ext uri="{FF2B5EF4-FFF2-40B4-BE49-F238E27FC236}">
+                <a16:creationId xmlns:a16="http://schemas.microsoft.com/office/drawing/2014/main" id="{BB1CE9B1-5555-8044-AE46-B3AF6880735C}"/>
+              </a:ext>
+            </a:extLst>
+          </p:cNvPr>
+          <p:cNvSpPr txBox="1"/>
+          <p:nvPr/>
+        </p:nvSpPr>
+        <p:spPr>
+          <a:xfrm>
+            <a:off x="1293690" y="1706880"/>
+            <a:ext cx="1638525" cy="523220"/>
+          </a:xfrm>
+          <a:prstGeom prst="rect">
+            <a:avLst/>
+          </a:prstGeom>
+          <a:noFill/>
+        </p:spPr>
+        <p:txBody>
+          <a:bodyPr wrap="none" rtlCol="0">
+            <a:spAutoFit/>
+          </a:bodyPr>
+          <a:lstStyle/>
+          <a:p>
+            <a:pPr algn="ctr"/>
+            <a:r>
+              <a:rPr lang="en-US" sz="2800" dirty="0">
+                <a:latin typeface="Arial" panose="020B0604020202020204" pitchFamily="34" charset="0"/>
+                <a:cs typeface="Arial" panose="020B0604020202020204" pitchFamily="34" charset="0"/>
+              </a:rPr>
+              <a:t>Wrangler</a:t>
+            </a:r>
+          </a:p>
+        </p:txBody>
+      </p:sp>
+      <p:sp>
+        <p:nvSpPr>
+          <p:cNvPr id="10" name="TextBox 9">
+            <a:extLst>
+              <a:ext uri="{FF2B5EF4-FFF2-40B4-BE49-F238E27FC236}">
+                <a16:creationId xmlns:a16="http://schemas.microsoft.com/office/drawing/2014/main" id="{8CDD9BFE-EBDE-7F49-A24A-2E9202484386}"/>
+              </a:ext>
+            </a:extLst>
+          </p:cNvPr>
+          <p:cNvSpPr txBox="1"/>
+          <p:nvPr/>
+        </p:nvSpPr>
+        <p:spPr>
+          <a:xfrm>
+            <a:off x="5556477" y="1706880"/>
+            <a:ext cx="1364733" cy="523220"/>
+          </a:xfrm>
+          <a:prstGeom prst="rect">
+            <a:avLst/>
+          </a:prstGeom>
+          <a:noFill/>
+        </p:spPr>
+        <p:txBody>
+          <a:bodyPr wrap="none" rtlCol="0">
+            <a:spAutoFit/>
+          </a:bodyPr>
+          <a:lstStyle/>
+          <a:p>
+            <a:pPr algn="ctr"/>
+            <a:r>
+              <a:rPr lang="en-US" sz="2800" dirty="0">
+                <a:latin typeface="Arial" panose="020B0604020202020204" pitchFamily="34" charset="0"/>
+                <a:cs typeface="Arial" panose="020B0604020202020204" pitchFamily="34" charset="0"/>
+              </a:rPr>
+              <a:t>Texture</a:t>
+            </a:r>
+          </a:p>
+        </p:txBody>
+      </p:sp>
+      <p:sp>
+        <p:nvSpPr>
+          <p:cNvPr id="11" name="TextBox 10">
+            <a:extLst>
+              <a:ext uri="{FF2B5EF4-FFF2-40B4-BE49-F238E27FC236}">
+                <a16:creationId xmlns:a16="http://schemas.microsoft.com/office/drawing/2014/main" id="{A76C25E9-A96A-A049-B0EF-36999F4496A1}"/>
+              </a:ext>
+            </a:extLst>
+          </p:cNvPr>
+          <p:cNvSpPr txBox="1"/>
+          <p:nvPr/>
+        </p:nvSpPr>
+        <p:spPr>
+          <a:xfrm>
+            <a:off x="9339740" y="1706880"/>
+            <a:ext cx="1744388" cy="523220"/>
+          </a:xfrm>
+          <a:prstGeom prst="rect">
+            <a:avLst/>
+          </a:prstGeom>
+          <a:noFill/>
+        </p:spPr>
+        <p:txBody>
+          <a:bodyPr wrap="none" rtlCol="0">
+            <a:spAutoFit/>
+          </a:bodyPr>
+          <a:lstStyle/>
+          <a:p>
+            <a:pPr algn="ctr"/>
+            <a:r>
+              <a:rPr lang="en-US" sz="2800" dirty="0" err="1">
+                <a:latin typeface="Arial" panose="020B0604020202020204" pitchFamily="34" charset="0"/>
+                <a:cs typeface="Arial" panose="020B0604020202020204" pitchFamily="34" charset="0"/>
+              </a:rPr>
+              <a:t>Instabase</a:t>
+            </a:r>
+            <a:endParaRPr lang="en-US" sz="2800" dirty="0">
+              <a:latin typeface="Arial" panose="020B0604020202020204" pitchFamily="34" charset="0"/>
+              <a:cs typeface="Arial" panose="020B0604020202020204" pitchFamily="34" charset="0"/>
+            </a:endParaRPr>
+          </a:p>
+        </p:txBody>
+      </p:sp>
+      <p:sp>
+        <p:nvSpPr>
+          <p:cNvPr id="3" name="TextBox 2">
+            <a:extLst>
+              <a:ext uri="{FF2B5EF4-FFF2-40B4-BE49-F238E27FC236}">
+                <a16:creationId xmlns:a16="http://schemas.microsoft.com/office/drawing/2014/main" id="{878A08FC-E5ED-5C49-A489-9FB2694C8DBE}"/>
+              </a:ext>
+            </a:extLst>
+          </p:cNvPr>
+          <p:cNvSpPr txBox="1"/>
+          <p:nvPr/>
+        </p:nvSpPr>
+        <p:spPr>
+          <a:xfrm>
+            <a:off x="648448" y="2673342"/>
+            <a:ext cx="3037432" cy="2031325"/>
+          </a:xfrm>
+          <a:prstGeom prst="rect">
+            <a:avLst/>
+          </a:prstGeom>
+          <a:noFill/>
+        </p:spPr>
+        <p:txBody>
+          <a:bodyPr wrap="square" rtlCol="0">
+            <a:spAutoFit/>
+          </a:bodyPr>
+          <a:lstStyle/>
+          <a:p>
+            <a:pPr algn="l"/>
+            <a:r>
+              <a:rPr lang="en-US" dirty="0">
+                <a:latin typeface="Arial" panose="020B0604020202020204" pitchFamily="34" charset="0"/>
+                <a:cs typeface="Arial" panose="020B0604020202020204" pitchFamily="34" charset="0"/>
+              </a:rPr>
+              <a:t>Individual user</a:t>
+            </a:r>
+          </a:p>
+          <a:p>
+            <a:pPr algn="l"/>
+            <a:endParaRPr lang="en-US" dirty="0">
+              <a:latin typeface="Arial" panose="020B0604020202020204" pitchFamily="34" charset="0"/>
+              <a:cs typeface="Arial" panose="020B0604020202020204" pitchFamily="34" charset="0"/>
+            </a:endParaRPr>
+          </a:p>
+          <a:p>
+            <a:pPr algn="l"/>
+            <a:r>
+              <a:rPr lang="en-US" dirty="0">
+                <a:latin typeface="Arial" panose="020B0604020202020204" pitchFamily="34" charset="0"/>
+                <a:cs typeface="Arial" panose="020B0604020202020204" pitchFamily="34" charset="0"/>
+              </a:rPr>
+              <a:t>Novices, not programmers</a:t>
+            </a:r>
+          </a:p>
+          <a:p>
+            <a:pPr algn="l"/>
+            <a:endParaRPr lang="en-US" dirty="0">
+              <a:latin typeface="Arial" panose="020B0604020202020204" pitchFamily="34" charset="0"/>
+              <a:cs typeface="Arial" panose="020B0604020202020204" pitchFamily="34" charset="0"/>
+            </a:endParaRPr>
+          </a:p>
+          <a:p>
+            <a:pPr algn="l"/>
+            <a:r>
+              <a:rPr lang="en-US" dirty="0">
+                <a:latin typeface="Arial" panose="020B0604020202020204" pitchFamily="34" charset="0"/>
+                <a:cs typeface="Arial" panose="020B0604020202020204" pitchFamily="34" charset="0"/>
+              </a:rPr>
+              <a:t>Prioritize learnability </a:t>
+            </a:r>
+          </a:p>
+          <a:p>
+            <a:pPr algn="l"/>
+            <a:endParaRPr lang="en-US" dirty="0">
+              <a:latin typeface="Arial" panose="020B0604020202020204" pitchFamily="34" charset="0"/>
+              <a:cs typeface="Arial" panose="020B0604020202020204" pitchFamily="34" charset="0"/>
+            </a:endParaRPr>
+          </a:p>
+          <a:p>
+            <a:pPr algn="l"/>
+            <a:r>
+              <a:rPr lang="en-US" dirty="0">
+                <a:latin typeface="Arial" panose="020B0604020202020204" pitchFamily="34" charset="0"/>
+                <a:cs typeface="Arial" panose="020B0604020202020204" pitchFamily="34" charset="0"/>
+              </a:rPr>
+              <a:t>Hide programming API</a:t>
+            </a:r>
+          </a:p>
+        </p:txBody>
+      </p:sp>
+      <p:sp>
+        <p:nvSpPr>
+          <p:cNvPr id="12" name="TextBox 11">
+            <a:extLst>
+              <a:ext uri="{FF2B5EF4-FFF2-40B4-BE49-F238E27FC236}">
+                <a16:creationId xmlns:a16="http://schemas.microsoft.com/office/drawing/2014/main" id="{E81716B8-161D-7245-B22D-8D8941877B79}"/>
+              </a:ext>
+            </a:extLst>
+          </p:cNvPr>
+          <p:cNvSpPr txBox="1"/>
+          <p:nvPr/>
+        </p:nvSpPr>
+        <p:spPr>
+          <a:xfrm>
+            <a:off x="4538772" y="2660987"/>
+            <a:ext cx="3400142" cy="3416320"/>
+          </a:xfrm>
+          <a:prstGeom prst="rect">
+            <a:avLst/>
+          </a:prstGeom>
+          <a:noFill/>
+        </p:spPr>
+        <p:txBody>
+          <a:bodyPr wrap="square" rtlCol="0">
+            <a:spAutoFit/>
+          </a:bodyPr>
+          <a:lstStyle/>
+          <a:p>
+            <a:r>
+              <a:rPr lang="en-US" dirty="0">
+                <a:latin typeface="Arial" panose="020B0604020202020204" pitchFamily="34" charset="0"/>
+                <a:cs typeface="Arial" panose="020B0604020202020204" pitchFamily="34" charset="0"/>
+              </a:rPr>
+              <a:t>Full service running in a company, with developer staff</a:t>
+            </a:r>
+          </a:p>
+          <a:p>
+            <a:pPr algn="l"/>
+            <a:endParaRPr lang="en-US" dirty="0">
+              <a:latin typeface="Arial" panose="020B0604020202020204" pitchFamily="34" charset="0"/>
+              <a:cs typeface="Arial" panose="020B0604020202020204" pitchFamily="34" charset="0"/>
+            </a:endParaRPr>
+          </a:p>
+          <a:p>
+            <a:pPr algn="l"/>
+            <a:r>
+              <a:rPr lang="en-US" dirty="0">
+                <a:latin typeface="Arial" panose="020B0604020202020204" pitchFamily="34" charset="0"/>
+                <a:cs typeface="Arial" panose="020B0604020202020204" pitchFamily="34" charset="0"/>
+              </a:rPr>
+              <a:t>2 types of users</a:t>
+            </a:r>
+          </a:p>
+          <a:p>
+            <a:pPr algn="l"/>
+            <a:endParaRPr lang="en-US" dirty="0">
+              <a:latin typeface="Arial" panose="020B0604020202020204" pitchFamily="34" charset="0"/>
+              <a:cs typeface="Arial" panose="020B0604020202020204" pitchFamily="34" charset="0"/>
+            </a:endParaRPr>
+          </a:p>
+          <a:p>
+            <a:pPr algn="l"/>
+            <a:r>
+              <a:rPr lang="en-US" dirty="0">
+                <a:latin typeface="Arial" panose="020B0604020202020204" pitchFamily="34" charset="0"/>
+                <a:cs typeface="Arial" panose="020B0604020202020204" pitchFamily="34" charset="0"/>
+              </a:rPr>
+              <a:t>Developers can write extraction heuristics</a:t>
+            </a:r>
+          </a:p>
+          <a:p>
+            <a:pPr algn="l"/>
+            <a:endParaRPr lang="en-US" dirty="0">
+              <a:latin typeface="Arial" panose="020B0604020202020204" pitchFamily="34" charset="0"/>
+              <a:cs typeface="Arial" panose="020B0604020202020204" pitchFamily="34" charset="0"/>
+            </a:endParaRPr>
+          </a:p>
+          <a:p>
+            <a:pPr algn="l"/>
+            <a:r>
+              <a:rPr lang="en-US" dirty="0">
+                <a:latin typeface="Arial" panose="020B0604020202020204" pitchFamily="34" charset="0"/>
+                <a:cs typeface="Arial" panose="020B0604020202020204" pitchFamily="34" charset="0"/>
+              </a:rPr>
+              <a:t>End users have documents and want to extract text from docs</a:t>
+            </a:r>
+          </a:p>
+          <a:p>
+            <a:pPr algn="l"/>
+            <a:endParaRPr lang="en-US" dirty="0">
+              <a:latin typeface="Arial" panose="020B0604020202020204" pitchFamily="34" charset="0"/>
+              <a:cs typeface="Arial" panose="020B0604020202020204" pitchFamily="34" charset="0"/>
+            </a:endParaRPr>
+          </a:p>
+          <a:p>
+            <a:pPr algn="l"/>
+            <a:r>
+              <a:rPr lang="en-US" dirty="0">
+                <a:latin typeface="Arial" panose="020B0604020202020204" pitchFamily="34" charset="0"/>
+                <a:cs typeface="Arial" panose="020B0604020202020204" pitchFamily="34" charset="0"/>
+              </a:rPr>
+              <a:t>End users not </a:t>
+            </a:r>
+            <a:r>
+              <a:rPr lang="en-US" dirty="0" err="1">
+                <a:latin typeface="Arial" panose="020B0604020202020204" pitchFamily="34" charset="0"/>
+                <a:cs typeface="Arial" panose="020B0604020202020204" pitchFamily="34" charset="0"/>
+              </a:rPr>
+              <a:t>progremmers</a:t>
+            </a:r>
+            <a:endParaRPr lang="en-US" dirty="0">
+              <a:latin typeface="Arial" panose="020B0604020202020204" pitchFamily="34" charset="0"/>
+              <a:cs typeface="Arial" panose="020B0604020202020204" pitchFamily="34" charset="0"/>
+            </a:endParaRPr>
+          </a:p>
+        </p:txBody>
+      </p:sp>
+      <p:sp>
+        <p:nvSpPr>
+          <p:cNvPr id="13" name="TextBox 12">
+            <a:extLst>
+              <a:ext uri="{FF2B5EF4-FFF2-40B4-BE49-F238E27FC236}">
+                <a16:creationId xmlns:a16="http://schemas.microsoft.com/office/drawing/2014/main" id="{0A722801-970F-D242-8755-464ED53D7B1D}"/>
+              </a:ext>
+            </a:extLst>
+          </p:cNvPr>
+          <p:cNvSpPr txBox="1"/>
+          <p:nvPr/>
+        </p:nvSpPr>
+        <p:spPr>
+          <a:xfrm>
+            <a:off x="8611121" y="2660987"/>
+            <a:ext cx="3201625" cy="2031325"/>
+          </a:xfrm>
+          <a:prstGeom prst="rect">
+            <a:avLst/>
+          </a:prstGeom>
+          <a:noFill/>
+        </p:spPr>
+        <p:txBody>
+          <a:bodyPr wrap="square" rtlCol="0">
+            <a:spAutoFit/>
+          </a:bodyPr>
+          <a:lstStyle/>
+          <a:p>
+            <a:pPr algn="l"/>
+            <a:r>
+              <a:rPr lang="en-US" dirty="0">
+                <a:latin typeface="Arial" panose="020B0604020202020204" pitchFamily="34" charset="0"/>
+                <a:cs typeface="Arial" panose="020B0604020202020204" pitchFamily="34" charset="0"/>
+              </a:rPr>
+              <a:t>Organization with valuable document data</a:t>
+            </a:r>
+          </a:p>
+          <a:p>
+            <a:pPr algn="l"/>
+            <a:endParaRPr lang="en-US" dirty="0">
+              <a:latin typeface="Arial" panose="020B0604020202020204" pitchFamily="34" charset="0"/>
+              <a:cs typeface="Arial" panose="020B0604020202020204" pitchFamily="34" charset="0"/>
+            </a:endParaRPr>
+          </a:p>
+          <a:p>
+            <a:pPr algn="l"/>
+            <a:r>
+              <a:rPr lang="en-US" dirty="0">
+                <a:latin typeface="Arial" panose="020B0604020202020204" pitchFamily="34" charset="0"/>
+                <a:cs typeface="Arial" panose="020B0604020202020204" pitchFamily="34" charset="0"/>
+              </a:rPr>
+              <a:t>Deeply understand their docs</a:t>
+            </a:r>
+          </a:p>
+          <a:p>
+            <a:pPr algn="l"/>
+            <a:endParaRPr lang="en-US" dirty="0">
+              <a:latin typeface="Arial" panose="020B0604020202020204" pitchFamily="34" charset="0"/>
+              <a:cs typeface="Arial" panose="020B0604020202020204" pitchFamily="34" charset="0"/>
+            </a:endParaRPr>
+          </a:p>
+          <a:p>
+            <a:pPr algn="l"/>
+            <a:r>
+              <a:rPr lang="en-US" dirty="0">
+                <a:latin typeface="Arial" panose="020B0604020202020204" pitchFamily="34" charset="0"/>
+                <a:cs typeface="Arial" panose="020B0604020202020204" pitchFamily="34" charset="0"/>
+              </a:rPr>
+              <a:t>Programmers</a:t>
+            </a:r>
+          </a:p>
+          <a:p>
+            <a:pPr algn="l"/>
+            <a:endParaRPr lang="en-US" dirty="0">
+              <a:latin typeface="Arial" panose="020B0604020202020204" pitchFamily="34" charset="0"/>
+              <a:cs typeface="Arial" panose="020B0604020202020204" pitchFamily="34" charset="0"/>
+            </a:endParaRPr>
+          </a:p>
+        </p:txBody>
+      </p:sp>
+    </p:spTree>
+    <p:extLst>
+      <p:ext uri="{BB962C8B-B14F-4D97-AF65-F5344CB8AC3E}">
+        <p14:creationId xmlns:p14="http://schemas.microsoft.com/office/powerpoint/2010/main" val="93461554"/>
+      </p:ext>
+    </p:extLst>
+  </p:cSld>
+  <p:clrMapOvr>
+    <a:masterClrMapping/>
+  </p:clrMapOvr>
+  <p:timing>
+    <p:tnLst>
+      <p:par>
+        <p:cTn id="1" dur="indefinite" restart="never" nodeType="tmRoot">
+          <p:childTnLst>
+            <p:seq concurrent="1" nextAc="seek">
+              <p:cTn id="2" dur="indefinite" nodeType="mainSeq">
+                <p:childTnLst>
+                  <p:par>
+                    <p:cTn id="3" fill="hold">
+                      <p:stCondLst>
+                        <p:cond delay="indefinite"/>
+                      </p:stCondLst>
+                      <p:childTnLst>
+                        <p:par>
+                          <p:cTn id="4" fill="hold">
+                            <p:stCondLst>
+                              <p:cond delay="0"/>
+                            </p:stCondLst>
+                            <p:childTnLst>
+                              <p:par>
+                                <p:cTn id="5" presetID="1" presetClass="entr" presetSubtype="0" fill="hold" grpId="0" nodeType="clickEffect">
+                                  <p:stCondLst>
+                                    <p:cond delay="0"/>
+                                  </p:stCondLst>
+                                  <p:childTnLst>
+                                    <p:set>
+                                      <p:cBhvr>
+                                        <p:cTn id="6" dur="1" fill="hold">
+                                          <p:stCondLst>
+                                            <p:cond delay="0"/>
+                                          </p:stCondLst>
+                                        </p:cTn>
+                                        <p:tgtEl>
+                                          <p:spTgt spid="3"/>
+                                        </p:tgtEl>
+                                        <p:attrNameLst>
+                                          <p:attrName>style.visibility</p:attrName>
+                                        </p:attrNameLst>
+                                      </p:cBhvr>
+                                      <p:to>
+                                        <p:strVal val="visible"/>
+                                      </p:to>
+                                    </p:set>
+                                  </p:childTnLst>
+                                </p:cTn>
+                              </p:par>
+                            </p:childTnLst>
+                          </p:cTn>
+                        </p:par>
+                      </p:childTnLst>
+                    </p:cTn>
+                  </p:par>
+                  <p:par>
+                    <p:cTn id="7" fill="hold">
+                      <p:stCondLst>
+                        <p:cond delay="indefinite"/>
+                      </p:stCondLst>
+                      <p:childTnLst>
+                        <p:par>
+                          <p:cTn id="8" fill="hold">
+                            <p:stCondLst>
+                              <p:cond delay="0"/>
+                            </p:stCondLst>
+                            <p:childTnLst>
+                              <p:par>
+                                <p:cTn id="9" presetID="1" presetClass="entr" presetSubtype="0" fill="hold" grpId="0" nodeType="clickEffect">
+                                  <p:stCondLst>
+                                    <p:cond delay="0"/>
+                                  </p:stCondLst>
+                                  <p:childTnLst>
+                                    <p:set>
+                                      <p:cBhvr>
+                                        <p:cTn id="10" dur="1" fill="hold">
+                                          <p:stCondLst>
+                                            <p:cond delay="0"/>
+                                          </p:stCondLst>
+                                        </p:cTn>
+                                        <p:tgtEl>
+                                          <p:spTgt spid="12"/>
+                                        </p:tgtEl>
+                                        <p:attrNameLst>
+                                          <p:attrName>style.visibility</p:attrName>
+                                        </p:attrNameLst>
+                                      </p:cBhvr>
+                                      <p:to>
+                                        <p:strVal val="visible"/>
+                                      </p:to>
+                                    </p:set>
+                                  </p:childTnLst>
+                                </p:cTn>
+                              </p:par>
+                            </p:childTnLst>
+                          </p:cTn>
+                        </p:par>
+                      </p:childTnLst>
+                    </p:cTn>
+                  </p:par>
+                  <p:par>
+                    <p:cTn id="11" fill="hold">
+                      <p:stCondLst>
+                        <p:cond delay="indefinite"/>
+                      </p:stCondLst>
+                      <p:childTnLst>
+                        <p:par>
+                          <p:cTn id="12" fill="hold">
+                            <p:stCondLst>
+                              <p:cond delay="0"/>
+                            </p:stCondLst>
+                            <p:childTnLst>
+                              <p:par>
+                                <p:cTn id="13" presetID="1" presetClass="entr" presetSubtype="0" fill="hold" grpId="0" nodeType="clickEffect">
+                                  <p:stCondLst>
+                                    <p:cond delay="0"/>
+                                  </p:stCondLst>
+                                  <p:childTnLst>
+                                    <p:set>
+                                      <p:cBhvr>
+                                        <p:cTn id="14" dur="1" fill="hold">
+                                          <p:stCondLst>
+                                            <p:cond delay="0"/>
+                                          </p:stCondLst>
+                                        </p:cTn>
+                                        <p:tgtEl>
+                                          <p:spTgt spid="13"/>
+                                        </p:tgtEl>
+                                        <p:attrNameLst>
+                                          <p:attrName>style.visibility</p:attrName>
+                                        </p:attrNameLst>
+                                      </p:cBhvr>
+                                      <p:to>
+                                        <p:strVal val="visible"/>
+                                      </p:to>
+                                    </p:set>
+                                  </p:childTnLst>
+                                </p:cTn>
+                              </p:par>
+                            </p:childTnLst>
+                          </p:cTn>
+                        </p:par>
+                      </p:childTnLst>
+                    </p:cTn>
+                  </p:par>
+                </p:childTnLst>
+              </p:cTn>
+              <p:prevCondLst>
+                <p:cond evt="onPrev" delay="0">
+                  <p:tgtEl>
+                    <p:sldTgt/>
+                  </p:tgtEl>
+                </p:cond>
+              </p:prevCondLst>
+              <p:nextCondLst>
+                <p:cond evt="onNext" delay="0">
+                  <p:tgtEl>
+                    <p:sldTgt/>
+                  </p:tgtEl>
+                </p:cond>
+              </p:nextCondLst>
+            </p:seq>
+          </p:childTnLst>
+        </p:cTn>
+      </p:par>
+    </p:tnLst>
+    <p:bldLst>
+      <p:bldP spid="3" grpId="0"/>
+      <p:bldP spid="12" grpId="0"/>
+      <p:bldP spid="13" grpId="0"/>
+    </p:bldLst>
+  </p:timing>
+</p:sld>
+</file>
+
+<file path=ppt/slides/slide25.xml><?xml version="1.0" encoding="utf-8"?>
+<p:sld xmlns:a="http://schemas.openxmlformats.org/drawingml/2006/main" xmlns:r="http://schemas.openxmlformats.org/officeDocument/2006/relationships" xmlns:p="http://schemas.openxmlformats.org/presentationml/2006/main">
+  <p:cSld>
+    <p:spTree>
+      <p:nvGrpSpPr>
+        <p:cNvPr id="1" name=""/>
+        <p:cNvGrpSpPr/>
+        <p:nvPr/>
+      </p:nvGrpSpPr>
+      <p:grpSpPr>
+        <a:xfrm>
+          <a:off x="0" y="0"/>
+          <a:ext cx="0" cy="0"/>
+          <a:chOff x="0" y="0"/>
+          <a:chExt cx="0" cy="0"/>
+        </a:xfrm>
+      </p:grpSpPr>
+      <p:sp>
+        <p:nvSpPr>
+          <p:cNvPr id="2" name="Title 1">
+            <a:extLst>
+              <a:ext uri="{FF2B5EF4-FFF2-40B4-BE49-F238E27FC236}">
+                <a16:creationId xmlns:a16="http://schemas.microsoft.com/office/drawing/2014/main" id="{967FA871-0E28-D543-A2DC-049CD4D12C8F}"/>
+              </a:ext>
+            </a:extLst>
+          </p:cNvPr>
+          <p:cNvSpPr>
+            <a:spLocks noGrp="1"/>
+          </p:cNvSpPr>
+          <p:nvPr>
+            <p:ph type="title"/>
+          </p:nvPr>
+        </p:nvSpPr>
+        <p:spPr/>
+        <p:txBody>
+          <a:bodyPr>
+            <a:normAutofit/>
+          </a:bodyPr>
+          <a:lstStyle/>
+          <a:p>
+            <a:r>
+              <a:rPr lang="en-US" sz="4000" dirty="0"/>
+              <a:t>Compare: How They Model the Problem</a:t>
+            </a:r>
+          </a:p>
+        </p:txBody>
+      </p:sp>
+      <p:sp>
+        <p:nvSpPr>
+          <p:cNvPr id="9" name="TextBox 8">
+            <a:extLst>
+              <a:ext uri="{FF2B5EF4-FFF2-40B4-BE49-F238E27FC236}">
+                <a16:creationId xmlns:a16="http://schemas.microsoft.com/office/drawing/2014/main" id="{BB1CE9B1-5555-8044-AE46-B3AF6880735C}"/>
+              </a:ext>
+            </a:extLst>
+          </p:cNvPr>
+          <p:cNvSpPr txBox="1"/>
+          <p:nvPr/>
+        </p:nvSpPr>
+        <p:spPr>
+          <a:xfrm>
+            <a:off x="1293690" y="1706880"/>
+            <a:ext cx="1638525" cy="523220"/>
+          </a:xfrm>
+          <a:prstGeom prst="rect">
+            <a:avLst/>
+          </a:prstGeom>
+          <a:noFill/>
+        </p:spPr>
+        <p:txBody>
+          <a:bodyPr wrap="none" rtlCol="0">
+            <a:spAutoFit/>
+          </a:bodyPr>
+          <a:lstStyle/>
+          <a:p>
+            <a:pPr algn="ctr"/>
+            <a:r>
+              <a:rPr lang="en-US" sz="2800" dirty="0">
+                <a:latin typeface="Arial" panose="020B0604020202020204" pitchFamily="34" charset="0"/>
+                <a:cs typeface="Arial" panose="020B0604020202020204" pitchFamily="34" charset="0"/>
+              </a:rPr>
+              <a:t>Wrangler</a:t>
+            </a:r>
+          </a:p>
+        </p:txBody>
+      </p:sp>
+      <p:sp>
+        <p:nvSpPr>
+          <p:cNvPr id="10" name="TextBox 9">
+            <a:extLst>
+              <a:ext uri="{FF2B5EF4-FFF2-40B4-BE49-F238E27FC236}">
+                <a16:creationId xmlns:a16="http://schemas.microsoft.com/office/drawing/2014/main" id="{8CDD9BFE-EBDE-7F49-A24A-2E9202484386}"/>
+              </a:ext>
+            </a:extLst>
+          </p:cNvPr>
+          <p:cNvSpPr txBox="1"/>
+          <p:nvPr/>
+        </p:nvSpPr>
+        <p:spPr>
+          <a:xfrm>
+            <a:off x="5556477" y="1706880"/>
+            <a:ext cx="1364733" cy="523220"/>
+          </a:xfrm>
+          <a:prstGeom prst="rect">
+            <a:avLst/>
+          </a:prstGeom>
+          <a:noFill/>
+        </p:spPr>
+        <p:txBody>
+          <a:bodyPr wrap="none" rtlCol="0">
+            <a:spAutoFit/>
+          </a:bodyPr>
+          <a:lstStyle/>
+          <a:p>
+            <a:pPr algn="ctr"/>
+            <a:r>
+              <a:rPr lang="en-US" sz="2800" dirty="0">
+                <a:latin typeface="Arial" panose="020B0604020202020204" pitchFamily="34" charset="0"/>
+                <a:cs typeface="Arial" panose="020B0604020202020204" pitchFamily="34" charset="0"/>
+              </a:rPr>
+              <a:t>Texture</a:t>
+            </a:r>
+          </a:p>
+        </p:txBody>
+      </p:sp>
+      <p:sp>
+        <p:nvSpPr>
+          <p:cNvPr id="11" name="TextBox 10">
+            <a:extLst>
+              <a:ext uri="{FF2B5EF4-FFF2-40B4-BE49-F238E27FC236}">
+                <a16:creationId xmlns:a16="http://schemas.microsoft.com/office/drawing/2014/main" id="{A76C25E9-A96A-A049-B0EF-36999F4496A1}"/>
+              </a:ext>
+            </a:extLst>
+          </p:cNvPr>
+          <p:cNvSpPr txBox="1"/>
+          <p:nvPr/>
+        </p:nvSpPr>
+        <p:spPr>
+          <a:xfrm>
+            <a:off x="9339740" y="1706880"/>
+            <a:ext cx="1744388" cy="523220"/>
+          </a:xfrm>
+          <a:prstGeom prst="rect">
+            <a:avLst/>
+          </a:prstGeom>
+          <a:noFill/>
+        </p:spPr>
+        <p:txBody>
+          <a:bodyPr wrap="none" rtlCol="0">
+            <a:spAutoFit/>
+          </a:bodyPr>
+          <a:lstStyle/>
+          <a:p>
+            <a:pPr algn="ctr"/>
+            <a:r>
+              <a:rPr lang="en-US" sz="2800" dirty="0" err="1">
+                <a:latin typeface="Arial" panose="020B0604020202020204" pitchFamily="34" charset="0"/>
+                <a:cs typeface="Arial" panose="020B0604020202020204" pitchFamily="34" charset="0"/>
+              </a:rPr>
+              <a:t>Instabase</a:t>
+            </a:r>
+            <a:endParaRPr lang="en-US" sz="2800" dirty="0">
+              <a:latin typeface="Arial" panose="020B0604020202020204" pitchFamily="34" charset="0"/>
+              <a:cs typeface="Arial" panose="020B0604020202020204" pitchFamily="34" charset="0"/>
+            </a:endParaRPr>
+          </a:p>
+        </p:txBody>
+      </p:sp>
+      <p:sp>
+        <p:nvSpPr>
+          <p:cNvPr id="3" name="TextBox 2">
+            <a:extLst>
+              <a:ext uri="{FF2B5EF4-FFF2-40B4-BE49-F238E27FC236}">
+                <a16:creationId xmlns:a16="http://schemas.microsoft.com/office/drawing/2014/main" id="{878A08FC-E5ED-5C49-A489-9FB2694C8DBE}"/>
+              </a:ext>
+            </a:extLst>
+          </p:cNvPr>
+          <p:cNvSpPr txBox="1"/>
+          <p:nvPr/>
+        </p:nvSpPr>
+        <p:spPr>
+          <a:xfrm>
+            <a:off x="648447" y="2673342"/>
+            <a:ext cx="3218117" cy="2308324"/>
+          </a:xfrm>
+          <a:prstGeom prst="rect">
+            <a:avLst/>
+          </a:prstGeom>
+          <a:noFill/>
+        </p:spPr>
+        <p:txBody>
+          <a:bodyPr wrap="square" rtlCol="0">
+            <a:spAutoFit/>
+          </a:bodyPr>
+          <a:lstStyle/>
+          <a:p>
+            <a:r>
+              <a:rPr lang="en-US" b="1" dirty="0">
+                <a:latin typeface="Arial" panose="020B0604020202020204" pitchFamily="34" charset="0"/>
+                <a:cs typeface="Arial" panose="020B0604020202020204" pitchFamily="34" charset="0"/>
+              </a:rPr>
+              <a:t>Data model</a:t>
+            </a:r>
+          </a:p>
+          <a:p>
+            <a:endParaRPr lang="en-US" dirty="0">
+              <a:latin typeface="Arial" panose="020B0604020202020204" pitchFamily="34" charset="0"/>
+              <a:cs typeface="Arial" panose="020B0604020202020204" pitchFamily="34" charset="0"/>
+            </a:endParaRPr>
+          </a:p>
+          <a:p>
+            <a:endParaRPr lang="en-US" dirty="0">
+              <a:latin typeface="Arial" panose="020B0604020202020204" pitchFamily="34" charset="0"/>
+              <a:cs typeface="Arial" panose="020B0604020202020204" pitchFamily="34" charset="0"/>
+            </a:endParaRPr>
+          </a:p>
+          <a:p>
+            <a:r>
+              <a:rPr lang="en-US" b="1" dirty="0">
+                <a:latin typeface="Arial" panose="020B0604020202020204" pitchFamily="34" charset="0"/>
+                <a:cs typeface="Arial" panose="020B0604020202020204" pitchFamily="34" charset="0"/>
+              </a:rPr>
+              <a:t>Language</a:t>
+            </a:r>
+          </a:p>
+          <a:p>
+            <a:endParaRPr lang="en-US" dirty="0">
+              <a:latin typeface="Arial" panose="020B0604020202020204" pitchFamily="34" charset="0"/>
+              <a:cs typeface="Arial" panose="020B0604020202020204" pitchFamily="34" charset="0"/>
+            </a:endParaRPr>
+          </a:p>
+          <a:p>
+            <a:endParaRPr lang="en-US" dirty="0">
+              <a:latin typeface="Arial" panose="020B0604020202020204" pitchFamily="34" charset="0"/>
+              <a:cs typeface="Arial" panose="020B0604020202020204" pitchFamily="34" charset="0"/>
+            </a:endParaRPr>
+          </a:p>
+          <a:p>
+            <a:endParaRPr lang="en-US" dirty="0">
+              <a:latin typeface="Arial" panose="020B0604020202020204" pitchFamily="34" charset="0"/>
+              <a:cs typeface="Arial" panose="020B0604020202020204" pitchFamily="34" charset="0"/>
+            </a:endParaRPr>
+          </a:p>
+          <a:p>
+            <a:r>
+              <a:rPr lang="en-US" b="1" dirty="0">
+                <a:latin typeface="Arial" panose="020B0604020202020204" pitchFamily="34" charset="0"/>
+                <a:cs typeface="Arial" panose="020B0604020202020204" pitchFamily="34" charset="0"/>
+              </a:rPr>
+              <a:t>User Interaction</a:t>
+            </a:r>
+          </a:p>
+        </p:txBody>
+      </p:sp>
+      <p:sp>
+        <p:nvSpPr>
+          <p:cNvPr id="12" name="TextBox 11">
+            <a:extLst>
+              <a:ext uri="{FF2B5EF4-FFF2-40B4-BE49-F238E27FC236}">
+                <a16:creationId xmlns:a16="http://schemas.microsoft.com/office/drawing/2014/main" id="{E81716B8-161D-7245-B22D-8D8941877B79}"/>
+              </a:ext>
+            </a:extLst>
+          </p:cNvPr>
+          <p:cNvSpPr txBox="1"/>
+          <p:nvPr/>
+        </p:nvSpPr>
+        <p:spPr>
+          <a:xfrm>
+            <a:off x="4538772" y="2660987"/>
+            <a:ext cx="3786666" cy="3139321"/>
+          </a:xfrm>
+          <a:prstGeom prst="rect">
+            <a:avLst/>
+          </a:prstGeom>
+          <a:noFill/>
+        </p:spPr>
+        <p:txBody>
+          <a:bodyPr wrap="square" rtlCol="0">
+            <a:spAutoFit/>
+          </a:bodyPr>
+          <a:lstStyle/>
+          <a:p>
+            <a:r>
+              <a:rPr lang="en-US" b="1" dirty="0">
+                <a:latin typeface="Arial" panose="020B0604020202020204" pitchFamily="34" charset="0"/>
+                <a:cs typeface="Arial" panose="020B0604020202020204" pitchFamily="34" charset="0"/>
+              </a:rPr>
+              <a:t>Data model</a:t>
+            </a:r>
+          </a:p>
+          <a:p>
+            <a:endParaRPr lang="en-US" dirty="0">
+              <a:latin typeface="Arial" panose="020B0604020202020204" pitchFamily="34" charset="0"/>
+              <a:cs typeface="Arial" panose="020B0604020202020204" pitchFamily="34" charset="0"/>
+            </a:endParaRPr>
+          </a:p>
+          <a:p>
+            <a:endParaRPr lang="en-US" dirty="0">
+              <a:latin typeface="Arial" panose="020B0604020202020204" pitchFamily="34" charset="0"/>
+              <a:cs typeface="Arial" panose="020B0604020202020204" pitchFamily="34" charset="0"/>
+            </a:endParaRPr>
+          </a:p>
+          <a:p>
+            <a:endParaRPr lang="en-US" dirty="0">
+              <a:latin typeface="Arial" panose="020B0604020202020204" pitchFamily="34" charset="0"/>
+              <a:cs typeface="Arial" panose="020B0604020202020204" pitchFamily="34" charset="0"/>
+            </a:endParaRPr>
+          </a:p>
+          <a:p>
+            <a:endParaRPr lang="en-US" dirty="0">
+              <a:latin typeface="Arial" panose="020B0604020202020204" pitchFamily="34" charset="0"/>
+              <a:cs typeface="Arial" panose="020B0604020202020204" pitchFamily="34" charset="0"/>
+            </a:endParaRPr>
+          </a:p>
+          <a:p>
+            <a:r>
+              <a:rPr lang="en-US" b="1" dirty="0">
+                <a:latin typeface="Arial" panose="020B0604020202020204" pitchFamily="34" charset="0"/>
+                <a:cs typeface="Arial" panose="020B0604020202020204" pitchFamily="34" charset="0"/>
+              </a:rPr>
+              <a:t>Developer Interaction</a:t>
+            </a:r>
+          </a:p>
+          <a:p>
+            <a:endParaRPr lang="en-US" dirty="0">
+              <a:latin typeface="Arial" panose="020B0604020202020204" pitchFamily="34" charset="0"/>
+              <a:cs typeface="Arial" panose="020B0604020202020204" pitchFamily="34" charset="0"/>
+            </a:endParaRPr>
+          </a:p>
+          <a:p>
+            <a:endParaRPr lang="en-US" dirty="0">
+              <a:latin typeface="Arial" panose="020B0604020202020204" pitchFamily="34" charset="0"/>
+              <a:cs typeface="Arial" panose="020B0604020202020204" pitchFamily="34" charset="0"/>
+            </a:endParaRPr>
+          </a:p>
+          <a:p>
+            <a:endParaRPr lang="en-US" dirty="0">
+              <a:latin typeface="Arial" panose="020B0604020202020204" pitchFamily="34" charset="0"/>
+              <a:cs typeface="Arial" panose="020B0604020202020204" pitchFamily="34" charset="0"/>
+            </a:endParaRPr>
+          </a:p>
+          <a:p>
+            <a:endParaRPr lang="en-US" dirty="0">
+              <a:latin typeface="Arial" panose="020B0604020202020204" pitchFamily="34" charset="0"/>
+              <a:cs typeface="Arial" panose="020B0604020202020204" pitchFamily="34" charset="0"/>
+            </a:endParaRPr>
+          </a:p>
+          <a:p>
+            <a:r>
+              <a:rPr lang="en-US" b="1" dirty="0">
+                <a:latin typeface="Arial" panose="020B0604020202020204" pitchFamily="34" charset="0"/>
+                <a:cs typeface="Arial" panose="020B0604020202020204" pitchFamily="34" charset="0"/>
+              </a:rPr>
+              <a:t>User Interaction</a:t>
+            </a:r>
+          </a:p>
+        </p:txBody>
+      </p:sp>
+      <p:sp>
+        <p:nvSpPr>
+          <p:cNvPr id="13" name="TextBox 12">
+            <a:extLst>
+              <a:ext uri="{FF2B5EF4-FFF2-40B4-BE49-F238E27FC236}">
+                <a16:creationId xmlns:a16="http://schemas.microsoft.com/office/drawing/2014/main" id="{0A722801-970F-D242-8755-464ED53D7B1D}"/>
+              </a:ext>
+            </a:extLst>
+          </p:cNvPr>
+          <p:cNvSpPr txBox="1"/>
+          <p:nvPr/>
+        </p:nvSpPr>
+        <p:spPr>
+          <a:xfrm>
+            <a:off x="8611121" y="2660987"/>
+            <a:ext cx="3360920" cy="2585323"/>
+          </a:xfrm>
+          <a:prstGeom prst="rect">
+            <a:avLst/>
+          </a:prstGeom>
+          <a:noFill/>
+        </p:spPr>
+        <p:txBody>
+          <a:bodyPr wrap="square" rtlCol="0">
+            <a:spAutoFit/>
+          </a:bodyPr>
+          <a:lstStyle/>
+          <a:p>
+            <a:r>
+              <a:rPr lang="en-US" b="1" dirty="0"/>
+              <a:t>Data model</a:t>
+            </a:r>
+          </a:p>
+          <a:p>
+            <a:endParaRPr lang="en-US" dirty="0"/>
+          </a:p>
+          <a:p>
+            <a:endParaRPr lang="en-US" dirty="0"/>
+          </a:p>
+          <a:p>
+            <a:endParaRPr lang="en-US" dirty="0"/>
+          </a:p>
+          <a:p>
+            <a:r>
+              <a:rPr lang="en-US" b="1" dirty="0"/>
+              <a:t>Language</a:t>
+            </a:r>
+          </a:p>
+          <a:p>
+            <a:endParaRPr lang="en-US" dirty="0"/>
+          </a:p>
+          <a:p>
+            <a:endParaRPr lang="en-US" dirty="0"/>
+          </a:p>
+          <a:p>
+            <a:endParaRPr lang="en-US" dirty="0"/>
+          </a:p>
+          <a:p>
+            <a:r>
+              <a:rPr lang="en-US" b="1" dirty="0"/>
+              <a:t>User Interaction</a:t>
+            </a:r>
+          </a:p>
+        </p:txBody>
+      </p:sp>
+    </p:spTree>
+    <p:extLst>
+      <p:ext uri="{BB962C8B-B14F-4D97-AF65-F5344CB8AC3E}">
+        <p14:creationId xmlns:p14="http://schemas.microsoft.com/office/powerpoint/2010/main" val="3108409200"/>
+      </p:ext>
+    </p:extLst>
+  </p:cSld>
+  <p:clrMapOvr>
+    <a:masterClrMapping/>
+  </p:clrMapOvr>
+</p:sld>
+</file>
+
+<file path=ppt/slides/slide26.xml><?xml version="1.0" encoding="utf-8"?>
+<p:sld xmlns:a="http://schemas.openxmlformats.org/drawingml/2006/main" xmlns:r="http://schemas.openxmlformats.org/officeDocument/2006/relationships" xmlns:p="http://schemas.openxmlformats.org/presentationml/2006/main">
+  <p:cSld>
+    <p:spTree>
+      <p:nvGrpSpPr>
+        <p:cNvPr id="1" name=""/>
+        <p:cNvGrpSpPr/>
+        <p:nvPr/>
+      </p:nvGrpSpPr>
+      <p:grpSpPr>
+        <a:xfrm>
+          <a:off x="0" y="0"/>
+          <a:ext cx="0" cy="0"/>
+          <a:chOff x="0" y="0"/>
+          <a:chExt cx="0" cy="0"/>
+        </a:xfrm>
+      </p:grpSpPr>
+      <p:sp>
+        <p:nvSpPr>
+          <p:cNvPr id="2" name="Title 1">
+            <a:extLst>
+              <a:ext uri="{FF2B5EF4-FFF2-40B4-BE49-F238E27FC236}">
+                <a16:creationId xmlns:a16="http://schemas.microsoft.com/office/drawing/2014/main" id="{967FA871-0E28-D543-A2DC-049CD4D12C8F}"/>
+              </a:ext>
+            </a:extLst>
+          </p:cNvPr>
+          <p:cNvSpPr>
+            <a:spLocks noGrp="1"/>
+          </p:cNvSpPr>
+          <p:nvPr>
+            <p:ph type="title"/>
+          </p:nvPr>
+        </p:nvSpPr>
+        <p:spPr/>
+        <p:txBody>
+          <a:bodyPr>
+            <a:normAutofit/>
+          </a:bodyPr>
+          <a:lstStyle/>
+          <a:p>
+            <a:r>
+              <a:rPr lang="en-US" sz="4000" dirty="0"/>
+              <a:t>Compare: How They Model the Problem</a:t>
+            </a:r>
+          </a:p>
+        </p:txBody>
+      </p:sp>
+      <p:sp>
+        <p:nvSpPr>
+          <p:cNvPr id="9" name="TextBox 8">
+            <a:extLst>
+              <a:ext uri="{FF2B5EF4-FFF2-40B4-BE49-F238E27FC236}">
+                <a16:creationId xmlns:a16="http://schemas.microsoft.com/office/drawing/2014/main" id="{BB1CE9B1-5555-8044-AE46-B3AF6880735C}"/>
+              </a:ext>
+            </a:extLst>
+          </p:cNvPr>
+          <p:cNvSpPr txBox="1"/>
+          <p:nvPr/>
+        </p:nvSpPr>
+        <p:spPr>
+          <a:xfrm>
+            <a:off x="1293690" y="1706880"/>
+            <a:ext cx="1638525" cy="523220"/>
+          </a:xfrm>
+          <a:prstGeom prst="rect">
+            <a:avLst/>
+          </a:prstGeom>
+          <a:noFill/>
+        </p:spPr>
+        <p:txBody>
+          <a:bodyPr wrap="none" rtlCol="0">
+            <a:spAutoFit/>
+          </a:bodyPr>
+          <a:lstStyle/>
+          <a:p>
+            <a:pPr algn="ctr"/>
+            <a:r>
+              <a:rPr lang="en-US" sz="2800" dirty="0">
+                <a:latin typeface="Arial" panose="020B0604020202020204" pitchFamily="34" charset="0"/>
+                <a:cs typeface="Arial" panose="020B0604020202020204" pitchFamily="34" charset="0"/>
+              </a:rPr>
+              <a:t>Wrangler</a:t>
+            </a:r>
+          </a:p>
+        </p:txBody>
+      </p:sp>
+      <p:sp>
+        <p:nvSpPr>
+          <p:cNvPr id="10" name="TextBox 9">
+            <a:extLst>
+              <a:ext uri="{FF2B5EF4-FFF2-40B4-BE49-F238E27FC236}">
+                <a16:creationId xmlns:a16="http://schemas.microsoft.com/office/drawing/2014/main" id="{8CDD9BFE-EBDE-7F49-A24A-2E9202484386}"/>
+              </a:ext>
+            </a:extLst>
+          </p:cNvPr>
+          <p:cNvSpPr txBox="1"/>
+          <p:nvPr/>
+        </p:nvSpPr>
+        <p:spPr>
+          <a:xfrm>
+            <a:off x="5556477" y="1706880"/>
+            <a:ext cx="1364733" cy="523220"/>
+          </a:xfrm>
+          <a:prstGeom prst="rect">
+            <a:avLst/>
+          </a:prstGeom>
+          <a:noFill/>
+        </p:spPr>
+        <p:txBody>
+          <a:bodyPr wrap="none" rtlCol="0">
+            <a:spAutoFit/>
+          </a:bodyPr>
+          <a:lstStyle/>
+          <a:p>
+            <a:pPr algn="ctr"/>
+            <a:r>
+              <a:rPr lang="en-US" sz="2800" dirty="0">
+                <a:latin typeface="Arial" panose="020B0604020202020204" pitchFamily="34" charset="0"/>
+                <a:cs typeface="Arial" panose="020B0604020202020204" pitchFamily="34" charset="0"/>
+              </a:rPr>
+              <a:t>Texture</a:t>
+            </a:r>
+          </a:p>
+        </p:txBody>
+      </p:sp>
+      <p:sp>
+        <p:nvSpPr>
+          <p:cNvPr id="11" name="TextBox 10">
+            <a:extLst>
+              <a:ext uri="{FF2B5EF4-FFF2-40B4-BE49-F238E27FC236}">
+                <a16:creationId xmlns:a16="http://schemas.microsoft.com/office/drawing/2014/main" id="{A76C25E9-A96A-A049-B0EF-36999F4496A1}"/>
+              </a:ext>
+            </a:extLst>
+          </p:cNvPr>
+          <p:cNvSpPr txBox="1"/>
+          <p:nvPr/>
+        </p:nvSpPr>
+        <p:spPr>
+          <a:xfrm>
+            <a:off x="9339740" y="1706880"/>
+            <a:ext cx="1744388" cy="523220"/>
+          </a:xfrm>
+          <a:prstGeom prst="rect">
+            <a:avLst/>
+          </a:prstGeom>
+          <a:noFill/>
+        </p:spPr>
+        <p:txBody>
+          <a:bodyPr wrap="none" rtlCol="0">
+            <a:spAutoFit/>
+          </a:bodyPr>
+          <a:lstStyle/>
+          <a:p>
+            <a:pPr algn="ctr"/>
+            <a:r>
+              <a:rPr lang="en-US" sz="2800" dirty="0" err="1">
+                <a:latin typeface="Arial" panose="020B0604020202020204" pitchFamily="34" charset="0"/>
+                <a:cs typeface="Arial" panose="020B0604020202020204" pitchFamily="34" charset="0"/>
+              </a:rPr>
+              <a:t>Instabase</a:t>
+            </a:r>
+            <a:endParaRPr lang="en-US" sz="2800" dirty="0">
+              <a:latin typeface="Arial" panose="020B0604020202020204" pitchFamily="34" charset="0"/>
+              <a:cs typeface="Arial" panose="020B0604020202020204" pitchFamily="34" charset="0"/>
+            </a:endParaRPr>
+          </a:p>
+        </p:txBody>
+      </p:sp>
+      <p:sp>
+        <p:nvSpPr>
+          <p:cNvPr id="12" name="TextBox 11">
+            <a:extLst>
+              <a:ext uri="{FF2B5EF4-FFF2-40B4-BE49-F238E27FC236}">
+                <a16:creationId xmlns:a16="http://schemas.microsoft.com/office/drawing/2014/main" id="{E81716B8-161D-7245-B22D-8D8941877B79}"/>
+              </a:ext>
+            </a:extLst>
+          </p:cNvPr>
+          <p:cNvSpPr txBox="1"/>
+          <p:nvPr/>
+        </p:nvSpPr>
+        <p:spPr>
+          <a:xfrm>
+            <a:off x="4538772" y="2660987"/>
+            <a:ext cx="3786666" cy="3139321"/>
+          </a:xfrm>
+          <a:prstGeom prst="rect">
+            <a:avLst/>
+          </a:prstGeom>
+          <a:noFill/>
+        </p:spPr>
+        <p:txBody>
+          <a:bodyPr wrap="square" rtlCol="0">
+            <a:spAutoFit/>
+          </a:bodyPr>
+          <a:lstStyle/>
+          <a:p>
+            <a:r>
+              <a:rPr lang="en-US" b="1" dirty="0">
+                <a:latin typeface="Arial" panose="020B0604020202020204" pitchFamily="34" charset="0"/>
+                <a:cs typeface="Arial" panose="020B0604020202020204" pitchFamily="34" charset="0"/>
+              </a:rPr>
+              <a:t>Data model</a:t>
+            </a:r>
+          </a:p>
+          <a:p>
+            <a:endParaRPr lang="en-US" dirty="0">
+              <a:latin typeface="Arial" panose="020B0604020202020204" pitchFamily="34" charset="0"/>
+              <a:cs typeface="Arial" panose="020B0604020202020204" pitchFamily="34" charset="0"/>
+            </a:endParaRPr>
+          </a:p>
+          <a:p>
+            <a:endParaRPr lang="en-US" dirty="0">
+              <a:latin typeface="Arial" panose="020B0604020202020204" pitchFamily="34" charset="0"/>
+              <a:cs typeface="Arial" panose="020B0604020202020204" pitchFamily="34" charset="0"/>
+            </a:endParaRPr>
+          </a:p>
+          <a:p>
+            <a:endParaRPr lang="en-US" dirty="0">
+              <a:latin typeface="Arial" panose="020B0604020202020204" pitchFamily="34" charset="0"/>
+              <a:cs typeface="Arial" panose="020B0604020202020204" pitchFamily="34" charset="0"/>
+            </a:endParaRPr>
+          </a:p>
+          <a:p>
+            <a:endParaRPr lang="en-US" dirty="0">
+              <a:latin typeface="Arial" panose="020B0604020202020204" pitchFamily="34" charset="0"/>
+              <a:cs typeface="Arial" panose="020B0604020202020204" pitchFamily="34" charset="0"/>
+            </a:endParaRPr>
+          </a:p>
+          <a:p>
+            <a:r>
+              <a:rPr lang="en-US" b="1" dirty="0">
+                <a:latin typeface="Arial" panose="020B0604020202020204" pitchFamily="34" charset="0"/>
+                <a:cs typeface="Arial" panose="020B0604020202020204" pitchFamily="34" charset="0"/>
+              </a:rPr>
+              <a:t>Developer Interaction</a:t>
+            </a:r>
+          </a:p>
+          <a:p>
+            <a:endParaRPr lang="en-US" dirty="0">
+              <a:latin typeface="Arial" panose="020B0604020202020204" pitchFamily="34" charset="0"/>
+              <a:cs typeface="Arial" panose="020B0604020202020204" pitchFamily="34" charset="0"/>
+            </a:endParaRPr>
+          </a:p>
+          <a:p>
+            <a:endParaRPr lang="en-US" dirty="0">
+              <a:latin typeface="Arial" panose="020B0604020202020204" pitchFamily="34" charset="0"/>
+              <a:cs typeface="Arial" panose="020B0604020202020204" pitchFamily="34" charset="0"/>
+            </a:endParaRPr>
+          </a:p>
+          <a:p>
+            <a:endParaRPr lang="en-US" dirty="0">
+              <a:latin typeface="Arial" panose="020B0604020202020204" pitchFamily="34" charset="0"/>
+              <a:cs typeface="Arial" panose="020B0604020202020204" pitchFamily="34" charset="0"/>
+            </a:endParaRPr>
+          </a:p>
+          <a:p>
+            <a:endParaRPr lang="en-US" dirty="0">
+              <a:latin typeface="Arial" panose="020B0604020202020204" pitchFamily="34" charset="0"/>
+              <a:cs typeface="Arial" panose="020B0604020202020204" pitchFamily="34" charset="0"/>
+            </a:endParaRPr>
+          </a:p>
+          <a:p>
+            <a:r>
+              <a:rPr lang="en-US" b="1" dirty="0">
+                <a:latin typeface="Arial" panose="020B0604020202020204" pitchFamily="34" charset="0"/>
+                <a:cs typeface="Arial" panose="020B0604020202020204" pitchFamily="34" charset="0"/>
+              </a:rPr>
+              <a:t>User Interaction</a:t>
+            </a:r>
+          </a:p>
+        </p:txBody>
+      </p:sp>
+      <p:sp>
+        <p:nvSpPr>
+          <p:cNvPr id="13" name="TextBox 12">
+            <a:extLst>
+              <a:ext uri="{FF2B5EF4-FFF2-40B4-BE49-F238E27FC236}">
+                <a16:creationId xmlns:a16="http://schemas.microsoft.com/office/drawing/2014/main" id="{0A722801-970F-D242-8755-464ED53D7B1D}"/>
+              </a:ext>
+            </a:extLst>
+          </p:cNvPr>
+          <p:cNvSpPr txBox="1"/>
+          <p:nvPr/>
+        </p:nvSpPr>
+        <p:spPr>
+          <a:xfrm>
+            <a:off x="8611121" y="2660987"/>
+            <a:ext cx="3360920" cy="2585323"/>
+          </a:xfrm>
+          <a:prstGeom prst="rect">
+            <a:avLst/>
+          </a:prstGeom>
+          <a:noFill/>
+        </p:spPr>
+        <p:txBody>
+          <a:bodyPr wrap="square" rtlCol="0">
+            <a:spAutoFit/>
+          </a:bodyPr>
+          <a:lstStyle/>
+          <a:p>
+            <a:r>
+              <a:rPr lang="en-US" b="1" dirty="0"/>
+              <a:t>Data model</a:t>
+            </a:r>
+          </a:p>
+          <a:p>
+            <a:endParaRPr lang="en-US" dirty="0"/>
+          </a:p>
+          <a:p>
+            <a:endParaRPr lang="en-US" dirty="0"/>
+          </a:p>
+          <a:p>
+            <a:endParaRPr lang="en-US" dirty="0"/>
+          </a:p>
+          <a:p>
+            <a:r>
+              <a:rPr lang="en-US" b="1" dirty="0"/>
+              <a:t>Language</a:t>
+            </a:r>
+          </a:p>
+          <a:p>
+            <a:endParaRPr lang="en-US" dirty="0"/>
+          </a:p>
+          <a:p>
+            <a:endParaRPr lang="en-US" dirty="0"/>
+          </a:p>
+          <a:p>
+            <a:endParaRPr lang="en-US" dirty="0"/>
+          </a:p>
+          <a:p>
+            <a:r>
+              <a:rPr lang="en-US" b="1" dirty="0"/>
+              <a:t>User Interaction</a:t>
+            </a:r>
+          </a:p>
+        </p:txBody>
+      </p:sp>
+      <p:sp>
+        <p:nvSpPr>
+          <p:cNvPr id="14" name="TextBox 13">
+            <a:extLst>
+              <a:ext uri="{FF2B5EF4-FFF2-40B4-BE49-F238E27FC236}">
+                <a16:creationId xmlns:a16="http://schemas.microsoft.com/office/drawing/2014/main" id="{B42105CD-E7DA-D34F-9EB5-03AC66781E20}"/>
+              </a:ext>
+            </a:extLst>
+          </p:cNvPr>
+          <p:cNvSpPr txBox="1"/>
+          <p:nvPr/>
+        </p:nvSpPr>
+        <p:spPr>
+          <a:xfrm>
+            <a:off x="648447" y="2673342"/>
+            <a:ext cx="3218117" cy="2862322"/>
+          </a:xfrm>
+          <a:prstGeom prst="rect">
+            <a:avLst/>
+          </a:prstGeom>
+          <a:noFill/>
+        </p:spPr>
+        <p:txBody>
+          <a:bodyPr wrap="square" rtlCol="0">
+            <a:spAutoFit/>
+          </a:bodyPr>
+          <a:lstStyle/>
+          <a:p>
+            <a:r>
+              <a:rPr lang="en-US" b="1" dirty="0">
+                <a:latin typeface="Arial" panose="020B0604020202020204" pitchFamily="34" charset="0"/>
+                <a:cs typeface="Arial" panose="020B0604020202020204" pitchFamily="34" charset="0"/>
+              </a:rPr>
+              <a:t>Data model</a:t>
+            </a:r>
+          </a:p>
+          <a:p>
+            <a:r>
+              <a:rPr lang="en-US" dirty="0">
+                <a:latin typeface="Arial" panose="020B0604020202020204" pitchFamily="34" charset="0"/>
+                <a:cs typeface="Arial" panose="020B0604020202020204" pitchFamily="34" charset="0"/>
+              </a:rPr>
+              <a:t>Table of text attributes</a:t>
+            </a:r>
+          </a:p>
+          <a:p>
+            <a:endParaRPr lang="en-US" dirty="0">
+              <a:latin typeface="Arial" panose="020B0604020202020204" pitchFamily="34" charset="0"/>
+              <a:cs typeface="Arial" panose="020B0604020202020204" pitchFamily="34" charset="0"/>
+            </a:endParaRPr>
+          </a:p>
+          <a:p>
+            <a:r>
+              <a:rPr lang="en-US" b="1" dirty="0">
+                <a:latin typeface="Arial" panose="020B0604020202020204" pitchFamily="34" charset="0"/>
+                <a:cs typeface="Arial" panose="020B0604020202020204" pitchFamily="34" charset="0"/>
+              </a:rPr>
+              <a:t>Language</a:t>
+            </a:r>
+          </a:p>
+          <a:p>
+            <a:r>
+              <a:rPr lang="en-US" dirty="0">
+                <a:latin typeface="Arial" panose="020B0604020202020204" pitchFamily="34" charset="0"/>
+                <a:cs typeface="Arial" panose="020B0604020202020204" pitchFamily="34" charset="0"/>
+              </a:rPr>
+              <a:t>Filter, project operators + fold/unfold</a:t>
+            </a:r>
+          </a:p>
+          <a:p>
+            <a:endParaRPr lang="en-US" dirty="0">
+              <a:latin typeface="Arial" panose="020B0604020202020204" pitchFamily="34" charset="0"/>
+              <a:cs typeface="Arial" panose="020B0604020202020204" pitchFamily="34" charset="0"/>
+            </a:endParaRPr>
+          </a:p>
+          <a:p>
+            <a:r>
+              <a:rPr lang="en-US" b="1" dirty="0">
+                <a:latin typeface="Arial" panose="020B0604020202020204" pitchFamily="34" charset="0"/>
+                <a:cs typeface="Arial" panose="020B0604020202020204" pitchFamily="34" charset="0"/>
+              </a:rPr>
+              <a:t>User Interaction</a:t>
+            </a:r>
+          </a:p>
+          <a:p>
+            <a:r>
+              <a:rPr lang="en-US" dirty="0">
+                <a:latin typeface="Arial" panose="020B0604020202020204" pitchFamily="34" charset="0"/>
+                <a:cs typeface="Arial" panose="020B0604020202020204" pitchFamily="34" charset="0"/>
+              </a:rPr>
+              <a:t>Select </a:t>
+            </a:r>
+            <a:r>
+              <a:rPr lang="en-US" dirty="0">
+                <a:highlight>
+                  <a:srgbClr val="FFFF00"/>
+                </a:highlight>
+                <a:latin typeface="Arial" panose="020B0604020202020204" pitchFamily="34" charset="0"/>
+                <a:cs typeface="Arial" panose="020B0604020202020204" pitchFamily="34" charset="0"/>
+              </a:rPr>
+              <a:t>text to extract</a:t>
+            </a:r>
+          </a:p>
+          <a:p>
+            <a:r>
+              <a:rPr lang="en-US" dirty="0">
+                <a:latin typeface="Arial" panose="020B0604020202020204" pitchFamily="34" charset="0"/>
+                <a:cs typeface="Arial" panose="020B0604020202020204" pitchFamily="34" charset="0"/>
+              </a:rPr>
+              <a:t>Choose &amp; refine suggestions</a:t>
+            </a:r>
+          </a:p>
+        </p:txBody>
+      </p:sp>
+    </p:spTree>
+    <p:extLst>
+      <p:ext uri="{BB962C8B-B14F-4D97-AF65-F5344CB8AC3E}">
+        <p14:creationId xmlns:p14="http://schemas.microsoft.com/office/powerpoint/2010/main" val="307266725"/>
+      </p:ext>
+    </p:extLst>
+  </p:cSld>
+  <p:clrMapOvr>
+    <a:masterClrMapping/>
+  </p:clrMapOvr>
+</p:sld>
+</file>
+
+<file path=ppt/slides/slide27.xml><?xml version="1.0" encoding="utf-8"?>
+<p:sld xmlns:a="http://schemas.openxmlformats.org/drawingml/2006/main" xmlns:r="http://schemas.openxmlformats.org/officeDocument/2006/relationships" xmlns:p="http://schemas.openxmlformats.org/presentationml/2006/main">
+  <p:cSld>
+    <p:spTree>
+      <p:nvGrpSpPr>
+        <p:cNvPr id="1" name=""/>
+        <p:cNvGrpSpPr/>
+        <p:nvPr/>
+      </p:nvGrpSpPr>
+      <p:grpSpPr>
+        <a:xfrm>
+          <a:off x="0" y="0"/>
+          <a:ext cx="0" cy="0"/>
+          <a:chOff x="0" y="0"/>
+          <a:chExt cx="0" cy="0"/>
+        </a:xfrm>
+      </p:grpSpPr>
+      <p:sp>
+        <p:nvSpPr>
+          <p:cNvPr id="2" name="Title 1">
+            <a:extLst>
+              <a:ext uri="{FF2B5EF4-FFF2-40B4-BE49-F238E27FC236}">
+                <a16:creationId xmlns:a16="http://schemas.microsoft.com/office/drawing/2014/main" id="{967FA871-0E28-D543-A2DC-049CD4D12C8F}"/>
+              </a:ext>
+            </a:extLst>
+          </p:cNvPr>
+          <p:cNvSpPr>
+            <a:spLocks noGrp="1"/>
+          </p:cNvSpPr>
+          <p:nvPr>
+            <p:ph type="title"/>
+          </p:nvPr>
+        </p:nvSpPr>
+        <p:spPr/>
+        <p:txBody>
+          <a:bodyPr>
+            <a:normAutofit/>
+          </a:bodyPr>
+          <a:lstStyle/>
+          <a:p>
+            <a:r>
+              <a:rPr lang="en-US" sz="4000" dirty="0"/>
+              <a:t>Compare: How They Model the Problem</a:t>
+            </a:r>
+          </a:p>
+        </p:txBody>
+      </p:sp>
+      <p:sp>
+        <p:nvSpPr>
+          <p:cNvPr id="9" name="TextBox 8">
+            <a:extLst>
+              <a:ext uri="{FF2B5EF4-FFF2-40B4-BE49-F238E27FC236}">
+                <a16:creationId xmlns:a16="http://schemas.microsoft.com/office/drawing/2014/main" id="{BB1CE9B1-5555-8044-AE46-B3AF6880735C}"/>
+              </a:ext>
+            </a:extLst>
+          </p:cNvPr>
+          <p:cNvSpPr txBox="1"/>
+          <p:nvPr/>
+        </p:nvSpPr>
+        <p:spPr>
+          <a:xfrm>
+            <a:off x="1293690" y="1706880"/>
+            <a:ext cx="1638525" cy="523220"/>
+          </a:xfrm>
+          <a:prstGeom prst="rect">
+            <a:avLst/>
+          </a:prstGeom>
+          <a:noFill/>
+        </p:spPr>
+        <p:txBody>
+          <a:bodyPr wrap="none" rtlCol="0">
+            <a:spAutoFit/>
+          </a:bodyPr>
+          <a:lstStyle/>
+          <a:p>
+            <a:pPr algn="ctr"/>
+            <a:r>
+              <a:rPr lang="en-US" sz="2800" dirty="0">
+                <a:latin typeface="Arial" panose="020B0604020202020204" pitchFamily="34" charset="0"/>
+                <a:cs typeface="Arial" panose="020B0604020202020204" pitchFamily="34" charset="0"/>
+              </a:rPr>
+              <a:t>Wrangler</a:t>
+            </a:r>
+          </a:p>
+        </p:txBody>
+      </p:sp>
+      <p:sp>
+        <p:nvSpPr>
+          <p:cNvPr id="10" name="TextBox 9">
+            <a:extLst>
+              <a:ext uri="{FF2B5EF4-FFF2-40B4-BE49-F238E27FC236}">
+                <a16:creationId xmlns:a16="http://schemas.microsoft.com/office/drawing/2014/main" id="{8CDD9BFE-EBDE-7F49-A24A-2E9202484386}"/>
+              </a:ext>
+            </a:extLst>
+          </p:cNvPr>
+          <p:cNvSpPr txBox="1"/>
+          <p:nvPr/>
+        </p:nvSpPr>
+        <p:spPr>
+          <a:xfrm>
+            <a:off x="5556477" y="1706880"/>
+            <a:ext cx="1364733" cy="523220"/>
+          </a:xfrm>
+          <a:prstGeom prst="rect">
+            <a:avLst/>
+          </a:prstGeom>
+          <a:noFill/>
+        </p:spPr>
+        <p:txBody>
+          <a:bodyPr wrap="none" rtlCol="0">
+            <a:spAutoFit/>
+          </a:bodyPr>
+          <a:lstStyle/>
+          <a:p>
+            <a:pPr algn="ctr"/>
+            <a:r>
+              <a:rPr lang="en-US" sz="2800" dirty="0">
+                <a:latin typeface="Arial" panose="020B0604020202020204" pitchFamily="34" charset="0"/>
+                <a:cs typeface="Arial" panose="020B0604020202020204" pitchFamily="34" charset="0"/>
+              </a:rPr>
+              <a:t>Texture</a:t>
+            </a:r>
+          </a:p>
+        </p:txBody>
+      </p:sp>
+      <p:sp>
+        <p:nvSpPr>
+          <p:cNvPr id="11" name="TextBox 10">
+            <a:extLst>
+              <a:ext uri="{FF2B5EF4-FFF2-40B4-BE49-F238E27FC236}">
+                <a16:creationId xmlns:a16="http://schemas.microsoft.com/office/drawing/2014/main" id="{A76C25E9-A96A-A049-B0EF-36999F4496A1}"/>
+              </a:ext>
+            </a:extLst>
+          </p:cNvPr>
+          <p:cNvSpPr txBox="1"/>
+          <p:nvPr/>
+        </p:nvSpPr>
+        <p:spPr>
+          <a:xfrm>
+            <a:off x="9339740" y="1706880"/>
+            <a:ext cx="1744388" cy="523220"/>
+          </a:xfrm>
+          <a:prstGeom prst="rect">
+            <a:avLst/>
+          </a:prstGeom>
+          <a:noFill/>
+        </p:spPr>
+        <p:txBody>
+          <a:bodyPr wrap="none" rtlCol="0">
+            <a:spAutoFit/>
+          </a:bodyPr>
+          <a:lstStyle/>
+          <a:p>
+            <a:pPr algn="ctr"/>
+            <a:r>
+              <a:rPr lang="en-US" sz="2800" dirty="0" err="1">
+                <a:latin typeface="Arial" panose="020B0604020202020204" pitchFamily="34" charset="0"/>
+                <a:cs typeface="Arial" panose="020B0604020202020204" pitchFamily="34" charset="0"/>
+              </a:rPr>
+              <a:t>Instabase</a:t>
+            </a:r>
+            <a:endParaRPr lang="en-US" sz="2800" dirty="0">
+              <a:latin typeface="Arial" panose="020B0604020202020204" pitchFamily="34" charset="0"/>
+              <a:cs typeface="Arial" panose="020B0604020202020204" pitchFamily="34" charset="0"/>
+            </a:endParaRPr>
+          </a:p>
+        </p:txBody>
+      </p:sp>
+      <p:sp>
+        <p:nvSpPr>
+          <p:cNvPr id="13" name="TextBox 12">
+            <a:extLst>
+              <a:ext uri="{FF2B5EF4-FFF2-40B4-BE49-F238E27FC236}">
+                <a16:creationId xmlns:a16="http://schemas.microsoft.com/office/drawing/2014/main" id="{0A722801-970F-D242-8755-464ED53D7B1D}"/>
+              </a:ext>
+            </a:extLst>
+          </p:cNvPr>
+          <p:cNvSpPr txBox="1"/>
+          <p:nvPr/>
+        </p:nvSpPr>
+        <p:spPr>
+          <a:xfrm>
+            <a:off x="8611121" y="2660987"/>
+            <a:ext cx="3360920" cy="2585323"/>
+          </a:xfrm>
+          <a:prstGeom prst="rect">
+            <a:avLst/>
+          </a:prstGeom>
+          <a:noFill/>
+        </p:spPr>
+        <p:txBody>
+          <a:bodyPr wrap="square" rtlCol="0">
+            <a:spAutoFit/>
+          </a:bodyPr>
+          <a:lstStyle/>
+          <a:p>
+            <a:r>
+              <a:rPr lang="en-US" b="1" dirty="0"/>
+              <a:t>Data model</a:t>
+            </a:r>
+          </a:p>
+          <a:p>
+            <a:endParaRPr lang="en-US" dirty="0"/>
+          </a:p>
+          <a:p>
+            <a:endParaRPr lang="en-US" dirty="0"/>
+          </a:p>
+          <a:p>
+            <a:endParaRPr lang="en-US" dirty="0"/>
+          </a:p>
+          <a:p>
+            <a:r>
+              <a:rPr lang="en-US" b="1" dirty="0"/>
+              <a:t>Language</a:t>
+            </a:r>
+          </a:p>
+          <a:p>
+            <a:endParaRPr lang="en-US" dirty="0"/>
+          </a:p>
+          <a:p>
+            <a:endParaRPr lang="en-US" dirty="0"/>
+          </a:p>
+          <a:p>
+            <a:endParaRPr lang="en-US" dirty="0"/>
+          </a:p>
+          <a:p>
+            <a:r>
+              <a:rPr lang="en-US" b="1" dirty="0"/>
+              <a:t>User Interaction</a:t>
+            </a:r>
+          </a:p>
+        </p:txBody>
+      </p:sp>
+      <p:sp>
+        <p:nvSpPr>
+          <p:cNvPr id="14" name="TextBox 13">
+            <a:extLst>
+              <a:ext uri="{FF2B5EF4-FFF2-40B4-BE49-F238E27FC236}">
+                <a16:creationId xmlns:a16="http://schemas.microsoft.com/office/drawing/2014/main" id="{B42105CD-E7DA-D34F-9EB5-03AC66781E20}"/>
+              </a:ext>
+            </a:extLst>
+          </p:cNvPr>
+          <p:cNvSpPr txBox="1"/>
+          <p:nvPr/>
+        </p:nvSpPr>
+        <p:spPr>
+          <a:xfrm>
+            <a:off x="648447" y="2673342"/>
+            <a:ext cx="3218117" cy="2862322"/>
+          </a:xfrm>
+          <a:prstGeom prst="rect">
+            <a:avLst/>
+          </a:prstGeom>
+          <a:noFill/>
+        </p:spPr>
+        <p:txBody>
+          <a:bodyPr wrap="square" rtlCol="0">
+            <a:spAutoFit/>
+          </a:bodyPr>
+          <a:lstStyle/>
+          <a:p>
+            <a:r>
+              <a:rPr lang="en-US" b="1" dirty="0">
+                <a:latin typeface="Arial" panose="020B0604020202020204" pitchFamily="34" charset="0"/>
+                <a:cs typeface="Arial" panose="020B0604020202020204" pitchFamily="34" charset="0"/>
+              </a:rPr>
+              <a:t>Data model</a:t>
+            </a:r>
+          </a:p>
+          <a:p>
+            <a:r>
+              <a:rPr lang="en-US" dirty="0">
+                <a:latin typeface="Arial" panose="020B0604020202020204" pitchFamily="34" charset="0"/>
+                <a:cs typeface="Arial" panose="020B0604020202020204" pitchFamily="34" charset="0"/>
+              </a:rPr>
+              <a:t>Table of text attributes</a:t>
+            </a:r>
+          </a:p>
+          <a:p>
+            <a:endParaRPr lang="en-US" dirty="0">
+              <a:latin typeface="Arial" panose="020B0604020202020204" pitchFamily="34" charset="0"/>
+              <a:cs typeface="Arial" panose="020B0604020202020204" pitchFamily="34" charset="0"/>
+            </a:endParaRPr>
+          </a:p>
+          <a:p>
+            <a:r>
+              <a:rPr lang="en-US" b="1" dirty="0">
+                <a:latin typeface="Arial" panose="020B0604020202020204" pitchFamily="34" charset="0"/>
+                <a:cs typeface="Arial" panose="020B0604020202020204" pitchFamily="34" charset="0"/>
+              </a:rPr>
+              <a:t>Language</a:t>
+            </a:r>
+          </a:p>
+          <a:p>
+            <a:r>
+              <a:rPr lang="en-US" dirty="0">
+                <a:latin typeface="Arial" panose="020B0604020202020204" pitchFamily="34" charset="0"/>
+                <a:cs typeface="Arial" panose="020B0604020202020204" pitchFamily="34" charset="0"/>
+              </a:rPr>
+              <a:t>Filter, project operators + fold/unfold</a:t>
+            </a:r>
+          </a:p>
+          <a:p>
+            <a:endParaRPr lang="en-US" dirty="0">
+              <a:latin typeface="Arial" panose="020B0604020202020204" pitchFamily="34" charset="0"/>
+              <a:cs typeface="Arial" panose="020B0604020202020204" pitchFamily="34" charset="0"/>
+            </a:endParaRPr>
+          </a:p>
+          <a:p>
+            <a:r>
+              <a:rPr lang="en-US" b="1" dirty="0">
+                <a:latin typeface="Arial" panose="020B0604020202020204" pitchFamily="34" charset="0"/>
+                <a:cs typeface="Arial" panose="020B0604020202020204" pitchFamily="34" charset="0"/>
+              </a:rPr>
+              <a:t>User Interaction</a:t>
+            </a:r>
+          </a:p>
+          <a:p>
+            <a:r>
+              <a:rPr lang="en-US" dirty="0">
+                <a:latin typeface="Arial" panose="020B0604020202020204" pitchFamily="34" charset="0"/>
+                <a:cs typeface="Arial" panose="020B0604020202020204" pitchFamily="34" charset="0"/>
+              </a:rPr>
+              <a:t>Select </a:t>
+            </a:r>
+            <a:r>
+              <a:rPr lang="en-US" dirty="0">
+                <a:highlight>
+                  <a:srgbClr val="FFFF00"/>
+                </a:highlight>
+                <a:latin typeface="Arial" panose="020B0604020202020204" pitchFamily="34" charset="0"/>
+                <a:cs typeface="Arial" panose="020B0604020202020204" pitchFamily="34" charset="0"/>
+              </a:rPr>
+              <a:t>text to extract</a:t>
+            </a:r>
+          </a:p>
+          <a:p>
+            <a:r>
+              <a:rPr lang="en-US" dirty="0">
+                <a:latin typeface="Arial" panose="020B0604020202020204" pitchFamily="34" charset="0"/>
+                <a:cs typeface="Arial" panose="020B0604020202020204" pitchFamily="34" charset="0"/>
+              </a:rPr>
+              <a:t>Choose &amp; refine suggestions</a:t>
+            </a:r>
+          </a:p>
+        </p:txBody>
+      </p:sp>
+      <p:sp>
+        <p:nvSpPr>
+          <p:cNvPr id="15" name="TextBox 14">
+            <a:extLst>
+              <a:ext uri="{FF2B5EF4-FFF2-40B4-BE49-F238E27FC236}">
+                <a16:creationId xmlns:a16="http://schemas.microsoft.com/office/drawing/2014/main" id="{83422977-8845-BC4D-8840-CD064465DE8F}"/>
+              </a:ext>
+            </a:extLst>
+          </p:cNvPr>
+          <p:cNvSpPr txBox="1"/>
+          <p:nvPr/>
+        </p:nvSpPr>
+        <p:spPr>
+          <a:xfrm>
+            <a:off x="4538772" y="2660987"/>
+            <a:ext cx="3786666" cy="3693319"/>
+          </a:xfrm>
+          <a:prstGeom prst="rect">
+            <a:avLst/>
+          </a:prstGeom>
+          <a:noFill/>
+        </p:spPr>
+        <p:txBody>
+          <a:bodyPr wrap="square" rtlCol="0">
+            <a:spAutoFit/>
+          </a:bodyPr>
+          <a:lstStyle/>
+          <a:p>
+            <a:r>
+              <a:rPr lang="en-US" b="1" dirty="0">
+                <a:latin typeface="Arial" panose="020B0604020202020204" pitchFamily="34" charset="0"/>
+                <a:cs typeface="Arial" panose="020B0604020202020204" pitchFamily="34" charset="0"/>
+              </a:rPr>
+              <a:t>Data model</a:t>
+            </a:r>
+          </a:p>
+          <a:p>
+            <a:r>
+              <a:rPr lang="en-US" dirty="0">
+                <a:latin typeface="Arial" panose="020B0604020202020204" pitchFamily="34" charset="0"/>
+                <a:cs typeface="Arial" panose="020B0604020202020204" pitchFamily="34" charset="0"/>
+              </a:rPr>
+              <a:t>Typed bounding boxes </a:t>
+            </a:r>
+            <a:r>
+              <a:rPr lang="en-US" dirty="0">
+                <a:solidFill>
+                  <a:schemeClr val="bg1">
+                    <a:lumMod val="50000"/>
+                  </a:schemeClr>
+                </a:solidFill>
+                <a:latin typeface="Arial" panose="020B0604020202020204" pitchFamily="34" charset="0"/>
+                <a:cs typeface="Arial" panose="020B0604020202020204" pitchFamily="34" charset="0"/>
+              </a:rPr>
+              <a:t>(title, list)</a:t>
+            </a:r>
+          </a:p>
+          <a:p>
+            <a:r>
+              <a:rPr lang="en-US" dirty="0">
+                <a:latin typeface="Arial" panose="020B0604020202020204" pitchFamily="34" charset="0"/>
+                <a:cs typeface="Arial" panose="020B0604020202020204" pitchFamily="34" charset="0"/>
+              </a:rPr>
+              <a:t>Boxes have metadata</a:t>
+            </a:r>
+          </a:p>
+          <a:p>
+            <a:r>
+              <a:rPr lang="en-US" dirty="0">
+                <a:latin typeface="Arial" panose="020B0604020202020204" pitchFamily="34" charset="0"/>
+                <a:cs typeface="Arial" panose="020B0604020202020204" pitchFamily="34" charset="0"/>
+              </a:rPr>
+              <a:t>Doc = hierarchy of boxes</a:t>
+            </a:r>
+          </a:p>
+          <a:p>
+            <a:endParaRPr lang="en-US" dirty="0">
+              <a:latin typeface="Arial" panose="020B0604020202020204" pitchFamily="34" charset="0"/>
+              <a:cs typeface="Arial" panose="020B0604020202020204" pitchFamily="34" charset="0"/>
+            </a:endParaRPr>
+          </a:p>
+          <a:p>
+            <a:r>
+              <a:rPr lang="en-US" b="1" dirty="0">
+                <a:latin typeface="Arial" panose="020B0604020202020204" pitchFamily="34" charset="0"/>
+                <a:cs typeface="Arial" panose="020B0604020202020204" pitchFamily="34" charset="0"/>
+              </a:rPr>
+              <a:t>Developer Interaction</a:t>
+            </a:r>
+          </a:p>
+          <a:p>
+            <a:r>
+              <a:rPr lang="en-US" dirty="0">
+                <a:latin typeface="Arial" panose="020B0604020202020204" pitchFamily="34" charset="0"/>
+                <a:cs typeface="Arial" panose="020B0604020202020204" pitchFamily="34" charset="0"/>
+              </a:rPr>
+              <a:t>Write bounding boxes detectors and labelers in Java</a:t>
+            </a:r>
+          </a:p>
+          <a:p>
+            <a:r>
+              <a:rPr lang="en-US" dirty="0">
+                <a:latin typeface="Arial" panose="020B0604020202020204" pitchFamily="34" charset="0"/>
+                <a:cs typeface="Arial" panose="020B0604020202020204" pitchFamily="34" charset="0"/>
+              </a:rPr>
+              <a:t>Heuristics populate the “database”</a:t>
+            </a:r>
+          </a:p>
+          <a:p>
+            <a:endParaRPr lang="en-US" dirty="0">
+              <a:latin typeface="Arial" panose="020B0604020202020204" pitchFamily="34" charset="0"/>
+              <a:cs typeface="Arial" panose="020B0604020202020204" pitchFamily="34" charset="0"/>
+            </a:endParaRPr>
+          </a:p>
+          <a:p>
+            <a:r>
+              <a:rPr lang="en-US" b="1" dirty="0">
+                <a:latin typeface="Arial" panose="020B0604020202020204" pitchFamily="34" charset="0"/>
+                <a:cs typeface="Arial" panose="020B0604020202020204" pitchFamily="34" charset="0"/>
+              </a:rPr>
+              <a:t>User Interaction</a:t>
+            </a:r>
+          </a:p>
+          <a:p>
+            <a:r>
+              <a:rPr lang="en-US" dirty="0">
+                <a:latin typeface="Arial" panose="020B0604020202020204" pitchFamily="34" charset="0"/>
+                <a:cs typeface="Arial" panose="020B0604020202020204" pitchFamily="34" charset="0"/>
+              </a:rPr>
+              <a:t>Write extraction “queries” over “database” of boxes</a:t>
+            </a:r>
+          </a:p>
+        </p:txBody>
+      </p:sp>
+    </p:spTree>
+    <p:extLst>
+      <p:ext uri="{BB962C8B-B14F-4D97-AF65-F5344CB8AC3E}">
+        <p14:creationId xmlns:p14="http://schemas.microsoft.com/office/powerpoint/2010/main" val="922803284"/>
+      </p:ext>
+    </p:extLst>
+  </p:cSld>
+  <p:clrMapOvr>
+    <a:masterClrMapping/>
+  </p:clrMapOvr>
+</p:sld>
+</file>
+
+<file path=ppt/slides/slide28.xml><?xml version="1.0" encoding="utf-8"?>
+<p:sld xmlns:a="http://schemas.openxmlformats.org/drawingml/2006/main" xmlns:r="http://schemas.openxmlformats.org/officeDocument/2006/relationships" xmlns:p="http://schemas.openxmlformats.org/presentationml/2006/main">
+  <p:cSld>
+    <p:spTree>
+      <p:nvGrpSpPr>
+        <p:cNvPr id="1" name=""/>
+        <p:cNvGrpSpPr/>
+        <p:nvPr/>
+      </p:nvGrpSpPr>
+      <p:grpSpPr>
+        <a:xfrm>
+          <a:off x="0" y="0"/>
+          <a:ext cx="0" cy="0"/>
+          <a:chOff x="0" y="0"/>
+          <a:chExt cx="0" cy="0"/>
+        </a:xfrm>
+      </p:grpSpPr>
+      <p:sp>
+        <p:nvSpPr>
+          <p:cNvPr id="2" name="Title 1">
+            <a:extLst>
+              <a:ext uri="{FF2B5EF4-FFF2-40B4-BE49-F238E27FC236}">
+                <a16:creationId xmlns:a16="http://schemas.microsoft.com/office/drawing/2014/main" id="{967FA871-0E28-D543-A2DC-049CD4D12C8F}"/>
+              </a:ext>
+            </a:extLst>
+          </p:cNvPr>
+          <p:cNvSpPr>
+            <a:spLocks noGrp="1"/>
+          </p:cNvSpPr>
+          <p:nvPr>
+            <p:ph type="title"/>
+          </p:nvPr>
+        </p:nvSpPr>
+        <p:spPr/>
+        <p:txBody>
+          <a:bodyPr>
+            <a:normAutofit/>
+          </a:bodyPr>
+          <a:lstStyle/>
+          <a:p>
+            <a:r>
+              <a:rPr lang="en-US" sz="4000" dirty="0"/>
+              <a:t>Compare: How They Model the Problem</a:t>
+            </a:r>
+          </a:p>
+        </p:txBody>
+      </p:sp>
+      <p:sp>
+        <p:nvSpPr>
+          <p:cNvPr id="9" name="TextBox 8">
+            <a:extLst>
+              <a:ext uri="{FF2B5EF4-FFF2-40B4-BE49-F238E27FC236}">
+                <a16:creationId xmlns:a16="http://schemas.microsoft.com/office/drawing/2014/main" id="{BB1CE9B1-5555-8044-AE46-B3AF6880735C}"/>
+              </a:ext>
+            </a:extLst>
+          </p:cNvPr>
+          <p:cNvSpPr txBox="1"/>
+          <p:nvPr/>
+        </p:nvSpPr>
+        <p:spPr>
+          <a:xfrm>
+            <a:off x="1293690" y="1706880"/>
+            <a:ext cx="1638525" cy="523220"/>
+          </a:xfrm>
+          <a:prstGeom prst="rect">
+            <a:avLst/>
+          </a:prstGeom>
+          <a:noFill/>
+        </p:spPr>
+        <p:txBody>
+          <a:bodyPr wrap="none" rtlCol="0">
+            <a:spAutoFit/>
+          </a:bodyPr>
+          <a:lstStyle/>
+          <a:p>
+            <a:pPr algn="ctr"/>
+            <a:r>
+              <a:rPr lang="en-US" sz="2800" dirty="0">
+                <a:latin typeface="Arial" panose="020B0604020202020204" pitchFamily="34" charset="0"/>
+                <a:cs typeface="Arial" panose="020B0604020202020204" pitchFamily="34" charset="0"/>
+              </a:rPr>
+              <a:t>Wrangler</a:t>
+            </a:r>
+          </a:p>
+        </p:txBody>
+      </p:sp>
+      <p:sp>
+        <p:nvSpPr>
+          <p:cNvPr id="10" name="TextBox 9">
+            <a:extLst>
+              <a:ext uri="{FF2B5EF4-FFF2-40B4-BE49-F238E27FC236}">
+                <a16:creationId xmlns:a16="http://schemas.microsoft.com/office/drawing/2014/main" id="{8CDD9BFE-EBDE-7F49-A24A-2E9202484386}"/>
+              </a:ext>
+            </a:extLst>
+          </p:cNvPr>
+          <p:cNvSpPr txBox="1"/>
+          <p:nvPr/>
+        </p:nvSpPr>
+        <p:spPr>
+          <a:xfrm>
+            <a:off x="5556477" y="1706880"/>
+            <a:ext cx="1364733" cy="523220"/>
+          </a:xfrm>
+          <a:prstGeom prst="rect">
+            <a:avLst/>
+          </a:prstGeom>
+          <a:noFill/>
+        </p:spPr>
+        <p:txBody>
+          <a:bodyPr wrap="none" rtlCol="0">
+            <a:spAutoFit/>
+          </a:bodyPr>
+          <a:lstStyle/>
+          <a:p>
+            <a:pPr algn="ctr"/>
+            <a:r>
+              <a:rPr lang="en-US" sz="2800" dirty="0">
+                <a:latin typeface="Arial" panose="020B0604020202020204" pitchFamily="34" charset="0"/>
+                <a:cs typeface="Arial" panose="020B0604020202020204" pitchFamily="34" charset="0"/>
+              </a:rPr>
+              <a:t>Texture</a:t>
+            </a:r>
+          </a:p>
+        </p:txBody>
+      </p:sp>
+      <p:sp>
+        <p:nvSpPr>
+          <p:cNvPr id="11" name="TextBox 10">
+            <a:extLst>
+              <a:ext uri="{FF2B5EF4-FFF2-40B4-BE49-F238E27FC236}">
+                <a16:creationId xmlns:a16="http://schemas.microsoft.com/office/drawing/2014/main" id="{A76C25E9-A96A-A049-B0EF-36999F4496A1}"/>
+              </a:ext>
+            </a:extLst>
+          </p:cNvPr>
+          <p:cNvSpPr txBox="1"/>
+          <p:nvPr/>
+        </p:nvSpPr>
+        <p:spPr>
+          <a:xfrm>
+            <a:off x="9339740" y="1706880"/>
+            <a:ext cx="1744388" cy="523220"/>
+          </a:xfrm>
+          <a:prstGeom prst="rect">
+            <a:avLst/>
+          </a:prstGeom>
+          <a:noFill/>
+        </p:spPr>
+        <p:txBody>
+          <a:bodyPr wrap="none" rtlCol="0">
+            <a:spAutoFit/>
+          </a:bodyPr>
+          <a:lstStyle/>
+          <a:p>
+            <a:pPr algn="ctr"/>
+            <a:r>
+              <a:rPr lang="en-US" sz="2800" dirty="0" err="1">
+                <a:latin typeface="Arial" panose="020B0604020202020204" pitchFamily="34" charset="0"/>
+                <a:cs typeface="Arial" panose="020B0604020202020204" pitchFamily="34" charset="0"/>
+              </a:rPr>
+              <a:t>Instabase</a:t>
+            </a:r>
+            <a:endParaRPr lang="en-US" sz="2800" dirty="0">
+              <a:latin typeface="Arial" panose="020B0604020202020204" pitchFamily="34" charset="0"/>
+              <a:cs typeface="Arial" panose="020B0604020202020204" pitchFamily="34" charset="0"/>
+            </a:endParaRPr>
+          </a:p>
+        </p:txBody>
+      </p:sp>
+      <p:sp>
+        <p:nvSpPr>
+          <p:cNvPr id="3" name="TextBox 2">
+            <a:extLst>
+              <a:ext uri="{FF2B5EF4-FFF2-40B4-BE49-F238E27FC236}">
+                <a16:creationId xmlns:a16="http://schemas.microsoft.com/office/drawing/2014/main" id="{878A08FC-E5ED-5C49-A489-9FB2694C8DBE}"/>
+              </a:ext>
+            </a:extLst>
+          </p:cNvPr>
+          <p:cNvSpPr txBox="1"/>
+          <p:nvPr/>
+        </p:nvSpPr>
+        <p:spPr>
+          <a:xfrm>
+            <a:off x="648447" y="2673342"/>
+            <a:ext cx="3218117" cy="2862322"/>
+          </a:xfrm>
+          <a:prstGeom prst="rect">
+            <a:avLst/>
+          </a:prstGeom>
+          <a:noFill/>
+        </p:spPr>
+        <p:txBody>
+          <a:bodyPr wrap="square" rtlCol="0">
+            <a:spAutoFit/>
+          </a:bodyPr>
+          <a:lstStyle/>
+          <a:p>
+            <a:r>
+              <a:rPr lang="en-US" b="1" dirty="0">
+                <a:latin typeface="Arial" panose="020B0604020202020204" pitchFamily="34" charset="0"/>
+                <a:cs typeface="Arial" panose="020B0604020202020204" pitchFamily="34" charset="0"/>
+              </a:rPr>
+              <a:t>Data model</a:t>
+            </a:r>
+          </a:p>
+          <a:p>
+            <a:r>
+              <a:rPr lang="en-US" dirty="0">
+                <a:latin typeface="Arial" panose="020B0604020202020204" pitchFamily="34" charset="0"/>
+                <a:cs typeface="Arial" panose="020B0604020202020204" pitchFamily="34" charset="0"/>
+              </a:rPr>
+              <a:t>Table of text attributes</a:t>
+            </a:r>
+          </a:p>
+          <a:p>
+            <a:endParaRPr lang="en-US" dirty="0">
+              <a:latin typeface="Arial" panose="020B0604020202020204" pitchFamily="34" charset="0"/>
+              <a:cs typeface="Arial" panose="020B0604020202020204" pitchFamily="34" charset="0"/>
+            </a:endParaRPr>
+          </a:p>
+          <a:p>
+            <a:r>
+              <a:rPr lang="en-US" b="1" dirty="0">
+                <a:latin typeface="Arial" panose="020B0604020202020204" pitchFamily="34" charset="0"/>
+                <a:cs typeface="Arial" panose="020B0604020202020204" pitchFamily="34" charset="0"/>
+              </a:rPr>
+              <a:t>Language</a:t>
+            </a:r>
+          </a:p>
+          <a:p>
+            <a:r>
+              <a:rPr lang="en-US" dirty="0">
+                <a:latin typeface="Arial" panose="020B0604020202020204" pitchFamily="34" charset="0"/>
+                <a:cs typeface="Arial" panose="020B0604020202020204" pitchFamily="34" charset="0"/>
+              </a:rPr>
+              <a:t>Filter, project operators + fold/unfold</a:t>
+            </a:r>
+          </a:p>
+          <a:p>
+            <a:endParaRPr lang="en-US" dirty="0">
+              <a:latin typeface="Arial" panose="020B0604020202020204" pitchFamily="34" charset="0"/>
+              <a:cs typeface="Arial" panose="020B0604020202020204" pitchFamily="34" charset="0"/>
+            </a:endParaRPr>
+          </a:p>
+          <a:p>
+            <a:r>
+              <a:rPr lang="en-US" b="1" dirty="0">
+                <a:latin typeface="Arial" panose="020B0604020202020204" pitchFamily="34" charset="0"/>
+                <a:cs typeface="Arial" panose="020B0604020202020204" pitchFamily="34" charset="0"/>
+              </a:rPr>
+              <a:t>User Interaction</a:t>
+            </a:r>
+          </a:p>
+          <a:p>
+            <a:r>
+              <a:rPr lang="en-US" dirty="0">
+                <a:latin typeface="Arial" panose="020B0604020202020204" pitchFamily="34" charset="0"/>
+                <a:cs typeface="Arial" panose="020B0604020202020204" pitchFamily="34" charset="0"/>
+              </a:rPr>
+              <a:t>Select </a:t>
+            </a:r>
+            <a:r>
+              <a:rPr lang="en-US" dirty="0">
+                <a:highlight>
+                  <a:srgbClr val="FFFF00"/>
+                </a:highlight>
+                <a:latin typeface="Arial" panose="020B0604020202020204" pitchFamily="34" charset="0"/>
+                <a:cs typeface="Arial" panose="020B0604020202020204" pitchFamily="34" charset="0"/>
+              </a:rPr>
+              <a:t>text to extract</a:t>
+            </a:r>
+          </a:p>
+          <a:p>
+            <a:r>
+              <a:rPr lang="en-US" dirty="0">
+                <a:latin typeface="Arial" panose="020B0604020202020204" pitchFamily="34" charset="0"/>
+                <a:cs typeface="Arial" panose="020B0604020202020204" pitchFamily="34" charset="0"/>
+              </a:rPr>
+              <a:t>Choose &amp; refine suggestions</a:t>
+            </a:r>
+          </a:p>
+        </p:txBody>
+      </p:sp>
+      <p:sp>
+        <p:nvSpPr>
+          <p:cNvPr id="12" name="TextBox 11">
+            <a:extLst>
+              <a:ext uri="{FF2B5EF4-FFF2-40B4-BE49-F238E27FC236}">
+                <a16:creationId xmlns:a16="http://schemas.microsoft.com/office/drawing/2014/main" id="{E81716B8-161D-7245-B22D-8D8941877B79}"/>
+              </a:ext>
+            </a:extLst>
+          </p:cNvPr>
+          <p:cNvSpPr txBox="1"/>
+          <p:nvPr/>
+        </p:nvSpPr>
+        <p:spPr>
+          <a:xfrm>
+            <a:off x="4538772" y="2660987"/>
+            <a:ext cx="3786666" cy="3693319"/>
+          </a:xfrm>
+          <a:prstGeom prst="rect">
+            <a:avLst/>
+          </a:prstGeom>
+          <a:noFill/>
+        </p:spPr>
+        <p:txBody>
+          <a:bodyPr wrap="square" rtlCol="0">
+            <a:spAutoFit/>
+          </a:bodyPr>
+          <a:lstStyle/>
+          <a:p>
+            <a:r>
+              <a:rPr lang="en-US" b="1" dirty="0">
+                <a:latin typeface="Arial" panose="020B0604020202020204" pitchFamily="34" charset="0"/>
+                <a:cs typeface="Arial" panose="020B0604020202020204" pitchFamily="34" charset="0"/>
+              </a:rPr>
+              <a:t>Data model</a:t>
+            </a:r>
+          </a:p>
+          <a:p>
+            <a:r>
+              <a:rPr lang="en-US" dirty="0">
+                <a:latin typeface="Arial" panose="020B0604020202020204" pitchFamily="34" charset="0"/>
+                <a:cs typeface="Arial" panose="020B0604020202020204" pitchFamily="34" charset="0"/>
+              </a:rPr>
+              <a:t>Typed bounding boxes </a:t>
+            </a:r>
+            <a:r>
+              <a:rPr lang="en-US" dirty="0">
+                <a:solidFill>
+                  <a:schemeClr val="bg1">
+                    <a:lumMod val="50000"/>
+                  </a:schemeClr>
+                </a:solidFill>
+                <a:latin typeface="Arial" panose="020B0604020202020204" pitchFamily="34" charset="0"/>
+                <a:cs typeface="Arial" panose="020B0604020202020204" pitchFamily="34" charset="0"/>
+              </a:rPr>
+              <a:t>(title, list)</a:t>
+            </a:r>
+          </a:p>
+          <a:p>
+            <a:r>
+              <a:rPr lang="en-US" dirty="0">
+                <a:latin typeface="Arial" panose="020B0604020202020204" pitchFamily="34" charset="0"/>
+                <a:cs typeface="Arial" panose="020B0604020202020204" pitchFamily="34" charset="0"/>
+              </a:rPr>
+              <a:t>Boxes have metadata</a:t>
+            </a:r>
+          </a:p>
+          <a:p>
+            <a:r>
+              <a:rPr lang="en-US" dirty="0">
+                <a:latin typeface="Arial" panose="020B0604020202020204" pitchFamily="34" charset="0"/>
+                <a:cs typeface="Arial" panose="020B0604020202020204" pitchFamily="34" charset="0"/>
+              </a:rPr>
+              <a:t>Doc = hierarchy of boxes</a:t>
+            </a:r>
+          </a:p>
+          <a:p>
+            <a:endParaRPr lang="en-US" dirty="0">
+              <a:latin typeface="Arial" panose="020B0604020202020204" pitchFamily="34" charset="0"/>
+              <a:cs typeface="Arial" panose="020B0604020202020204" pitchFamily="34" charset="0"/>
+            </a:endParaRPr>
+          </a:p>
+          <a:p>
+            <a:r>
+              <a:rPr lang="en-US" b="1" dirty="0">
+                <a:latin typeface="Arial" panose="020B0604020202020204" pitchFamily="34" charset="0"/>
+                <a:cs typeface="Arial" panose="020B0604020202020204" pitchFamily="34" charset="0"/>
+              </a:rPr>
+              <a:t>Developer Interaction</a:t>
+            </a:r>
+          </a:p>
+          <a:p>
+            <a:r>
+              <a:rPr lang="en-US" dirty="0">
+                <a:latin typeface="Arial" panose="020B0604020202020204" pitchFamily="34" charset="0"/>
+                <a:cs typeface="Arial" panose="020B0604020202020204" pitchFamily="34" charset="0"/>
+              </a:rPr>
+              <a:t>Write bounding boxes detectors and labelers in Java</a:t>
+            </a:r>
+          </a:p>
+          <a:p>
+            <a:r>
+              <a:rPr lang="en-US" dirty="0">
+                <a:latin typeface="Arial" panose="020B0604020202020204" pitchFamily="34" charset="0"/>
+                <a:cs typeface="Arial" panose="020B0604020202020204" pitchFamily="34" charset="0"/>
+              </a:rPr>
+              <a:t>Heuristics populate the “database”</a:t>
+            </a:r>
+          </a:p>
+          <a:p>
+            <a:endParaRPr lang="en-US" dirty="0">
+              <a:latin typeface="Arial" panose="020B0604020202020204" pitchFamily="34" charset="0"/>
+              <a:cs typeface="Arial" panose="020B0604020202020204" pitchFamily="34" charset="0"/>
+            </a:endParaRPr>
+          </a:p>
+          <a:p>
+            <a:r>
+              <a:rPr lang="en-US" b="1" dirty="0">
+                <a:latin typeface="Arial" panose="020B0604020202020204" pitchFamily="34" charset="0"/>
+                <a:cs typeface="Arial" panose="020B0604020202020204" pitchFamily="34" charset="0"/>
+              </a:rPr>
+              <a:t>User Interaction</a:t>
+            </a:r>
+          </a:p>
+          <a:p>
+            <a:r>
+              <a:rPr lang="en-US" dirty="0">
+                <a:latin typeface="Arial" panose="020B0604020202020204" pitchFamily="34" charset="0"/>
+                <a:cs typeface="Arial" panose="020B0604020202020204" pitchFamily="34" charset="0"/>
+              </a:rPr>
+              <a:t>Write extraction “queries” over “database” of boxes</a:t>
+            </a:r>
+          </a:p>
+        </p:txBody>
+      </p:sp>
+      <p:sp>
+        <p:nvSpPr>
+          <p:cNvPr id="13" name="TextBox 12">
+            <a:extLst>
+              <a:ext uri="{FF2B5EF4-FFF2-40B4-BE49-F238E27FC236}">
+                <a16:creationId xmlns:a16="http://schemas.microsoft.com/office/drawing/2014/main" id="{0A722801-970F-D242-8755-464ED53D7B1D}"/>
+              </a:ext>
+            </a:extLst>
+          </p:cNvPr>
+          <p:cNvSpPr txBox="1"/>
+          <p:nvPr/>
+        </p:nvSpPr>
+        <p:spPr>
+          <a:xfrm>
+            <a:off x="8611121" y="2660987"/>
+            <a:ext cx="3360920" cy="3416320"/>
+          </a:xfrm>
+          <a:prstGeom prst="rect">
+            <a:avLst/>
+          </a:prstGeom>
+          <a:noFill/>
+        </p:spPr>
+        <p:txBody>
+          <a:bodyPr wrap="square" rtlCol="0">
+            <a:spAutoFit/>
+          </a:bodyPr>
+          <a:lstStyle/>
+          <a:p>
+            <a:r>
+              <a:rPr lang="en-US" b="1" dirty="0"/>
+              <a:t>Data model</a:t>
+            </a:r>
+          </a:p>
+          <a:p>
+            <a:r>
+              <a:rPr lang="en-US" dirty="0"/>
+              <a:t>Document image</a:t>
+            </a:r>
+          </a:p>
+          <a:p>
+            <a:r>
+              <a:rPr lang="en-US" dirty="0"/>
+              <a:t>OCR that preserves spatial struct.</a:t>
+            </a:r>
+          </a:p>
+          <a:p>
+            <a:endParaRPr lang="en-US" dirty="0"/>
+          </a:p>
+          <a:p>
+            <a:r>
+              <a:rPr lang="en-US" b="1" dirty="0"/>
+              <a:t>Language</a:t>
+            </a:r>
+          </a:p>
+          <a:p>
+            <a:r>
+              <a:rPr lang="en-US" dirty="0"/>
+              <a:t>Extract relative to </a:t>
+            </a:r>
+            <a:r>
+              <a:rPr lang="en-US" i="1" dirty="0"/>
+              <a:t>anchors</a:t>
+            </a:r>
+            <a:endParaRPr lang="en-US" dirty="0"/>
+          </a:p>
+          <a:p>
+            <a:r>
+              <a:rPr lang="en-US" dirty="0"/>
+              <a:t>Anchors based on </a:t>
+            </a:r>
+            <a:r>
+              <a:rPr lang="en-US" dirty="0" err="1"/>
+              <a:t>visual+text</a:t>
+            </a:r>
+            <a:r>
+              <a:rPr lang="en-US" dirty="0"/>
+              <a:t> </a:t>
+            </a:r>
+          </a:p>
+          <a:p>
+            <a:endParaRPr lang="en-US" dirty="0"/>
+          </a:p>
+          <a:p>
+            <a:r>
+              <a:rPr lang="en-US" b="1" dirty="0"/>
+              <a:t>User Interaction</a:t>
+            </a:r>
+          </a:p>
+          <a:p>
+            <a:r>
+              <a:rPr lang="en-US" dirty="0"/>
+              <a:t>Manually write functions</a:t>
+            </a:r>
+          </a:p>
+          <a:p>
+            <a:r>
+              <a:rPr lang="en-US" dirty="0"/>
+              <a:t>Shows extracted bounding boxes in doc &amp; text</a:t>
+            </a:r>
+          </a:p>
+        </p:txBody>
+      </p:sp>
+    </p:spTree>
+    <p:extLst>
+      <p:ext uri="{BB962C8B-B14F-4D97-AF65-F5344CB8AC3E}">
+        <p14:creationId xmlns:p14="http://schemas.microsoft.com/office/powerpoint/2010/main" val="4130780122"/>
+      </p:ext>
+    </p:extLst>
+  </p:cSld>
+  <p:clrMapOvr>
+    <a:masterClrMapping/>
+  </p:clrMapOvr>
+</p:sld>
+</file>
+
+<file path=ppt/slides/slide29.xml><?xml version="1.0" encoding="utf-8"?>
+<p:sld xmlns:a="http://schemas.openxmlformats.org/drawingml/2006/main" xmlns:r="http://schemas.openxmlformats.org/officeDocument/2006/relationships" xmlns:p="http://schemas.openxmlformats.org/presentationml/2006/main">
+  <p:cSld>
+    <p:spTree>
+      <p:nvGrpSpPr>
+        <p:cNvPr id="1" name=""/>
+        <p:cNvGrpSpPr/>
+        <p:nvPr/>
+      </p:nvGrpSpPr>
+      <p:grpSpPr>
+        <a:xfrm>
+          <a:off x="0" y="0"/>
+          <a:ext cx="0" cy="0"/>
+          <a:chOff x="0" y="0"/>
+          <a:chExt cx="0" cy="0"/>
+        </a:xfrm>
+      </p:grpSpPr>
+      <p:sp>
+        <p:nvSpPr>
+          <p:cNvPr id="2" name="Title 1">
+            <a:extLst>
+              <a:ext uri="{FF2B5EF4-FFF2-40B4-BE49-F238E27FC236}">
+                <a16:creationId xmlns:a16="http://schemas.microsoft.com/office/drawing/2014/main" id="{967FA871-0E28-D543-A2DC-049CD4D12C8F}"/>
+              </a:ext>
+            </a:extLst>
+          </p:cNvPr>
+          <p:cNvSpPr>
+            <a:spLocks noGrp="1"/>
+          </p:cNvSpPr>
+          <p:nvPr>
+            <p:ph type="title"/>
+          </p:nvPr>
+        </p:nvSpPr>
+        <p:spPr/>
+        <p:txBody>
+          <a:bodyPr>
+            <a:normAutofit/>
+          </a:bodyPr>
+          <a:lstStyle/>
+          <a:p>
+            <a:r>
+              <a:rPr lang="en-US" sz="4000" dirty="0"/>
+              <a:t>Compare: Errors &amp; Verifying that “It Worked”</a:t>
+            </a:r>
+          </a:p>
+        </p:txBody>
+      </p:sp>
+      <p:sp>
+        <p:nvSpPr>
+          <p:cNvPr id="9" name="TextBox 8">
+            <a:extLst>
+              <a:ext uri="{FF2B5EF4-FFF2-40B4-BE49-F238E27FC236}">
+                <a16:creationId xmlns:a16="http://schemas.microsoft.com/office/drawing/2014/main" id="{BB1CE9B1-5555-8044-AE46-B3AF6880735C}"/>
+              </a:ext>
+            </a:extLst>
+          </p:cNvPr>
+          <p:cNvSpPr txBox="1"/>
+          <p:nvPr/>
+        </p:nvSpPr>
+        <p:spPr>
+          <a:xfrm>
+            <a:off x="1293690" y="1706880"/>
+            <a:ext cx="1638525" cy="523220"/>
+          </a:xfrm>
+          <a:prstGeom prst="rect">
+            <a:avLst/>
+          </a:prstGeom>
+          <a:noFill/>
+        </p:spPr>
+        <p:txBody>
+          <a:bodyPr wrap="none" rtlCol="0">
+            <a:spAutoFit/>
+          </a:bodyPr>
+          <a:lstStyle/>
+          <a:p>
+            <a:pPr algn="ctr"/>
+            <a:r>
+              <a:rPr lang="en-US" sz="2800" dirty="0">
+                <a:latin typeface="Arial" panose="020B0604020202020204" pitchFamily="34" charset="0"/>
+                <a:cs typeface="Arial" panose="020B0604020202020204" pitchFamily="34" charset="0"/>
+              </a:rPr>
+              <a:t>Wrangler</a:t>
+            </a:r>
+          </a:p>
+        </p:txBody>
+      </p:sp>
+      <p:sp>
+        <p:nvSpPr>
+          <p:cNvPr id="10" name="TextBox 9">
+            <a:extLst>
+              <a:ext uri="{FF2B5EF4-FFF2-40B4-BE49-F238E27FC236}">
+                <a16:creationId xmlns:a16="http://schemas.microsoft.com/office/drawing/2014/main" id="{8CDD9BFE-EBDE-7F49-A24A-2E9202484386}"/>
+              </a:ext>
+            </a:extLst>
+          </p:cNvPr>
+          <p:cNvSpPr txBox="1"/>
+          <p:nvPr/>
+        </p:nvSpPr>
+        <p:spPr>
+          <a:xfrm>
+            <a:off x="5556477" y="1706880"/>
+            <a:ext cx="1364733" cy="523220"/>
+          </a:xfrm>
+          <a:prstGeom prst="rect">
+            <a:avLst/>
+          </a:prstGeom>
+          <a:noFill/>
+        </p:spPr>
+        <p:txBody>
+          <a:bodyPr wrap="none" rtlCol="0">
+            <a:spAutoFit/>
+          </a:bodyPr>
+          <a:lstStyle/>
+          <a:p>
+            <a:pPr algn="ctr"/>
+            <a:r>
+              <a:rPr lang="en-US" sz="2800" dirty="0">
+                <a:latin typeface="Arial" panose="020B0604020202020204" pitchFamily="34" charset="0"/>
+                <a:cs typeface="Arial" panose="020B0604020202020204" pitchFamily="34" charset="0"/>
+              </a:rPr>
+              <a:t>Texture</a:t>
+            </a:r>
+          </a:p>
+        </p:txBody>
+      </p:sp>
+      <p:sp>
+        <p:nvSpPr>
+          <p:cNvPr id="11" name="TextBox 10">
+            <a:extLst>
+              <a:ext uri="{FF2B5EF4-FFF2-40B4-BE49-F238E27FC236}">
+                <a16:creationId xmlns:a16="http://schemas.microsoft.com/office/drawing/2014/main" id="{A76C25E9-A96A-A049-B0EF-36999F4496A1}"/>
+              </a:ext>
+            </a:extLst>
+          </p:cNvPr>
+          <p:cNvSpPr txBox="1"/>
+          <p:nvPr/>
+        </p:nvSpPr>
+        <p:spPr>
+          <a:xfrm>
+            <a:off x="9339740" y="1706880"/>
+            <a:ext cx="1744388" cy="523220"/>
+          </a:xfrm>
+          <a:prstGeom prst="rect">
+            <a:avLst/>
+          </a:prstGeom>
+          <a:noFill/>
+        </p:spPr>
+        <p:txBody>
+          <a:bodyPr wrap="none" rtlCol="0">
+            <a:spAutoFit/>
+          </a:bodyPr>
+          <a:lstStyle/>
+          <a:p>
+            <a:pPr algn="ctr"/>
+            <a:r>
+              <a:rPr lang="en-US" sz="2800" dirty="0" err="1">
+                <a:latin typeface="Arial" panose="020B0604020202020204" pitchFamily="34" charset="0"/>
+                <a:cs typeface="Arial" panose="020B0604020202020204" pitchFamily="34" charset="0"/>
+              </a:rPr>
+              <a:t>Instabase</a:t>
+            </a:r>
+            <a:endParaRPr lang="en-US" sz="2800" dirty="0">
+              <a:latin typeface="Arial" panose="020B0604020202020204" pitchFamily="34" charset="0"/>
+              <a:cs typeface="Arial" panose="020B0604020202020204" pitchFamily="34" charset="0"/>
+            </a:endParaRPr>
+          </a:p>
+        </p:txBody>
+      </p:sp>
+      <p:sp>
+        <p:nvSpPr>
+          <p:cNvPr id="3" name="TextBox 2">
+            <a:extLst>
+              <a:ext uri="{FF2B5EF4-FFF2-40B4-BE49-F238E27FC236}">
+                <a16:creationId xmlns:a16="http://schemas.microsoft.com/office/drawing/2014/main" id="{878A08FC-E5ED-5C49-A489-9FB2694C8DBE}"/>
+              </a:ext>
+            </a:extLst>
+          </p:cNvPr>
+          <p:cNvSpPr txBox="1"/>
+          <p:nvPr/>
+        </p:nvSpPr>
+        <p:spPr>
+          <a:xfrm>
+            <a:off x="648448" y="2673342"/>
+            <a:ext cx="3183324" cy="2585323"/>
+          </a:xfrm>
+          <a:prstGeom prst="rect">
+            <a:avLst/>
+          </a:prstGeom>
+          <a:noFill/>
+        </p:spPr>
+        <p:txBody>
+          <a:bodyPr wrap="square" rtlCol="0">
+            <a:spAutoFit/>
+          </a:bodyPr>
+          <a:lstStyle/>
+          <a:p>
+            <a:r>
+              <a:rPr lang="en-US" dirty="0">
+                <a:latin typeface="Arial" panose="020B0604020202020204" pitchFamily="34" charset="0"/>
+                <a:cs typeface="Arial" panose="020B0604020202020204" pitchFamily="34" charset="0"/>
+              </a:rPr>
+              <a:t>User sees previews</a:t>
+            </a:r>
+          </a:p>
+          <a:p>
+            <a:endParaRPr lang="en-US" dirty="0">
+              <a:latin typeface="Arial" panose="020B0604020202020204" pitchFamily="34" charset="0"/>
+              <a:cs typeface="Arial" panose="020B0604020202020204" pitchFamily="34" charset="0"/>
+            </a:endParaRPr>
+          </a:p>
+          <a:p>
+            <a:r>
+              <a:rPr lang="en-US" dirty="0">
+                <a:latin typeface="Arial" panose="020B0604020202020204" pitchFamily="34" charset="0"/>
+                <a:cs typeface="Arial" panose="020B0604020202020204" pitchFamily="34" charset="0"/>
+              </a:rPr>
+              <a:t>Edit transform if it’s only slightly wrong</a:t>
+            </a:r>
+          </a:p>
+          <a:p>
+            <a:endParaRPr lang="en-US" dirty="0">
+              <a:latin typeface="Arial" panose="020B0604020202020204" pitchFamily="34" charset="0"/>
+              <a:cs typeface="Arial" panose="020B0604020202020204" pitchFamily="34" charset="0"/>
+            </a:endParaRPr>
+          </a:p>
+          <a:p>
+            <a:r>
+              <a:rPr lang="en-US" dirty="0">
+                <a:latin typeface="Arial" panose="020B0604020202020204" pitchFamily="34" charset="0"/>
+                <a:cs typeface="Arial" panose="020B0604020202020204" pitchFamily="34" charset="0"/>
+              </a:rPr>
+              <a:t>User can get stuck if suggestions are all bad</a:t>
+            </a:r>
+          </a:p>
+          <a:p>
+            <a:endParaRPr lang="en-US" dirty="0">
+              <a:latin typeface="Arial" panose="020B0604020202020204" pitchFamily="34" charset="0"/>
+              <a:cs typeface="Arial" panose="020B0604020202020204" pitchFamily="34" charset="0"/>
+            </a:endParaRPr>
+          </a:p>
+          <a:p>
+            <a:r>
+              <a:rPr lang="en-US" dirty="0">
+                <a:latin typeface="Arial" panose="020B0604020202020204" pitchFamily="34" charset="0"/>
+                <a:cs typeface="Arial" panose="020B0604020202020204" pitchFamily="34" charset="0"/>
+              </a:rPr>
+              <a:t>Manually choose transform</a:t>
+            </a:r>
+          </a:p>
+        </p:txBody>
+      </p:sp>
+      <p:sp>
+        <p:nvSpPr>
+          <p:cNvPr id="12" name="TextBox 11">
+            <a:extLst>
+              <a:ext uri="{FF2B5EF4-FFF2-40B4-BE49-F238E27FC236}">
+                <a16:creationId xmlns:a16="http://schemas.microsoft.com/office/drawing/2014/main" id="{E81716B8-161D-7245-B22D-8D8941877B79}"/>
+              </a:ext>
+            </a:extLst>
+          </p:cNvPr>
+          <p:cNvSpPr txBox="1"/>
+          <p:nvPr/>
+        </p:nvSpPr>
+        <p:spPr>
+          <a:xfrm>
+            <a:off x="4538772" y="2660987"/>
+            <a:ext cx="3480493" cy="3970318"/>
+          </a:xfrm>
+          <a:prstGeom prst="rect">
+            <a:avLst/>
+          </a:prstGeom>
+          <a:noFill/>
+        </p:spPr>
+        <p:txBody>
+          <a:bodyPr wrap="square" rtlCol="0">
+            <a:spAutoFit/>
+          </a:bodyPr>
+          <a:lstStyle/>
+          <a:p>
+            <a:r>
+              <a:rPr lang="en-US" dirty="0">
+                <a:latin typeface="Arial" panose="020B0604020202020204" pitchFamily="34" charset="0"/>
+                <a:cs typeface="Arial" panose="020B0604020202020204" pitchFamily="34" charset="0"/>
+              </a:rPr>
+              <a:t>Heuristic could be wrong?  </a:t>
+            </a:r>
+          </a:p>
+          <a:p>
+            <a:r>
+              <a:rPr lang="en-US" dirty="0">
+                <a:solidFill>
+                  <a:schemeClr val="bg1">
+                    <a:lumMod val="50000"/>
+                  </a:schemeClr>
+                </a:solidFill>
+                <a:latin typeface="Arial" panose="020B0604020202020204" pitchFamily="34" charset="0"/>
+                <a:cs typeface="Arial" panose="020B0604020202020204" pitchFamily="34" charset="0"/>
+              </a:rPr>
+              <a:t>Manual labels as ground truth</a:t>
+            </a:r>
+          </a:p>
+          <a:p>
+            <a:endParaRPr lang="en-US" dirty="0">
+              <a:latin typeface="Arial" panose="020B0604020202020204" pitchFamily="34" charset="0"/>
+              <a:cs typeface="Arial" panose="020B0604020202020204" pitchFamily="34" charset="0"/>
+            </a:endParaRPr>
+          </a:p>
+          <a:p>
+            <a:r>
+              <a:rPr lang="en-US" dirty="0">
+                <a:latin typeface="Arial" panose="020B0604020202020204" pitchFamily="34" charset="0"/>
+                <a:cs typeface="Arial" panose="020B0604020202020204" pitchFamily="34" charset="0"/>
+              </a:rPr>
+              <a:t>Crowd could be wrong?  </a:t>
+            </a:r>
+          </a:p>
+          <a:p>
+            <a:r>
+              <a:rPr lang="en-US" dirty="0">
+                <a:solidFill>
+                  <a:schemeClr val="bg1">
+                    <a:lumMod val="50000"/>
+                  </a:schemeClr>
+                </a:solidFill>
+                <a:latin typeface="Arial" panose="020B0604020202020204" pitchFamily="34" charset="0"/>
+                <a:cs typeface="Arial" panose="020B0604020202020204" pitchFamily="34" charset="0"/>
+              </a:rPr>
+              <a:t>Ask 5 workers</a:t>
+            </a:r>
+          </a:p>
+          <a:p>
+            <a:endParaRPr lang="en-US" dirty="0">
+              <a:latin typeface="Arial" panose="020B0604020202020204" pitchFamily="34" charset="0"/>
+              <a:cs typeface="Arial" panose="020B0604020202020204" pitchFamily="34" charset="0"/>
+            </a:endParaRPr>
+          </a:p>
+          <a:p>
+            <a:r>
+              <a:rPr lang="en-US" dirty="0">
+                <a:solidFill>
+                  <a:schemeClr val="bg1">
+                    <a:lumMod val="50000"/>
+                  </a:schemeClr>
+                </a:solidFill>
+                <a:latin typeface="Arial" panose="020B0604020202020204" pitchFamily="34" charset="0"/>
+                <a:cs typeface="Arial" panose="020B0604020202020204" pitchFamily="34" charset="0"/>
+              </a:rPr>
+              <a:t>User chooses wrong heuristic?  Preview boxes in documents</a:t>
+            </a:r>
+          </a:p>
+          <a:p>
+            <a:endParaRPr lang="en-US" dirty="0">
+              <a:latin typeface="Arial" panose="020B0604020202020204" pitchFamily="34" charset="0"/>
+              <a:cs typeface="Arial" panose="020B0604020202020204" pitchFamily="34" charset="0"/>
+            </a:endParaRPr>
+          </a:p>
+          <a:p>
+            <a:r>
+              <a:rPr lang="en-US" dirty="0">
+                <a:latin typeface="Arial" panose="020B0604020202020204" pitchFamily="34" charset="0"/>
+                <a:cs typeface="Arial" panose="020B0604020202020204" pitchFamily="34" charset="0"/>
+              </a:rPr>
+              <a:t>”Database” is not populated correctly or not fully populated?</a:t>
+            </a:r>
+          </a:p>
+          <a:p>
+            <a:endParaRPr lang="en-US" dirty="0">
+              <a:latin typeface="Arial" panose="020B0604020202020204" pitchFamily="34" charset="0"/>
+              <a:cs typeface="Arial" panose="020B0604020202020204" pitchFamily="34" charset="0"/>
+            </a:endParaRPr>
+          </a:p>
+          <a:p>
+            <a:r>
+              <a:rPr lang="en-US" dirty="0">
+                <a:latin typeface="Arial" panose="020B0604020202020204" pitchFamily="34" charset="0"/>
+                <a:cs typeface="Arial" panose="020B0604020202020204" pitchFamily="34" charset="0"/>
+              </a:rPr>
+              <a:t>“Query” doesn’t work for many documents?   </a:t>
+            </a:r>
+          </a:p>
+        </p:txBody>
+      </p:sp>
+      <p:sp>
+        <p:nvSpPr>
+          <p:cNvPr id="14" name="TextBox 13">
+            <a:extLst>
+              <a:ext uri="{FF2B5EF4-FFF2-40B4-BE49-F238E27FC236}">
+                <a16:creationId xmlns:a16="http://schemas.microsoft.com/office/drawing/2014/main" id="{CDEA8123-C886-B74E-B89D-FC22F7EF4D6B}"/>
+              </a:ext>
+            </a:extLst>
+          </p:cNvPr>
+          <p:cNvSpPr txBox="1"/>
+          <p:nvPr/>
+        </p:nvSpPr>
+        <p:spPr>
+          <a:xfrm>
+            <a:off x="8611121" y="2660987"/>
+            <a:ext cx="3480492" cy="2308324"/>
+          </a:xfrm>
+          <a:prstGeom prst="rect">
+            <a:avLst/>
+          </a:prstGeom>
+          <a:noFill/>
+        </p:spPr>
+        <p:txBody>
+          <a:bodyPr wrap="square" rtlCol="0">
+            <a:spAutoFit/>
+          </a:bodyPr>
+          <a:lstStyle/>
+          <a:p>
+            <a:r>
+              <a:rPr lang="en-US" dirty="0"/>
+              <a:t>Function was wrong?</a:t>
+            </a:r>
+          </a:p>
+          <a:p>
+            <a:r>
+              <a:rPr lang="en-US" dirty="0">
+                <a:solidFill>
+                  <a:schemeClr val="bg1">
+                    <a:lumMod val="50000"/>
+                  </a:schemeClr>
+                </a:solidFill>
+              </a:rPr>
+              <a:t>Render bounding boxes</a:t>
+            </a:r>
+          </a:p>
+          <a:p>
+            <a:endParaRPr lang="en-US" dirty="0"/>
+          </a:p>
+          <a:p>
+            <a:r>
+              <a:rPr lang="en-US" dirty="0"/>
+              <a:t>Function doesn’t work for many documents?   </a:t>
+            </a:r>
+          </a:p>
+          <a:p>
+            <a:r>
+              <a:rPr lang="en-US" dirty="0">
+                <a:solidFill>
+                  <a:schemeClr val="bg1">
+                    <a:lumMod val="50000"/>
+                  </a:schemeClr>
+                </a:solidFill>
+              </a:rPr>
+              <a:t>Assumes docs have same structure.</a:t>
+            </a:r>
+          </a:p>
+          <a:p>
+            <a:endParaRPr lang="en-US" dirty="0"/>
+          </a:p>
+          <a:p>
+            <a:endParaRPr lang="en-US" dirty="0"/>
+          </a:p>
+        </p:txBody>
+      </p:sp>
+    </p:spTree>
+    <p:extLst>
+      <p:ext uri="{BB962C8B-B14F-4D97-AF65-F5344CB8AC3E}">
+        <p14:creationId xmlns:p14="http://schemas.microsoft.com/office/powerpoint/2010/main" val="2450481906"/>
+      </p:ext>
+    </p:extLst>
+  </p:cSld>
+  <p:clrMapOvr>
+    <a:masterClrMapping/>
+  </p:clrMapOvr>
+  <p:timing>
+    <p:tnLst>
+      <p:par>
+        <p:cTn id="1" dur="indefinite" restart="never" nodeType="tmRoot">
+          <p:childTnLst>
+            <p:seq concurrent="1" nextAc="seek">
+              <p:cTn id="2" dur="indefinite" nodeType="mainSeq">
+                <p:childTnLst>
+                  <p:par>
+                    <p:cTn id="3" fill="hold">
+                      <p:stCondLst>
+                        <p:cond delay="indefinite"/>
+                      </p:stCondLst>
+                      <p:childTnLst>
+                        <p:par>
+                          <p:cTn id="4" fill="hold">
+                            <p:stCondLst>
+                              <p:cond delay="0"/>
+                            </p:stCondLst>
+                            <p:childTnLst>
+                              <p:par>
+                                <p:cTn id="5" presetID="1" presetClass="entr" presetSubtype="0" fill="hold" grpId="0" nodeType="clickEffect">
+                                  <p:stCondLst>
+                                    <p:cond delay="0"/>
+                                  </p:stCondLst>
+                                  <p:childTnLst>
+                                    <p:set>
+                                      <p:cBhvr>
+                                        <p:cTn id="6" dur="1" fill="hold">
+                                          <p:stCondLst>
+                                            <p:cond delay="0"/>
+                                          </p:stCondLst>
+                                        </p:cTn>
+                                        <p:tgtEl>
+                                          <p:spTgt spid="3"/>
+                                        </p:tgtEl>
+                                        <p:attrNameLst>
+                                          <p:attrName>style.visibility</p:attrName>
+                                        </p:attrNameLst>
+                                      </p:cBhvr>
+                                      <p:to>
+                                        <p:strVal val="visible"/>
+                                      </p:to>
+                                    </p:set>
+                                  </p:childTnLst>
+                                </p:cTn>
+                              </p:par>
+                            </p:childTnLst>
+                          </p:cTn>
+                        </p:par>
+                      </p:childTnLst>
+                    </p:cTn>
+                  </p:par>
+                  <p:par>
+                    <p:cTn id="7" fill="hold">
+                      <p:stCondLst>
+                        <p:cond delay="indefinite"/>
+                      </p:stCondLst>
+                      <p:childTnLst>
+                        <p:par>
+                          <p:cTn id="8" fill="hold">
+                            <p:stCondLst>
+                              <p:cond delay="0"/>
+                            </p:stCondLst>
+                            <p:childTnLst>
+                              <p:par>
+                                <p:cTn id="9" presetID="1" presetClass="entr" presetSubtype="0" fill="hold" grpId="0" nodeType="clickEffect">
+                                  <p:stCondLst>
+                                    <p:cond delay="0"/>
+                                  </p:stCondLst>
+                                  <p:childTnLst>
+                                    <p:set>
+                                      <p:cBhvr>
+                                        <p:cTn id="10" dur="1" fill="hold">
+                                          <p:stCondLst>
+                                            <p:cond delay="0"/>
+                                          </p:stCondLst>
+                                        </p:cTn>
+                                        <p:tgtEl>
+                                          <p:spTgt spid="12"/>
+                                        </p:tgtEl>
+                                        <p:attrNameLst>
+                                          <p:attrName>style.visibility</p:attrName>
+                                        </p:attrNameLst>
+                                      </p:cBhvr>
+                                      <p:to>
+                                        <p:strVal val="visible"/>
+                                      </p:to>
+                                    </p:set>
+                                  </p:childTnLst>
+                                </p:cTn>
+                              </p:par>
+                            </p:childTnLst>
+                          </p:cTn>
+                        </p:par>
+                      </p:childTnLst>
+                    </p:cTn>
+                  </p:par>
+                  <p:par>
+                    <p:cTn id="11" fill="hold">
+                      <p:stCondLst>
+                        <p:cond delay="indefinite"/>
+                      </p:stCondLst>
+                      <p:childTnLst>
+                        <p:par>
+                          <p:cTn id="12" fill="hold">
+                            <p:stCondLst>
+                              <p:cond delay="0"/>
+                            </p:stCondLst>
+                            <p:childTnLst>
+                              <p:par>
+                                <p:cTn id="13" presetID="1" presetClass="entr" presetSubtype="0" fill="hold" grpId="0" nodeType="clickEffect">
+                                  <p:stCondLst>
+                                    <p:cond delay="0"/>
+                                  </p:stCondLst>
+                                  <p:childTnLst>
+                                    <p:set>
+                                      <p:cBhvr>
+                                        <p:cTn id="14" dur="1" fill="hold">
+                                          <p:stCondLst>
+                                            <p:cond delay="0"/>
+                                          </p:stCondLst>
+                                        </p:cTn>
+                                        <p:tgtEl>
+                                          <p:spTgt spid="14"/>
+                                        </p:tgtEl>
+                                        <p:attrNameLst>
+                                          <p:attrName>style.visibility</p:attrName>
+                                        </p:attrNameLst>
+                                      </p:cBhvr>
+                                      <p:to>
+                                        <p:strVal val="visible"/>
+                                      </p:to>
+                                    </p:set>
+                                  </p:childTnLst>
+                                </p:cTn>
+                              </p:par>
+                            </p:childTnLst>
+                          </p:cTn>
+                        </p:par>
+                      </p:childTnLst>
+                    </p:cTn>
+                  </p:par>
+                </p:childTnLst>
+              </p:cTn>
+              <p:prevCondLst>
+                <p:cond evt="onPrev" delay="0">
+                  <p:tgtEl>
+                    <p:sldTgt/>
+                  </p:tgtEl>
+                </p:cond>
+              </p:prevCondLst>
+              <p:nextCondLst>
+                <p:cond evt="onNext" delay="0">
+                  <p:tgtEl>
+                    <p:sldTgt/>
+                  </p:tgtEl>
+                </p:cond>
+              </p:nextCondLst>
+            </p:seq>
+          </p:childTnLst>
+        </p:cTn>
+      </p:par>
+    </p:tnLst>
+    <p:bldLst>
+      <p:bldP spid="3" grpId="0"/>
+      <p:bldP spid="12" grpId="0"/>
+      <p:bldP spid="14" grpId="0"/>
+    </p:bldLst>
+  </p:timing>
+</p:sld>
+</file>
+
+<file path=ppt/slides/slide3.xml><?xml version="1.0" encoding="utf-8"?>
+<p:sld xmlns:a="http://schemas.openxmlformats.org/drawingml/2006/main" xmlns:r="http://schemas.openxmlformats.org/officeDocument/2006/relationships" xmlns:p="http://schemas.openxmlformats.org/presentationml/2006/main">
+  <p:cSld>
+    <p:spTree>
+      <p:nvGrpSpPr>
+        <p:cNvPr id="1" name=""/>
+        <p:cNvGrpSpPr/>
+        <p:nvPr/>
+      </p:nvGrpSpPr>
+      <p:grpSpPr>
+        <a:xfrm>
+          <a:off x="0" y="0"/>
+          <a:ext cx="0" cy="0"/>
+          <a:chOff x="0" y="0"/>
+          <a:chExt cx="0" cy="0"/>
+        </a:xfrm>
+      </p:grpSpPr>
+      <p:sp>
+        <p:nvSpPr>
+          <p:cNvPr id="2" name="Title 1">
+            <a:extLst>
+              <a:ext uri="{FF2B5EF4-FFF2-40B4-BE49-F238E27FC236}">
+                <a16:creationId xmlns:a16="http://schemas.microsoft.com/office/drawing/2014/main" id="{974EBE9F-0347-7345-A14B-375DB1733896}"/>
+              </a:ext>
+            </a:extLst>
+          </p:cNvPr>
+          <p:cNvSpPr>
+            <a:spLocks noGrp="1"/>
+          </p:cNvSpPr>
+          <p:nvPr>
+            <p:ph type="title"/>
+          </p:nvPr>
+        </p:nvSpPr>
+        <p:spPr/>
+        <p:txBody>
+          <a:bodyPr/>
+          <a:lstStyle/>
+          <a:p>
+            <a:r>
+              <a:rPr lang="en-US" dirty="0"/>
+              <a:t>Administrivia</a:t>
+            </a:r>
+          </a:p>
+        </p:txBody>
+      </p:sp>
+      <p:sp>
+        <p:nvSpPr>
+          <p:cNvPr id="3" name="Content Placeholder 2">
+            <a:extLst>
+              <a:ext uri="{FF2B5EF4-FFF2-40B4-BE49-F238E27FC236}">
+                <a16:creationId xmlns:a16="http://schemas.microsoft.com/office/drawing/2014/main" id="{680AE1EB-F04D-6444-BA6C-A52AA9772B1A}"/>
+              </a:ext>
+            </a:extLst>
+          </p:cNvPr>
+          <p:cNvSpPr>
+            <a:spLocks noGrp="1"/>
+          </p:cNvSpPr>
+          <p:nvPr>
+            <p:ph idx="1"/>
+          </p:nvPr>
+        </p:nvSpPr>
+        <p:spPr/>
+        <p:txBody>
+          <a:bodyPr/>
+          <a:lstStyle/>
+          <a:p>
+            <a:pPr marL="0" indent="0">
+              <a:buNone/>
+            </a:pPr>
+            <a:r>
+              <a:rPr lang="en-US" dirty="0"/>
+              <a:t>Check-ins</a:t>
+            </a:r>
+          </a:p>
+          <a:p>
+            <a:pPr marL="0" indent="0">
+              <a:buNone/>
+            </a:pPr>
+            <a:r>
+              <a:rPr lang="en-US" dirty="0"/>
+              <a:t>A3 due yesterday</a:t>
+            </a:r>
+          </a:p>
+          <a:p>
+            <a:pPr marL="0" indent="0">
+              <a:buNone/>
+            </a:pPr>
+            <a:r>
+              <a:rPr lang="en-US" dirty="0"/>
+              <a:t>A4 due Apr 6</a:t>
+            </a:r>
+            <a:r>
+              <a:rPr lang="en-US" baseline="30000" dirty="0"/>
+              <a:t>th</a:t>
+            </a:r>
+            <a:endParaRPr lang="en-US" dirty="0"/>
+          </a:p>
+          <a:p>
+            <a:pPr marL="0" indent="0">
+              <a:buNone/>
+            </a:pPr>
+            <a:r>
+              <a:rPr lang="en-US" dirty="0"/>
+              <a:t>Guest lecture next week</a:t>
+            </a:r>
+          </a:p>
+        </p:txBody>
+      </p:sp>
+    </p:spTree>
+    <p:extLst>
+      <p:ext uri="{BB962C8B-B14F-4D97-AF65-F5344CB8AC3E}">
+        <p14:creationId xmlns:p14="http://schemas.microsoft.com/office/powerpoint/2010/main" val="1345333758"/>
+      </p:ext>
+    </p:extLst>
+  </p:cSld>
+  <p:clrMapOvr>
+    <a:masterClrMapping/>
+  </p:clrMapOvr>
+</p:sld>
+</file>
+
+<file path=ppt/slides/slide30.xml><?xml version="1.0" encoding="utf-8"?>
+<p:sld xmlns:a="http://schemas.openxmlformats.org/drawingml/2006/main" xmlns:r="http://schemas.openxmlformats.org/officeDocument/2006/relationships" xmlns:p="http://schemas.openxmlformats.org/presentationml/2006/main">
+  <p:cSld>
+    <p:spTree>
+      <p:nvGrpSpPr>
+        <p:cNvPr id="1" name=""/>
+        <p:cNvGrpSpPr/>
+        <p:nvPr/>
+      </p:nvGrpSpPr>
+      <p:grpSpPr>
+        <a:xfrm>
+          <a:off x="0" y="0"/>
+          <a:ext cx="0" cy="0"/>
+          <a:chOff x="0" y="0"/>
+          <a:chExt cx="0" cy="0"/>
+        </a:xfrm>
+      </p:grpSpPr>
+      <p:sp>
+        <p:nvSpPr>
+          <p:cNvPr id="2" name="Title 1">
+            <a:extLst>
+              <a:ext uri="{FF2B5EF4-FFF2-40B4-BE49-F238E27FC236}">
+                <a16:creationId xmlns:a16="http://schemas.microsoft.com/office/drawing/2014/main" id="{967FA871-0E28-D543-A2DC-049CD4D12C8F}"/>
+              </a:ext>
+            </a:extLst>
+          </p:cNvPr>
+          <p:cNvSpPr>
+            <a:spLocks noGrp="1"/>
+          </p:cNvSpPr>
+          <p:nvPr>
+            <p:ph type="title"/>
+          </p:nvPr>
+        </p:nvSpPr>
+        <p:spPr/>
+        <p:txBody>
+          <a:bodyPr>
+            <a:normAutofit/>
+          </a:bodyPr>
+          <a:lstStyle/>
+          <a:p>
+            <a:r>
+              <a:rPr lang="en-US" sz="4000" dirty="0"/>
+              <a:t>Compare: Why Focus on HDI?</a:t>
+            </a:r>
+          </a:p>
+        </p:txBody>
+      </p:sp>
+      <p:sp>
+        <p:nvSpPr>
+          <p:cNvPr id="9" name="TextBox 8">
+            <a:extLst>
+              <a:ext uri="{FF2B5EF4-FFF2-40B4-BE49-F238E27FC236}">
+                <a16:creationId xmlns:a16="http://schemas.microsoft.com/office/drawing/2014/main" id="{BB1CE9B1-5555-8044-AE46-B3AF6880735C}"/>
+              </a:ext>
+            </a:extLst>
+          </p:cNvPr>
+          <p:cNvSpPr txBox="1"/>
+          <p:nvPr/>
+        </p:nvSpPr>
+        <p:spPr>
+          <a:xfrm>
+            <a:off x="1293690" y="1706880"/>
+            <a:ext cx="1638525" cy="523220"/>
+          </a:xfrm>
+          <a:prstGeom prst="rect">
+            <a:avLst/>
+          </a:prstGeom>
+          <a:noFill/>
+        </p:spPr>
+        <p:txBody>
+          <a:bodyPr wrap="none" rtlCol="0">
+            <a:spAutoFit/>
+          </a:bodyPr>
+          <a:lstStyle/>
+          <a:p>
+            <a:pPr algn="ctr"/>
+            <a:r>
+              <a:rPr lang="en-US" sz="2800" dirty="0">
+                <a:latin typeface="Arial" panose="020B0604020202020204" pitchFamily="34" charset="0"/>
+                <a:cs typeface="Arial" panose="020B0604020202020204" pitchFamily="34" charset="0"/>
+              </a:rPr>
+              <a:t>Wrangler</a:t>
+            </a:r>
+          </a:p>
+        </p:txBody>
+      </p:sp>
+      <p:sp>
+        <p:nvSpPr>
+          <p:cNvPr id="10" name="TextBox 9">
+            <a:extLst>
+              <a:ext uri="{FF2B5EF4-FFF2-40B4-BE49-F238E27FC236}">
+                <a16:creationId xmlns:a16="http://schemas.microsoft.com/office/drawing/2014/main" id="{8CDD9BFE-EBDE-7F49-A24A-2E9202484386}"/>
+              </a:ext>
+            </a:extLst>
+          </p:cNvPr>
+          <p:cNvSpPr txBox="1"/>
+          <p:nvPr/>
+        </p:nvSpPr>
+        <p:spPr>
+          <a:xfrm>
+            <a:off x="5556477" y="1706880"/>
+            <a:ext cx="1364733" cy="523220"/>
+          </a:xfrm>
+          <a:prstGeom prst="rect">
+            <a:avLst/>
+          </a:prstGeom>
+          <a:noFill/>
+        </p:spPr>
+        <p:txBody>
+          <a:bodyPr wrap="none" rtlCol="0">
+            <a:spAutoFit/>
+          </a:bodyPr>
+          <a:lstStyle/>
+          <a:p>
+            <a:pPr algn="ctr"/>
+            <a:r>
+              <a:rPr lang="en-US" sz="2800" dirty="0">
+                <a:latin typeface="Arial" panose="020B0604020202020204" pitchFamily="34" charset="0"/>
+                <a:cs typeface="Arial" panose="020B0604020202020204" pitchFamily="34" charset="0"/>
+              </a:rPr>
+              <a:t>Texture</a:t>
+            </a:r>
+          </a:p>
+        </p:txBody>
+      </p:sp>
+      <p:sp>
+        <p:nvSpPr>
+          <p:cNvPr id="11" name="TextBox 10">
+            <a:extLst>
+              <a:ext uri="{FF2B5EF4-FFF2-40B4-BE49-F238E27FC236}">
+                <a16:creationId xmlns:a16="http://schemas.microsoft.com/office/drawing/2014/main" id="{A76C25E9-A96A-A049-B0EF-36999F4496A1}"/>
+              </a:ext>
+            </a:extLst>
+          </p:cNvPr>
+          <p:cNvSpPr txBox="1"/>
+          <p:nvPr/>
+        </p:nvSpPr>
+        <p:spPr>
+          <a:xfrm>
+            <a:off x="9339740" y="1706880"/>
+            <a:ext cx="1744388" cy="523220"/>
+          </a:xfrm>
+          <a:prstGeom prst="rect">
+            <a:avLst/>
+          </a:prstGeom>
+          <a:noFill/>
+        </p:spPr>
+        <p:txBody>
+          <a:bodyPr wrap="none" rtlCol="0">
+            <a:spAutoFit/>
+          </a:bodyPr>
+          <a:lstStyle/>
+          <a:p>
+            <a:pPr algn="ctr"/>
+            <a:r>
+              <a:rPr lang="en-US" sz="2800" dirty="0" err="1">
+                <a:latin typeface="Arial" panose="020B0604020202020204" pitchFamily="34" charset="0"/>
+                <a:cs typeface="Arial" panose="020B0604020202020204" pitchFamily="34" charset="0"/>
+              </a:rPr>
+              <a:t>Instabase</a:t>
+            </a:r>
+            <a:endParaRPr lang="en-US" sz="2800" dirty="0">
+              <a:latin typeface="Arial" panose="020B0604020202020204" pitchFamily="34" charset="0"/>
+              <a:cs typeface="Arial" panose="020B0604020202020204" pitchFamily="34" charset="0"/>
+            </a:endParaRPr>
+          </a:p>
+        </p:txBody>
+      </p:sp>
+      <p:sp>
+        <p:nvSpPr>
+          <p:cNvPr id="3" name="TextBox 2">
+            <a:extLst>
+              <a:ext uri="{FF2B5EF4-FFF2-40B4-BE49-F238E27FC236}">
+                <a16:creationId xmlns:a16="http://schemas.microsoft.com/office/drawing/2014/main" id="{878A08FC-E5ED-5C49-A489-9FB2694C8DBE}"/>
+              </a:ext>
+            </a:extLst>
+          </p:cNvPr>
+          <p:cNvSpPr txBox="1"/>
+          <p:nvPr/>
+        </p:nvSpPr>
+        <p:spPr>
+          <a:xfrm>
+            <a:off x="648448" y="2673342"/>
+            <a:ext cx="3037432" cy="1477328"/>
+          </a:xfrm>
+          <a:prstGeom prst="rect">
+            <a:avLst/>
+          </a:prstGeom>
+          <a:noFill/>
+        </p:spPr>
+        <p:txBody>
+          <a:bodyPr wrap="square" rtlCol="0">
+            <a:spAutoFit/>
+          </a:bodyPr>
+          <a:lstStyle/>
+          <a:p>
+            <a:pPr algn="l"/>
+            <a:r>
+              <a:rPr lang="en-US" dirty="0">
+                <a:latin typeface="Arial" panose="020B0604020202020204" pitchFamily="34" charset="0"/>
+                <a:cs typeface="Arial" panose="020B0604020202020204" pitchFamily="34" charset="0"/>
+              </a:rPr>
+              <a:t>Selecting desired text is easier than writing regex</a:t>
+            </a:r>
+          </a:p>
+          <a:p>
+            <a:pPr algn="l"/>
+            <a:endParaRPr lang="en-US" dirty="0">
+              <a:latin typeface="Arial" panose="020B0604020202020204" pitchFamily="34" charset="0"/>
+              <a:cs typeface="Arial" panose="020B0604020202020204" pitchFamily="34" charset="0"/>
+            </a:endParaRPr>
+          </a:p>
+          <a:p>
+            <a:pPr algn="l"/>
+            <a:r>
+              <a:rPr lang="en-US" dirty="0">
+                <a:latin typeface="Arial" panose="020B0604020202020204" pitchFamily="34" charset="0"/>
+                <a:cs typeface="Arial" panose="020B0604020202020204" pitchFamily="34" charset="0"/>
+              </a:rPr>
+              <a:t>Seeing previews is good</a:t>
+            </a:r>
+          </a:p>
+          <a:p>
+            <a:pPr algn="l"/>
+            <a:endParaRPr lang="en-US" dirty="0">
+              <a:latin typeface="Arial" panose="020B0604020202020204" pitchFamily="34" charset="0"/>
+              <a:cs typeface="Arial" panose="020B0604020202020204" pitchFamily="34" charset="0"/>
+            </a:endParaRPr>
+          </a:p>
+        </p:txBody>
+      </p:sp>
+      <p:sp>
+        <p:nvSpPr>
+          <p:cNvPr id="12" name="TextBox 11">
+            <a:extLst>
+              <a:ext uri="{FF2B5EF4-FFF2-40B4-BE49-F238E27FC236}">
+                <a16:creationId xmlns:a16="http://schemas.microsoft.com/office/drawing/2014/main" id="{E81716B8-161D-7245-B22D-8D8941877B79}"/>
+              </a:ext>
+            </a:extLst>
+          </p:cNvPr>
+          <p:cNvSpPr txBox="1"/>
+          <p:nvPr/>
+        </p:nvSpPr>
+        <p:spPr>
+          <a:xfrm>
+            <a:off x="4538772" y="2660987"/>
+            <a:ext cx="3400142" cy="1477328"/>
+          </a:xfrm>
+          <a:prstGeom prst="rect">
+            <a:avLst/>
+          </a:prstGeom>
+          <a:noFill/>
+        </p:spPr>
+        <p:txBody>
+          <a:bodyPr wrap="square" rtlCol="0">
+            <a:spAutoFit/>
+          </a:bodyPr>
+          <a:lstStyle/>
+          <a:p>
+            <a:pPr algn="l"/>
+            <a:r>
+              <a:rPr lang="en-US" dirty="0">
+                <a:latin typeface="Arial" panose="020B0604020202020204" pitchFamily="34" charset="0"/>
+                <a:cs typeface="Arial" panose="020B0604020202020204" pitchFamily="34" charset="0"/>
+              </a:rPr>
+              <a:t>Documents have similar types of data (titles, paragraphs) </a:t>
+            </a:r>
+          </a:p>
+          <a:p>
+            <a:pPr algn="l"/>
+            <a:endParaRPr lang="en-US" dirty="0">
+              <a:latin typeface="Arial" panose="020B0604020202020204" pitchFamily="34" charset="0"/>
+              <a:cs typeface="Arial" panose="020B0604020202020204" pitchFamily="34" charset="0"/>
+            </a:endParaRPr>
+          </a:p>
+          <a:p>
+            <a:pPr algn="l"/>
+            <a:r>
+              <a:rPr lang="en-US" dirty="0">
+                <a:latin typeface="Arial" panose="020B0604020202020204" pitchFamily="34" charset="0"/>
+                <a:cs typeface="Arial" panose="020B0604020202020204" pitchFamily="34" charset="0"/>
+              </a:rPr>
+              <a:t>Lots of </a:t>
+            </a:r>
+            <a:r>
+              <a:rPr lang="en-US" i="1" dirty="0">
+                <a:latin typeface="Arial" panose="020B0604020202020204" pitchFamily="34" charset="0"/>
+                <a:cs typeface="Arial" panose="020B0604020202020204" pitchFamily="34" charset="0"/>
+              </a:rPr>
+              <a:t>design</a:t>
+            </a:r>
+            <a:r>
+              <a:rPr lang="en-US" dirty="0">
+                <a:latin typeface="Arial" panose="020B0604020202020204" pitchFamily="34" charset="0"/>
+                <a:cs typeface="Arial" panose="020B0604020202020204" pitchFamily="34" charset="0"/>
+              </a:rPr>
+              <a:t> variation in docs </a:t>
+            </a:r>
+          </a:p>
+          <a:p>
+            <a:pPr algn="l"/>
+            <a:r>
+              <a:rPr lang="en-US" dirty="0">
+                <a:latin typeface="Arial" panose="020B0604020202020204" pitchFamily="34" charset="0"/>
+                <a:cs typeface="Arial" panose="020B0604020202020204" pitchFamily="34" charset="0"/>
+              </a:rPr>
+              <a:t>Less data variation</a:t>
+            </a:r>
+          </a:p>
+        </p:txBody>
+      </p:sp>
+      <p:sp>
+        <p:nvSpPr>
+          <p:cNvPr id="14" name="TextBox 13">
+            <a:extLst>
+              <a:ext uri="{FF2B5EF4-FFF2-40B4-BE49-F238E27FC236}">
+                <a16:creationId xmlns:a16="http://schemas.microsoft.com/office/drawing/2014/main" id="{907EF34F-A971-8041-9074-087881465391}"/>
+              </a:ext>
+            </a:extLst>
+          </p:cNvPr>
+          <p:cNvSpPr txBox="1"/>
+          <p:nvPr/>
+        </p:nvSpPr>
+        <p:spPr>
+          <a:xfrm>
+            <a:off x="8611121" y="2660987"/>
+            <a:ext cx="3201625" cy="646331"/>
+          </a:xfrm>
+          <a:prstGeom prst="rect">
+            <a:avLst/>
+          </a:prstGeom>
+          <a:noFill/>
+        </p:spPr>
+        <p:txBody>
+          <a:bodyPr wrap="square" rtlCol="0">
+            <a:spAutoFit/>
+          </a:bodyPr>
+          <a:lstStyle/>
+          <a:p>
+            <a:pPr algn="l"/>
+            <a:r>
+              <a:rPr lang="en-US" dirty="0">
+                <a:latin typeface="Arial" panose="020B0604020202020204" pitchFamily="34" charset="0"/>
+                <a:cs typeface="Arial" panose="020B0604020202020204" pitchFamily="34" charset="0"/>
+              </a:rPr>
+              <a:t>Low design variation</a:t>
+            </a:r>
+          </a:p>
+          <a:p>
+            <a:pPr algn="l"/>
+            <a:r>
+              <a:rPr lang="en-US" dirty="0">
+                <a:latin typeface="Arial" panose="020B0604020202020204" pitchFamily="34" charset="0"/>
+                <a:cs typeface="Arial" panose="020B0604020202020204" pitchFamily="34" charset="0"/>
+              </a:rPr>
+              <a:t>Element to extract is hard</a:t>
+            </a:r>
+          </a:p>
+        </p:txBody>
+      </p:sp>
+    </p:spTree>
+    <p:extLst>
+      <p:ext uri="{BB962C8B-B14F-4D97-AF65-F5344CB8AC3E}">
+        <p14:creationId xmlns:p14="http://schemas.microsoft.com/office/powerpoint/2010/main" val="2084696142"/>
+      </p:ext>
+    </p:extLst>
+  </p:cSld>
+  <p:clrMapOvr>
+    <a:masterClrMapping/>
+  </p:clrMapOvr>
+</p:sld>
+</file>
+
+<file path=ppt/slides/slide31.xml><?xml version="1.0" encoding="utf-8"?>
+<p:sld xmlns:a="http://schemas.openxmlformats.org/drawingml/2006/main" xmlns:r="http://schemas.openxmlformats.org/officeDocument/2006/relationships" xmlns:p="http://schemas.openxmlformats.org/presentationml/2006/main" show="0">
   <p:cSld>
     <p:spTree>
       <p:nvGrpSpPr>
@@ -8854,2567 +12780,7 @@
 </p:sld>
 </file>
 
-<file path=ppt/slides/slide25.xml><?xml version="1.0" encoding="utf-8"?>
-<p:sld xmlns:a="http://schemas.openxmlformats.org/drawingml/2006/main" xmlns:r="http://schemas.openxmlformats.org/officeDocument/2006/relationships" xmlns:p="http://schemas.openxmlformats.org/presentationml/2006/main">
-  <p:cSld>
-    <p:spTree>
-      <p:nvGrpSpPr>
-        <p:cNvPr id="1" name=""/>
-        <p:cNvGrpSpPr/>
-        <p:nvPr/>
-      </p:nvGrpSpPr>
-      <p:grpSpPr>
-        <a:xfrm>
-          <a:off x="0" y="0"/>
-          <a:ext cx="0" cy="0"/>
-          <a:chOff x="0" y="0"/>
-          <a:chExt cx="0" cy="0"/>
-        </a:xfrm>
-      </p:grpSpPr>
-      <p:sp>
-        <p:nvSpPr>
-          <p:cNvPr id="2" name="Title 1">
-            <a:extLst>
-              <a:ext uri="{FF2B5EF4-FFF2-40B4-BE49-F238E27FC236}">
-                <a16:creationId xmlns:a16="http://schemas.microsoft.com/office/drawing/2014/main" id="{967FA871-0E28-D543-A2DC-049CD4D12C8F}"/>
-              </a:ext>
-            </a:extLst>
-          </p:cNvPr>
-          <p:cNvSpPr>
-            <a:spLocks noGrp="1"/>
-          </p:cNvSpPr>
-          <p:nvPr>
-            <p:ph type="title"/>
-          </p:nvPr>
-        </p:nvSpPr>
-        <p:spPr/>
-        <p:txBody>
-          <a:bodyPr>
-            <a:normAutofit/>
-          </a:bodyPr>
-          <a:lstStyle/>
-          <a:p>
-            <a:r>
-              <a:rPr lang="en-US" sz="4000" dirty="0"/>
-              <a:t>Modeling the Problem: Wrangler</a:t>
-            </a:r>
-          </a:p>
-        </p:txBody>
-      </p:sp>
-      <p:sp>
-        <p:nvSpPr>
-          <p:cNvPr id="17" name="Content Placeholder 16">
-            <a:extLst>
-              <a:ext uri="{FF2B5EF4-FFF2-40B4-BE49-F238E27FC236}">
-                <a16:creationId xmlns:a16="http://schemas.microsoft.com/office/drawing/2014/main" id="{7243B406-F654-EF47-A7A8-F8B415F58B81}"/>
-              </a:ext>
-            </a:extLst>
-          </p:cNvPr>
-          <p:cNvSpPr>
-            <a:spLocks noGrp="1"/>
-          </p:cNvSpPr>
-          <p:nvPr>
-            <p:ph idx="1"/>
-          </p:nvPr>
-        </p:nvSpPr>
-        <p:spPr/>
-        <p:txBody>
-          <a:bodyPr>
-            <a:normAutofit fontScale="92500" lnSpcReduction="20000"/>
-          </a:bodyPr>
-          <a:lstStyle/>
-          <a:p>
-            <a:pPr marL="0" indent="0">
-              <a:buNone/>
-            </a:pPr>
-            <a:r>
-              <a:rPr lang="en-US" dirty="0"/>
-              <a:t>Data model</a:t>
-            </a:r>
-          </a:p>
-          <a:p>
-            <a:r>
-              <a:rPr lang="en-US" dirty="0"/>
-              <a:t>table of text attributes</a:t>
-            </a:r>
-          </a:p>
-          <a:p>
-            <a:pPr marL="0" indent="0">
-              <a:buNone/>
-            </a:pPr>
-            <a:endParaRPr lang="en-US" dirty="0"/>
-          </a:p>
-          <a:p>
-            <a:pPr marL="0" indent="0">
-              <a:buNone/>
-            </a:pPr>
-            <a:r>
-              <a:rPr lang="en-US" dirty="0"/>
-              <a:t>Language</a:t>
-            </a:r>
-          </a:p>
-          <a:p>
-            <a:r>
-              <a:rPr lang="en-US" dirty="0"/>
-              <a:t>sequence of str extraction/transforms</a:t>
-            </a:r>
-          </a:p>
-          <a:p>
-            <a:r>
-              <a:rPr lang="en-US" dirty="0"/>
-              <a:t>filter, project operators + fold/unfold</a:t>
-            </a:r>
-          </a:p>
-          <a:p>
-            <a:pPr marL="0" indent="0">
-              <a:buNone/>
-            </a:pPr>
-            <a:endParaRPr lang="en-US" dirty="0"/>
-          </a:p>
-          <a:p>
-            <a:pPr marL="0" indent="0">
-              <a:buNone/>
-            </a:pPr>
-            <a:r>
-              <a:rPr lang="en-US" dirty="0"/>
-              <a:t>User Interaction</a:t>
-            </a:r>
-          </a:p>
-          <a:p>
-            <a:r>
-              <a:rPr lang="en-US" dirty="0"/>
-              <a:t>select </a:t>
-            </a:r>
-            <a:r>
-              <a:rPr lang="en-US" dirty="0">
-                <a:highlight>
-                  <a:srgbClr val="FFFF00"/>
-                </a:highlight>
-              </a:rPr>
-              <a:t>text to extract</a:t>
-            </a:r>
-          </a:p>
-          <a:p>
-            <a:r>
-              <a:rPr lang="en-US" dirty="0"/>
-              <a:t>choose and refine suggestions</a:t>
-            </a:r>
-          </a:p>
-          <a:p>
-            <a:pPr marL="0" indent="0">
-              <a:buNone/>
-            </a:pPr>
-            <a:endParaRPr lang="en-US" dirty="0"/>
-          </a:p>
-          <a:p>
-            <a:pPr marL="0" indent="0">
-              <a:buNone/>
-            </a:pPr>
-            <a:endParaRPr lang="en-US" dirty="0"/>
-          </a:p>
-          <a:p>
-            <a:pPr marL="0" indent="0">
-              <a:buNone/>
-            </a:pPr>
-            <a:endParaRPr lang="en-US" dirty="0"/>
-          </a:p>
-        </p:txBody>
-      </p:sp>
-      <p:grpSp>
-        <p:nvGrpSpPr>
-          <p:cNvPr id="15" name="Group 14">
-            <a:extLst>
-              <a:ext uri="{FF2B5EF4-FFF2-40B4-BE49-F238E27FC236}">
-                <a16:creationId xmlns:a16="http://schemas.microsoft.com/office/drawing/2014/main" id="{9B409A61-43FC-704D-9970-0088D626AEAA}"/>
-              </a:ext>
-            </a:extLst>
-          </p:cNvPr>
-          <p:cNvGrpSpPr/>
-          <p:nvPr/>
-        </p:nvGrpSpPr>
-        <p:grpSpPr>
-          <a:xfrm>
-            <a:off x="9835486" y="511643"/>
-            <a:ext cx="1638526" cy="1472604"/>
-            <a:chOff x="871231" y="2013095"/>
-            <a:chExt cx="2065649" cy="1856473"/>
-          </a:xfrm>
-        </p:grpSpPr>
-        <p:pic>
-          <p:nvPicPr>
-            <p:cNvPr id="6" name="Picture 5">
-              <a:extLst>
-                <a:ext uri="{FF2B5EF4-FFF2-40B4-BE49-F238E27FC236}">
-                  <a16:creationId xmlns:a16="http://schemas.microsoft.com/office/drawing/2014/main" id="{A8C03813-D0E2-8C44-BBCD-0F0E290E9888}"/>
-                </a:ext>
-              </a:extLst>
-            </p:cNvPr>
-            <p:cNvPicPr>
-              <a:picLocks noChangeAspect="1"/>
-            </p:cNvPicPr>
-            <p:nvPr/>
-          </p:nvPicPr>
-          <p:blipFill rotWithShape="1">
-            <a:blip r:embed="rId2"/>
-            <a:srcRect l="1078" t="1410" r="27053" b="49290"/>
-            <a:stretch/>
-          </p:blipFill>
-          <p:spPr>
-            <a:xfrm>
-              <a:off x="1045033" y="2709511"/>
-              <a:ext cx="1718047" cy="1160057"/>
-            </a:xfrm>
-            <a:prstGeom prst="rect">
-              <a:avLst/>
-            </a:prstGeom>
-          </p:spPr>
-        </p:pic>
-        <p:sp>
-          <p:nvSpPr>
-            <p:cNvPr id="9" name="TextBox 8">
-              <a:extLst>
-                <a:ext uri="{FF2B5EF4-FFF2-40B4-BE49-F238E27FC236}">
-                  <a16:creationId xmlns:a16="http://schemas.microsoft.com/office/drawing/2014/main" id="{BB1CE9B1-5555-8044-AE46-B3AF6880735C}"/>
-                </a:ext>
-              </a:extLst>
-            </p:cNvPr>
-            <p:cNvSpPr txBox="1"/>
-            <p:nvPr/>
-          </p:nvSpPr>
-          <p:spPr>
-            <a:xfrm>
-              <a:off x="871231" y="2013095"/>
-              <a:ext cx="2065649" cy="659608"/>
-            </a:xfrm>
-            <a:prstGeom prst="rect">
-              <a:avLst/>
-            </a:prstGeom>
-            <a:noFill/>
-          </p:spPr>
-          <p:txBody>
-            <a:bodyPr wrap="none" rtlCol="0">
-              <a:spAutoFit/>
-            </a:bodyPr>
-            <a:lstStyle/>
-            <a:p>
-              <a:pPr algn="ctr"/>
-              <a:r>
-                <a:rPr lang="en-US" sz="2800" dirty="0">
-                  <a:latin typeface="Arial" panose="020B0604020202020204" pitchFamily="34" charset="0"/>
-                  <a:cs typeface="Arial" panose="020B0604020202020204" pitchFamily="34" charset="0"/>
-                </a:rPr>
-                <a:t>Wrangler</a:t>
-              </a:r>
-            </a:p>
-          </p:txBody>
-        </p:sp>
-      </p:grpSp>
-      <p:grpSp>
-        <p:nvGrpSpPr>
-          <p:cNvPr id="14" name="Group 13">
-            <a:extLst>
-              <a:ext uri="{FF2B5EF4-FFF2-40B4-BE49-F238E27FC236}">
-                <a16:creationId xmlns:a16="http://schemas.microsoft.com/office/drawing/2014/main" id="{0A052893-F963-1A46-AC92-33BD37AE4ED4}"/>
-              </a:ext>
-            </a:extLst>
-          </p:cNvPr>
-          <p:cNvGrpSpPr/>
-          <p:nvPr/>
-        </p:nvGrpSpPr>
-        <p:grpSpPr>
-          <a:xfrm>
-            <a:off x="9757221" y="2564956"/>
-            <a:ext cx="1795057" cy="1661629"/>
-            <a:chOff x="4725939" y="2049123"/>
-            <a:chExt cx="2262985" cy="2094771"/>
-          </a:xfrm>
-        </p:grpSpPr>
-        <p:pic>
-          <p:nvPicPr>
-            <p:cNvPr id="4" name="Picture 3">
-              <a:extLst>
-                <a:ext uri="{FF2B5EF4-FFF2-40B4-BE49-F238E27FC236}">
-                  <a16:creationId xmlns:a16="http://schemas.microsoft.com/office/drawing/2014/main" id="{FC04ECD9-CD9D-3245-8A90-88C4D6128D52}"/>
-                </a:ext>
-              </a:extLst>
-            </p:cNvPr>
-            <p:cNvPicPr>
-              <a:picLocks noChangeAspect="1"/>
-            </p:cNvPicPr>
-            <p:nvPr/>
-          </p:nvPicPr>
-          <p:blipFill rotWithShape="1">
-            <a:blip r:embed="rId3"/>
-            <a:srcRect l="13501" r="14008" b="37058"/>
-            <a:stretch/>
-          </p:blipFill>
-          <p:spPr>
-            <a:xfrm>
-              <a:off x="4725939" y="2664197"/>
-              <a:ext cx="2262985" cy="1479697"/>
-            </a:xfrm>
-            <a:prstGeom prst="rect">
-              <a:avLst/>
-            </a:prstGeom>
-          </p:spPr>
-        </p:pic>
-        <p:sp>
-          <p:nvSpPr>
-            <p:cNvPr id="10" name="TextBox 9">
-              <a:extLst>
-                <a:ext uri="{FF2B5EF4-FFF2-40B4-BE49-F238E27FC236}">
-                  <a16:creationId xmlns:a16="http://schemas.microsoft.com/office/drawing/2014/main" id="{8CDD9BFE-EBDE-7F49-A24A-2E9202484386}"/>
-                </a:ext>
-              </a:extLst>
-            </p:cNvPr>
-            <p:cNvSpPr txBox="1"/>
-            <p:nvPr/>
-          </p:nvSpPr>
-          <p:spPr>
-            <a:xfrm>
-              <a:off x="4997187" y="2049123"/>
-              <a:ext cx="1720486" cy="659610"/>
-            </a:xfrm>
-            <a:prstGeom prst="rect">
-              <a:avLst/>
-            </a:prstGeom>
-            <a:noFill/>
-          </p:spPr>
-          <p:txBody>
-            <a:bodyPr wrap="none" rtlCol="0">
-              <a:spAutoFit/>
-            </a:bodyPr>
-            <a:lstStyle/>
-            <a:p>
-              <a:pPr algn="ctr"/>
-              <a:r>
-                <a:rPr lang="en-US" sz="2800" dirty="0">
-                  <a:latin typeface="Arial" panose="020B0604020202020204" pitchFamily="34" charset="0"/>
-                  <a:cs typeface="Arial" panose="020B0604020202020204" pitchFamily="34" charset="0"/>
-                </a:rPr>
-                <a:t>Texture</a:t>
-              </a:r>
-            </a:p>
-          </p:txBody>
-        </p:sp>
-      </p:grpSp>
-      <p:grpSp>
-        <p:nvGrpSpPr>
-          <p:cNvPr id="13" name="Group 12">
-            <a:extLst>
-              <a:ext uri="{FF2B5EF4-FFF2-40B4-BE49-F238E27FC236}">
-                <a16:creationId xmlns:a16="http://schemas.microsoft.com/office/drawing/2014/main" id="{A2EA1F08-7836-4240-B67D-432625FE999F}"/>
-              </a:ext>
-            </a:extLst>
-          </p:cNvPr>
-          <p:cNvGrpSpPr/>
-          <p:nvPr/>
-        </p:nvGrpSpPr>
-        <p:grpSpPr>
-          <a:xfrm>
-            <a:off x="9782555" y="4807294"/>
-            <a:ext cx="1744388" cy="1750685"/>
-            <a:chOff x="9069479" y="2067134"/>
-            <a:chExt cx="2199107" cy="2207042"/>
-          </a:xfrm>
-        </p:grpSpPr>
-        <p:pic>
-          <p:nvPicPr>
-            <p:cNvPr id="5" name="Picture 4">
-              <a:extLst>
-                <a:ext uri="{FF2B5EF4-FFF2-40B4-BE49-F238E27FC236}">
-                  <a16:creationId xmlns:a16="http://schemas.microsoft.com/office/drawing/2014/main" id="{F329E73E-63BF-8049-BB0A-D95080944A80}"/>
-                </a:ext>
-              </a:extLst>
-            </p:cNvPr>
-            <p:cNvPicPr>
-              <a:picLocks noChangeAspect="1"/>
-            </p:cNvPicPr>
-            <p:nvPr/>
-          </p:nvPicPr>
-          <p:blipFill rotWithShape="1">
-            <a:blip r:embed="rId4"/>
-            <a:srcRect r="32825" b="31102"/>
-            <a:stretch/>
-          </p:blipFill>
-          <p:spPr>
-            <a:xfrm>
-              <a:off x="9206224" y="2673341"/>
-              <a:ext cx="1925616" cy="1600835"/>
-            </a:xfrm>
-            <a:prstGeom prst="rect">
-              <a:avLst/>
-            </a:prstGeom>
-          </p:spPr>
-        </p:pic>
-        <p:sp>
-          <p:nvSpPr>
-            <p:cNvPr id="11" name="TextBox 10">
-              <a:extLst>
-                <a:ext uri="{FF2B5EF4-FFF2-40B4-BE49-F238E27FC236}">
-                  <a16:creationId xmlns:a16="http://schemas.microsoft.com/office/drawing/2014/main" id="{A76C25E9-A96A-A049-B0EF-36999F4496A1}"/>
-                </a:ext>
-              </a:extLst>
-            </p:cNvPr>
-            <p:cNvSpPr txBox="1"/>
-            <p:nvPr/>
-          </p:nvSpPr>
-          <p:spPr>
-            <a:xfrm>
-              <a:off x="9069479" y="2067134"/>
-              <a:ext cx="2199107" cy="659609"/>
-            </a:xfrm>
-            <a:prstGeom prst="rect">
-              <a:avLst/>
-            </a:prstGeom>
-            <a:noFill/>
-          </p:spPr>
-          <p:txBody>
-            <a:bodyPr wrap="none" rtlCol="0">
-              <a:spAutoFit/>
-            </a:bodyPr>
-            <a:lstStyle/>
-            <a:p>
-              <a:pPr algn="ctr"/>
-              <a:r>
-                <a:rPr lang="en-US" sz="2800" dirty="0" err="1">
-                  <a:latin typeface="Arial" panose="020B0604020202020204" pitchFamily="34" charset="0"/>
-                  <a:cs typeface="Arial" panose="020B0604020202020204" pitchFamily="34" charset="0"/>
-                </a:rPr>
-                <a:t>Instabase</a:t>
-              </a:r>
-              <a:endParaRPr lang="en-US" sz="2800" dirty="0">
-                <a:latin typeface="Arial" panose="020B0604020202020204" pitchFamily="34" charset="0"/>
-                <a:cs typeface="Arial" panose="020B0604020202020204" pitchFamily="34" charset="0"/>
-              </a:endParaRPr>
-            </a:p>
-          </p:txBody>
-        </p:sp>
-      </p:grpSp>
-    </p:spTree>
-    <p:extLst>
-      <p:ext uri="{BB962C8B-B14F-4D97-AF65-F5344CB8AC3E}">
-        <p14:creationId xmlns:p14="http://schemas.microsoft.com/office/powerpoint/2010/main" val="2305983920"/>
-      </p:ext>
-    </p:extLst>
-  </p:cSld>
-  <p:clrMapOvr>
-    <a:masterClrMapping/>
-  </p:clrMapOvr>
-  <p:timing>
-    <p:tnLst>
-      <p:par>
-        <p:cTn id="1" dur="indefinite" restart="never" nodeType="tmRoot">
-          <p:childTnLst>
-            <p:seq concurrent="1" nextAc="seek">
-              <p:cTn id="2" dur="indefinite" nodeType="mainSeq">
-                <p:childTnLst>
-                  <p:par>
-                    <p:cTn id="3" fill="hold">
-                      <p:stCondLst>
-                        <p:cond delay="indefinite"/>
-                      </p:stCondLst>
-                      <p:childTnLst>
-                        <p:par>
-                          <p:cTn id="4" fill="hold">
-                            <p:stCondLst>
-                              <p:cond delay="0"/>
-                            </p:stCondLst>
-                            <p:childTnLst>
-                              <p:par>
-                                <p:cTn id="5" presetID="1" presetClass="entr" presetSubtype="0" fill="hold" nodeType="clickEffect">
-                                  <p:stCondLst>
-                                    <p:cond delay="0"/>
-                                  </p:stCondLst>
-                                  <p:childTnLst>
-                                    <p:set>
-                                      <p:cBhvr>
-                                        <p:cTn id="6" dur="1" fill="hold">
-                                          <p:stCondLst>
-                                            <p:cond delay="0"/>
-                                          </p:stCondLst>
-                                        </p:cTn>
-                                        <p:tgtEl>
-                                          <p:spTgt spid="17">
-                                            <p:txEl>
-                                              <p:pRg st="1" end="1"/>
-                                            </p:txEl>
-                                          </p:spTgt>
-                                        </p:tgtEl>
-                                        <p:attrNameLst>
-                                          <p:attrName>style.visibility</p:attrName>
-                                        </p:attrNameLst>
-                                      </p:cBhvr>
-                                      <p:to>
-                                        <p:strVal val="visible"/>
-                                      </p:to>
-                                    </p:set>
-                                  </p:childTnLst>
-                                </p:cTn>
-                              </p:par>
-                            </p:childTnLst>
-                          </p:cTn>
-                        </p:par>
-                      </p:childTnLst>
-                    </p:cTn>
-                  </p:par>
-                  <p:par>
-                    <p:cTn id="7" fill="hold">
-                      <p:stCondLst>
-                        <p:cond delay="indefinite"/>
-                      </p:stCondLst>
-                      <p:childTnLst>
-                        <p:par>
-                          <p:cTn id="8" fill="hold">
-                            <p:stCondLst>
-                              <p:cond delay="0"/>
-                            </p:stCondLst>
-                            <p:childTnLst>
-                              <p:par>
-                                <p:cTn id="9" presetID="1" presetClass="entr" presetSubtype="0" fill="hold" nodeType="clickEffect">
-                                  <p:stCondLst>
-                                    <p:cond delay="0"/>
-                                  </p:stCondLst>
-                                  <p:childTnLst>
-                                    <p:set>
-                                      <p:cBhvr>
-                                        <p:cTn id="10" dur="1" fill="hold">
-                                          <p:stCondLst>
-                                            <p:cond delay="0"/>
-                                          </p:stCondLst>
-                                        </p:cTn>
-                                        <p:tgtEl>
-                                          <p:spTgt spid="17">
-                                            <p:txEl>
-                                              <p:pRg st="4" end="4"/>
-                                            </p:txEl>
-                                          </p:spTgt>
-                                        </p:tgtEl>
-                                        <p:attrNameLst>
-                                          <p:attrName>style.visibility</p:attrName>
-                                        </p:attrNameLst>
-                                      </p:cBhvr>
-                                      <p:to>
-                                        <p:strVal val="visible"/>
-                                      </p:to>
-                                    </p:set>
-                                  </p:childTnLst>
-                                </p:cTn>
-                              </p:par>
-                              <p:par>
-                                <p:cTn id="11" presetID="1" presetClass="entr" presetSubtype="0" fill="hold" nodeType="withEffect">
-                                  <p:stCondLst>
-                                    <p:cond delay="0"/>
-                                  </p:stCondLst>
-                                  <p:childTnLst>
-                                    <p:set>
-                                      <p:cBhvr>
-                                        <p:cTn id="12" dur="1" fill="hold">
-                                          <p:stCondLst>
-                                            <p:cond delay="0"/>
-                                          </p:stCondLst>
-                                        </p:cTn>
-                                        <p:tgtEl>
-                                          <p:spTgt spid="17">
-                                            <p:txEl>
-                                              <p:pRg st="5" end="5"/>
-                                            </p:txEl>
-                                          </p:spTgt>
-                                        </p:tgtEl>
-                                        <p:attrNameLst>
-                                          <p:attrName>style.visibility</p:attrName>
-                                        </p:attrNameLst>
-                                      </p:cBhvr>
-                                      <p:to>
-                                        <p:strVal val="visible"/>
-                                      </p:to>
-                                    </p:set>
-                                  </p:childTnLst>
-                                </p:cTn>
-                              </p:par>
-                            </p:childTnLst>
-                          </p:cTn>
-                        </p:par>
-                      </p:childTnLst>
-                    </p:cTn>
-                  </p:par>
-                  <p:par>
-                    <p:cTn id="13" fill="hold">
-                      <p:stCondLst>
-                        <p:cond delay="indefinite"/>
-                      </p:stCondLst>
-                      <p:childTnLst>
-                        <p:par>
-                          <p:cTn id="14" fill="hold">
-                            <p:stCondLst>
-                              <p:cond delay="0"/>
-                            </p:stCondLst>
-                            <p:childTnLst>
-                              <p:par>
-                                <p:cTn id="15" presetID="1" presetClass="entr" presetSubtype="0" fill="hold" nodeType="clickEffect">
-                                  <p:stCondLst>
-                                    <p:cond delay="0"/>
-                                  </p:stCondLst>
-                                  <p:childTnLst>
-                                    <p:set>
-                                      <p:cBhvr>
-                                        <p:cTn id="16" dur="1" fill="hold">
-                                          <p:stCondLst>
-                                            <p:cond delay="0"/>
-                                          </p:stCondLst>
-                                        </p:cTn>
-                                        <p:tgtEl>
-                                          <p:spTgt spid="17">
-                                            <p:txEl>
-                                              <p:pRg st="8" end="8"/>
-                                            </p:txEl>
-                                          </p:spTgt>
-                                        </p:tgtEl>
-                                        <p:attrNameLst>
-                                          <p:attrName>style.visibility</p:attrName>
-                                        </p:attrNameLst>
-                                      </p:cBhvr>
-                                      <p:to>
-                                        <p:strVal val="visible"/>
-                                      </p:to>
-                                    </p:set>
-                                  </p:childTnLst>
-                                </p:cTn>
-                              </p:par>
-                              <p:par>
-                                <p:cTn id="17" presetID="1" presetClass="entr" presetSubtype="0" fill="hold" nodeType="withEffect">
-                                  <p:stCondLst>
-                                    <p:cond delay="0"/>
-                                  </p:stCondLst>
-                                  <p:childTnLst>
-                                    <p:set>
-                                      <p:cBhvr>
-                                        <p:cTn id="18" dur="1" fill="hold">
-                                          <p:stCondLst>
-                                            <p:cond delay="0"/>
-                                          </p:stCondLst>
-                                        </p:cTn>
-                                        <p:tgtEl>
-                                          <p:spTgt spid="17">
-                                            <p:txEl>
-                                              <p:pRg st="9" end="9"/>
-                                            </p:txEl>
-                                          </p:spTgt>
-                                        </p:tgtEl>
-                                        <p:attrNameLst>
-                                          <p:attrName>style.visibility</p:attrName>
-                                        </p:attrNameLst>
-                                      </p:cBhvr>
-                                      <p:to>
-                                        <p:strVal val="visible"/>
-                                      </p:to>
-                                    </p:set>
-                                  </p:childTnLst>
-                                </p:cTn>
-                              </p:par>
-                            </p:childTnLst>
-                          </p:cTn>
-                        </p:par>
-                      </p:childTnLst>
-                    </p:cTn>
-                  </p:par>
-                </p:childTnLst>
-              </p:cTn>
-              <p:prevCondLst>
-                <p:cond evt="onPrev" delay="0">
-                  <p:tgtEl>
-                    <p:sldTgt/>
-                  </p:tgtEl>
-                </p:cond>
-              </p:prevCondLst>
-              <p:nextCondLst>
-                <p:cond evt="onNext" delay="0">
-                  <p:tgtEl>
-                    <p:sldTgt/>
-                  </p:tgtEl>
-                </p:cond>
-              </p:nextCondLst>
-            </p:seq>
-          </p:childTnLst>
-        </p:cTn>
-      </p:par>
-    </p:tnLst>
-  </p:timing>
-</p:sld>
-</file>
-
-<file path=ppt/slides/slide26.xml><?xml version="1.0" encoding="utf-8"?>
-<p:sld xmlns:a="http://schemas.openxmlformats.org/drawingml/2006/main" xmlns:r="http://schemas.openxmlformats.org/officeDocument/2006/relationships" xmlns:p="http://schemas.openxmlformats.org/presentationml/2006/main">
-  <p:cSld>
-    <p:spTree>
-      <p:nvGrpSpPr>
-        <p:cNvPr id="1" name=""/>
-        <p:cNvGrpSpPr/>
-        <p:nvPr/>
-      </p:nvGrpSpPr>
-      <p:grpSpPr>
-        <a:xfrm>
-          <a:off x="0" y="0"/>
-          <a:ext cx="0" cy="0"/>
-          <a:chOff x="0" y="0"/>
-          <a:chExt cx="0" cy="0"/>
-        </a:xfrm>
-      </p:grpSpPr>
-      <p:sp>
-        <p:nvSpPr>
-          <p:cNvPr id="2" name="Title 1">
-            <a:extLst>
-              <a:ext uri="{FF2B5EF4-FFF2-40B4-BE49-F238E27FC236}">
-                <a16:creationId xmlns:a16="http://schemas.microsoft.com/office/drawing/2014/main" id="{967FA871-0E28-D543-A2DC-049CD4D12C8F}"/>
-              </a:ext>
-            </a:extLst>
-          </p:cNvPr>
-          <p:cNvSpPr>
-            <a:spLocks noGrp="1"/>
-          </p:cNvSpPr>
-          <p:nvPr>
-            <p:ph type="title"/>
-          </p:nvPr>
-        </p:nvSpPr>
-        <p:spPr/>
-        <p:txBody>
-          <a:bodyPr>
-            <a:normAutofit/>
-          </a:bodyPr>
-          <a:lstStyle/>
-          <a:p>
-            <a:r>
-              <a:rPr lang="en-US" sz="4000" dirty="0"/>
-              <a:t>Modeling the Problem: Texture</a:t>
-            </a:r>
-          </a:p>
-        </p:txBody>
-      </p:sp>
-      <p:sp>
-        <p:nvSpPr>
-          <p:cNvPr id="17" name="Content Placeholder 16">
-            <a:extLst>
-              <a:ext uri="{FF2B5EF4-FFF2-40B4-BE49-F238E27FC236}">
-                <a16:creationId xmlns:a16="http://schemas.microsoft.com/office/drawing/2014/main" id="{7243B406-F654-EF47-A7A8-F8B415F58B81}"/>
-              </a:ext>
-            </a:extLst>
-          </p:cNvPr>
-          <p:cNvSpPr>
-            <a:spLocks noGrp="1"/>
-          </p:cNvSpPr>
-          <p:nvPr>
-            <p:ph idx="1"/>
-          </p:nvPr>
-        </p:nvSpPr>
-        <p:spPr>
-          <a:xfrm>
-            <a:off x="838200" y="1825626"/>
-            <a:ext cx="10515600" cy="4732354"/>
-          </a:xfrm>
-        </p:spPr>
-        <p:txBody>
-          <a:bodyPr>
-            <a:normAutofit fontScale="77500" lnSpcReduction="20000"/>
-          </a:bodyPr>
-          <a:lstStyle/>
-          <a:p>
-            <a:pPr marL="0" indent="0">
-              <a:buNone/>
-            </a:pPr>
-            <a:r>
-              <a:rPr lang="en-US" dirty="0"/>
-              <a:t>Two types of users: developers and end users</a:t>
-            </a:r>
-          </a:p>
-          <a:p>
-            <a:pPr marL="0" indent="0">
-              <a:buNone/>
-            </a:pPr>
-            <a:endParaRPr lang="en-US" dirty="0"/>
-          </a:p>
-          <a:p>
-            <a:pPr marL="0" indent="0">
-              <a:buNone/>
-            </a:pPr>
-            <a:r>
-              <a:rPr lang="en-US" dirty="0"/>
-              <a:t>Data model</a:t>
-            </a:r>
-          </a:p>
-          <a:p>
-            <a:r>
-              <a:rPr lang="en-US" dirty="0"/>
-              <a:t>Typed bounding boxes (paragraph box, title box, </a:t>
-            </a:r>
-            <a:r>
-              <a:rPr lang="en-US" dirty="0" err="1"/>
-              <a:t>etc</a:t>
-            </a:r>
-            <a:r>
-              <a:rPr lang="en-US" dirty="0"/>
-              <a:t>)</a:t>
-            </a:r>
-          </a:p>
-          <a:p>
-            <a:r>
-              <a:rPr lang="en-US" dirty="0"/>
-              <a:t>Boxes contain text, annotated with labels (font, </a:t>
-            </a:r>
-            <a:r>
-              <a:rPr lang="en-US" dirty="0" err="1"/>
-              <a:t>etc</a:t>
-            </a:r>
-            <a:r>
-              <a:rPr lang="en-US" dirty="0"/>
-              <a:t>)</a:t>
-            </a:r>
-          </a:p>
-          <a:p>
-            <a:r>
-              <a:rPr lang="en-US" dirty="0"/>
-              <a:t>Hierarchy based on box containment</a:t>
-            </a:r>
-          </a:p>
-          <a:p>
-            <a:pPr marL="0" indent="0">
-              <a:buNone/>
-            </a:pPr>
-            <a:endParaRPr lang="en-US" dirty="0"/>
-          </a:p>
-          <a:p>
-            <a:pPr marL="0" indent="0">
-              <a:buNone/>
-            </a:pPr>
-            <a:r>
-              <a:rPr lang="en-US" dirty="0"/>
-              <a:t>Developer Interaction</a:t>
-            </a:r>
-          </a:p>
-          <a:p>
-            <a:r>
-              <a:rPr lang="en-US" dirty="0"/>
-              <a:t>Write bounding boxes detectors and labelers in Java</a:t>
-            </a:r>
-          </a:p>
-          <a:p>
-            <a:r>
-              <a:rPr lang="en-US" dirty="0"/>
-              <a:t>Heuristics populate the “database”</a:t>
-            </a:r>
-          </a:p>
-          <a:p>
-            <a:pPr marL="0" indent="0">
-              <a:buNone/>
-            </a:pPr>
-            <a:endParaRPr lang="en-US" dirty="0"/>
-          </a:p>
-          <a:p>
-            <a:pPr marL="0" indent="0">
-              <a:buNone/>
-            </a:pPr>
-            <a:r>
-              <a:rPr lang="en-US" dirty="0"/>
-              <a:t>User Interaction</a:t>
-            </a:r>
-          </a:p>
-          <a:p>
-            <a:r>
-              <a:rPr lang="en-US" dirty="0"/>
-              <a:t>Write extraction “queries” over boxes</a:t>
-            </a:r>
-          </a:p>
-        </p:txBody>
-      </p:sp>
-      <p:grpSp>
-        <p:nvGrpSpPr>
-          <p:cNvPr id="15" name="Group 14">
-            <a:extLst>
-              <a:ext uri="{FF2B5EF4-FFF2-40B4-BE49-F238E27FC236}">
-                <a16:creationId xmlns:a16="http://schemas.microsoft.com/office/drawing/2014/main" id="{9B409A61-43FC-704D-9970-0088D626AEAA}"/>
-              </a:ext>
-            </a:extLst>
-          </p:cNvPr>
-          <p:cNvGrpSpPr/>
-          <p:nvPr/>
-        </p:nvGrpSpPr>
-        <p:grpSpPr>
-          <a:xfrm>
-            <a:off x="9835486" y="511643"/>
-            <a:ext cx="1638526" cy="1472604"/>
-            <a:chOff x="871231" y="2013095"/>
-            <a:chExt cx="2065649" cy="1856473"/>
-          </a:xfrm>
-        </p:grpSpPr>
-        <p:pic>
-          <p:nvPicPr>
-            <p:cNvPr id="6" name="Picture 5">
-              <a:extLst>
-                <a:ext uri="{FF2B5EF4-FFF2-40B4-BE49-F238E27FC236}">
-                  <a16:creationId xmlns:a16="http://schemas.microsoft.com/office/drawing/2014/main" id="{A8C03813-D0E2-8C44-BBCD-0F0E290E9888}"/>
-                </a:ext>
-              </a:extLst>
-            </p:cNvPr>
-            <p:cNvPicPr>
-              <a:picLocks noChangeAspect="1"/>
-            </p:cNvPicPr>
-            <p:nvPr/>
-          </p:nvPicPr>
-          <p:blipFill rotWithShape="1">
-            <a:blip r:embed="rId2"/>
-            <a:srcRect l="1078" t="1410" r="27053" b="49290"/>
-            <a:stretch/>
-          </p:blipFill>
-          <p:spPr>
-            <a:xfrm>
-              <a:off x="1045033" y="2709511"/>
-              <a:ext cx="1718047" cy="1160057"/>
-            </a:xfrm>
-            <a:prstGeom prst="rect">
-              <a:avLst/>
-            </a:prstGeom>
-          </p:spPr>
-        </p:pic>
-        <p:sp>
-          <p:nvSpPr>
-            <p:cNvPr id="9" name="TextBox 8">
-              <a:extLst>
-                <a:ext uri="{FF2B5EF4-FFF2-40B4-BE49-F238E27FC236}">
-                  <a16:creationId xmlns:a16="http://schemas.microsoft.com/office/drawing/2014/main" id="{BB1CE9B1-5555-8044-AE46-B3AF6880735C}"/>
-                </a:ext>
-              </a:extLst>
-            </p:cNvPr>
-            <p:cNvSpPr txBox="1"/>
-            <p:nvPr/>
-          </p:nvSpPr>
-          <p:spPr>
-            <a:xfrm>
-              <a:off x="871231" y="2013095"/>
-              <a:ext cx="2065649" cy="659608"/>
-            </a:xfrm>
-            <a:prstGeom prst="rect">
-              <a:avLst/>
-            </a:prstGeom>
-            <a:noFill/>
-          </p:spPr>
-          <p:txBody>
-            <a:bodyPr wrap="none" rtlCol="0">
-              <a:spAutoFit/>
-            </a:bodyPr>
-            <a:lstStyle/>
-            <a:p>
-              <a:pPr algn="ctr"/>
-              <a:r>
-                <a:rPr lang="en-US" sz="2800" dirty="0">
-                  <a:latin typeface="Arial" panose="020B0604020202020204" pitchFamily="34" charset="0"/>
-                  <a:cs typeface="Arial" panose="020B0604020202020204" pitchFamily="34" charset="0"/>
-                </a:rPr>
-                <a:t>Wrangler</a:t>
-              </a:r>
-            </a:p>
-          </p:txBody>
-        </p:sp>
-      </p:grpSp>
-      <p:grpSp>
-        <p:nvGrpSpPr>
-          <p:cNvPr id="14" name="Group 13">
-            <a:extLst>
-              <a:ext uri="{FF2B5EF4-FFF2-40B4-BE49-F238E27FC236}">
-                <a16:creationId xmlns:a16="http://schemas.microsoft.com/office/drawing/2014/main" id="{0A052893-F963-1A46-AC92-33BD37AE4ED4}"/>
-              </a:ext>
-            </a:extLst>
-          </p:cNvPr>
-          <p:cNvGrpSpPr/>
-          <p:nvPr/>
-        </p:nvGrpSpPr>
-        <p:grpSpPr>
-          <a:xfrm>
-            <a:off x="9757221" y="2564956"/>
-            <a:ext cx="1795057" cy="1661629"/>
-            <a:chOff x="4725939" y="2049123"/>
-            <a:chExt cx="2262985" cy="2094771"/>
-          </a:xfrm>
-        </p:grpSpPr>
-        <p:pic>
-          <p:nvPicPr>
-            <p:cNvPr id="4" name="Picture 3">
-              <a:extLst>
-                <a:ext uri="{FF2B5EF4-FFF2-40B4-BE49-F238E27FC236}">
-                  <a16:creationId xmlns:a16="http://schemas.microsoft.com/office/drawing/2014/main" id="{FC04ECD9-CD9D-3245-8A90-88C4D6128D52}"/>
-                </a:ext>
-              </a:extLst>
-            </p:cNvPr>
-            <p:cNvPicPr>
-              <a:picLocks noChangeAspect="1"/>
-            </p:cNvPicPr>
-            <p:nvPr/>
-          </p:nvPicPr>
-          <p:blipFill rotWithShape="1">
-            <a:blip r:embed="rId3"/>
-            <a:srcRect l="13501" r="14008" b="37058"/>
-            <a:stretch/>
-          </p:blipFill>
-          <p:spPr>
-            <a:xfrm>
-              <a:off x="4725939" y="2664197"/>
-              <a:ext cx="2262985" cy="1479697"/>
-            </a:xfrm>
-            <a:prstGeom prst="rect">
-              <a:avLst/>
-            </a:prstGeom>
-          </p:spPr>
-        </p:pic>
-        <p:sp>
-          <p:nvSpPr>
-            <p:cNvPr id="10" name="TextBox 9">
-              <a:extLst>
-                <a:ext uri="{FF2B5EF4-FFF2-40B4-BE49-F238E27FC236}">
-                  <a16:creationId xmlns:a16="http://schemas.microsoft.com/office/drawing/2014/main" id="{8CDD9BFE-EBDE-7F49-A24A-2E9202484386}"/>
-                </a:ext>
-              </a:extLst>
-            </p:cNvPr>
-            <p:cNvSpPr txBox="1"/>
-            <p:nvPr/>
-          </p:nvSpPr>
-          <p:spPr>
-            <a:xfrm>
-              <a:off x="4997187" y="2049123"/>
-              <a:ext cx="1720486" cy="659610"/>
-            </a:xfrm>
-            <a:prstGeom prst="rect">
-              <a:avLst/>
-            </a:prstGeom>
-            <a:noFill/>
-          </p:spPr>
-          <p:txBody>
-            <a:bodyPr wrap="none" rtlCol="0">
-              <a:spAutoFit/>
-            </a:bodyPr>
-            <a:lstStyle/>
-            <a:p>
-              <a:pPr algn="ctr"/>
-              <a:r>
-                <a:rPr lang="en-US" sz="2800" dirty="0">
-                  <a:latin typeface="Arial" panose="020B0604020202020204" pitchFamily="34" charset="0"/>
-                  <a:cs typeface="Arial" panose="020B0604020202020204" pitchFamily="34" charset="0"/>
-                </a:rPr>
-                <a:t>Texture</a:t>
-              </a:r>
-            </a:p>
-          </p:txBody>
-        </p:sp>
-      </p:grpSp>
-      <p:grpSp>
-        <p:nvGrpSpPr>
-          <p:cNvPr id="13" name="Group 12">
-            <a:extLst>
-              <a:ext uri="{FF2B5EF4-FFF2-40B4-BE49-F238E27FC236}">
-                <a16:creationId xmlns:a16="http://schemas.microsoft.com/office/drawing/2014/main" id="{A2EA1F08-7836-4240-B67D-432625FE999F}"/>
-              </a:ext>
-            </a:extLst>
-          </p:cNvPr>
-          <p:cNvGrpSpPr/>
-          <p:nvPr/>
-        </p:nvGrpSpPr>
-        <p:grpSpPr>
-          <a:xfrm>
-            <a:off x="9782555" y="4807294"/>
-            <a:ext cx="1744388" cy="1750685"/>
-            <a:chOff x="9069479" y="2067134"/>
-            <a:chExt cx="2199107" cy="2207042"/>
-          </a:xfrm>
-        </p:grpSpPr>
-        <p:pic>
-          <p:nvPicPr>
-            <p:cNvPr id="5" name="Picture 4">
-              <a:extLst>
-                <a:ext uri="{FF2B5EF4-FFF2-40B4-BE49-F238E27FC236}">
-                  <a16:creationId xmlns:a16="http://schemas.microsoft.com/office/drawing/2014/main" id="{F329E73E-63BF-8049-BB0A-D95080944A80}"/>
-                </a:ext>
-              </a:extLst>
-            </p:cNvPr>
-            <p:cNvPicPr>
-              <a:picLocks noChangeAspect="1"/>
-            </p:cNvPicPr>
-            <p:nvPr/>
-          </p:nvPicPr>
-          <p:blipFill rotWithShape="1">
-            <a:blip r:embed="rId4"/>
-            <a:srcRect r="32825" b="31102"/>
-            <a:stretch/>
-          </p:blipFill>
-          <p:spPr>
-            <a:xfrm>
-              <a:off x="9206224" y="2673341"/>
-              <a:ext cx="1925616" cy="1600835"/>
-            </a:xfrm>
-            <a:prstGeom prst="rect">
-              <a:avLst/>
-            </a:prstGeom>
-          </p:spPr>
-        </p:pic>
-        <p:sp>
-          <p:nvSpPr>
-            <p:cNvPr id="11" name="TextBox 10">
-              <a:extLst>
-                <a:ext uri="{FF2B5EF4-FFF2-40B4-BE49-F238E27FC236}">
-                  <a16:creationId xmlns:a16="http://schemas.microsoft.com/office/drawing/2014/main" id="{A76C25E9-A96A-A049-B0EF-36999F4496A1}"/>
-                </a:ext>
-              </a:extLst>
-            </p:cNvPr>
-            <p:cNvSpPr txBox="1"/>
-            <p:nvPr/>
-          </p:nvSpPr>
-          <p:spPr>
-            <a:xfrm>
-              <a:off x="9069479" y="2067134"/>
-              <a:ext cx="2199107" cy="659609"/>
-            </a:xfrm>
-            <a:prstGeom prst="rect">
-              <a:avLst/>
-            </a:prstGeom>
-            <a:noFill/>
-          </p:spPr>
-          <p:txBody>
-            <a:bodyPr wrap="none" rtlCol="0">
-              <a:spAutoFit/>
-            </a:bodyPr>
-            <a:lstStyle/>
-            <a:p>
-              <a:pPr algn="ctr"/>
-              <a:r>
-                <a:rPr lang="en-US" sz="2800" dirty="0" err="1">
-                  <a:latin typeface="Arial" panose="020B0604020202020204" pitchFamily="34" charset="0"/>
-                  <a:cs typeface="Arial" panose="020B0604020202020204" pitchFamily="34" charset="0"/>
-                </a:rPr>
-                <a:t>Instabase</a:t>
-              </a:r>
-              <a:endParaRPr lang="en-US" sz="2800" dirty="0">
-                <a:latin typeface="Arial" panose="020B0604020202020204" pitchFamily="34" charset="0"/>
-                <a:cs typeface="Arial" panose="020B0604020202020204" pitchFamily="34" charset="0"/>
-              </a:endParaRPr>
-            </a:p>
-          </p:txBody>
-        </p:sp>
-      </p:grpSp>
-    </p:spTree>
-    <p:extLst>
-      <p:ext uri="{BB962C8B-B14F-4D97-AF65-F5344CB8AC3E}">
-        <p14:creationId xmlns:p14="http://schemas.microsoft.com/office/powerpoint/2010/main" val="1753818815"/>
-      </p:ext>
-    </p:extLst>
-  </p:cSld>
-  <p:clrMapOvr>
-    <a:masterClrMapping/>
-  </p:clrMapOvr>
-  <p:timing>
-    <p:tnLst>
-      <p:par>
-        <p:cTn id="1" dur="indefinite" restart="never" nodeType="tmRoot">
-          <p:childTnLst>
-            <p:seq concurrent="1" nextAc="seek">
-              <p:cTn id="2" dur="indefinite" nodeType="mainSeq">
-                <p:childTnLst>
-                  <p:par>
-                    <p:cTn id="3" fill="hold">
-                      <p:stCondLst>
-                        <p:cond delay="indefinite"/>
-                      </p:stCondLst>
-                      <p:childTnLst>
-                        <p:par>
-                          <p:cTn id="4" fill="hold">
-                            <p:stCondLst>
-                              <p:cond delay="0"/>
-                            </p:stCondLst>
-                            <p:childTnLst>
-                              <p:par>
-                                <p:cTn id="5" presetID="1" presetClass="entr" presetSubtype="0" fill="hold" nodeType="clickEffect">
-                                  <p:stCondLst>
-                                    <p:cond delay="0"/>
-                                  </p:stCondLst>
-                                  <p:childTnLst>
-                                    <p:set>
-                                      <p:cBhvr>
-                                        <p:cTn id="6" dur="1" fill="hold">
-                                          <p:stCondLst>
-                                            <p:cond delay="0"/>
-                                          </p:stCondLst>
-                                        </p:cTn>
-                                        <p:tgtEl>
-                                          <p:spTgt spid="17">
-                                            <p:txEl>
-                                              <p:pRg st="3" end="3"/>
-                                            </p:txEl>
-                                          </p:spTgt>
-                                        </p:tgtEl>
-                                        <p:attrNameLst>
-                                          <p:attrName>style.visibility</p:attrName>
-                                        </p:attrNameLst>
-                                      </p:cBhvr>
-                                      <p:to>
-                                        <p:strVal val="visible"/>
-                                      </p:to>
-                                    </p:set>
-                                  </p:childTnLst>
-                                </p:cTn>
-                              </p:par>
-                              <p:par>
-                                <p:cTn id="7" presetID="1" presetClass="entr" presetSubtype="0" fill="hold" nodeType="withEffect">
-                                  <p:stCondLst>
-                                    <p:cond delay="0"/>
-                                  </p:stCondLst>
-                                  <p:childTnLst>
-                                    <p:set>
-                                      <p:cBhvr>
-                                        <p:cTn id="8" dur="1" fill="hold">
-                                          <p:stCondLst>
-                                            <p:cond delay="0"/>
-                                          </p:stCondLst>
-                                        </p:cTn>
-                                        <p:tgtEl>
-                                          <p:spTgt spid="17">
-                                            <p:txEl>
-                                              <p:pRg st="4" end="4"/>
-                                            </p:txEl>
-                                          </p:spTgt>
-                                        </p:tgtEl>
-                                        <p:attrNameLst>
-                                          <p:attrName>style.visibility</p:attrName>
-                                        </p:attrNameLst>
-                                      </p:cBhvr>
-                                      <p:to>
-                                        <p:strVal val="visible"/>
-                                      </p:to>
-                                    </p:set>
-                                  </p:childTnLst>
-                                </p:cTn>
-                              </p:par>
-                              <p:par>
-                                <p:cTn id="9" presetID="1" presetClass="entr" presetSubtype="0" fill="hold" nodeType="withEffect">
-                                  <p:stCondLst>
-                                    <p:cond delay="0"/>
-                                  </p:stCondLst>
-                                  <p:childTnLst>
-                                    <p:set>
-                                      <p:cBhvr>
-                                        <p:cTn id="10" dur="1" fill="hold">
-                                          <p:stCondLst>
-                                            <p:cond delay="0"/>
-                                          </p:stCondLst>
-                                        </p:cTn>
-                                        <p:tgtEl>
-                                          <p:spTgt spid="17">
-                                            <p:txEl>
-                                              <p:pRg st="5" end="5"/>
-                                            </p:txEl>
-                                          </p:spTgt>
-                                        </p:tgtEl>
-                                        <p:attrNameLst>
-                                          <p:attrName>style.visibility</p:attrName>
-                                        </p:attrNameLst>
-                                      </p:cBhvr>
-                                      <p:to>
-                                        <p:strVal val="visible"/>
-                                      </p:to>
-                                    </p:set>
-                                  </p:childTnLst>
-                                </p:cTn>
-                              </p:par>
-                            </p:childTnLst>
-                          </p:cTn>
-                        </p:par>
-                      </p:childTnLst>
-                    </p:cTn>
-                  </p:par>
-                  <p:par>
-                    <p:cTn id="11" fill="hold">
-                      <p:stCondLst>
-                        <p:cond delay="indefinite"/>
-                      </p:stCondLst>
-                      <p:childTnLst>
-                        <p:par>
-                          <p:cTn id="12" fill="hold">
-                            <p:stCondLst>
-                              <p:cond delay="0"/>
-                            </p:stCondLst>
-                            <p:childTnLst>
-                              <p:par>
-                                <p:cTn id="13" presetID="1" presetClass="entr" presetSubtype="0" fill="hold" nodeType="clickEffect">
-                                  <p:stCondLst>
-                                    <p:cond delay="0"/>
-                                  </p:stCondLst>
-                                  <p:childTnLst>
-                                    <p:set>
-                                      <p:cBhvr>
-                                        <p:cTn id="14" dur="1" fill="hold">
-                                          <p:stCondLst>
-                                            <p:cond delay="0"/>
-                                          </p:stCondLst>
-                                        </p:cTn>
-                                        <p:tgtEl>
-                                          <p:spTgt spid="17">
-                                            <p:txEl>
-                                              <p:pRg st="8" end="8"/>
-                                            </p:txEl>
-                                          </p:spTgt>
-                                        </p:tgtEl>
-                                        <p:attrNameLst>
-                                          <p:attrName>style.visibility</p:attrName>
-                                        </p:attrNameLst>
-                                      </p:cBhvr>
-                                      <p:to>
-                                        <p:strVal val="visible"/>
-                                      </p:to>
-                                    </p:set>
-                                  </p:childTnLst>
-                                </p:cTn>
-                              </p:par>
-                              <p:par>
-                                <p:cTn id="15" presetID="1" presetClass="entr" presetSubtype="0" fill="hold" nodeType="withEffect">
-                                  <p:stCondLst>
-                                    <p:cond delay="0"/>
-                                  </p:stCondLst>
-                                  <p:childTnLst>
-                                    <p:set>
-                                      <p:cBhvr>
-                                        <p:cTn id="16" dur="1" fill="hold">
-                                          <p:stCondLst>
-                                            <p:cond delay="0"/>
-                                          </p:stCondLst>
-                                        </p:cTn>
-                                        <p:tgtEl>
-                                          <p:spTgt spid="17">
-                                            <p:txEl>
-                                              <p:pRg st="9" end="9"/>
-                                            </p:txEl>
-                                          </p:spTgt>
-                                        </p:tgtEl>
-                                        <p:attrNameLst>
-                                          <p:attrName>style.visibility</p:attrName>
-                                        </p:attrNameLst>
-                                      </p:cBhvr>
-                                      <p:to>
-                                        <p:strVal val="visible"/>
-                                      </p:to>
-                                    </p:set>
-                                  </p:childTnLst>
-                                </p:cTn>
-                              </p:par>
-                            </p:childTnLst>
-                          </p:cTn>
-                        </p:par>
-                      </p:childTnLst>
-                    </p:cTn>
-                  </p:par>
-                  <p:par>
-                    <p:cTn id="17" fill="hold">
-                      <p:stCondLst>
-                        <p:cond delay="indefinite"/>
-                      </p:stCondLst>
-                      <p:childTnLst>
-                        <p:par>
-                          <p:cTn id="18" fill="hold">
-                            <p:stCondLst>
-                              <p:cond delay="0"/>
-                            </p:stCondLst>
-                            <p:childTnLst>
-                              <p:par>
-                                <p:cTn id="19" presetID="1" presetClass="entr" presetSubtype="0" fill="hold" nodeType="clickEffect">
-                                  <p:stCondLst>
-                                    <p:cond delay="0"/>
-                                  </p:stCondLst>
-                                  <p:childTnLst>
-                                    <p:set>
-                                      <p:cBhvr>
-                                        <p:cTn id="20" dur="1" fill="hold">
-                                          <p:stCondLst>
-                                            <p:cond delay="0"/>
-                                          </p:stCondLst>
-                                        </p:cTn>
-                                        <p:tgtEl>
-                                          <p:spTgt spid="17">
-                                            <p:txEl>
-                                              <p:pRg st="12" end="12"/>
-                                            </p:txEl>
-                                          </p:spTgt>
-                                        </p:tgtEl>
-                                        <p:attrNameLst>
-                                          <p:attrName>style.visibility</p:attrName>
-                                        </p:attrNameLst>
-                                      </p:cBhvr>
-                                      <p:to>
-                                        <p:strVal val="visible"/>
-                                      </p:to>
-                                    </p:set>
-                                  </p:childTnLst>
-                                </p:cTn>
-                              </p:par>
-                            </p:childTnLst>
-                          </p:cTn>
-                        </p:par>
-                      </p:childTnLst>
-                    </p:cTn>
-                  </p:par>
-                </p:childTnLst>
-              </p:cTn>
-              <p:prevCondLst>
-                <p:cond evt="onPrev" delay="0">
-                  <p:tgtEl>
-                    <p:sldTgt/>
-                  </p:tgtEl>
-                </p:cond>
-              </p:prevCondLst>
-              <p:nextCondLst>
-                <p:cond evt="onNext" delay="0">
-                  <p:tgtEl>
-                    <p:sldTgt/>
-                  </p:tgtEl>
-                </p:cond>
-              </p:nextCondLst>
-            </p:seq>
-          </p:childTnLst>
-        </p:cTn>
-      </p:par>
-    </p:tnLst>
-  </p:timing>
-</p:sld>
-</file>
-
-<file path=ppt/slides/slide27.xml><?xml version="1.0" encoding="utf-8"?>
-<p:sld xmlns:a="http://schemas.openxmlformats.org/drawingml/2006/main" xmlns:r="http://schemas.openxmlformats.org/officeDocument/2006/relationships" xmlns:p="http://schemas.openxmlformats.org/presentationml/2006/main">
-  <p:cSld>
-    <p:spTree>
-      <p:nvGrpSpPr>
-        <p:cNvPr id="1" name=""/>
-        <p:cNvGrpSpPr/>
-        <p:nvPr/>
-      </p:nvGrpSpPr>
-      <p:grpSpPr>
-        <a:xfrm>
-          <a:off x="0" y="0"/>
-          <a:ext cx="0" cy="0"/>
-          <a:chOff x="0" y="0"/>
-          <a:chExt cx="0" cy="0"/>
-        </a:xfrm>
-      </p:grpSpPr>
-      <p:sp>
-        <p:nvSpPr>
-          <p:cNvPr id="2" name="Title 1">
-            <a:extLst>
-              <a:ext uri="{FF2B5EF4-FFF2-40B4-BE49-F238E27FC236}">
-                <a16:creationId xmlns:a16="http://schemas.microsoft.com/office/drawing/2014/main" id="{967FA871-0E28-D543-A2DC-049CD4D12C8F}"/>
-              </a:ext>
-            </a:extLst>
-          </p:cNvPr>
-          <p:cNvSpPr>
-            <a:spLocks noGrp="1"/>
-          </p:cNvSpPr>
-          <p:nvPr>
-            <p:ph type="title"/>
-          </p:nvPr>
-        </p:nvSpPr>
-        <p:spPr/>
-        <p:txBody>
-          <a:bodyPr>
-            <a:normAutofit/>
-          </a:bodyPr>
-          <a:lstStyle/>
-          <a:p>
-            <a:r>
-              <a:rPr lang="en-US" sz="4000" dirty="0"/>
-              <a:t>Modeling the Problem: </a:t>
-            </a:r>
-            <a:r>
-              <a:rPr lang="en-US" sz="4000" dirty="0" err="1"/>
-              <a:t>Instabase</a:t>
-            </a:r>
-            <a:endParaRPr lang="en-US" sz="4000" dirty="0"/>
-          </a:p>
-        </p:txBody>
-      </p:sp>
-      <p:sp>
-        <p:nvSpPr>
-          <p:cNvPr id="17" name="Content Placeholder 16">
-            <a:extLst>
-              <a:ext uri="{FF2B5EF4-FFF2-40B4-BE49-F238E27FC236}">
-                <a16:creationId xmlns:a16="http://schemas.microsoft.com/office/drawing/2014/main" id="{7243B406-F654-EF47-A7A8-F8B415F58B81}"/>
-              </a:ext>
-            </a:extLst>
-          </p:cNvPr>
-          <p:cNvSpPr>
-            <a:spLocks noGrp="1"/>
-          </p:cNvSpPr>
-          <p:nvPr>
-            <p:ph idx="1"/>
-          </p:nvPr>
-        </p:nvSpPr>
-        <p:spPr>
-          <a:xfrm>
-            <a:off x="838200" y="1825626"/>
-            <a:ext cx="8810551" cy="4732354"/>
-          </a:xfrm>
-        </p:spPr>
-        <p:txBody>
-          <a:bodyPr>
-            <a:normAutofit fontScale="92500" lnSpcReduction="20000"/>
-          </a:bodyPr>
-          <a:lstStyle/>
-          <a:p>
-            <a:pPr marL="0" indent="0">
-              <a:buNone/>
-            </a:pPr>
-            <a:r>
-              <a:rPr lang="en-US" dirty="0"/>
-              <a:t>Data model</a:t>
-            </a:r>
-          </a:p>
-          <a:p>
-            <a:r>
-              <a:rPr lang="en-US" dirty="0"/>
-              <a:t>Document image</a:t>
-            </a:r>
-          </a:p>
-          <a:p>
-            <a:r>
-              <a:rPr lang="en-US" dirty="0"/>
-              <a:t>Text of doc, w/ spacing to preserve spatial structure</a:t>
-            </a:r>
-          </a:p>
-          <a:p>
-            <a:pPr marL="0" indent="0">
-              <a:buNone/>
-            </a:pPr>
-            <a:endParaRPr lang="en-US" dirty="0"/>
-          </a:p>
-          <a:p>
-            <a:pPr marL="0" indent="0">
-              <a:buNone/>
-            </a:pPr>
-            <a:r>
-              <a:rPr lang="en-US" dirty="0"/>
-              <a:t>Language</a:t>
-            </a:r>
-          </a:p>
-          <a:p>
-            <a:r>
-              <a:rPr lang="en-US" dirty="0"/>
-              <a:t>Extraction relative to </a:t>
-            </a:r>
-            <a:r>
-              <a:rPr lang="en-US" i="1" dirty="0"/>
-              <a:t>anchors</a:t>
-            </a:r>
-            <a:endParaRPr lang="en-US" dirty="0"/>
-          </a:p>
-          <a:p>
-            <a:r>
-              <a:rPr lang="en-US" dirty="0"/>
-              <a:t>Assumes anchors are realistic due to doc structure</a:t>
-            </a:r>
-          </a:p>
-          <a:p>
-            <a:pPr marL="0" indent="0">
-              <a:buNone/>
-            </a:pPr>
-            <a:endParaRPr lang="en-US" dirty="0"/>
-          </a:p>
-          <a:p>
-            <a:pPr marL="0" indent="0">
-              <a:buNone/>
-            </a:pPr>
-            <a:r>
-              <a:rPr lang="en-US" dirty="0"/>
-              <a:t>User Interaction</a:t>
-            </a:r>
-          </a:p>
-          <a:p>
-            <a:r>
-              <a:rPr lang="en-US" dirty="0"/>
-              <a:t>Manually write functions</a:t>
-            </a:r>
-          </a:p>
-          <a:p>
-            <a:r>
-              <a:rPr lang="en-US" dirty="0"/>
-              <a:t>Shows extracted bounding boxes in doc &amp; text</a:t>
-            </a:r>
-          </a:p>
-        </p:txBody>
-      </p:sp>
-      <p:grpSp>
-        <p:nvGrpSpPr>
-          <p:cNvPr id="15" name="Group 14">
-            <a:extLst>
-              <a:ext uri="{FF2B5EF4-FFF2-40B4-BE49-F238E27FC236}">
-                <a16:creationId xmlns:a16="http://schemas.microsoft.com/office/drawing/2014/main" id="{9B409A61-43FC-704D-9970-0088D626AEAA}"/>
-              </a:ext>
-            </a:extLst>
-          </p:cNvPr>
-          <p:cNvGrpSpPr/>
-          <p:nvPr/>
-        </p:nvGrpSpPr>
-        <p:grpSpPr>
-          <a:xfrm>
-            <a:off x="9835486" y="511643"/>
-            <a:ext cx="1638526" cy="1472604"/>
-            <a:chOff x="871231" y="2013095"/>
-            <a:chExt cx="2065649" cy="1856473"/>
-          </a:xfrm>
-        </p:grpSpPr>
-        <p:pic>
-          <p:nvPicPr>
-            <p:cNvPr id="6" name="Picture 5">
-              <a:extLst>
-                <a:ext uri="{FF2B5EF4-FFF2-40B4-BE49-F238E27FC236}">
-                  <a16:creationId xmlns:a16="http://schemas.microsoft.com/office/drawing/2014/main" id="{A8C03813-D0E2-8C44-BBCD-0F0E290E9888}"/>
-                </a:ext>
-              </a:extLst>
-            </p:cNvPr>
-            <p:cNvPicPr>
-              <a:picLocks noChangeAspect="1"/>
-            </p:cNvPicPr>
-            <p:nvPr/>
-          </p:nvPicPr>
-          <p:blipFill rotWithShape="1">
-            <a:blip r:embed="rId2"/>
-            <a:srcRect l="1078" t="1410" r="27053" b="49290"/>
-            <a:stretch/>
-          </p:blipFill>
-          <p:spPr>
-            <a:xfrm>
-              <a:off x="1045033" y="2709511"/>
-              <a:ext cx="1718047" cy="1160057"/>
-            </a:xfrm>
-            <a:prstGeom prst="rect">
-              <a:avLst/>
-            </a:prstGeom>
-          </p:spPr>
-        </p:pic>
-        <p:sp>
-          <p:nvSpPr>
-            <p:cNvPr id="9" name="TextBox 8">
-              <a:extLst>
-                <a:ext uri="{FF2B5EF4-FFF2-40B4-BE49-F238E27FC236}">
-                  <a16:creationId xmlns:a16="http://schemas.microsoft.com/office/drawing/2014/main" id="{BB1CE9B1-5555-8044-AE46-B3AF6880735C}"/>
-                </a:ext>
-              </a:extLst>
-            </p:cNvPr>
-            <p:cNvSpPr txBox="1"/>
-            <p:nvPr/>
-          </p:nvSpPr>
-          <p:spPr>
-            <a:xfrm>
-              <a:off x="871231" y="2013095"/>
-              <a:ext cx="2065649" cy="659608"/>
-            </a:xfrm>
-            <a:prstGeom prst="rect">
-              <a:avLst/>
-            </a:prstGeom>
-            <a:noFill/>
-          </p:spPr>
-          <p:txBody>
-            <a:bodyPr wrap="none" rtlCol="0">
-              <a:spAutoFit/>
-            </a:bodyPr>
-            <a:lstStyle/>
-            <a:p>
-              <a:pPr algn="ctr"/>
-              <a:r>
-                <a:rPr lang="en-US" sz="2800" dirty="0">
-                  <a:latin typeface="Arial" panose="020B0604020202020204" pitchFamily="34" charset="0"/>
-                  <a:cs typeface="Arial" panose="020B0604020202020204" pitchFamily="34" charset="0"/>
-                </a:rPr>
-                <a:t>Wrangler</a:t>
-              </a:r>
-            </a:p>
-          </p:txBody>
-        </p:sp>
-      </p:grpSp>
-      <p:grpSp>
-        <p:nvGrpSpPr>
-          <p:cNvPr id="14" name="Group 13">
-            <a:extLst>
-              <a:ext uri="{FF2B5EF4-FFF2-40B4-BE49-F238E27FC236}">
-                <a16:creationId xmlns:a16="http://schemas.microsoft.com/office/drawing/2014/main" id="{0A052893-F963-1A46-AC92-33BD37AE4ED4}"/>
-              </a:ext>
-            </a:extLst>
-          </p:cNvPr>
-          <p:cNvGrpSpPr/>
-          <p:nvPr/>
-        </p:nvGrpSpPr>
-        <p:grpSpPr>
-          <a:xfrm>
-            <a:off x="9757221" y="2564956"/>
-            <a:ext cx="1795057" cy="1661629"/>
-            <a:chOff x="4725939" y="2049123"/>
-            <a:chExt cx="2262985" cy="2094771"/>
-          </a:xfrm>
-        </p:grpSpPr>
-        <p:pic>
-          <p:nvPicPr>
-            <p:cNvPr id="4" name="Picture 3">
-              <a:extLst>
-                <a:ext uri="{FF2B5EF4-FFF2-40B4-BE49-F238E27FC236}">
-                  <a16:creationId xmlns:a16="http://schemas.microsoft.com/office/drawing/2014/main" id="{FC04ECD9-CD9D-3245-8A90-88C4D6128D52}"/>
-                </a:ext>
-              </a:extLst>
-            </p:cNvPr>
-            <p:cNvPicPr>
-              <a:picLocks noChangeAspect="1"/>
-            </p:cNvPicPr>
-            <p:nvPr/>
-          </p:nvPicPr>
-          <p:blipFill rotWithShape="1">
-            <a:blip r:embed="rId3"/>
-            <a:srcRect l="13501" r="14008" b="37058"/>
-            <a:stretch/>
-          </p:blipFill>
-          <p:spPr>
-            <a:xfrm>
-              <a:off x="4725939" y="2664197"/>
-              <a:ext cx="2262985" cy="1479697"/>
-            </a:xfrm>
-            <a:prstGeom prst="rect">
-              <a:avLst/>
-            </a:prstGeom>
-          </p:spPr>
-        </p:pic>
-        <p:sp>
-          <p:nvSpPr>
-            <p:cNvPr id="10" name="TextBox 9">
-              <a:extLst>
-                <a:ext uri="{FF2B5EF4-FFF2-40B4-BE49-F238E27FC236}">
-                  <a16:creationId xmlns:a16="http://schemas.microsoft.com/office/drawing/2014/main" id="{8CDD9BFE-EBDE-7F49-A24A-2E9202484386}"/>
-                </a:ext>
-              </a:extLst>
-            </p:cNvPr>
-            <p:cNvSpPr txBox="1"/>
-            <p:nvPr/>
-          </p:nvSpPr>
-          <p:spPr>
-            <a:xfrm>
-              <a:off x="4997187" y="2049123"/>
-              <a:ext cx="1720486" cy="659610"/>
-            </a:xfrm>
-            <a:prstGeom prst="rect">
-              <a:avLst/>
-            </a:prstGeom>
-            <a:noFill/>
-          </p:spPr>
-          <p:txBody>
-            <a:bodyPr wrap="none" rtlCol="0">
-              <a:spAutoFit/>
-            </a:bodyPr>
-            <a:lstStyle/>
-            <a:p>
-              <a:pPr algn="ctr"/>
-              <a:r>
-                <a:rPr lang="en-US" sz="2800" dirty="0">
-                  <a:latin typeface="Arial" panose="020B0604020202020204" pitchFamily="34" charset="0"/>
-                  <a:cs typeface="Arial" panose="020B0604020202020204" pitchFamily="34" charset="0"/>
-                </a:rPr>
-                <a:t>Texture</a:t>
-              </a:r>
-            </a:p>
-          </p:txBody>
-        </p:sp>
-      </p:grpSp>
-      <p:grpSp>
-        <p:nvGrpSpPr>
-          <p:cNvPr id="13" name="Group 12">
-            <a:extLst>
-              <a:ext uri="{FF2B5EF4-FFF2-40B4-BE49-F238E27FC236}">
-                <a16:creationId xmlns:a16="http://schemas.microsoft.com/office/drawing/2014/main" id="{A2EA1F08-7836-4240-B67D-432625FE999F}"/>
-              </a:ext>
-            </a:extLst>
-          </p:cNvPr>
-          <p:cNvGrpSpPr/>
-          <p:nvPr/>
-        </p:nvGrpSpPr>
-        <p:grpSpPr>
-          <a:xfrm>
-            <a:off x="9782555" y="4807294"/>
-            <a:ext cx="1744388" cy="1750685"/>
-            <a:chOff x="9069479" y="2067134"/>
-            <a:chExt cx="2199107" cy="2207042"/>
-          </a:xfrm>
-        </p:grpSpPr>
-        <p:pic>
-          <p:nvPicPr>
-            <p:cNvPr id="5" name="Picture 4">
-              <a:extLst>
-                <a:ext uri="{FF2B5EF4-FFF2-40B4-BE49-F238E27FC236}">
-                  <a16:creationId xmlns:a16="http://schemas.microsoft.com/office/drawing/2014/main" id="{F329E73E-63BF-8049-BB0A-D95080944A80}"/>
-                </a:ext>
-              </a:extLst>
-            </p:cNvPr>
-            <p:cNvPicPr>
-              <a:picLocks noChangeAspect="1"/>
-            </p:cNvPicPr>
-            <p:nvPr/>
-          </p:nvPicPr>
-          <p:blipFill rotWithShape="1">
-            <a:blip r:embed="rId4"/>
-            <a:srcRect r="32825" b="31102"/>
-            <a:stretch/>
-          </p:blipFill>
-          <p:spPr>
-            <a:xfrm>
-              <a:off x="9206224" y="2673341"/>
-              <a:ext cx="1925616" cy="1600835"/>
-            </a:xfrm>
-            <a:prstGeom prst="rect">
-              <a:avLst/>
-            </a:prstGeom>
-          </p:spPr>
-        </p:pic>
-        <p:sp>
-          <p:nvSpPr>
-            <p:cNvPr id="11" name="TextBox 10">
-              <a:extLst>
-                <a:ext uri="{FF2B5EF4-FFF2-40B4-BE49-F238E27FC236}">
-                  <a16:creationId xmlns:a16="http://schemas.microsoft.com/office/drawing/2014/main" id="{A76C25E9-A96A-A049-B0EF-36999F4496A1}"/>
-                </a:ext>
-              </a:extLst>
-            </p:cNvPr>
-            <p:cNvSpPr txBox="1"/>
-            <p:nvPr/>
-          </p:nvSpPr>
-          <p:spPr>
-            <a:xfrm>
-              <a:off x="9069479" y="2067134"/>
-              <a:ext cx="2199107" cy="659609"/>
-            </a:xfrm>
-            <a:prstGeom prst="rect">
-              <a:avLst/>
-            </a:prstGeom>
-            <a:noFill/>
-          </p:spPr>
-          <p:txBody>
-            <a:bodyPr wrap="none" rtlCol="0">
-              <a:spAutoFit/>
-            </a:bodyPr>
-            <a:lstStyle/>
-            <a:p>
-              <a:pPr algn="ctr"/>
-              <a:r>
-                <a:rPr lang="en-US" sz="2800" dirty="0" err="1">
-                  <a:latin typeface="Arial" panose="020B0604020202020204" pitchFamily="34" charset="0"/>
-                  <a:cs typeface="Arial" panose="020B0604020202020204" pitchFamily="34" charset="0"/>
-                </a:rPr>
-                <a:t>Instabase</a:t>
-              </a:r>
-              <a:endParaRPr lang="en-US" sz="2800" dirty="0">
-                <a:latin typeface="Arial" panose="020B0604020202020204" pitchFamily="34" charset="0"/>
-                <a:cs typeface="Arial" panose="020B0604020202020204" pitchFamily="34" charset="0"/>
-              </a:endParaRPr>
-            </a:p>
-          </p:txBody>
-        </p:sp>
-      </p:grpSp>
-    </p:spTree>
-    <p:extLst>
-      <p:ext uri="{BB962C8B-B14F-4D97-AF65-F5344CB8AC3E}">
-        <p14:creationId xmlns:p14="http://schemas.microsoft.com/office/powerpoint/2010/main" val="4038729235"/>
-      </p:ext>
-    </p:extLst>
-  </p:cSld>
-  <p:clrMapOvr>
-    <a:masterClrMapping/>
-  </p:clrMapOvr>
-  <p:timing>
-    <p:tnLst>
-      <p:par>
-        <p:cTn id="1" dur="indefinite" restart="never" nodeType="tmRoot">
-          <p:childTnLst>
-            <p:seq concurrent="1" nextAc="seek">
-              <p:cTn id="2" dur="indefinite" nodeType="mainSeq">
-                <p:childTnLst>
-                  <p:par>
-                    <p:cTn id="3" fill="hold">
-                      <p:stCondLst>
-                        <p:cond delay="indefinite"/>
-                      </p:stCondLst>
-                      <p:childTnLst>
-                        <p:par>
-                          <p:cTn id="4" fill="hold">
-                            <p:stCondLst>
-                              <p:cond delay="0"/>
-                            </p:stCondLst>
-                            <p:childTnLst>
-                              <p:par>
-                                <p:cTn id="5" presetID="1" presetClass="entr" presetSubtype="0" fill="hold" nodeType="clickEffect">
-                                  <p:stCondLst>
-                                    <p:cond delay="0"/>
-                                  </p:stCondLst>
-                                  <p:childTnLst>
-                                    <p:set>
-                                      <p:cBhvr>
-                                        <p:cTn id="6" dur="1" fill="hold">
-                                          <p:stCondLst>
-                                            <p:cond delay="0"/>
-                                          </p:stCondLst>
-                                        </p:cTn>
-                                        <p:tgtEl>
-                                          <p:spTgt spid="17">
-                                            <p:txEl>
-                                              <p:pRg st="1" end="1"/>
-                                            </p:txEl>
-                                          </p:spTgt>
-                                        </p:tgtEl>
-                                        <p:attrNameLst>
-                                          <p:attrName>style.visibility</p:attrName>
-                                        </p:attrNameLst>
-                                      </p:cBhvr>
-                                      <p:to>
-                                        <p:strVal val="visible"/>
-                                      </p:to>
-                                    </p:set>
-                                  </p:childTnLst>
-                                </p:cTn>
-                              </p:par>
-                              <p:par>
-                                <p:cTn id="7" presetID="1" presetClass="entr" presetSubtype="0" fill="hold" nodeType="withEffect">
-                                  <p:stCondLst>
-                                    <p:cond delay="0"/>
-                                  </p:stCondLst>
-                                  <p:childTnLst>
-                                    <p:set>
-                                      <p:cBhvr>
-                                        <p:cTn id="8" dur="1" fill="hold">
-                                          <p:stCondLst>
-                                            <p:cond delay="0"/>
-                                          </p:stCondLst>
-                                        </p:cTn>
-                                        <p:tgtEl>
-                                          <p:spTgt spid="17">
-                                            <p:txEl>
-                                              <p:pRg st="2" end="2"/>
-                                            </p:txEl>
-                                          </p:spTgt>
-                                        </p:tgtEl>
-                                        <p:attrNameLst>
-                                          <p:attrName>style.visibility</p:attrName>
-                                        </p:attrNameLst>
-                                      </p:cBhvr>
-                                      <p:to>
-                                        <p:strVal val="visible"/>
-                                      </p:to>
-                                    </p:set>
-                                  </p:childTnLst>
-                                </p:cTn>
-                              </p:par>
-                            </p:childTnLst>
-                          </p:cTn>
-                        </p:par>
-                      </p:childTnLst>
-                    </p:cTn>
-                  </p:par>
-                  <p:par>
-                    <p:cTn id="9" fill="hold">
-                      <p:stCondLst>
-                        <p:cond delay="indefinite"/>
-                      </p:stCondLst>
-                      <p:childTnLst>
-                        <p:par>
-                          <p:cTn id="10" fill="hold">
-                            <p:stCondLst>
-                              <p:cond delay="0"/>
-                            </p:stCondLst>
-                            <p:childTnLst>
-                              <p:par>
-                                <p:cTn id="11" presetID="1" presetClass="entr" presetSubtype="0" fill="hold" nodeType="clickEffect">
-                                  <p:stCondLst>
-                                    <p:cond delay="0"/>
-                                  </p:stCondLst>
-                                  <p:childTnLst>
-                                    <p:set>
-                                      <p:cBhvr>
-                                        <p:cTn id="12" dur="1" fill="hold">
-                                          <p:stCondLst>
-                                            <p:cond delay="0"/>
-                                          </p:stCondLst>
-                                        </p:cTn>
-                                        <p:tgtEl>
-                                          <p:spTgt spid="17">
-                                            <p:txEl>
-                                              <p:pRg st="5" end="5"/>
-                                            </p:txEl>
-                                          </p:spTgt>
-                                        </p:tgtEl>
-                                        <p:attrNameLst>
-                                          <p:attrName>style.visibility</p:attrName>
-                                        </p:attrNameLst>
-                                      </p:cBhvr>
-                                      <p:to>
-                                        <p:strVal val="visible"/>
-                                      </p:to>
-                                    </p:set>
-                                  </p:childTnLst>
-                                </p:cTn>
-                              </p:par>
-                              <p:par>
-                                <p:cTn id="13" presetID="1" presetClass="entr" presetSubtype="0" fill="hold" nodeType="withEffect">
-                                  <p:stCondLst>
-                                    <p:cond delay="0"/>
-                                  </p:stCondLst>
-                                  <p:childTnLst>
-                                    <p:set>
-                                      <p:cBhvr>
-                                        <p:cTn id="14" dur="1" fill="hold">
-                                          <p:stCondLst>
-                                            <p:cond delay="0"/>
-                                          </p:stCondLst>
-                                        </p:cTn>
-                                        <p:tgtEl>
-                                          <p:spTgt spid="17">
-                                            <p:txEl>
-                                              <p:pRg st="6" end="6"/>
-                                            </p:txEl>
-                                          </p:spTgt>
-                                        </p:tgtEl>
-                                        <p:attrNameLst>
-                                          <p:attrName>style.visibility</p:attrName>
-                                        </p:attrNameLst>
-                                      </p:cBhvr>
-                                      <p:to>
-                                        <p:strVal val="visible"/>
-                                      </p:to>
-                                    </p:set>
-                                  </p:childTnLst>
-                                </p:cTn>
-                              </p:par>
-                            </p:childTnLst>
-                          </p:cTn>
-                        </p:par>
-                      </p:childTnLst>
-                    </p:cTn>
-                  </p:par>
-                  <p:par>
-                    <p:cTn id="15" fill="hold">
-                      <p:stCondLst>
-                        <p:cond delay="indefinite"/>
-                      </p:stCondLst>
-                      <p:childTnLst>
-                        <p:par>
-                          <p:cTn id="16" fill="hold">
-                            <p:stCondLst>
-                              <p:cond delay="0"/>
-                            </p:stCondLst>
-                            <p:childTnLst>
-                              <p:par>
-                                <p:cTn id="17" presetID="1" presetClass="entr" presetSubtype="0" fill="hold" nodeType="clickEffect">
-                                  <p:stCondLst>
-                                    <p:cond delay="0"/>
-                                  </p:stCondLst>
-                                  <p:childTnLst>
-                                    <p:set>
-                                      <p:cBhvr>
-                                        <p:cTn id="18" dur="1" fill="hold">
-                                          <p:stCondLst>
-                                            <p:cond delay="0"/>
-                                          </p:stCondLst>
-                                        </p:cTn>
-                                        <p:tgtEl>
-                                          <p:spTgt spid="17">
-                                            <p:txEl>
-                                              <p:pRg st="9" end="9"/>
-                                            </p:txEl>
-                                          </p:spTgt>
-                                        </p:tgtEl>
-                                        <p:attrNameLst>
-                                          <p:attrName>style.visibility</p:attrName>
-                                        </p:attrNameLst>
-                                      </p:cBhvr>
-                                      <p:to>
-                                        <p:strVal val="visible"/>
-                                      </p:to>
-                                    </p:set>
-                                  </p:childTnLst>
-                                </p:cTn>
-                              </p:par>
-                              <p:par>
-                                <p:cTn id="19" presetID="1" presetClass="entr" presetSubtype="0" fill="hold" nodeType="withEffect">
-                                  <p:stCondLst>
-                                    <p:cond delay="0"/>
-                                  </p:stCondLst>
-                                  <p:childTnLst>
-                                    <p:set>
-                                      <p:cBhvr>
-                                        <p:cTn id="20" dur="1" fill="hold">
-                                          <p:stCondLst>
-                                            <p:cond delay="0"/>
-                                          </p:stCondLst>
-                                        </p:cTn>
-                                        <p:tgtEl>
-                                          <p:spTgt spid="17">
-                                            <p:txEl>
-                                              <p:pRg st="10" end="10"/>
-                                            </p:txEl>
-                                          </p:spTgt>
-                                        </p:tgtEl>
-                                        <p:attrNameLst>
-                                          <p:attrName>style.visibility</p:attrName>
-                                        </p:attrNameLst>
-                                      </p:cBhvr>
-                                      <p:to>
-                                        <p:strVal val="visible"/>
-                                      </p:to>
-                                    </p:set>
-                                  </p:childTnLst>
-                                </p:cTn>
-                              </p:par>
-                            </p:childTnLst>
-                          </p:cTn>
-                        </p:par>
-                      </p:childTnLst>
-                    </p:cTn>
-                  </p:par>
-                </p:childTnLst>
-              </p:cTn>
-              <p:prevCondLst>
-                <p:cond evt="onPrev" delay="0">
-                  <p:tgtEl>
-                    <p:sldTgt/>
-                  </p:tgtEl>
-                </p:cond>
-              </p:prevCondLst>
-              <p:nextCondLst>
-                <p:cond evt="onNext" delay="0">
-                  <p:tgtEl>
-                    <p:sldTgt/>
-                  </p:tgtEl>
-                </p:cond>
-              </p:nextCondLst>
-            </p:seq>
-          </p:childTnLst>
-        </p:cTn>
-      </p:par>
-    </p:tnLst>
-  </p:timing>
-</p:sld>
-</file>
-
-<file path=ppt/slides/slide3.xml><?xml version="1.0" encoding="utf-8"?>
-<p:sld xmlns:a="http://schemas.openxmlformats.org/drawingml/2006/main" xmlns:r="http://schemas.openxmlformats.org/officeDocument/2006/relationships" xmlns:p="http://schemas.openxmlformats.org/presentationml/2006/main">
-  <p:cSld>
-    <p:spTree>
-      <p:nvGrpSpPr>
-        <p:cNvPr id="1" name=""/>
-        <p:cNvGrpSpPr/>
-        <p:nvPr/>
-      </p:nvGrpSpPr>
-      <p:grpSpPr>
-        <a:xfrm>
-          <a:off x="0" y="0"/>
-          <a:ext cx="0" cy="0"/>
-          <a:chOff x="0" y="0"/>
-          <a:chExt cx="0" cy="0"/>
-        </a:xfrm>
-      </p:grpSpPr>
-      <p:sp>
-        <p:nvSpPr>
-          <p:cNvPr id="2" name="Title 1">
-            <a:extLst>
-              <a:ext uri="{FF2B5EF4-FFF2-40B4-BE49-F238E27FC236}">
-                <a16:creationId xmlns:a16="http://schemas.microsoft.com/office/drawing/2014/main" id="{974EBE9F-0347-7345-A14B-375DB1733896}"/>
-              </a:ext>
-            </a:extLst>
-          </p:cNvPr>
-          <p:cNvSpPr>
-            <a:spLocks noGrp="1"/>
-          </p:cNvSpPr>
-          <p:nvPr>
-            <p:ph type="title"/>
-          </p:nvPr>
-        </p:nvSpPr>
-        <p:spPr/>
-        <p:txBody>
-          <a:bodyPr/>
-          <a:lstStyle/>
-          <a:p>
-            <a:r>
-              <a:rPr lang="en-US" dirty="0"/>
-              <a:t>Administrivia</a:t>
-            </a:r>
-          </a:p>
-        </p:txBody>
-      </p:sp>
-      <p:sp>
-        <p:nvSpPr>
-          <p:cNvPr id="3" name="Content Placeholder 2">
-            <a:extLst>
-              <a:ext uri="{FF2B5EF4-FFF2-40B4-BE49-F238E27FC236}">
-                <a16:creationId xmlns:a16="http://schemas.microsoft.com/office/drawing/2014/main" id="{680AE1EB-F04D-6444-BA6C-A52AA9772B1A}"/>
-              </a:ext>
-            </a:extLst>
-          </p:cNvPr>
-          <p:cNvSpPr>
-            <a:spLocks noGrp="1"/>
-          </p:cNvSpPr>
-          <p:nvPr>
-            <p:ph idx="1"/>
-          </p:nvPr>
-        </p:nvSpPr>
-        <p:spPr/>
-        <p:txBody>
-          <a:bodyPr/>
-          <a:lstStyle/>
-          <a:p>
-            <a:pPr marL="0" indent="0">
-              <a:buNone/>
-            </a:pPr>
-            <a:r>
-              <a:rPr lang="en-US" dirty="0"/>
-              <a:t>Check-ins</a:t>
-            </a:r>
-          </a:p>
-          <a:p>
-            <a:pPr marL="0" indent="0">
-              <a:buNone/>
-            </a:pPr>
-            <a:r>
-              <a:rPr lang="en-US" dirty="0"/>
-              <a:t>A3 due yesterday</a:t>
-            </a:r>
-          </a:p>
-          <a:p>
-            <a:pPr marL="0" indent="0">
-              <a:buNone/>
-            </a:pPr>
-            <a:r>
-              <a:rPr lang="en-US" dirty="0"/>
-              <a:t>A4 due Apr 6</a:t>
-            </a:r>
-            <a:r>
-              <a:rPr lang="en-US" baseline="30000" dirty="0"/>
-              <a:t>th</a:t>
-            </a:r>
-            <a:endParaRPr lang="en-US" dirty="0"/>
-          </a:p>
-          <a:p>
-            <a:pPr marL="0" indent="0">
-              <a:buNone/>
-            </a:pPr>
-            <a:r>
-              <a:rPr lang="en-US" dirty="0"/>
-              <a:t>Guest lecture next week</a:t>
-            </a:r>
-          </a:p>
-        </p:txBody>
-      </p:sp>
-    </p:spTree>
-    <p:extLst>
-      <p:ext uri="{BB962C8B-B14F-4D97-AF65-F5344CB8AC3E}">
-        <p14:creationId xmlns:p14="http://schemas.microsoft.com/office/powerpoint/2010/main" val="1345333758"/>
-      </p:ext>
-    </p:extLst>
-  </p:cSld>
-  <p:clrMapOvr>
-    <a:masterClrMapping/>
-  </p:clrMapOvr>
-</p:sld>
-</file>
-
 <file path=ppt/slides/slide4.xml><?xml version="1.0" encoding="utf-8"?>
-<p:sld xmlns:a="http://schemas.openxmlformats.org/drawingml/2006/main" xmlns:r="http://schemas.openxmlformats.org/officeDocument/2006/relationships" xmlns:p="http://schemas.openxmlformats.org/presentationml/2006/main">
-  <p:cSld>
-    <p:spTree>
-      <p:nvGrpSpPr>
-        <p:cNvPr id="1" name=""/>
-        <p:cNvGrpSpPr/>
-        <p:nvPr/>
-      </p:nvGrpSpPr>
-      <p:grpSpPr>
-        <a:xfrm>
-          <a:off x="0" y="0"/>
-          <a:ext cx="0" cy="0"/>
-          <a:chOff x="0" y="0"/>
-          <a:chExt cx="0" cy="0"/>
-        </a:xfrm>
-      </p:grpSpPr>
-      <p:sp>
-        <p:nvSpPr>
-          <p:cNvPr id="2" name="Title 1">
-            <a:extLst>
-              <a:ext uri="{FF2B5EF4-FFF2-40B4-BE49-F238E27FC236}">
-                <a16:creationId xmlns:a16="http://schemas.microsoft.com/office/drawing/2014/main" id="{967FA871-0E28-D543-A2DC-049CD4D12C8F}"/>
-              </a:ext>
-            </a:extLst>
-          </p:cNvPr>
-          <p:cNvSpPr>
-            <a:spLocks noGrp="1"/>
-          </p:cNvSpPr>
-          <p:nvPr>
-            <p:ph type="title"/>
-          </p:nvPr>
-        </p:nvSpPr>
-        <p:spPr/>
-        <p:txBody>
-          <a:bodyPr>
-            <a:normAutofit/>
-          </a:bodyPr>
-          <a:lstStyle/>
-          <a:p>
-            <a:pPr algn="ctr"/>
-            <a:r>
-              <a:rPr lang="en-US" sz="4000" dirty="0"/>
-              <a:t>Three separate systems!!</a:t>
-            </a:r>
-          </a:p>
-        </p:txBody>
-      </p:sp>
-      <p:pic>
-        <p:nvPicPr>
-          <p:cNvPr id="4" name="Picture 3">
-            <a:extLst>
-              <a:ext uri="{FF2B5EF4-FFF2-40B4-BE49-F238E27FC236}">
-                <a16:creationId xmlns:a16="http://schemas.microsoft.com/office/drawing/2014/main" id="{FC04ECD9-CD9D-3245-8A90-88C4D6128D52}"/>
-              </a:ext>
-            </a:extLst>
-          </p:cNvPr>
-          <p:cNvPicPr>
-            <a:picLocks noChangeAspect="1"/>
-          </p:cNvPicPr>
-          <p:nvPr/>
-        </p:nvPicPr>
-        <p:blipFill rotWithShape="1">
-          <a:blip r:embed="rId2"/>
-          <a:srcRect l="13501" r="14008"/>
-          <a:stretch/>
-        </p:blipFill>
-        <p:spPr>
-          <a:xfrm>
-            <a:off x="4584588" y="2664197"/>
-            <a:ext cx="3308512" cy="3437008"/>
-          </a:xfrm>
-          <a:prstGeom prst="rect">
-            <a:avLst/>
-          </a:prstGeom>
-        </p:spPr>
-      </p:pic>
-      <p:pic>
-        <p:nvPicPr>
-          <p:cNvPr id="5" name="Picture 4">
-            <a:extLst>
-              <a:ext uri="{FF2B5EF4-FFF2-40B4-BE49-F238E27FC236}">
-                <a16:creationId xmlns:a16="http://schemas.microsoft.com/office/drawing/2014/main" id="{F329E73E-63BF-8049-BB0A-D95080944A80}"/>
-              </a:ext>
-            </a:extLst>
-          </p:cNvPr>
-          <p:cNvPicPr>
-            <a:picLocks noChangeAspect="1"/>
-          </p:cNvPicPr>
-          <p:nvPr/>
-        </p:nvPicPr>
-        <p:blipFill rotWithShape="1">
-          <a:blip r:embed="rId3"/>
-          <a:srcRect r="32825"/>
-          <a:stretch/>
-        </p:blipFill>
-        <p:spPr>
-          <a:xfrm>
-            <a:off x="8804297" y="2673342"/>
-            <a:ext cx="2815274" cy="3396972"/>
-          </a:xfrm>
-          <a:prstGeom prst="rect">
-            <a:avLst/>
-          </a:prstGeom>
-        </p:spPr>
-      </p:pic>
-      <p:pic>
-        <p:nvPicPr>
-          <p:cNvPr id="6" name="Picture 5">
-            <a:extLst>
-              <a:ext uri="{FF2B5EF4-FFF2-40B4-BE49-F238E27FC236}">
-                <a16:creationId xmlns:a16="http://schemas.microsoft.com/office/drawing/2014/main" id="{A8C03813-D0E2-8C44-BBCD-0F0E290E9888}"/>
-              </a:ext>
-            </a:extLst>
-          </p:cNvPr>
-          <p:cNvPicPr>
-            <a:picLocks noChangeAspect="1"/>
-          </p:cNvPicPr>
-          <p:nvPr/>
-        </p:nvPicPr>
-        <p:blipFill rotWithShape="1">
-          <a:blip r:embed="rId4"/>
-          <a:srcRect l="1078" t="1410" r="27053"/>
-          <a:stretch/>
-        </p:blipFill>
-        <p:spPr>
-          <a:xfrm>
-            <a:off x="875898" y="2709512"/>
-            <a:ext cx="2511805" cy="3391692"/>
-          </a:xfrm>
-          <a:prstGeom prst="rect">
-            <a:avLst/>
-          </a:prstGeom>
-        </p:spPr>
-      </p:pic>
-      <p:sp>
-        <p:nvSpPr>
-          <p:cNvPr id="9" name="TextBox 8">
-            <a:extLst>
-              <a:ext uri="{FF2B5EF4-FFF2-40B4-BE49-F238E27FC236}">
-                <a16:creationId xmlns:a16="http://schemas.microsoft.com/office/drawing/2014/main" id="{BB1CE9B1-5555-8044-AE46-B3AF6880735C}"/>
-              </a:ext>
-            </a:extLst>
-          </p:cNvPr>
-          <p:cNvSpPr txBox="1"/>
-          <p:nvPr/>
-        </p:nvSpPr>
-        <p:spPr>
-          <a:xfrm>
-            <a:off x="1293690" y="1706880"/>
-            <a:ext cx="1638525" cy="954107"/>
-          </a:xfrm>
-          <a:prstGeom prst="rect">
-            <a:avLst/>
-          </a:prstGeom>
-          <a:noFill/>
-        </p:spPr>
-        <p:txBody>
-          <a:bodyPr wrap="none" rtlCol="0">
-            <a:spAutoFit/>
-          </a:bodyPr>
-          <a:lstStyle/>
-          <a:p>
-            <a:pPr algn="ctr"/>
-            <a:r>
-              <a:rPr lang="en-US" sz="2800" dirty="0">
-                <a:latin typeface="Arial" panose="020B0604020202020204" pitchFamily="34" charset="0"/>
-                <a:cs typeface="Arial" panose="020B0604020202020204" pitchFamily="34" charset="0"/>
-              </a:rPr>
-              <a:t>Wrangler</a:t>
-            </a:r>
-          </a:p>
-          <a:p>
-            <a:pPr algn="ctr"/>
-            <a:r>
-              <a:rPr lang="en-US" sz="2800" dirty="0">
-                <a:latin typeface="Arial" panose="020B0604020202020204" pitchFamily="34" charset="0"/>
-                <a:cs typeface="Arial" panose="020B0604020202020204" pitchFamily="34" charset="0"/>
-              </a:rPr>
-              <a:t>csv/text</a:t>
-            </a:r>
-          </a:p>
-        </p:txBody>
-      </p:sp>
-      <p:sp>
-        <p:nvSpPr>
-          <p:cNvPr id="10" name="TextBox 9">
-            <a:extLst>
-              <a:ext uri="{FF2B5EF4-FFF2-40B4-BE49-F238E27FC236}">
-                <a16:creationId xmlns:a16="http://schemas.microsoft.com/office/drawing/2014/main" id="{8CDD9BFE-EBDE-7F49-A24A-2E9202484386}"/>
-              </a:ext>
-            </a:extLst>
-          </p:cNvPr>
-          <p:cNvSpPr txBox="1"/>
-          <p:nvPr/>
-        </p:nvSpPr>
-        <p:spPr>
-          <a:xfrm>
-            <a:off x="5347414" y="1706880"/>
-            <a:ext cx="1782860" cy="954107"/>
-          </a:xfrm>
-          <a:prstGeom prst="rect">
-            <a:avLst/>
-          </a:prstGeom>
-          <a:noFill/>
-        </p:spPr>
-        <p:txBody>
-          <a:bodyPr wrap="none" rtlCol="0">
-            <a:spAutoFit/>
-          </a:bodyPr>
-          <a:lstStyle/>
-          <a:p>
-            <a:pPr algn="ctr"/>
-            <a:r>
-              <a:rPr lang="en-US" sz="2800" dirty="0">
-                <a:latin typeface="Arial" panose="020B0604020202020204" pitchFamily="34" charset="0"/>
-                <a:cs typeface="Arial" panose="020B0604020202020204" pitchFamily="34" charset="0"/>
-              </a:rPr>
-              <a:t>Texture</a:t>
-            </a:r>
-          </a:p>
-          <a:p>
-            <a:pPr algn="ctr"/>
-            <a:r>
-              <a:rPr lang="en-US" sz="2800" dirty="0">
-                <a:latin typeface="Arial" panose="020B0604020202020204" pitchFamily="34" charset="0"/>
-                <a:cs typeface="Arial" panose="020B0604020202020204" pitchFamily="34" charset="0"/>
-              </a:rPr>
-              <a:t>Print docs</a:t>
-            </a:r>
-          </a:p>
-        </p:txBody>
-      </p:sp>
-      <p:sp>
-        <p:nvSpPr>
-          <p:cNvPr id="11" name="TextBox 10">
-            <a:extLst>
-              <a:ext uri="{FF2B5EF4-FFF2-40B4-BE49-F238E27FC236}">
-                <a16:creationId xmlns:a16="http://schemas.microsoft.com/office/drawing/2014/main" id="{A76C25E9-A96A-A049-B0EF-36999F4496A1}"/>
-              </a:ext>
-            </a:extLst>
-          </p:cNvPr>
-          <p:cNvSpPr txBox="1"/>
-          <p:nvPr/>
-        </p:nvSpPr>
-        <p:spPr>
-          <a:xfrm>
-            <a:off x="8890098" y="1706880"/>
-            <a:ext cx="2643672" cy="954107"/>
-          </a:xfrm>
-          <a:prstGeom prst="rect">
-            <a:avLst/>
-          </a:prstGeom>
-          <a:noFill/>
-        </p:spPr>
-        <p:txBody>
-          <a:bodyPr wrap="none" rtlCol="0">
-            <a:spAutoFit/>
-          </a:bodyPr>
-          <a:lstStyle/>
-          <a:p>
-            <a:pPr algn="ctr"/>
-            <a:r>
-              <a:rPr lang="en-US" sz="2800" dirty="0" err="1">
-                <a:latin typeface="Arial" panose="020B0604020202020204" pitchFamily="34" charset="0"/>
-                <a:cs typeface="Arial" panose="020B0604020202020204" pitchFamily="34" charset="0"/>
-              </a:rPr>
-              <a:t>Instabase</a:t>
-            </a:r>
-            <a:endParaRPr lang="en-US" sz="2800" dirty="0">
-              <a:latin typeface="Arial" panose="020B0604020202020204" pitchFamily="34" charset="0"/>
-              <a:cs typeface="Arial" panose="020B0604020202020204" pitchFamily="34" charset="0"/>
-            </a:endParaRPr>
-          </a:p>
-          <a:p>
-            <a:pPr algn="ctr"/>
-            <a:r>
-              <a:rPr lang="en-US" sz="2800" dirty="0">
-                <a:latin typeface="Arial" panose="020B0604020202020204" pitchFamily="34" charset="0"/>
-                <a:cs typeface="Arial" panose="020B0604020202020204" pitchFamily="34" charset="0"/>
-              </a:rPr>
-              <a:t>structured docs</a:t>
-            </a:r>
-          </a:p>
-        </p:txBody>
-      </p:sp>
-    </p:spTree>
-    <p:extLst>
-      <p:ext uri="{BB962C8B-B14F-4D97-AF65-F5344CB8AC3E}">
-        <p14:creationId xmlns:p14="http://schemas.microsoft.com/office/powerpoint/2010/main" val="4212534370"/>
-      </p:ext>
-    </p:extLst>
-  </p:cSld>
-  <p:clrMapOvr>
-    <a:masterClrMapping/>
-  </p:clrMapOvr>
-</p:sld>
-</file>
-
-<file path=ppt/slides/slide5.xml><?xml version="1.0" encoding="utf-8"?>
 <p:sld xmlns:a="http://schemas.openxmlformats.org/drawingml/2006/main" xmlns:r="http://schemas.openxmlformats.org/officeDocument/2006/relationships" xmlns:p="http://schemas.openxmlformats.org/presentationml/2006/main">
   <p:cSld>
     <p:spTree>
@@ -11559,6 +12925,210 @@
 </p:sld>
 </file>
 
+<file path=ppt/slides/slide5.xml><?xml version="1.0" encoding="utf-8"?>
+<p:sld xmlns:a="http://schemas.openxmlformats.org/drawingml/2006/main" xmlns:r="http://schemas.openxmlformats.org/officeDocument/2006/relationships" xmlns:p="http://schemas.openxmlformats.org/presentationml/2006/main">
+  <p:cSld>
+    <p:spTree>
+      <p:nvGrpSpPr>
+        <p:cNvPr id="1" name=""/>
+        <p:cNvGrpSpPr/>
+        <p:nvPr/>
+      </p:nvGrpSpPr>
+      <p:grpSpPr>
+        <a:xfrm>
+          <a:off x="0" y="0"/>
+          <a:ext cx="0" cy="0"/>
+          <a:chOff x="0" y="0"/>
+          <a:chExt cx="0" cy="0"/>
+        </a:xfrm>
+      </p:grpSpPr>
+      <p:sp>
+        <p:nvSpPr>
+          <p:cNvPr id="2" name="Title 1">
+            <a:extLst>
+              <a:ext uri="{FF2B5EF4-FFF2-40B4-BE49-F238E27FC236}">
+                <a16:creationId xmlns:a16="http://schemas.microsoft.com/office/drawing/2014/main" id="{E1C3F6A7-E446-6E4C-AAC5-E82906B24E72}"/>
+              </a:ext>
+            </a:extLst>
+          </p:cNvPr>
+          <p:cNvSpPr>
+            <a:spLocks noGrp="1"/>
+          </p:cNvSpPr>
+          <p:nvPr>
+            <p:ph type="title"/>
+          </p:nvPr>
+        </p:nvSpPr>
+        <p:spPr/>
+        <p:txBody>
+          <a:bodyPr/>
+          <a:lstStyle/>
+          <a:p>
+            <a:endParaRPr lang="en-US"/>
+          </a:p>
+        </p:txBody>
+      </p:sp>
+      <p:sp>
+        <p:nvSpPr>
+          <p:cNvPr id="3" name="Content Placeholder 2">
+            <a:extLst>
+              <a:ext uri="{FF2B5EF4-FFF2-40B4-BE49-F238E27FC236}">
+                <a16:creationId xmlns:a16="http://schemas.microsoft.com/office/drawing/2014/main" id="{3249EBB2-C10E-F94A-9E98-001681F5FAE9}"/>
+              </a:ext>
+            </a:extLst>
+          </p:cNvPr>
+          <p:cNvSpPr>
+            <a:spLocks noGrp="1"/>
+          </p:cNvSpPr>
+          <p:nvPr>
+            <p:ph idx="1"/>
+          </p:nvPr>
+        </p:nvSpPr>
+        <p:spPr/>
+        <p:txBody>
+          <a:bodyPr/>
+          <a:lstStyle/>
+          <a:p>
+            <a:pPr marL="0" indent="0">
+              <a:buNone/>
+            </a:pPr>
+            <a:r>
+              <a:rPr lang="en-US" dirty="0"/>
+              <a:t>Wrangler</a:t>
+            </a:r>
+          </a:p>
+          <a:p>
+            <a:pPr marL="0" indent="0">
+              <a:buNone/>
+            </a:pPr>
+            <a:r>
+              <a:rPr lang="en-US" dirty="0">
+                <a:solidFill>
+                  <a:schemeClr val="bg1">
+                    <a:lumMod val="50000"/>
+                  </a:schemeClr>
+                </a:solidFill>
+              </a:rPr>
+              <a:t>Presenter: Jake Fisher</a:t>
+            </a:r>
+          </a:p>
+          <a:p>
+            <a:pPr marL="0" indent="0">
+              <a:buNone/>
+            </a:pPr>
+            <a:r>
+              <a:rPr lang="en-US" dirty="0">
+                <a:solidFill>
+                  <a:schemeClr val="bg1">
+                    <a:lumMod val="50000"/>
+                  </a:schemeClr>
+                </a:solidFill>
+              </a:rPr>
+              <a:t>Scribe: </a:t>
+            </a:r>
+            <a:r>
+              <a:rPr lang="en-US" dirty="0" err="1">
+                <a:solidFill>
+                  <a:schemeClr val="bg1">
+                    <a:lumMod val="50000"/>
+                  </a:schemeClr>
+                </a:solidFill>
+              </a:rPr>
+              <a:t>Qianrui</a:t>
+            </a:r>
+            <a:r>
+              <a:rPr lang="en-US" dirty="0">
+                <a:solidFill>
+                  <a:schemeClr val="bg1">
+                    <a:lumMod val="50000"/>
+                  </a:schemeClr>
+                </a:solidFill>
+              </a:rPr>
+              <a:t> (Owen) Zhang</a:t>
+            </a:r>
+          </a:p>
+          <a:p>
+            <a:endParaRPr lang="en-US" dirty="0"/>
+          </a:p>
+          <a:p>
+            <a:pPr marL="0" indent="0">
+              <a:buNone/>
+            </a:pPr>
+            <a:r>
+              <a:rPr lang="en-US" dirty="0"/>
+              <a:t>Texture</a:t>
+            </a:r>
+          </a:p>
+          <a:p>
+            <a:pPr marL="0" indent="0">
+              <a:buNone/>
+            </a:pPr>
+            <a:r>
+              <a:rPr lang="en-US" dirty="0">
+                <a:solidFill>
+                  <a:schemeClr val="bg1">
+                    <a:lumMod val="50000"/>
+                  </a:schemeClr>
+                </a:solidFill>
+              </a:rPr>
+              <a:t>Presenter: </a:t>
+            </a:r>
+            <a:r>
+              <a:rPr lang="en-US" dirty="0" err="1">
+                <a:solidFill>
+                  <a:schemeClr val="bg1">
+                    <a:lumMod val="50000"/>
+                  </a:schemeClr>
+                </a:solidFill>
+              </a:rPr>
+              <a:t>Qianrui</a:t>
+            </a:r>
+            <a:r>
+              <a:rPr lang="en-US" dirty="0">
+                <a:solidFill>
+                  <a:schemeClr val="bg1">
+                    <a:lumMod val="50000"/>
+                  </a:schemeClr>
+                </a:solidFill>
+              </a:rPr>
+              <a:t> (Owen) Zhang</a:t>
+            </a:r>
+          </a:p>
+          <a:p>
+            <a:pPr marL="0" indent="0">
+              <a:buNone/>
+            </a:pPr>
+            <a:r>
+              <a:rPr lang="en-US" dirty="0">
+                <a:solidFill>
+                  <a:schemeClr val="bg1">
+                    <a:lumMod val="50000"/>
+                  </a:schemeClr>
+                </a:solidFill>
+              </a:rPr>
+              <a:t>Scribe: Jake Fisher</a:t>
+            </a:r>
+          </a:p>
+          <a:p>
+            <a:pPr marL="0" indent="0">
+              <a:buNone/>
+            </a:pPr>
+            <a:endParaRPr lang="en-US" dirty="0"/>
+          </a:p>
+        </p:txBody>
+      </p:sp>
+    </p:spTree>
+    <p:extLst>
+      <p:ext uri="{BB962C8B-B14F-4D97-AF65-F5344CB8AC3E}">
+        <p14:creationId xmlns:p14="http://schemas.microsoft.com/office/powerpoint/2010/main" val="607308799"/>
+      </p:ext>
+    </p:extLst>
+  </p:cSld>
+  <p:clrMapOvr>
+    <a:masterClrMapping/>
+  </p:clrMapOvr>
+</p:sld>
+</file>
+
 <file path=ppt/slides/slide6.xml><?xml version="1.0" encoding="utf-8"?>
 <p:sld xmlns:a="http://schemas.openxmlformats.org/drawingml/2006/main" xmlns:r="http://schemas.openxmlformats.org/officeDocument/2006/relationships" xmlns:p="http://schemas.openxmlformats.org/presentationml/2006/main">
   <p:cSld>
@@ -11578,10 +13148,10 @@
       </p:grpSpPr>
       <p:sp>
         <p:nvSpPr>
-          <p:cNvPr id="2" name="Title 1">
-            <a:extLst>
-              <a:ext uri="{FF2B5EF4-FFF2-40B4-BE49-F238E27FC236}">
-                <a16:creationId xmlns:a16="http://schemas.microsoft.com/office/drawing/2014/main" id="{E1C3F6A7-E446-6E4C-AAC5-E82906B24E72}"/>
+          <p:cNvPr id="6" name="Title 5">
+            <a:extLst>
+              <a:ext uri="{FF2B5EF4-FFF2-40B4-BE49-F238E27FC236}">
+                <a16:creationId xmlns:a16="http://schemas.microsoft.com/office/drawing/2014/main" id="{890BEA05-AE67-A945-B39F-9C1A875A16C5}"/>
               </a:ext>
             </a:extLst>
           </p:cNvPr>
@@ -11589,7 +13159,7 @@
             <a:spLocks noGrp="1"/>
           </p:cNvSpPr>
           <p:nvPr>
-            <p:ph type="title"/>
+            <p:ph type="ctrTitle"/>
           </p:nvPr>
         </p:nvSpPr>
         <p:spPr/>
@@ -11597,16 +13167,19 @@
           <a:bodyPr/>
           <a:lstStyle/>
           <a:p>
-            <a:endParaRPr lang="en-US"/>
-          </a:p>
-        </p:txBody>
-      </p:sp>
-      <p:sp>
-        <p:nvSpPr>
-          <p:cNvPr id="3" name="Content Placeholder 2">
-            <a:extLst>
-              <a:ext uri="{FF2B5EF4-FFF2-40B4-BE49-F238E27FC236}">
-                <a16:creationId xmlns:a16="http://schemas.microsoft.com/office/drawing/2014/main" id="{3249EBB2-C10E-F94A-9E98-001681F5FAE9}"/>
+            <a:r>
+              <a:rPr lang="en-US" dirty="0"/>
+              <a:t>Wrangler Discussion</a:t>
+            </a:r>
+          </a:p>
+        </p:txBody>
+      </p:sp>
+      <p:sp>
+        <p:nvSpPr>
+          <p:cNvPr id="7" name="Subtitle 6">
+            <a:extLst>
+              <a:ext uri="{FF2B5EF4-FFF2-40B4-BE49-F238E27FC236}">
+                <a16:creationId xmlns:a16="http://schemas.microsoft.com/office/drawing/2014/main" id="{A38469B5-C578-4043-945C-BEDB97C10D79}"/>
               </a:ext>
             </a:extLst>
           </p:cNvPr>
@@ -11614,7 +13187,7 @@
             <a:spLocks noGrp="1"/>
           </p:cNvSpPr>
           <p:nvPr>
-            <p:ph idx="1"/>
+            <p:ph type="subTitle" idx="1"/>
           </p:nvPr>
         </p:nvSpPr>
         <p:spPr/>
@@ -11622,138 +13195,14 @@
           <a:bodyPr/>
           <a:lstStyle/>
           <a:p>
-            <a:pPr marL="0" indent="0">
-              <a:buNone/>
-            </a:pPr>
-            <a:r>
-              <a:rPr lang="en-US" dirty="0"/>
-              <a:t>Wrangler</a:t>
-            </a:r>
-          </a:p>
-          <a:p>
-            <a:pPr marL="0" indent="0">
-              <a:buNone/>
-            </a:pPr>
-            <a:r>
-              <a:rPr lang="en-US" dirty="0">
-                <a:solidFill>
-                  <a:schemeClr val="bg1">
-                    <a:lumMod val="50000"/>
-                  </a:schemeClr>
-                </a:solidFill>
-              </a:rPr>
-              <a:t>Presenter: Jake Fisher</a:t>
-            </a:r>
-          </a:p>
-          <a:p>
-            <a:pPr marL="0" indent="0">
-              <a:buNone/>
-            </a:pPr>
-            <a:r>
-              <a:rPr lang="en-US" dirty="0">
-                <a:solidFill>
-                  <a:schemeClr val="bg1">
-                    <a:lumMod val="50000"/>
-                  </a:schemeClr>
-                </a:solidFill>
-              </a:rPr>
-              <a:t>Scribe: </a:t>
-            </a:r>
-            <a:r>
-              <a:rPr lang="en-US" dirty="0" err="1">
-                <a:solidFill>
-                  <a:schemeClr val="bg1">
-                    <a:lumMod val="50000"/>
-                  </a:schemeClr>
-                </a:solidFill>
-              </a:rPr>
-              <a:t>Qianrui</a:t>
-            </a:r>
-            <a:r>
-              <a:rPr lang="en-US" dirty="0">
-                <a:solidFill>
-                  <a:schemeClr val="bg1">
-                    <a:lumMod val="50000"/>
-                  </a:schemeClr>
-                </a:solidFill>
-              </a:rPr>
-              <a:t> (Owen) Zhang</a:t>
-            </a:r>
-          </a:p>
-          <a:p>
-            <a:endParaRPr lang="en-US" dirty="0"/>
-          </a:p>
-          <a:p>
-            <a:pPr marL="0" indent="0">
-              <a:buNone/>
-            </a:pPr>
-            <a:r>
-              <a:rPr lang="en-US" dirty="0"/>
-              <a:t>Texture</a:t>
-            </a:r>
-          </a:p>
-          <a:p>
-            <a:pPr marL="0" indent="0">
-              <a:buNone/>
-            </a:pPr>
-            <a:r>
-              <a:rPr lang="en-US" dirty="0">
-                <a:solidFill>
-                  <a:schemeClr val="bg1">
-                    <a:lumMod val="50000"/>
-                  </a:schemeClr>
-                </a:solidFill>
-              </a:rPr>
-              <a:t>Presenter: </a:t>
-            </a:r>
-            <a:r>
-              <a:rPr lang="en-US" dirty="0" err="1">
-                <a:solidFill>
-                  <a:schemeClr val="bg1">
-                    <a:lumMod val="50000"/>
-                  </a:schemeClr>
-                </a:solidFill>
-              </a:rPr>
-              <a:t>Qianrui</a:t>
-            </a:r>
-            <a:r>
-              <a:rPr lang="en-US" dirty="0">
-                <a:solidFill>
-                  <a:schemeClr val="bg1">
-                    <a:lumMod val="50000"/>
-                  </a:schemeClr>
-                </a:solidFill>
-              </a:rPr>
-              <a:t> (Owen) Zhang</a:t>
-            </a:r>
-          </a:p>
-          <a:p>
-            <a:pPr marL="0" indent="0">
-              <a:buNone/>
-            </a:pPr>
-            <a:r>
-              <a:rPr lang="en-US" dirty="0">
-                <a:solidFill>
-                  <a:schemeClr val="bg1">
-                    <a:lumMod val="50000"/>
-                  </a:schemeClr>
-                </a:solidFill>
-              </a:rPr>
-              <a:t>Scribe: Jake Fisher</a:t>
-            </a:r>
-          </a:p>
-          <a:p>
-            <a:pPr marL="0" indent="0">
-              <a:buNone/>
-            </a:pPr>
-            <a:endParaRPr lang="en-US" dirty="0"/>
+            <a:endParaRPr lang="en-US"/>
           </a:p>
         </p:txBody>
       </p:sp>
     </p:spTree>
     <p:extLst>
       <p:ext uri="{BB962C8B-B14F-4D97-AF65-F5344CB8AC3E}">
-        <p14:creationId xmlns:p14="http://schemas.microsoft.com/office/powerpoint/2010/main" val="607308799"/>
+        <p14:creationId xmlns:p14="http://schemas.microsoft.com/office/powerpoint/2010/main" val="293874433"/>
       </p:ext>
     </p:extLst>
   </p:cSld>
@@ -11782,10 +13231,10 @@
       </p:grpSpPr>
       <p:sp>
         <p:nvSpPr>
-          <p:cNvPr id="6" name="Title 5">
-            <a:extLst>
-              <a:ext uri="{FF2B5EF4-FFF2-40B4-BE49-F238E27FC236}">
-                <a16:creationId xmlns:a16="http://schemas.microsoft.com/office/drawing/2014/main" id="{890BEA05-AE67-A945-B39F-9C1A875A16C5}"/>
+          <p:cNvPr id="2" name="Title 1">
+            <a:extLst>
+              <a:ext uri="{FF2B5EF4-FFF2-40B4-BE49-F238E27FC236}">
+                <a16:creationId xmlns:a16="http://schemas.microsoft.com/office/drawing/2014/main" id="{3A025F16-6245-4A44-AC8C-477467733A58}"/>
               </a:ext>
             </a:extLst>
           </p:cNvPr>
@@ -11793,7 +13242,7 @@
             <a:spLocks noGrp="1"/>
           </p:cNvSpPr>
           <p:nvPr>
-            <p:ph type="ctrTitle"/>
+            <p:ph type="title"/>
           </p:nvPr>
         </p:nvSpPr>
         <p:spPr/>
@@ -11803,17 +13252,17 @@
           <a:p>
             <a:r>
               <a:rPr lang="en-US" dirty="0"/>
-              <a:t>Wrangler Discussion</a:t>
-            </a:r>
-          </a:p>
-        </p:txBody>
-      </p:sp>
-      <p:sp>
-        <p:nvSpPr>
-          <p:cNvPr id="7" name="Subtitle 6">
-            <a:extLst>
-              <a:ext uri="{FF2B5EF4-FFF2-40B4-BE49-F238E27FC236}">
-                <a16:creationId xmlns:a16="http://schemas.microsoft.com/office/drawing/2014/main" id="{A38469B5-C578-4043-945C-BEDB97C10D79}"/>
+              <a:t>Wrangler thoughts</a:t>
+            </a:r>
+          </a:p>
+        </p:txBody>
+      </p:sp>
+      <p:sp>
+        <p:nvSpPr>
+          <p:cNvPr id="3" name="Content Placeholder 2">
+            <a:extLst>
+              <a:ext uri="{FF2B5EF4-FFF2-40B4-BE49-F238E27FC236}">
+                <a16:creationId xmlns:a16="http://schemas.microsoft.com/office/drawing/2014/main" id="{90E6C4C7-53F3-DF4A-BE38-7C9369CF3199}"/>
               </a:ext>
             </a:extLst>
           </p:cNvPr>
@@ -11821,22 +13270,81 @@
             <a:spLocks noGrp="1"/>
           </p:cNvSpPr>
           <p:nvPr>
-            <p:ph type="subTitle" idx="1"/>
+            <p:ph idx="1"/>
           </p:nvPr>
         </p:nvSpPr>
         <p:spPr/>
         <p:txBody>
-          <a:bodyPr/>
-          <a:lstStyle/>
-          <a:p>
-            <a:endParaRPr lang="en-US"/>
+          <a:bodyPr>
+            <a:normAutofit fontScale="92500" lnSpcReduction="20000"/>
+          </a:bodyPr>
+          <a:lstStyle/>
+          <a:p>
+            <a:pPr marL="0" indent="0">
+              <a:buNone/>
+            </a:pPr>
+            <a:r>
+              <a:rPr lang="en-US" dirty="0"/>
+              <a:t>Strengths compared to programming, excel?</a:t>
+            </a:r>
+          </a:p>
+          <a:p>
+            <a:endParaRPr lang="en-US" dirty="0"/>
+          </a:p>
+          <a:p>
+            <a:endParaRPr lang="en-US" dirty="0"/>
+          </a:p>
+          <a:p>
+            <a:pPr marL="0" indent="0">
+              <a:buNone/>
+            </a:pPr>
+            <a:endParaRPr lang="en-US" dirty="0"/>
+          </a:p>
+          <a:p>
+            <a:pPr marL="0" indent="0">
+              <a:buNone/>
+            </a:pPr>
+            <a:r>
+              <a:rPr lang="en-US" dirty="0"/>
+              <a:t>Weaknesses/Concerns?</a:t>
+            </a:r>
+          </a:p>
+          <a:p>
+            <a:endParaRPr lang="en-US" dirty="0"/>
+          </a:p>
+          <a:p>
+            <a:pPr marL="0" indent="0">
+              <a:buNone/>
+            </a:pPr>
+            <a:endParaRPr lang="en-US" dirty="0"/>
+          </a:p>
+          <a:p>
+            <a:pPr marL="0" indent="0">
+              <a:buNone/>
+            </a:pPr>
+            <a:endParaRPr lang="en-US" dirty="0"/>
+          </a:p>
+          <a:p>
+            <a:pPr marL="0" indent="0">
+              <a:buNone/>
+            </a:pPr>
+            <a:endParaRPr lang="en-US" dirty="0"/>
+          </a:p>
+          <a:p>
+            <a:pPr marL="0" indent="0">
+              <a:buNone/>
+            </a:pPr>
+            <a:r>
+              <a:rPr lang="en-US" dirty="0"/>
+              <a:t>Overall, when is programming by example appropriate?</a:t>
+            </a:r>
           </a:p>
         </p:txBody>
       </p:sp>
     </p:spTree>
     <p:extLst>
       <p:ext uri="{BB962C8B-B14F-4D97-AF65-F5344CB8AC3E}">
-        <p14:creationId xmlns:p14="http://schemas.microsoft.com/office/powerpoint/2010/main" val="293874433"/>
+        <p14:creationId xmlns:p14="http://schemas.microsoft.com/office/powerpoint/2010/main" val="3299227869"/>
       </p:ext>
     </p:extLst>
   </p:cSld>
@@ -11923,10 +13431,16 @@
             </a:r>
           </a:p>
           <a:p>
-            <a:endParaRPr lang="en-US" dirty="0"/>
-          </a:p>
-          <a:p>
-            <a:endParaRPr lang="en-US" dirty="0"/>
+            <a:r>
+              <a:rPr lang="en-US" dirty="0"/>
+              <a:t>Easier to select what you want to extract than to write code</a:t>
+            </a:r>
+          </a:p>
+          <a:p>
+            <a:r>
+              <a:rPr lang="en-US" dirty="0"/>
+              <a:t>Previews of options</a:t>
+            </a:r>
           </a:p>
           <a:p>
             <a:pPr marL="0" indent="0">
@@ -11978,7 +13492,7 @@
     </p:spTree>
     <p:extLst>
       <p:ext uri="{BB962C8B-B14F-4D97-AF65-F5344CB8AC3E}">
-        <p14:creationId xmlns:p14="http://schemas.microsoft.com/office/powerpoint/2010/main" val="3299227869"/>
+        <p14:creationId xmlns:p14="http://schemas.microsoft.com/office/powerpoint/2010/main" val="3064469999"/>
       </p:ext>
     </p:extLst>
   </p:cSld>
@@ -12092,7 +13606,22 @@
             </a:r>
           </a:p>
           <a:p>
-            <a:endParaRPr lang="en-US" dirty="0"/>
+            <a:r>
+              <a:rPr lang="en-US" dirty="0"/>
+              <a:t>Doesn’t do everything well, but not integrated with e.g., notebooks</a:t>
+            </a:r>
+          </a:p>
+          <a:p>
+            <a:r>
+              <a:rPr lang="en-US" dirty="0"/>
+              <a:t>In-place previews relies on low latency</a:t>
+            </a:r>
+          </a:p>
+          <a:p>
+            <a:r>
+              <a:rPr lang="en-US" dirty="0"/>
+              <a:t>Scalability</a:t>
+            </a:r>
           </a:p>
           <a:p>
             <a:pPr marL="0" indent="0">
@@ -12104,18 +13633,6 @@
             <a:pPr marL="0" indent="0">
               <a:buNone/>
             </a:pPr>
-            <a:endParaRPr lang="en-US" dirty="0"/>
-          </a:p>
-          <a:p>
-            <a:pPr marL="0" indent="0">
-              <a:buNone/>
-            </a:pPr>
-            <a:endParaRPr lang="en-US" dirty="0"/>
-          </a:p>
-          <a:p>
-            <a:pPr marL="0" indent="0">
-              <a:buNone/>
-            </a:pPr>
             <a:r>
               <a:rPr lang="en-US" dirty="0"/>
               <a:t>Overall, when is programming by example appropriate?</a:t>
@@ -12126,7 +13643,7 @@
     </p:spTree>
     <p:extLst>
       <p:ext uri="{BB962C8B-B14F-4D97-AF65-F5344CB8AC3E}">
-        <p14:creationId xmlns:p14="http://schemas.microsoft.com/office/powerpoint/2010/main" val="3064469999"/>
+        <p14:creationId xmlns:p14="http://schemas.microsoft.com/office/powerpoint/2010/main" val="2753276679"/>
       </p:ext>
     </p:extLst>
   </p:cSld>

--- a/2020s_w6998/lecs/11_text.pptx
+++ b/2020s_w6998/lecs/11_text.pptx
@@ -5,7 +5,7 @@
     <p:sldMasterId id="2147483648" r:id="rId1"/>
   </p:sldMasterIdLst>
   <p:notesMasterIdLst>
-    <p:notesMasterId r:id="rId33"/>
+    <p:notesMasterId r:id="rId34"/>
   </p:notesMasterIdLst>
   <p:sldIdLst>
     <p:sldId id="256" r:id="rId2"/>
@@ -19,26 +19,27 @@
     <p:sldId id="287" r:id="rId10"/>
     <p:sldId id="275" r:id="rId11"/>
     <p:sldId id="258" r:id="rId12"/>
-    <p:sldId id="285" r:id="rId13"/>
-    <p:sldId id="276" r:id="rId14"/>
-    <p:sldId id="278" r:id="rId15"/>
-    <p:sldId id="281" r:id="rId16"/>
-    <p:sldId id="282" r:id="rId17"/>
-    <p:sldId id="279" r:id="rId18"/>
-    <p:sldId id="284" r:id="rId19"/>
-    <p:sldId id="280" r:id="rId20"/>
-    <p:sldId id="283" r:id="rId21"/>
-    <p:sldId id="288" r:id="rId22"/>
-    <p:sldId id="264" r:id="rId23"/>
-    <p:sldId id="289" r:id="rId24"/>
-    <p:sldId id="293" r:id="rId25"/>
-    <p:sldId id="295" r:id="rId26"/>
-    <p:sldId id="297" r:id="rId27"/>
-    <p:sldId id="298" r:id="rId28"/>
-    <p:sldId id="296" r:id="rId29"/>
-    <p:sldId id="292" r:id="rId30"/>
-    <p:sldId id="290" r:id="rId31"/>
-    <p:sldId id="273" r:id="rId32"/>
+    <p:sldId id="299" r:id="rId13"/>
+    <p:sldId id="285" r:id="rId14"/>
+    <p:sldId id="276" r:id="rId15"/>
+    <p:sldId id="278" r:id="rId16"/>
+    <p:sldId id="281" r:id="rId17"/>
+    <p:sldId id="282" r:id="rId18"/>
+    <p:sldId id="279" r:id="rId19"/>
+    <p:sldId id="284" r:id="rId20"/>
+    <p:sldId id="280" r:id="rId21"/>
+    <p:sldId id="283" r:id="rId22"/>
+    <p:sldId id="288" r:id="rId23"/>
+    <p:sldId id="264" r:id="rId24"/>
+    <p:sldId id="289" r:id="rId25"/>
+    <p:sldId id="293" r:id="rId26"/>
+    <p:sldId id="295" r:id="rId27"/>
+    <p:sldId id="297" r:id="rId28"/>
+    <p:sldId id="298" r:id="rId29"/>
+    <p:sldId id="296" r:id="rId30"/>
+    <p:sldId id="292" r:id="rId31"/>
+    <p:sldId id="290" r:id="rId32"/>
+    <p:sldId id="273" r:id="rId33"/>
   </p:sldIdLst>
   <p:sldSz cx="12192000" cy="6858000"/>
   <p:notesSz cx="6858000" cy="9144000"/>
@@ -563,7 +564,7 @@
           <a:p>
             <a:fld id="{10241E23-ECDC-F84B-8EB6-F34600CF02DF}" type="slidenum">
               <a:rPr lang="en-US" smtClean="0"/>
-              <a:t>12</a:t>
+              <a:t>13</a:t>
             </a:fld>
             <a:endParaRPr lang="en-US"/>
           </a:p>
@@ -650,7 +651,7 @@
           <a:p>
             <a:fld id="{10241E23-ECDC-F84B-8EB6-F34600CF02DF}" type="slidenum">
               <a:rPr lang="en-US" smtClean="0"/>
-              <a:t>31</a:t>
+              <a:t>32</a:t>
             </a:fld>
             <a:endParaRPr lang="en-US"/>
           </a:p>
@@ -4183,57 +4184,760 @@
       </p:sp>
       <p:sp>
         <p:nvSpPr>
-          <p:cNvPr id="3" name="Content Placeholder 2">
-            <a:extLst>
-              <a:ext uri="{FF2B5EF4-FFF2-40B4-BE49-F238E27FC236}">
-                <a16:creationId xmlns:a16="http://schemas.microsoft.com/office/drawing/2014/main" id="{B40B2430-E9EB-BB44-ACD3-B95A360ABD9D}"/>
-              </a:ext>
-            </a:extLst>
-          </p:cNvPr>
-          <p:cNvSpPr>
-            <a:spLocks noGrp="1"/>
-          </p:cNvSpPr>
-          <p:nvPr>
-            <p:ph idx="1"/>
-          </p:nvPr>
-        </p:nvSpPr>
-        <p:spPr/>
-        <p:txBody>
-          <a:bodyPr/>
-          <a:lstStyle/>
-          <a:p>
-            <a:pPr marL="0" indent="0">
-              <a:buNone/>
-            </a:pPr>
-            <a:r>
-              <a:rPr lang="en-US" dirty="0"/>
-              <a:t>Examples of…</a:t>
-            </a:r>
-          </a:p>
-          <a:p>
-            <a:r>
-              <a:rPr lang="en-US" dirty="0"/>
-              <a:t>Documents</a:t>
-            </a:r>
-          </a:p>
-          <a:p>
-            <a:r>
-              <a:rPr lang="en-US" dirty="0"/>
-              <a:t>End Users</a:t>
-            </a:r>
-          </a:p>
-          <a:p>
-            <a:r>
-              <a:rPr lang="en-US" dirty="0"/>
-              <a:t>Developers</a:t>
-            </a:r>
-          </a:p>
-        </p:txBody>
-      </p:sp>
+          <p:cNvPr id="3" name="TextBox 2">
+            <a:extLst>
+              <a:ext uri="{FF2B5EF4-FFF2-40B4-BE49-F238E27FC236}">
+                <a16:creationId xmlns:a16="http://schemas.microsoft.com/office/drawing/2014/main" id="{0C38B989-2B73-F349-9671-3668CC3B271B}"/>
+              </a:ext>
+            </a:extLst>
+          </p:cNvPr>
+          <p:cNvSpPr txBox="1"/>
+          <p:nvPr/>
+        </p:nvSpPr>
+        <p:spPr>
+          <a:xfrm>
+            <a:off x="5158805" y="1904397"/>
+            <a:ext cx="2005677" cy="584775"/>
+          </a:xfrm>
+          <a:prstGeom prst="rect">
+            <a:avLst/>
+          </a:prstGeom>
+          <a:noFill/>
+        </p:spPr>
+        <p:txBody>
+          <a:bodyPr wrap="none" rtlCol="0">
+            <a:spAutoFit/>
+          </a:bodyPr>
+          <a:lstStyle/>
+          <a:p>
+            <a:pPr algn="l"/>
+            <a:r>
+              <a:rPr lang="en-US" sz="3200" dirty="0">
+                <a:latin typeface="Arial" panose="020B0604020202020204" pitchFamily="34" charset="0"/>
+                <a:cs typeface="Arial" panose="020B0604020202020204" pitchFamily="34" charset="0"/>
+              </a:rPr>
+              <a:t>Query-</a:t>
+            </a:r>
+            <a:r>
+              <a:rPr lang="en-US" sz="3200" dirty="0" err="1">
+                <a:latin typeface="Arial" panose="020B0604020202020204" pitchFamily="34" charset="0"/>
+                <a:cs typeface="Arial" panose="020B0604020202020204" pitchFamily="34" charset="0"/>
+              </a:rPr>
+              <a:t>ers</a:t>
+            </a:r>
+            <a:endParaRPr lang="en-US" sz="3200" dirty="0">
+              <a:latin typeface="Arial" panose="020B0604020202020204" pitchFamily="34" charset="0"/>
+              <a:cs typeface="Arial" panose="020B0604020202020204" pitchFamily="34" charset="0"/>
+            </a:endParaRPr>
+          </a:p>
+        </p:txBody>
+      </p:sp>
+      <p:sp>
+        <p:nvSpPr>
+          <p:cNvPr id="5" name="TextBox 4">
+            <a:extLst>
+              <a:ext uri="{FF2B5EF4-FFF2-40B4-BE49-F238E27FC236}">
+                <a16:creationId xmlns:a16="http://schemas.microsoft.com/office/drawing/2014/main" id="{D6BDE7C4-5287-534F-9244-2D61FFD3B215}"/>
+              </a:ext>
+            </a:extLst>
+          </p:cNvPr>
+          <p:cNvSpPr txBox="1"/>
+          <p:nvPr/>
+        </p:nvSpPr>
+        <p:spPr>
+          <a:xfrm>
+            <a:off x="1602557" y="5658757"/>
+            <a:ext cx="2337847" cy="830997"/>
+          </a:xfrm>
+          <a:prstGeom prst="rect">
+            <a:avLst/>
+          </a:prstGeom>
+          <a:noFill/>
+        </p:spPr>
+        <p:txBody>
+          <a:bodyPr wrap="square" rtlCol="0">
+            <a:spAutoFit/>
+          </a:bodyPr>
+          <a:lstStyle/>
+          <a:p>
+            <a:pPr algn="l"/>
+            <a:r>
+              <a:rPr lang="en-US" sz="2400" dirty="0">
+                <a:latin typeface="Arial" panose="020B0604020202020204" pitchFamily="34" charset="0"/>
+                <a:cs typeface="Arial" panose="020B0604020202020204" pitchFamily="34" charset="0"/>
+              </a:rPr>
+              <a:t>Function Implementers</a:t>
+            </a:r>
+          </a:p>
+        </p:txBody>
+      </p:sp>
+      <p:sp>
+        <p:nvSpPr>
+          <p:cNvPr id="7" name="Rectangle 6">
+            <a:extLst>
+              <a:ext uri="{FF2B5EF4-FFF2-40B4-BE49-F238E27FC236}">
+                <a16:creationId xmlns:a16="http://schemas.microsoft.com/office/drawing/2014/main" id="{35572AF0-91E3-BF4A-9F9B-B85A18596D38}"/>
+              </a:ext>
+            </a:extLst>
+          </p:cNvPr>
+          <p:cNvSpPr/>
+          <p:nvPr/>
+        </p:nvSpPr>
+        <p:spPr>
+          <a:xfrm>
+            <a:off x="1442301" y="2988297"/>
+            <a:ext cx="10105534" cy="2578385"/>
+          </a:xfrm>
+          <a:prstGeom prst="rect">
+            <a:avLst/>
+          </a:prstGeom>
+          <a:solidFill>
+            <a:schemeClr val="bg1"/>
+          </a:solidFill>
+          <a:ln w="28575">
+            <a:solidFill>
+              <a:schemeClr val="bg1">
+                <a:lumMod val="50000"/>
+              </a:schemeClr>
+            </a:solidFill>
+          </a:ln>
+        </p:spPr>
+        <p:style>
+          <a:lnRef idx="2">
+            <a:schemeClr val="accent1">
+              <a:shade val="50000"/>
+            </a:schemeClr>
+          </a:lnRef>
+          <a:fillRef idx="1">
+            <a:schemeClr val="accent1"/>
+          </a:fillRef>
+          <a:effectRef idx="0">
+            <a:schemeClr val="accent1"/>
+          </a:effectRef>
+          <a:fontRef idx="minor">
+            <a:schemeClr val="lt1"/>
+          </a:fontRef>
+        </p:style>
+        <p:txBody>
+          <a:bodyPr rtlCol="0" anchor="ctr"/>
+          <a:lstStyle/>
+          <a:p>
+            <a:pPr algn="ctr"/>
+            <a:endParaRPr lang="en-US"/>
+          </a:p>
+        </p:txBody>
+      </p:sp>
+      <p:pic>
+        <p:nvPicPr>
+          <p:cNvPr id="8" name="Picture 7">
+            <a:extLst>
+              <a:ext uri="{FF2B5EF4-FFF2-40B4-BE49-F238E27FC236}">
+                <a16:creationId xmlns:a16="http://schemas.microsoft.com/office/drawing/2014/main" id="{8FDAF1F8-3E81-0B44-8F61-689D38B534AC}"/>
+              </a:ext>
+            </a:extLst>
+          </p:cNvPr>
+          <p:cNvPicPr>
+            <a:picLocks noChangeAspect="1"/>
+          </p:cNvPicPr>
+          <p:nvPr/>
+        </p:nvPicPr>
+        <p:blipFill>
+          <a:blip r:embed="rId2"/>
+          <a:stretch>
+            <a:fillRect/>
+          </a:stretch>
+        </p:blipFill>
+        <p:spPr>
+          <a:xfrm>
+            <a:off x="1676171" y="3286246"/>
+            <a:ext cx="1794691" cy="1881066"/>
+          </a:xfrm>
+          <a:prstGeom prst="rect">
+            <a:avLst/>
+          </a:prstGeom>
+        </p:spPr>
+      </p:pic>
+      <p:sp>
+        <p:nvSpPr>
+          <p:cNvPr id="9" name="TextBox 8">
+            <a:extLst>
+              <a:ext uri="{FF2B5EF4-FFF2-40B4-BE49-F238E27FC236}">
+                <a16:creationId xmlns:a16="http://schemas.microsoft.com/office/drawing/2014/main" id="{67CDFA75-C0E6-BB43-9526-CF015A69046E}"/>
+              </a:ext>
+            </a:extLst>
+          </p:cNvPr>
+          <p:cNvSpPr txBox="1"/>
+          <p:nvPr/>
+        </p:nvSpPr>
+        <p:spPr>
+          <a:xfrm>
+            <a:off x="4083971" y="3903614"/>
+            <a:ext cx="959370" cy="646331"/>
+          </a:xfrm>
+          <a:prstGeom prst="rect">
+            <a:avLst/>
+          </a:prstGeom>
+          <a:noFill/>
+        </p:spPr>
+        <p:txBody>
+          <a:bodyPr wrap="square" rtlCol="0">
+            <a:spAutoFit/>
+          </a:bodyPr>
+          <a:lstStyle/>
+          <a:p>
+            <a:pPr algn="l"/>
+            <a:r>
+              <a:rPr lang="en-US" dirty="0">
+                <a:latin typeface="Arial" panose="020B0604020202020204" pitchFamily="34" charset="0"/>
+                <a:cs typeface="Arial" panose="020B0604020202020204" pitchFamily="34" charset="0"/>
+              </a:rPr>
+              <a:t>Extract Boxes</a:t>
+            </a:r>
+          </a:p>
+        </p:txBody>
+      </p:sp>
+      <p:sp>
+        <p:nvSpPr>
+          <p:cNvPr id="10" name="TextBox 9">
+            <a:extLst>
+              <a:ext uri="{FF2B5EF4-FFF2-40B4-BE49-F238E27FC236}">
+                <a16:creationId xmlns:a16="http://schemas.microsoft.com/office/drawing/2014/main" id="{FAFFD72E-662F-DF4B-8CB8-7BD9F08F6B42}"/>
+              </a:ext>
+            </a:extLst>
+          </p:cNvPr>
+          <p:cNvSpPr txBox="1"/>
+          <p:nvPr/>
+        </p:nvSpPr>
+        <p:spPr>
+          <a:xfrm>
+            <a:off x="5492229" y="3225271"/>
+            <a:ext cx="1338828" cy="369332"/>
+          </a:xfrm>
+          <a:prstGeom prst="rect">
+            <a:avLst/>
+          </a:prstGeom>
+          <a:noFill/>
+        </p:spPr>
+        <p:txBody>
+          <a:bodyPr wrap="none" rtlCol="0">
+            <a:spAutoFit/>
+          </a:bodyPr>
+          <a:lstStyle/>
+          <a:p>
+            <a:pPr algn="l"/>
+            <a:r>
+              <a:rPr lang="en-US" dirty="0">
+                <a:latin typeface="Arial" panose="020B0604020202020204" pitchFamily="34" charset="0"/>
+                <a:cs typeface="Arial" panose="020B0604020202020204" pitchFamily="34" charset="0"/>
+              </a:rPr>
+              <a:t>Query Plan</a:t>
+            </a:r>
+          </a:p>
+        </p:txBody>
+      </p:sp>
+      <p:sp>
+        <p:nvSpPr>
+          <p:cNvPr id="11" name="TextBox 10">
+            <a:extLst>
+              <a:ext uri="{FF2B5EF4-FFF2-40B4-BE49-F238E27FC236}">
+                <a16:creationId xmlns:a16="http://schemas.microsoft.com/office/drawing/2014/main" id="{1F3AD130-CA13-1A4B-9BFE-FD65B6EB9264}"/>
+              </a:ext>
+            </a:extLst>
+          </p:cNvPr>
+          <p:cNvSpPr txBox="1"/>
+          <p:nvPr/>
+        </p:nvSpPr>
+        <p:spPr>
+          <a:xfrm>
+            <a:off x="7408106" y="2487889"/>
+            <a:ext cx="851580" cy="369332"/>
+          </a:xfrm>
+          <a:prstGeom prst="rect">
+            <a:avLst/>
+          </a:prstGeom>
+          <a:noFill/>
+        </p:spPr>
+        <p:txBody>
+          <a:bodyPr wrap="none" rtlCol="0">
+            <a:spAutoFit/>
+          </a:bodyPr>
+          <a:lstStyle/>
+          <a:p>
+            <a:pPr algn="l"/>
+            <a:r>
+              <a:rPr lang="en-US" dirty="0">
+                <a:latin typeface="Arial" panose="020B0604020202020204" pitchFamily="34" charset="0"/>
+                <a:cs typeface="Arial" panose="020B0604020202020204" pitchFamily="34" charset="0"/>
+              </a:rPr>
+              <a:t>Tables</a:t>
+            </a:r>
+          </a:p>
+        </p:txBody>
+      </p:sp>
+      <p:sp>
+        <p:nvSpPr>
+          <p:cNvPr id="12" name="Rectangle 11">
+            <a:extLst>
+              <a:ext uri="{FF2B5EF4-FFF2-40B4-BE49-F238E27FC236}">
+                <a16:creationId xmlns:a16="http://schemas.microsoft.com/office/drawing/2014/main" id="{1AD1F502-702D-0441-816A-19E93B0DC69F}"/>
+              </a:ext>
+            </a:extLst>
+          </p:cNvPr>
+          <p:cNvSpPr/>
+          <p:nvPr/>
+        </p:nvSpPr>
+        <p:spPr>
+          <a:xfrm>
+            <a:off x="3686963" y="4891964"/>
+            <a:ext cx="1753385" cy="480767"/>
+          </a:xfrm>
+          <a:prstGeom prst="rect">
+            <a:avLst/>
+          </a:prstGeom>
+          <a:solidFill>
+            <a:schemeClr val="bg1"/>
+          </a:solidFill>
+          <a:ln w="28575">
+            <a:solidFill>
+              <a:schemeClr val="bg1">
+                <a:lumMod val="50000"/>
+              </a:schemeClr>
+            </a:solidFill>
+          </a:ln>
+        </p:spPr>
+        <p:style>
+          <a:lnRef idx="2">
+            <a:schemeClr val="accent1">
+              <a:shade val="50000"/>
+            </a:schemeClr>
+          </a:lnRef>
+          <a:fillRef idx="1">
+            <a:schemeClr val="accent1"/>
+          </a:fillRef>
+          <a:effectRef idx="0">
+            <a:schemeClr val="accent1"/>
+          </a:effectRef>
+          <a:fontRef idx="minor">
+            <a:schemeClr val="lt1"/>
+          </a:fontRef>
+        </p:style>
+        <p:txBody>
+          <a:bodyPr rtlCol="0" anchor="ctr"/>
+          <a:lstStyle/>
+          <a:p>
+            <a:pPr algn="ctr"/>
+            <a:r>
+              <a:rPr lang="en-US" dirty="0">
+                <a:solidFill>
+                  <a:schemeClr val="tx1"/>
+                </a:solidFill>
+              </a:rPr>
+              <a:t>Heuristics/UDFs</a:t>
+            </a:r>
+          </a:p>
+        </p:txBody>
+      </p:sp>
+      <p:cxnSp>
+        <p:nvCxnSpPr>
+          <p:cNvPr id="14" name="Straight Arrow Connector 13">
+            <a:extLst>
+              <a:ext uri="{FF2B5EF4-FFF2-40B4-BE49-F238E27FC236}">
+                <a16:creationId xmlns:a16="http://schemas.microsoft.com/office/drawing/2014/main" id="{AF6F8D23-8E86-4F48-B9B3-EBD216988BFB}"/>
+              </a:ext>
+            </a:extLst>
+          </p:cNvPr>
+          <p:cNvCxnSpPr>
+            <a:cxnSpLocks/>
+            <a:stCxn id="8" idx="3"/>
+            <a:endCxn id="9" idx="1"/>
+          </p:cNvCxnSpPr>
+          <p:nvPr/>
+        </p:nvCxnSpPr>
+        <p:spPr>
+          <a:xfrm>
+            <a:off x="3470862" y="4226779"/>
+            <a:ext cx="613109" cy="1"/>
+          </a:xfrm>
+          <a:prstGeom prst="straightConnector1">
+            <a:avLst/>
+          </a:prstGeom>
+          <a:ln w="28575">
+            <a:solidFill>
+              <a:schemeClr val="bg1">
+                <a:lumMod val="50000"/>
+              </a:schemeClr>
+            </a:solidFill>
+            <a:tailEnd type="triangle"/>
+          </a:ln>
+        </p:spPr>
+        <p:style>
+          <a:lnRef idx="1">
+            <a:schemeClr val="accent1"/>
+          </a:lnRef>
+          <a:fillRef idx="0">
+            <a:schemeClr val="accent1"/>
+          </a:fillRef>
+          <a:effectRef idx="0">
+            <a:schemeClr val="accent1"/>
+          </a:effectRef>
+          <a:fontRef idx="minor">
+            <a:schemeClr val="tx1"/>
+          </a:fontRef>
+        </p:style>
+      </p:cxnSp>
+      <p:cxnSp>
+        <p:nvCxnSpPr>
+          <p:cNvPr id="17" name="Straight Arrow Connector 16">
+            <a:extLst>
+              <a:ext uri="{FF2B5EF4-FFF2-40B4-BE49-F238E27FC236}">
+                <a16:creationId xmlns:a16="http://schemas.microsoft.com/office/drawing/2014/main" id="{E2AA07BD-21E5-7847-A19A-D88E74D6E1E6}"/>
+              </a:ext>
+            </a:extLst>
+          </p:cNvPr>
+          <p:cNvCxnSpPr>
+            <a:stCxn id="3" idx="2"/>
+            <a:endCxn id="10" idx="0"/>
+          </p:cNvCxnSpPr>
+          <p:nvPr/>
+        </p:nvCxnSpPr>
+        <p:spPr>
+          <a:xfrm flipH="1">
+            <a:off x="6161643" y="2489172"/>
+            <a:ext cx="1" cy="736099"/>
+          </a:xfrm>
+          <a:prstGeom prst="straightConnector1">
+            <a:avLst/>
+          </a:prstGeom>
+          <a:ln w="28575">
+            <a:solidFill>
+              <a:schemeClr val="bg1">
+                <a:lumMod val="50000"/>
+              </a:schemeClr>
+            </a:solidFill>
+            <a:tailEnd type="triangle"/>
+          </a:ln>
+        </p:spPr>
+        <p:style>
+          <a:lnRef idx="1">
+            <a:schemeClr val="accent1"/>
+          </a:lnRef>
+          <a:fillRef idx="0">
+            <a:schemeClr val="accent1"/>
+          </a:fillRef>
+          <a:effectRef idx="0">
+            <a:schemeClr val="accent1"/>
+          </a:effectRef>
+          <a:fontRef idx="minor">
+            <a:schemeClr val="tx1"/>
+          </a:fontRef>
+        </p:style>
+      </p:cxnSp>
+      <p:sp>
+        <p:nvSpPr>
+          <p:cNvPr id="19" name="Rectangle 18">
+            <a:extLst>
+              <a:ext uri="{FF2B5EF4-FFF2-40B4-BE49-F238E27FC236}">
+                <a16:creationId xmlns:a16="http://schemas.microsoft.com/office/drawing/2014/main" id="{94E1F034-9BCA-7C40-871F-3E09501D2D6D}"/>
+              </a:ext>
+            </a:extLst>
+          </p:cNvPr>
+          <p:cNvSpPr/>
+          <p:nvPr/>
+        </p:nvSpPr>
+        <p:spPr>
+          <a:xfrm>
+            <a:off x="5284950" y="4010524"/>
+            <a:ext cx="1753385" cy="480767"/>
+          </a:xfrm>
+          <a:prstGeom prst="rect">
+            <a:avLst/>
+          </a:prstGeom>
+          <a:solidFill>
+            <a:schemeClr val="bg1"/>
+          </a:solidFill>
+          <a:ln w="28575">
+            <a:solidFill>
+              <a:schemeClr val="bg1">
+                <a:lumMod val="50000"/>
+              </a:schemeClr>
+            </a:solidFill>
+          </a:ln>
+        </p:spPr>
+        <p:style>
+          <a:lnRef idx="2">
+            <a:schemeClr val="accent1">
+              <a:shade val="50000"/>
+            </a:schemeClr>
+          </a:lnRef>
+          <a:fillRef idx="1">
+            <a:schemeClr val="accent1"/>
+          </a:fillRef>
+          <a:effectRef idx="0">
+            <a:schemeClr val="accent1"/>
+          </a:effectRef>
+          <a:fontRef idx="minor">
+            <a:schemeClr val="lt1"/>
+          </a:fontRef>
+        </p:style>
+        <p:txBody>
+          <a:bodyPr rtlCol="0" anchor="ctr"/>
+          <a:lstStyle/>
+          <a:p>
+            <a:pPr algn="ctr"/>
+            <a:r>
+              <a:rPr lang="en-US" dirty="0">
+                <a:solidFill>
+                  <a:schemeClr val="tx1"/>
+                </a:solidFill>
+              </a:rPr>
+              <a:t>Query Executor</a:t>
+            </a:r>
+          </a:p>
+        </p:txBody>
+      </p:sp>
+      <p:cxnSp>
+        <p:nvCxnSpPr>
+          <p:cNvPr id="20" name="Straight Arrow Connector 19">
+            <a:extLst>
+              <a:ext uri="{FF2B5EF4-FFF2-40B4-BE49-F238E27FC236}">
+                <a16:creationId xmlns:a16="http://schemas.microsoft.com/office/drawing/2014/main" id="{8A53741F-62D1-8C49-88B3-A60B9CF49F67}"/>
+              </a:ext>
+            </a:extLst>
+          </p:cNvPr>
+          <p:cNvCxnSpPr>
+            <a:cxnSpLocks/>
+            <a:endCxn id="19" idx="1"/>
+          </p:cNvCxnSpPr>
+          <p:nvPr/>
+        </p:nvCxnSpPr>
+        <p:spPr>
+          <a:xfrm>
+            <a:off x="5043340" y="4247498"/>
+            <a:ext cx="241610" cy="3410"/>
+          </a:xfrm>
+          <a:prstGeom prst="straightConnector1">
+            <a:avLst/>
+          </a:prstGeom>
+          <a:ln w="28575">
+            <a:solidFill>
+              <a:schemeClr val="bg1">
+                <a:lumMod val="50000"/>
+              </a:schemeClr>
+            </a:solidFill>
+            <a:tailEnd type="triangle"/>
+          </a:ln>
+        </p:spPr>
+        <p:style>
+          <a:lnRef idx="1">
+            <a:schemeClr val="accent1"/>
+          </a:lnRef>
+          <a:fillRef idx="0">
+            <a:schemeClr val="accent1"/>
+          </a:fillRef>
+          <a:effectRef idx="0">
+            <a:schemeClr val="accent1"/>
+          </a:effectRef>
+          <a:fontRef idx="minor">
+            <a:schemeClr val="tx1"/>
+          </a:fontRef>
+        </p:style>
+      </p:cxnSp>
+      <p:cxnSp>
+        <p:nvCxnSpPr>
+          <p:cNvPr id="24" name="Straight Arrow Connector 23">
+            <a:extLst>
+              <a:ext uri="{FF2B5EF4-FFF2-40B4-BE49-F238E27FC236}">
+                <a16:creationId xmlns:a16="http://schemas.microsoft.com/office/drawing/2014/main" id="{1A9A83EC-4039-7E49-B7CF-01AB9D0FCEA5}"/>
+              </a:ext>
+            </a:extLst>
+          </p:cNvPr>
+          <p:cNvCxnSpPr>
+            <a:cxnSpLocks/>
+            <a:stCxn id="10" idx="2"/>
+            <a:endCxn id="19" idx="0"/>
+          </p:cNvCxnSpPr>
+          <p:nvPr/>
+        </p:nvCxnSpPr>
+        <p:spPr>
+          <a:xfrm>
+            <a:off x="6161643" y="3594603"/>
+            <a:ext cx="0" cy="415921"/>
+          </a:xfrm>
+          <a:prstGeom prst="straightConnector1">
+            <a:avLst/>
+          </a:prstGeom>
+          <a:ln w="28575">
+            <a:solidFill>
+              <a:schemeClr val="bg1">
+                <a:lumMod val="50000"/>
+              </a:schemeClr>
+            </a:solidFill>
+            <a:tailEnd type="triangle"/>
+          </a:ln>
+        </p:spPr>
+        <p:style>
+          <a:lnRef idx="1">
+            <a:schemeClr val="accent1"/>
+          </a:lnRef>
+          <a:fillRef idx="0">
+            <a:schemeClr val="accent1"/>
+          </a:fillRef>
+          <a:effectRef idx="0">
+            <a:schemeClr val="accent1"/>
+          </a:effectRef>
+          <a:fontRef idx="minor">
+            <a:schemeClr val="tx1"/>
+          </a:fontRef>
+        </p:style>
+      </p:cxnSp>
+      <p:cxnSp>
+        <p:nvCxnSpPr>
+          <p:cNvPr id="28" name="Elbow Connector 27">
+            <a:extLst>
+              <a:ext uri="{FF2B5EF4-FFF2-40B4-BE49-F238E27FC236}">
+                <a16:creationId xmlns:a16="http://schemas.microsoft.com/office/drawing/2014/main" id="{DB0828A4-C073-D54F-B889-D266C28E61CB}"/>
+              </a:ext>
+            </a:extLst>
+          </p:cNvPr>
+          <p:cNvCxnSpPr>
+            <a:cxnSpLocks/>
+            <a:stCxn id="19" idx="3"/>
+            <a:endCxn id="11" idx="2"/>
+          </p:cNvCxnSpPr>
+          <p:nvPr/>
+        </p:nvCxnSpPr>
+        <p:spPr>
+          <a:xfrm flipV="1">
+            <a:off x="7038335" y="2857221"/>
+            <a:ext cx="795561" cy="1393687"/>
+          </a:xfrm>
+          <a:prstGeom prst="bentConnector2">
+            <a:avLst/>
+          </a:prstGeom>
+          <a:ln w="28575">
+            <a:solidFill>
+              <a:schemeClr val="bg1">
+                <a:lumMod val="50000"/>
+              </a:schemeClr>
+            </a:solidFill>
+            <a:tailEnd type="triangle"/>
+          </a:ln>
+        </p:spPr>
+        <p:style>
+          <a:lnRef idx="1">
+            <a:schemeClr val="accent1"/>
+          </a:lnRef>
+          <a:fillRef idx="0">
+            <a:schemeClr val="accent1"/>
+          </a:fillRef>
+          <a:effectRef idx="0">
+            <a:schemeClr val="accent1"/>
+          </a:effectRef>
+          <a:fontRef idx="minor">
+            <a:schemeClr val="tx1"/>
+          </a:fontRef>
+        </p:style>
+      </p:cxnSp>
+      <p:cxnSp>
+        <p:nvCxnSpPr>
+          <p:cNvPr id="32" name="Elbow Connector 31">
+            <a:extLst>
+              <a:ext uri="{FF2B5EF4-FFF2-40B4-BE49-F238E27FC236}">
+                <a16:creationId xmlns:a16="http://schemas.microsoft.com/office/drawing/2014/main" id="{D9BC1F30-FB3B-094A-AF5A-5AB1543B090A}"/>
+              </a:ext>
+            </a:extLst>
+          </p:cNvPr>
+          <p:cNvCxnSpPr>
+            <a:cxnSpLocks/>
+            <a:stCxn id="5" idx="3"/>
+            <a:endCxn id="12" idx="2"/>
+          </p:cNvCxnSpPr>
+          <p:nvPr/>
+        </p:nvCxnSpPr>
+        <p:spPr>
+          <a:xfrm flipV="1">
+            <a:off x="3940404" y="5372731"/>
+            <a:ext cx="623252" cy="701525"/>
+          </a:xfrm>
+          <a:prstGeom prst="bentConnector2">
+            <a:avLst/>
+          </a:prstGeom>
+          <a:ln w="28575">
+            <a:solidFill>
+              <a:schemeClr val="bg1">
+                <a:lumMod val="50000"/>
+              </a:schemeClr>
+            </a:solidFill>
+            <a:tailEnd type="triangle"/>
+          </a:ln>
+        </p:spPr>
+        <p:style>
+          <a:lnRef idx="1">
+            <a:schemeClr val="accent1"/>
+          </a:lnRef>
+          <a:fillRef idx="0">
+            <a:schemeClr val="accent1"/>
+          </a:fillRef>
+          <a:effectRef idx="0">
+            <a:schemeClr val="accent1"/>
+          </a:effectRef>
+          <a:fontRef idx="minor">
+            <a:schemeClr val="tx1"/>
+          </a:fontRef>
+        </p:style>
+      </p:cxnSp>
+      <p:cxnSp>
+        <p:nvCxnSpPr>
+          <p:cNvPr id="36" name="Straight Arrow Connector 35">
+            <a:extLst>
+              <a:ext uri="{FF2B5EF4-FFF2-40B4-BE49-F238E27FC236}">
+                <a16:creationId xmlns:a16="http://schemas.microsoft.com/office/drawing/2014/main" id="{6FCEE1D1-E2FA-FC4D-85C7-BE9766A94D90}"/>
+              </a:ext>
+            </a:extLst>
+          </p:cNvPr>
+          <p:cNvCxnSpPr>
+            <a:cxnSpLocks/>
+            <a:stCxn id="12" idx="0"/>
+            <a:endCxn id="9" idx="2"/>
+          </p:cNvCxnSpPr>
+          <p:nvPr/>
+        </p:nvCxnSpPr>
+        <p:spPr>
+          <a:xfrm flipV="1">
+            <a:off x="4563656" y="4549945"/>
+            <a:ext cx="0" cy="342019"/>
+          </a:xfrm>
+          <a:prstGeom prst="straightConnector1">
+            <a:avLst/>
+          </a:prstGeom>
+          <a:ln w="28575">
+            <a:solidFill>
+              <a:schemeClr val="bg1">
+                <a:lumMod val="50000"/>
+              </a:schemeClr>
+            </a:solidFill>
+            <a:tailEnd type="triangle"/>
+          </a:ln>
+        </p:spPr>
+        <p:style>
+          <a:lnRef idx="1">
+            <a:schemeClr val="accent1"/>
+          </a:lnRef>
+          <a:fillRef idx="0">
+            <a:schemeClr val="accent1"/>
+          </a:fillRef>
+          <a:effectRef idx="0">
+            <a:schemeClr val="accent1"/>
+          </a:effectRef>
+          <a:fontRef idx="minor">
+            <a:schemeClr val="tx1"/>
+          </a:fontRef>
+        </p:style>
+      </p:cxnSp>
     </p:spTree>
     <p:extLst>
       <p:ext uri="{BB962C8B-B14F-4D97-AF65-F5344CB8AC3E}">
-        <p14:creationId xmlns:p14="http://schemas.microsoft.com/office/powerpoint/2010/main" val="648433798"/>
+        <p14:creationId xmlns:p14="http://schemas.microsoft.com/office/powerpoint/2010/main" val="3600287254"/>
       </p:ext>
     </p:extLst>
   </p:cSld>
@@ -4262,6 +4966,113 @@
       </p:grpSpPr>
       <p:sp>
         <p:nvSpPr>
+          <p:cNvPr id="2" name="Title 1">
+            <a:extLst>
+              <a:ext uri="{FF2B5EF4-FFF2-40B4-BE49-F238E27FC236}">
+                <a16:creationId xmlns:a16="http://schemas.microsoft.com/office/drawing/2014/main" id="{5B3C1B7C-DF47-E04A-8A41-1D3F23403AD8}"/>
+              </a:ext>
+            </a:extLst>
+          </p:cNvPr>
+          <p:cNvSpPr>
+            <a:spLocks noGrp="1"/>
+          </p:cNvSpPr>
+          <p:nvPr>
+            <p:ph type="title"/>
+          </p:nvPr>
+        </p:nvSpPr>
+        <p:spPr/>
+        <p:txBody>
+          <a:bodyPr/>
+          <a:lstStyle/>
+          <a:p>
+            <a:r>
+              <a:rPr lang="en-US" dirty="0"/>
+              <a:t>Real use case for Texture?</a:t>
+            </a:r>
+          </a:p>
+        </p:txBody>
+      </p:sp>
+      <p:sp>
+        <p:nvSpPr>
+          <p:cNvPr id="3" name="Content Placeholder 2">
+            <a:extLst>
+              <a:ext uri="{FF2B5EF4-FFF2-40B4-BE49-F238E27FC236}">
+                <a16:creationId xmlns:a16="http://schemas.microsoft.com/office/drawing/2014/main" id="{B40B2430-E9EB-BB44-ACD3-B95A360ABD9D}"/>
+              </a:ext>
+            </a:extLst>
+          </p:cNvPr>
+          <p:cNvSpPr>
+            <a:spLocks noGrp="1"/>
+          </p:cNvSpPr>
+          <p:nvPr>
+            <p:ph idx="1"/>
+          </p:nvPr>
+        </p:nvSpPr>
+        <p:spPr/>
+        <p:txBody>
+          <a:bodyPr/>
+          <a:lstStyle/>
+          <a:p>
+            <a:pPr marL="0" indent="0">
+              <a:buNone/>
+            </a:pPr>
+            <a:r>
+              <a:rPr lang="en-US" dirty="0"/>
+              <a:t>Examples of…</a:t>
+            </a:r>
+          </a:p>
+          <a:p>
+            <a:r>
+              <a:rPr lang="en-US" dirty="0"/>
+              <a:t>Documents</a:t>
+            </a:r>
+          </a:p>
+          <a:p>
+            <a:r>
+              <a:rPr lang="en-US" dirty="0"/>
+              <a:t>End Users</a:t>
+            </a:r>
+          </a:p>
+          <a:p>
+            <a:r>
+              <a:rPr lang="en-US" dirty="0"/>
+              <a:t>Developers</a:t>
+            </a:r>
+          </a:p>
+        </p:txBody>
+      </p:sp>
+    </p:spTree>
+    <p:extLst>
+      <p:ext uri="{BB962C8B-B14F-4D97-AF65-F5344CB8AC3E}">
+        <p14:creationId xmlns:p14="http://schemas.microsoft.com/office/powerpoint/2010/main" val="648433798"/>
+      </p:ext>
+    </p:extLst>
+  </p:cSld>
+  <p:clrMapOvr>
+    <a:masterClrMapping/>
+  </p:clrMapOvr>
+</p:sld>
+</file>
+
+<file path=ppt/slides/slide14.xml><?xml version="1.0" encoding="utf-8"?>
+<p:sld xmlns:a="http://schemas.openxmlformats.org/drawingml/2006/main" xmlns:r="http://schemas.openxmlformats.org/officeDocument/2006/relationships" xmlns:p="http://schemas.openxmlformats.org/presentationml/2006/main">
+  <p:cSld>
+    <p:spTree>
+      <p:nvGrpSpPr>
+        <p:cNvPr id="1" name=""/>
+        <p:cNvGrpSpPr/>
+        <p:nvPr/>
+      </p:nvGrpSpPr>
+      <p:grpSpPr>
+        <a:xfrm>
+          <a:off x="0" y="0"/>
+          <a:ext cx="0" cy="0"/>
+          <a:chOff x="0" y="0"/>
+          <a:chExt cx="0" cy="0"/>
+        </a:xfrm>
+      </p:grpSpPr>
+      <p:sp>
+        <p:nvSpPr>
           <p:cNvPr id="6" name="Title 5">
             <a:extLst>
               <a:ext uri="{FF2B5EF4-FFF2-40B4-BE49-F238E27FC236}">
@@ -4326,7 +5137,7 @@
 </p:sld>
 </file>
 
-<file path=ppt/slides/slide14.xml><?xml version="1.0" encoding="utf-8"?>
+<file path=ppt/slides/slide15.xml><?xml version="1.0" encoding="utf-8"?>
 <p:sld xmlns:a="http://schemas.openxmlformats.org/drawingml/2006/main" xmlns:r="http://schemas.openxmlformats.org/officeDocument/2006/relationships" xmlns:p="http://schemas.openxmlformats.org/presentationml/2006/main">
   <p:cSld>
     <p:spTree>
@@ -5719,7 +6530,7 @@
 </p:sld>
 </file>
 
-<file path=ppt/slides/slide15.xml><?xml version="1.0" encoding="utf-8"?>
+<file path=ppt/slides/slide16.xml><?xml version="1.0" encoding="utf-8"?>
 <p:sld xmlns:a="http://schemas.openxmlformats.org/drawingml/2006/main" xmlns:r="http://schemas.openxmlformats.org/officeDocument/2006/relationships" xmlns:p="http://schemas.openxmlformats.org/presentationml/2006/main">
   <p:cSld>
     <p:spTree>
@@ -6234,7 +7045,7 @@
 </p:sld>
 </file>
 
-<file path=ppt/slides/slide16.xml><?xml version="1.0" encoding="utf-8"?>
+<file path=ppt/slides/slide17.xml><?xml version="1.0" encoding="utf-8"?>
 <p:sld xmlns:a="http://schemas.openxmlformats.org/drawingml/2006/main" xmlns:r="http://schemas.openxmlformats.org/officeDocument/2006/relationships" xmlns:p="http://schemas.openxmlformats.org/presentationml/2006/main">
   <p:cSld>
     <p:spTree>
@@ -6715,7 +7526,7 @@
 </p:sld>
 </file>
 
-<file path=ppt/slides/slide17.xml><?xml version="1.0" encoding="utf-8"?>
+<file path=ppt/slides/slide18.xml><?xml version="1.0" encoding="utf-8"?>
 <p:sld xmlns:a="http://schemas.openxmlformats.org/drawingml/2006/main" xmlns:r="http://schemas.openxmlformats.org/officeDocument/2006/relationships" xmlns:p="http://schemas.openxmlformats.org/presentationml/2006/main">
   <p:cSld>
     <p:spTree>
@@ -6911,183 +7722,6 @@
 </p:sld>
 </file>
 
-<file path=ppt/slides/slide18.xml><?xml version="1.0" encoding="utf-8"?>
-<p:sld xmlns:a="http://schemas.openxmlformats.org/drawingml/2006/main" xmlns:r="http://schemas.openxmlformats.org/officeDocument/2006/relationships" xmlns:p="http://schemas.openxmlformats.org/presentationml/2006/main">
-  <p:cSld>
-    <p:spTree>
-      <p:nvGrpSpPr>
-        <p:cNvPr id="1" name=""/>
-        <p:cNvGrpSpPr/>
-        <p:nvPr/>
-      </p:nvGrpSpPr>
-      <p:grpSpPr>
-        <a:xfrm>
-          <a:off x="0" y="0"/>
-          <a:ext cx="0" cy="0"/>
-          <a:chOff x="0" y="0"/>
-          <a:chExt cx="0" cy="0"/>
-        </a:xfrm>
-      </p:grpSpPr>
-      <p:sp>
-        <p:nvSpPr>
-          <p:cNvPr id="2" name="Title 1">
-            <a:extLst>
-              <a:ext uri="{FF2B5EF4-FFF2-40B4-BE49-F238E27FC236}">
-                <a16:creationId xmlns:a16="http://schemas.microsoft.com/office/drawing/2014/main" id="{5CB88E1C-7810-E34E-8F80-68901A29CAF3}"/>
-              </a:ext>
-            </a:extLst>
-          </p:cNvPr>
-          <p:cNvSpPr>
-            <a:spLocks noGrp="1"/>
-          </p:cNvSpPr>
-          <p:nvPr>
-            <p:ph type="title"/>
-          </p:nvPr>
-        </p:nvSpPr>
-        <p:spPr/>
-        <p:txBody>
-          <a:bodyPr/>
-          <a:lstStyle/>
-          <a:p>
-            <a:r>
-              <a:rPr lang="en-US" dirty="0"/>
-              <a:t>How best to combine HDIs and AI?</a:t>
-            </a:r>
-          </a:p>
-        </p:txBody>
-      </p:sp>
-      <p:sp>
-        <p:nvSpPr>
-          <p:cNvPr id="3" name="Content Placeholder 2">
-            <a:extLst>
-              <a:ext uri="{FF2B5EF4-FFF2-40B4-BE49-F238E27FC236}">
-                <a16:creationId xmlns:a16="http://schemas.microsoft.com/office/drawing/2014/main" id="{31427E0F-8F86-EF44-9A86-154AEA932376}"/>
-              </a:ext>
-            </a:extLst>
-          </p:cNvPr>
-          <p:cNvSpPr>
-            <a:spLocks noGrp="1"/>
-          </p:cNvSpPr>
-          <p:nvPr>
-            <p:ph idx="1"/>
-          </p:nvPr>
-        </p:nvSpPr>
-        <p:spPr/>
-        <p:txBody>
-          <a:bodyPr>
-            <a:normAutofit lnSpcReduction="10000"/>
-          </a:bodyPr>
-          <a:lstStyle/>
-          <a:p>
-            <a:pPr marL="0" indent="0">
-              <a:buNone/>
-            </a:pPr>
-            <a:r>
-              <a:rPr lang="en-US" dirty="0"/>
-              <a:t>Provide shared representation: DSL</a:t>
-            </a:r>
-          </a:p>
-          <a:p>
-            <a:pPr marL="0" indent="0">
-              <a:buNone/>
-            </a:pPr>
-            <a:r>
-              <a:rPr lang="en-US" dirty="0"/>
-              <a:t>AI: </a:t>
-            </a:r>
-            <a:r>
-              <a:rPr lang="en-US" dirty="0">
-                <a:solidFill>
-                  <a:schemeClr val="bg1">
-                    <a:lumMod val="50000"/>
-                  </a:schemeClr>
-                </a:solidFill>
-              </a:rPr>
-              <a:t>generate and rank suggestions in DSL</a:t>
-            </a:r>
-          </a:p>
-          <a:p>
-            <a:pPr marL="0" indent="0">
-              <a:buNone/>
-            </a:pPr>
-            <a:r>
-              <a:rPr lang="en-US" dirty="0"/>
-              <a:t>Users: </a:t>
-            </a:r>
-            <a:r>
-              <a:rPr lang="en-US" dirty="0">
-                <a:solidFill>
-                  <a:schemeClr val="bg1">
-                    <a:lumMod val="50000"/>
-                  </a:schemeClr>
-                </a:solidFill>
-              </a:rPr>
-              <a:t>review, select, edit, ignore suggestions</a:t>
-            </a:r>
-          </a:p>
-          <a:p>
-            <a:pPr marL="0" indent="0">
-              <a:buNone/>
-            </a:pPr>
-            <a:endParaRPr lang="en-US" dirty="0"/>
-          </a:p>
-          <a:p>
-            <a:pPr marL="0" indent="0">
-              <a:buNone/>
-            </a:pPr>
-            <a:r>
-              <a:rPr lang="en-US" dirty="0"/>
-              <a:t>Examples of DSLs</a:t>
-            </a:r>
-          </a:p>
-          <a:p>
-            <a:r>
-              <a:rPr lang="en-US" dirty="0"/>
-              <a:t>Tableau:</a:t>
-            </a:r>
-          </a:p>
-          <a:p>
-            <a:r>
-              <a:rPr lang="en-US" dirty="0"/>
-              <a:t>Voyager:</a:t>
-            </a:r>
-          </a:p>
-          <a:p>
-            <a:r>
-              <a:rPr lang="en-US" dirty="0"/>
-              <a:t>Wrangler:</a:t>
-            </a:r>
-          </a:p>
-          <a:p>
-            <a:r>
-              <a:rPr lang="en-US" dirty="0"/>
-              <a:t>Texture:</a:t>
-            </a:r>
-          </a:p>
-          <a:p>
-            <a:endParaRPr lang="en-US" dirty="0"/>
-          </a:p>
-          <a:p>
-            <a:endParaRPr lang="en-US" dirty="0"/>
-          </a:p>
-          <a:p>
-            <a:endParaRPr lang="en-US" dirty="0"/>
-          </a:p>
-        </p:txBody>
-      </p:sp>
-    </p:spTree>
-    <p:extLst>
-      <p:ext uri="{BB962C8B-B14F-4D97-AF65-F5344CB8AC3E}">
-        <p14:creationId xmlns:p14="http://schemas.microsoft.com/office/powerpoint/2010/main" val="1474211064"/>
-      </p:ext>
-    </p:extLst>
-  </p:cSld>
-  <p:clrMapOvr>
-    <a:masterClrMapping/>
-  </p:clrMapOvr>
-</p:sld>
-</file>
-
 <file path=ppt/slides/slide19.xml><?xml version="1.0" encoding="utf-8"?>
 <p:sld xmlns:a="http://schemas.openxmlformats.org/drawingml/2006/main" xmlns:r="http://schemas.openxmlformats.org/officeDocument/2006/relationships" xmlns:p="http://schemas.openxmlformats.org/presentationml/2006/main">
   <p:cSld>
@@ -7220,38 +7854,25 @@
           <a:p>
             <a:r>
               <a:rPr lang="en-US" dirty="0"/>
-              <a:t>Tableau: </a:t>
-            </a:r>
-            <a:r>
-              <a:rPr lang="en-US" dirty="0" err="1"/>
-              <a:t>VisQL</a:t>
-            </a:r>
-            <a:endParaRPr lang="en-US" dirty="0"/>
+              <a:t>Tableau:</a:t>
+            </a:r>
           </a:p>
           <a:p>
             <a:r>
               <a:rPr lang="en-US" dirty="0"/>
-              <a:t>Voyager: </a:t>
-            </a:r>
-            <a:r>
-              <a:rPr lang="en-US" dirty="0" err="1"/>
-              <a:t>vega</a:t>
-            </a:r>
+              <a:t>Voyager:</a:t>
+            </a:r>
+          </a:p>
+          <a:p>
             <a:r>
               <a:rPr lang="en-US" dirty="0"/>
-              <a:t>-lite</a:t>
+              <a:t>Wrangler:</a:t>
             </a:r>
           </a:p>
           <a:p>
             <a:r>
               <a:rPr lang="en-US" dirty="0"/>
-              <a:t>Wrangler: wrangler transforms</a:t>
-            </a:r>
-          </a:p>
-          <a:p>
-            <a:r>
-              <a:rPr lang="en-US" dirty="0"/>
-              <a:t>Texture: SBEL extraction rule</a:t>
+              <a:t>Texture:</a:t>
             </a:r>
           </a:p>
           <a:p>
@@ -7268,7 +7889,7 @@
     </p:spTree>
     <p:extLst>
       <p:ext uri="{BB962C8B-B14F-4D97-AF65-F5344CB8AC3E}">
-        <p14:creationId xmlns:p14="http://schemas.microsoft.com/office/powerpoint/2010/main" val="801336988"/>
+        <p14:creationId xmlns:p14="http://schemas.microsoft.com/office/powerpoint/2010/main" val="1474211064"/>
       </p:ext>
     </p:extLst>
   </p:cSld>
@@ -7493,32 +8114,48 @@
             </a:pPr>
             <a:r>
               <a:rPr lang="en-US" dirty="0"/>
-              <a:t>Principles</a:t>
+              <a:t>Examples of DSLs</a:t>
             </a:r>
           </a:p>
           <a:p>
             <a:r>
               <a:rPr lang="en-US" dirty="0"/>
-              <a:t>Positive value (for user tasks)</a:t>
-            </a:r>
+              <a:t>Tableau: </a:t>
+            </a:r>
+            <a:r>
+              <a:rPr lang="en-US" dirty="0" err="1"/>
+              <a:t>VisQL</a:t>
+            </a:r>
+            <a:endParaRPr lang="en-US" dirty="0"/>
           </a:p>
           <a:p>
             <a:r>
               <a:rPr lang="en-US" dirty="0"/>
-              <a:t>Low overhead: augment, not replace, user interaction</a:t>
-            </a:r>
-          </a:p>
-          <a:p>
+              <a:t>Voyager: </a:t>
+            </a:r>
+            <a:r>
+              <a:rPr lang="en-US" dirty="0" err="1"/>
+              <a:t>vega</a:t>
+            </a:r>
             <a:r>
               <a:rPr lang="en-US" dirty="0"/>
-              <a:t>Doesn’t decrease value</a:t>
+              <a:t>-lite</a:t>
             </a:r>
           </a:p>
           <a:p>
             <a:r>
               <a:rPr lang="en-US" dirty="0"/>
-              <a:t>Better over time</a:t>
-            </a:r>
+              <a:t>Wrangler: wrangler transforms</a:t>
+            </a:r>
+          </a:p>
+          <a:p>
+            <a:r>
+              <a:rPr lang="en-US" dirty="0"/>
+              <a:t>Texture: SBEL extraction rule</a:t>
+            </a:r>
+          </a:p>
+          <a:p>
+            <a:endParaRPr lang="en-US" dirty="0"/>
           </a:p>
           <a:p>
             <a:endParaRPr lang="en-US" dirty="0"/>
@@ -7531,7 +8168,7 @@
     </p:spTree>
     <p:extLst>
       <p:ext uri="{BB962C8B-B14F-4D97-AF65-F5344CB8AC3E}">
-        <p14:creationId xmlns:p14="http://schemas.microsoft.com/office/powerpoint/2010/main" val="2476532077"/>
+        <p14:creationId xmlns:p14="http://schemas.microsoft.com/office/powerpoint/2010/main" val="801336988"/>
       </p:ext>
     </p:extLst>
   </p:cSld>
@@ -7563,7 +8200,7 @@
           <p:cNvPr id="2" name="Title 1">
             <a:extLst>
               <a:ext uri="{FF2B5EF4-FFF2-40B4-BE49-F238E27FC236}">
-                <a16:creationId xmlns:a16="http://schemas.microsoft.com/office/drawing/2014/main" id="{6D8A9253-2EBF-7C4B-AC49-5344E32D826C}"/>
+                <a16:creationId xmlns:a16="http://schemas.microsoft.com/office/drawing/2014/main" id="{5CB88E1C-7810-E34E-8F80-68901A29CAF3}"/>
               </a:ext>
             </a:extLst>
           </p:cNvPr>
@@ -7581,7 +8218,7 @@
           <a:p>
             <a:r>
               <a:rPr lang="en-US" dirty="0"/>
-              <a:t>Why Combine HDIs and AI anyways?</a:t>
+              <a:t>How best to combine HDIs and AI?</a:t>
             </a:r>
           </a:p>
         </p:txBody>
@@ -7591,7 +8228,7 @@
           <p:cNvPr id="3" name="Content Placeholder 2">
             <a:extLst>
               <a:ext uri="{FF2B5EF4-FFF2-40B4-BE49-F238E27FC236}">
-                <a16:creationId xmlns:a16="http://schemas.microsoft.com/office/drawing/2014/main" id="{6B3274AD-9DBB-9D48-8DB6-D36F9B697E9B}"/>
+                <a16:creationId xmlns:a16="http://schemas.microsoft.com/office/drawing/2014/main" id="{31427E0F-8F86-EF44-9A86-154AEA932376}"/>
               </a:ext>
             </a:extLst>
           </p:cNvPr>
@@ -7605,7 +8242,7 @@
         <p:spPr/>
         <p:txBody>
           <a:bodyPr>
-            <a:normAutofit/>
+            <a:normAutofit lnSpcReduction="10000"/>
           </a:bodyPr>
           <a:lstStyle/>
           <a:p>
@@ -7614,13 +8251,45 @@
             </a:pPr>
             <a:r>
               <a:rPr lang="en-US" dirty="0"/>
-              <a:t>Data tasks are ill-formed.  User iteratively identifies the task</a:t>
-            </a:r>
-          </a:p>
-          <a:p>
+              <a:t>Provide shared representation: DSL</a:t>
+            </a:r>
+          </a:p>
+          <a:p>
+            <a:pPr marL="0" indent="0">
+              <a:buNone/>
+            </a:pPr>
             <a:r>
               <a:rPr lang="en-US" dirty="0"/>
-              <a:t>Data science, cleaning, exploration, creativity</a:t>
+              <a:t>AI: </a:t>
+            </a:r>
+            <a:r>
+              <a:rPr lang="en-US" dirty="0">
+                <a:solidFill>
+                  <a:schemeClr val="bg1">
+                    <a:lumMod val="50000"/>
+                  </a:schemeClr>
+                </a:solidFill>
+              </a:rPr>
+              <a:t>generate and rank suggestions in DSL</a:t>
+            </a:r>
+          </a:p>
+          <a:p>
+            <a:pPr marL="0" indent="0">
+              <a:buNone/>
+            </a:pPr>
+            <a:r>
+              <a:rPr lang="en-US" dirty="0"/>
+              <a:t>Users: </a:t>
+            </a:r>
+            <a:r>
+              <a:rPr lang="en-US" dirty="0">
+                <a:solidFill>
+                  <a:schemeClr val="bg1">
+                    <a:lumMod val="50000"/>
+                  </a:schemeClr>
+                </a:solidFill>
+              </a:rPr>
+              <a:t>review, select, edit, ignore suggestions</a:t>
             </a:r>
           </a:p>
           <a:p>
@@ -7635,43 +8304,37 @@
             </a:pPr>
             <a:r>
               <a:rPr lang="en-US" dirty="0"/>
-              <a:t>Big design + action (programs) space</a:t>
-            </a:r>
-          </a:p>
-          <a:p>
-            <a:pPr marL="0" indent="0">
-              <a:buNone/>
-            </a:pPr>
+              <a:t>Principles</a:t>
+            </a:r>
+          </a:p>
+          <a:p>
+            <a:r>
+              <a:rPr lang="en-US" dirty="0"/>
+              <a:t>Positive value (for user tasks)</a:t>
+            </a:r>
+          </a:p>
+          <a:p>
+            <a:r>
+              <a:rPr lang="en-US" dirty="0"/>
+              <a:t>Low overhead: augment, not replace, user interaction</a:t>
+            </a:r>
+          </a:p>
+          <a:p>
+            <a:r>
+              <a:rPr lang="en-US" dirty="0"/>
+              <a:t>Doesn’t decrease value</a:t>
+            </a:r>
+          </a:p>
+          <a:p>
+            <a:r>
+              <a:rPr lang="en-US" dirty="0"/>
+              <a:t>Better over time</a:t>
+            </a:r>
+          </a:p>
+          <a:p>
             <a:endParaRPr lang="en-US" dirty="0"/>
           </a:p>
           <a:p>
-            <a:pPr marL="0" indent="0">
-              <a:buNone/>
-            </a:pPr>
-            <a:r>
-              <a:rPr lang="en-US" dirty="0"/>
-              <a:t>Big and unknown task (goals) space</a:t>
-            </a:r>
-          </a:p>
-          <a:p>
-            <a:pPr marL="0" indent="0">
-              <a:buNone/>
-            </a:pPr>
-            <a:endParaRPr lang="en-US" dirty="0"/>
-          </a:p>
-          <a:p>
-            <a:pPr marL="0" indent="0">
-              <a:buNone/>
-            </a:pPr>
-            <a:r>
-              <a:rPr lang="en-US" dirty="0"/>
-              <a:t>Imperfect AI</a:t>
-            </a:r>
-          </a:p>
-          <a:p>
-            <a:pPr marL="0" indent="0">
-              <a:buNone/>
-            </a:pPr>
             <a:endParaRPr lang="en-US" dirty="0"/>
           </a:p>
         </p:txBody>
@@ -7679,7 +8342,7 @@
     </p:spTree>
     <p:extLst>
       <p:ext uri="{BB962C8B-B14F-4D97-AF65-F5344CB8AC3E}">
-        <p14:creationId xmlns:p14="http://schemas.microsoft.com/office/powerpoint/2010/main" val="3593747778"/>
+        <p14:creationId xmlns:p14="http://schemas.microsoft.com/office/powerpoint/2010/main" val="2476532077"/>
       </p:ext>
     </p:extLst>
   </p:cSld>
@@ -7711,7 +8374,7 @@
           <p:cNvPr id="2" name="Title 1">
             <a:extLst>
               <a:ext uri="{FF2B5EF4-FFF2-40B4-BE49-F238E27FC236}">
-                <a16:creationId xmlns:a16="http://schemas.microsoft.com/office/drawing/2014/main" id="{967FA871-0E28-D543-A2DC-049CD4D12C8F}"/>
+                <a16:creationId xmlns:a16="http://schemas.microsoft.com/office/drawing/2014/main" id="{6D8A9253-2EBF-7C4B-AC49-5344E32D826C}"/>
               </a:ext>
             </a:extLst>
           </p:cNvPr>
@@ -7724,260 +8387,110 @@
         </p:nvSpPr>
         <p:spPr/>
         <p:txBody>
+          <a:bodyPr/>
+          <a:lstStyle/>
+          <a:p>
+            <a:r>
+              <a:rPr lang="en-US" dirty="0"/>
+              <a:t>Why Combine HDIs and AI anyways?</a:t>
+            </a:r>
+          </a:p>
+        </p:txBody>
+      </p:sp>
+      <p:sp>
+        <p:nvSpPr>
+          <p:cNvPr id="3" name="Content Placeholder 2">
+            <a:extLst>
+              <a:ext uri="{FF2B5EF4-FFF2-40B4-BE49-F238E27FC236}">
+                <a16:creationId xmlns:a16="http://schemas.microsoft.com/office/drawing/2014/main" id="{6B3274AD-9DBB-9D48-8DB6-D36F9B697E9B}"/>
+              </a:ext>
+            </a:extLst>
+          </p:cNvPr>
+          <p:cNvSpPr>
+            <a:spLocks noGrp="1"/>
+          </p:cNvSpPr>
+          <p:nvPr>
+            <p:ph idx="1"/>
+          </p:nvPr>
+        </p:nvSpPr>
+        <p:spPr/>
+        <p:txBody>
           <a:bodyPr>
             <a:normAutofit/>
           </a:bodyPr>
           <a:lstStyle/>
           <a:p>
-            <a:r>
-              <a:rPr lang="en-US" sz="4000" dirty="0"/>
-              <a:t>Contrast between the three systems</a:t>
-            </a:r>
-          </a:p>
-        </p:txBody>
-      </p:sp>
-      <p:pic>
-        <p:nvPicPr>
-          <p:cNvPr id="4" name="Picture 3">
-            <a:extLst>
-              <a:ext uri="{FF2B5EF4-FFF2-40B4-BE49-F238E27FC236}">
-                <a16:creationId xmlns:a16="http://schemas.microsoft.com/office/drawing/2014/main" id="{FC04ECD9-CD9D-3245-8A90-88C4D6128D52}"/>
-              </a:ext>
-            </a:extLst>
-          </p:cNvPr>
-          <p:cNvPicPr>
-            <a:picLocks noChangeAspect="1"/>
-          </p:cNvPicPr>
-          <p:nvPr/>
-        </p:nvPicPr>
-        <p:blipFill rotWithShape="1">
-          <a:blip r:embed="rId2"/>
-          <a:srcRect l="13501" r="14008"/>
-          <a:stretch/>
-        </p:blipFill>
-        <p:spPr>
-          <a:xfrm>
-            <a:off x="4584588" y="2664197"/>
-            <a:ext cx="3308512" cy="3437008"/>
-          </a:xfrm>
-          <a:prstGeom prst="rect">
-            <a:avLst/>
-          </a:prstGeom>
-        </p:spPr>
-      </p:pic>
-      <p:pic>
-        <p:nvPicPr>
-          <p:cNvPr id="5" name="Picture 4">
-            <a:extLst>
-              <a:ext uri="{FF2B5EF4-FFF2-40B4-BE49-F238E27FC236}">
-                <a16:creationId xmlns:a16="http://schemas.microsoft.com/office/drawing/2014/main" id="{F329E73E-63BF-8049-BB0A-D95080944A80}"/>
-              </a:ext>
-            </a:extLst>
-          </p:cNvPr>
-          <p:cNvPicPr>
-            <a:picLocks noChangeAspect="1"/>
-          </p:cNvPicPr>
-          <p:nvPr/>
-        </p:nvPicPr>
-        <p:blipFill rotWithShape="1">
-          <a:blip r:embed="rId3"/>
-          <a:srcRect r="32825"/>
-          <a:stretch/>
-        </p:blipFill>
-        <p:spPr>
-          <a:xfrm>
-            <a:off x="8804297" y="2673342"/>
-            <a:ext cx="2815274" cy="3396972"/>
-          </a:xfrm>
-          <a:prstGeom prst="rect">
-            <a:avLst/>
-          </a:prstGeom>
-        </p:spPr>
-      </p:pic>
-      <p:pic>
-        <p:nvPicPr>
-          <p:cNvPr id="6" name="Picture 5">
-            <a:extLst>
-              <a:ext uri="{FF2B5EF4-FFF2-40B4-BE49-F238E27FC236}">
-                <a16:creationId xmlns:a16="http://schemas.microsoft.com/office/drawing/2014/main" id="{A8C03813-D0E2-8C44-BBCD-0F0E290E9888}"/>
-              </a:ext>
-            </a:extLst>
-          </p:cNvPr>
-          <p:cNvPicPr>
-            <a:picLocks noChangeAspect="1"/>
-          </p:cNvPicPr>
-          <p:nvPr/>
-        </p:nvPicPr>
-        <p:blipFill rotWithShape="1">
-          <a:blip r:embed="rId4"/>
-          <a:srcRect l="1078" t="1410" r="27053"/>
-          <a:stretch/>
-        </p:blipFill>
-        <p:spPr>
-          <a:xfrm>
-            <a:off x="875898" y="2709512"/>
-            <a:ext cx="2511805" cy="3391692"/>
-          </a:xfrm>
-          <a:prstGeom prst="rect">
-            <a:avLst/>
-          </a:prstGeom>
-        </p:spPr>
-      </p:pic>
-      <p:sp>
-        <p:nvSpPr>
-          <p:cNvPr id="9" name="TextBox 8">
-            <a:extLst>
-              <a:ext uri="{FF2B5EF4-FFF2-40B4-BE49-F238E27FC236}">
-                <a16:creationId xmlns:a16="http://schemas.microsoft.com/office/drawing/2014/main" id="{BB1CE9B1-5555-8044-AE46-B3AF6880735C}"/>
-              </a:ext>
-            </a:extLst>
-          </p:cNvPr>
-          <p:cNvSpPr txBox="1"/>
-          <p:nvPr/>
-        </p:nvSpPr>
-        <p:spPr>
-          <a:xfrm>
-            <a:off x="1293690" y="1706880"/>
-            <a:ext cx="1638525" cy="954107"/>
-          </a:xfrm>
-          <a:prstGeom prst="rect">
-            <a:avLst/>
-          </a:prstGeom>
-          <a:noFill/>
-        </p:spPr>
-        <p:txBody>
-          <a:bodyPr wrap="none" rtlCol="0">
-            <a:spAutoFit/>
-          </a:bodyPr>
-          <a:lstStyle/>
-          <a:p>
-            <a:pPr algn="ctr"/>
-            <a:r>
-              <a:rPr lang="en-US" sz="2800" dirty="0">
-                <a:latin typeface="Arial" panose="020B0604020202020204" pitchFamily="34" charset="0"/>
-                <a:cs typeface="Arial" panose="020B0604020202020204" pitchFamily="34" charset="0"/>
-              </a:rPr>
-              <a:t>Wrangler</a:t>
-            </a:r>
-          </a:p>
-          <a:p>
-            <a:pPr algn="ctr"/>
-            <a:r>
-              <a:rPr lang="en-US" sz="2800" dirty="0">
-                <a:latin typeface="Arial" panose="020B0604020202020204" pitchFamily="34" charset="0"/>
-                <a:cs typeface="Arial" panose="020B0604020202020204" pitchFamily="34" charset="0"/>
-              </a:rPr>
-              <a:t>csv/text</a:t>
-            </a:r>
-          </a:p>
-        </p:txBody>
-      </p:sp>
-      <p:sp>
-        <p:nvSpPr>
-          <p:cNvPr id="10" name="TextBox 9">
-            <a:extLst>
-              <a:ext uri="{FF2B5EF4-FFF2-40B4-BE49-F238E27FC236}">
-                <a16:creationId xmlns:a16="http://schemas.microsoft.com/office/drawing/2014/main" id="{8CDD9BFE-EBDE-7F49-A24A-2E9202484386}"/>
-              </a:ext>
-            </a:extLst>
-          </p:cNvPr>
-          <p:cNvSpPr txBox="1"/>
-          <p:nvPr/>
-        </p:nvSpPr>
-        <p:spPr>
-          <a:xfrm>
-            <a:off x="5347414" y="1706880"/>
-            <a:ext cx="1782860" cy="954107"/>
-          </a:xfrm>
-          <a:prstGeom prst="rect">
-            <a:avLst/>
-          </a:prstGeom>
-          <a:noFill/>
-        </p:spPr>
-        <p:txBody>
-          <a:bodyPr wrap="none" rtlCol="0">
-            <a:spAutoFit/>
-          </a:bodyPr>
-          <a:lstStyle/>
-          <a:p>
-            <a:pPr algn="ctr"/>
-            <a:r>
-              <a:rPr lang="en-US" sz="2800" dirty="0">
-                <a:latin typeface="Arial" panose="020B0604020202020204" pitchFamily="34" charset="0"/>
-                <a:cs typeface="Arial" panose="020B0604020202020204" pitchFamily="34" charset="0"/>
-              </a:rPr>
-              <a:t>Texture</a:t>
-            </a:r>
-          </a:p>
-          <a:p>
-            <a:pPr algn="ctr"/>
-            <a:r>
-              <a:rPr lang="en-US" sz="2800" dirty="0">
-                <a:latin typeface="Arial" panose="020B0604020202020204" pitchFamily="34" charset="0"/>
-                <a:cs typeface="Arial" panose="020B0604020202020204" pitchFamily="34" charset="0"/>
-              </a:rPr>
-              <a:t>Print docs</a:t>
-            </a:r>
-          </a:p>
-        </p:txBody>
-      </p:sp>
-      <p:sp>
-        <p:nvSpPr>
-          <p:cNvPr id="11" name="TextBox 10">
-            <a:extLst>
-              <a:ext uri="{FF2B5EF4-FFF2-40B4-BE49-F238E27FC236}">
-                <a16:creationId xmlns:a16="http://schemas.microsoft.com/office/drawing/2014/main" id="{A76C25E9-A96A-A049-B0EF-36999F4496A1}"/>
-              </a:ext>
-            </a:extLst>
-          </p:cNvPr>
-          <p:cNvSpPr txBox="1"/>
-          <p:nvPr/>
-        </p:nvSpPr>
-        <p:spPr>
-          <a:xfrm>
-            <a:off x="8890098" y="1706880"/>
-            <a:ext cx="2643672" cy="954107"/>
-          </a:xfrm>
-          <a:prstGeom prst="rect">
-            <a:avLst/>
-          </a:prstGeom>
-          <a:noFill/>
-        </p:spPr>
-        <p:txBody>
-          <a:bodyPr wrap="none" rtlCol="0">
-            <a:spAutoFit/>
-          </a:bodyPr>
-          <a:lstStyle/>
-          <a:p>
-            <a:pPr algn="ctr"/>
-            <a:r>
-              <a:rPr lang="en-US" sz="2800" dirty="0" err="1">
-                <a:latin typeface="Arial" panose="020B0604020202020204" pitchFamily="34" charset="0"/>
-                <a:cs typeface="Arial" panose="020B0604020202020204" pitchFamily="34" charset="0"/>
-              </a:rPr>
-              <a:t>Instabase</a:t>
-            </a:r>
-            <a:endParaRPr lang="en-US" sz="2800" dirty="0">
-              <a:latin typeface="Arial" panose="020B0604020202020204" pitchFamily="34" charset="0"/>
-              <a:cs typeface="Arial" panose="020B0604020202020204" pitchFamily="34" charset="0"/>
-            </a:endParaRPr>
-          </a:p>
-          <a:p>
-            <a:pPr algn="ctr"/>
-            <a:r>
-              <a:rPr lang="en-US" sz="2800" dirty="0">
-                <a:latin typeface="Arial" panose="020B0604020202020204" pitchFamily="34" charset="0"/>
-                <a:cs typeface="Arial" panose="020B0604020202020204" pitchFamily="34" charset="0"/>
-              </a:rPr>
-              <a:t>structured docs</a:t>
-            </a:r>
+            <a:pPr marL="0" indent="0">
+              <a:buNone/>
+            </a:pPr>
+            <a:r>
+              <a:rPr lang="en-US" dirty="0"/>
+              <a:t>Data tasks are ill-formed.  User iteratively identifies the task</a:t>
+            </a:r>
+          </a:p>
+          <a:p>
+            <a:r>
+              <a:rPr lang="en-US" dirty="0"/>
+              <a:t>Data science, cleaning, exploration, creativity</a:t>
+            </a:r>
+          </a:p>
+          <a:p>
+            <a:pPr marL="0" indent="0">
+              <a:buNone/>
+            </a:pPr>
+            <a:endParaRPr lang="en-US" dirty="0"/>
+          </a:p>
+          <a:p>
+            <a:pPr marL="0" indent="0">
+              <a:buNone/>
+            </a:pPr>
+            <a:r>
+              <a:rPr lang="en-US" dirty="0"/>
+              <a:t>Big design + action (programs) space</a:t>
+            </a:r>
+          </a:p>
+          <a:p>
+            <a:pPr marL="0" indent="0">
+              <a:buNone/>
+            </a:pPr>
+            <a:endParaRPr lang="en-US" dirty="0"/>
+          </a:p>
+          <a:p>
+            <a:pPr marL="0" indent="0">
+              <a:buNone/>
+            </a:pPr>
+            <a:r>
+              <a:rPr lang="en-US" dirty="0"/>
+              <a:t>Big and unknown task (goals) space</a:t>
+            </a:r>
+          </a:p>
+          <a:p>
+            <a:pPr marL="0" indent="0">
+              <a:buNone/>
+            </a:pPr>
+            <a:endParaRPr lang="en-US" dirty="0"/>
+          </a:p>
+          <a:p>
+            <a:pPr marL="0" indent="0">
+              <a:buNone/>
+            </a:pPr>
+            <a:r>
+              <a:rPr lang="en-US" dirty="0"/>
+              <a:t>Imperfect AI</a:t>
+            </a:r>
+          </a:p>
+          <a:p>
+            <a:pPr marL="0" indent="0">
+              <a:buNone/>
+            </a:pPr>
+            <a:endParaRPr lang="en-US" dirty="0"/>
           </a:p>
         </p:txBody>
       </p:sp>
     </p:spTree>
     <p:extLst>
       <p:ext uri="{BB962C8B-B14F-4D97-AF65-F5344CB8AC3E}">
-        <p14:creationId xmlns:p14="http://schemas.microsoft.com/office/powerpoint/2010/main" val="241482674"/>
+        <p14:creationId xmlns:p14="http://schemas.microsoft.com/office/powerpoint/2010/main" val="3593747778"/>
       </p:ext>
     </p:extLst>
   </p:cSld>
@@ -8029,6 +8542,304 @@
           <a:p>
             <a:r>
               <a:rPr lang="en-US" sz="4000" dirty="0"/>
+              <a:t>Contrast between the three systems</a:t>
+            </a:r>
+          </a:p>
+        </p:txBody>
+      </p:sp>
+      <p:pic>
+        <p:nvPicPr>
+          <p:cNvPr id="4" name="Picture 3">
+            <a:extLst>
+              <a:ext uri="{FF2B5EF4-FFF2-40B4-BE49-F238E27FC236}">
+                <a16:creationId xmlns:a16="http://schemas.microsoft.com/office/drawing/2014/main" id="{FC04ECD9-CD9D-3245-8A90-88C4D6128D52}"/>
+              </a:ext>
+            </a:extLst>
+          </p:cNvPr>
+          <p:cNvPicPr>
+            <a:picLocks noChangeAspect="1"/>
+          </p:cNvPicPr>
+          <p:nvPr/>
+        </p:nvPicPr>
+        <p:blipFill rotWithShape="1">
+          <a:blip r:embed="rId2"/>
+          <a:srcRect l="13501" r="14008"/>
+          <a:stretch/>
+        </p:blipFill>
+        <p:spPr>
+          <a:xfrm>
+            <a:off x="4584588" y="2664197"/>
+            <a:ext cx="3308512" cy="3437008"/>
+          </a:xfrm>
+          <a:prstGeom prst="rect">
+            <a:avLst/>
+          </a:prstGeom>
+        </p:spPr>
+      </p:pic>
+      <p:pic>
+        <p:nvPicPr>
+          <p:cNvPr id="5" name="Picture 4">
+            <a:extLst>
+              <a:ext uri="{FF2B5EF4-FFF2-40B4-BE49-F238E27FC236}">
+                <a16:creationId xmlns:a16="http://schemas.microsoft.com/office/drawing/2014/main" id="{F329E73E-63BF-8049-BB0A-D95080944A80}"/>
+              </a:ext>
+            </a:extLst>
+          </p:cNvPr>
+          <p:cNvPicPr>
+            <a:picLocks noChangeAspect="1"/>
+          </p:cNvPicPr>
+          <p:nvPr/>
+        </p:nvPicPr>
+        <p:blipFill rotWithShape="1">
+          <a:blip r:embed="rId3"/>
+          <a:srcRect r="32825"/>
+          <a:stretch/>
+        </p:blipFill>
+        <p:spPr>
+          <a:xfrm>
+            <a:off x="8804297" y="2673342"/>
+            <a:ext cx="2815274" cy="3396972"/>
+          </a:xfrm>
+          <a:prstGeom prst="rect">
+            <a:avLst/>
+          </a:prstGeom>
+        </p:spPr>
+      </p:pic>
+      <p:pic>
+        <p:nvPicPr>
+          <p:cNvPr id="6" name="Picture 5">
+            <a:extLst>
+              <a:ext uri="{FF2B5EF4-FFF2-40B4-BE49-F238E27FC236}">
+                <a16:creationId xmlns:a16="http://schemas.microsoft.com/office/drawing/2014/main" id="{A8C03813-D0E2-8C44-BBCD-0F0E290E9888}"/>
+              </a:ext>
+            </a:extLst>
+          </p:cNvPr>
+          <p:cNvPicPr>
+            <a:picLocks noChangeAspect="1"/>
+          </p:cNvPicPr>
+          <p:nvPr/>
+        </p:nvPicPr>
+        <p:blipFill rotWithShape="1">
+          <a:blip r:embed="rId4"/>
+          <a:srcRect l="1078" t="1410" r="27053"/>
+          <a:stretch/>
+        </p:blipFill>
+        <p:spPr>
+          <a:xfrm>
+            <a:off x="875898" y="2709512"/>
+            <a:ext cx="2511805" cy="3391692"/>
+          </a:xfrm>
+          <a:prstGeom prst="rect">
+            <a:avLst/>
+          </a:prstGeom>
+        </p:spPr>
+      </p:pic>
+      <p:sp>
+        <p:nvSpPr>
+          <p:cNvPr id="9" name="TextBox 8">
+            <a:extLst>
+              <a:ext uri="{FF2B5EF4-FFF2-40B4-BE49-F238E27FC236}">
+                <a16:creationId xmlns:a16="http://schemas.microsoft.com/office/drawing/2014/main" id="{BB1CE9B1-5555-8044-AE46-B3AF6880735C}"/>
+              </a:ext>
+            </a:extLst>
+          </p:cNvPr>
+          <p:cNvSpPr txBox="1"/>
+          <p:nvPr/>
+        </p:nvSpPr>
+        <p:spPr>
+          <a:xfrm>
+            <a:off x="1293690" y="1706880"/>
+            <a:ext cx="1638525" cy="954107"/>
+          </a:xfrm>
+          <a:prstGeom prst="rect">
+            <a:avLst/>
+          </a:prstGeom>
+          <a:noFill/>
+        </p:spPr>
+        <p:txBody>
+          <a:bodyPr wrap="none" rtlCol="0">
+            <a:spAutoFit/>
+          </a:bodyPr>
+          <a:lstStyle/>
+          <a:p>
+            <a:pPr algn="ctr"/>
+            <a:r>
+              <a:rPr lang="en-US" sz="2800" dirty="0">
+                <a:latin typeface="Arial" panose="020B0604020202020204" pitchFamily="34" charset="0"/>
+                <a:cs typeface="Arial" panose="020B0604020202020204" pitchFamily="34" charset="0"/>
+              </a:rPr>
+              <a:t>Wrangler</a:t>
+            </a:r>
+          </a:p>
+          <a:p>
+            <a:pPr algn="ctr"/>
+            <a:r>
+              <a:rPr lang="en-US" sz="2800" dirty="0">
+                <a:latin typeface="Arial" panose="020B0604020202020204" pitchFamily="34" charset="0"/>
+                <a:cs typeface="Arial" panose="020B0604020202020204" pitchFamily="34" charset="0"/>
+              </a:rPr>
+              <a:t>csv/text</a:t>
+            </a:r>
+          </a:p>
+        </p:txBody>
+      </p:sp>
+      <p:sp>
+        <p:nvSpPr>
+          <p:cNvPr id="10" name="TextBox 9">
+            <a:extLst>
+              <a:ext uri="{FF2B5EF4-FFF2-40B4-BE49-F238E27FC236}">
+                <a16:creationId xmlns:a16="http://schemas.microsoft.com/office/drawing/2014/main" id="{8CDD9BFE-EBDE-7F49-A24A-2E9202484386}"/>
+              </a:ext>
+            </a:extLst>
+          </p:cNvPr>
+          <p:cNvSpPr txBox="1"/>
+          <p:nvPr/>
+        </p:nvSpPr>
+        <p:spPr>
+          <a:xfrm>
+            <a:off x="5347414" y="1706880"/>
+            <a:ext cx="1782860" cy="954107"/>
+          </a:xfrm>
+          <a:prstGeom prst="rect">
+            <a:avLst/>
+          </a:prstGeom>
+          <a:noFill/>
+        </p:spPr>
+        <p:txBody>
+          <a:bodyPr wrap="none" rtlCol="0">
+            <a:spAutoFit/>
+          </a:bodyPr>
+          <a:lstStyle/>
+          <a:p>
+            <a:pPr algn="ctr"/>
+            <a:r>
+              <a:rPr lang="en-US" sz="2800" dirty="0">
+                <a:latin typeface="Arial" panose="020B0604020202020204" pitchFamily="34" charset="0"/>
+                <a:cs typeface="Arial" panose="020B0604020202020204" pitchFamily="34" charset="0"/>
+              </a:rPr>
+              <a:t>Texture</a:t>
+            </a:r>
+          </a:p>
+          <a:p>
+            <a:pPr algn="ctr"/>
+            <a:r>
+              <a:rPr lang="en-US" sz="2800" dirty="0">
+                <a:latin typeface="Arial" panose="020B0604020202020204" pitchFamily="34" charset="0"/>
+                <a:cs typeface="Arial" panose="020B0604020202020204" pitchFamily="34" charset="0"/>
+              </a:rPr>
+              <a:t>Print docs</a:t>
+            </a:r>
+          </a:p>
+        </p:txBody>
+      </p:sp>
+      <p:sp>
+        <p:nvSpPr>
+          <p:cNvPr id="11" name="TextBox 10">
+            <a:extLst>
+              <a:ext uri="{FF2B5EF4-FFF2-40B4-BE49-F238E27FC236}">
+                <a16:creationId xmlns:a16="http://schemas.microsoft.com/office/drawing/2014/main" id="{A76C25E9-A96A-A049-B0EF-36999F4496A1}"/>
+              </a:ext>
+            </a:extLst>
+          </p:cNvPr>
+          <p:cNvSpPr txBox="1"/>
+          <p:nvPr/>
+        </p:nvSpPr>
+        <p:spPr>
+          <a:xfrm>
+            <a:off x="8890098" y="1706880"/>
+            <a:ext cx="2643672" cy="954107"/>
+          </a:xfrm>
+          <a:prstGeom prst="rect">
+            <a:avLst/>
+          </a:prstGeom>
+          <a:noFill/>
+        </p:spPr>
+        <p:txBody>
+          <a:bodyPr wrap="none" rtlCol="0">
+            <a:spAutoFit/>
+          </a:bodyPr>
+          <a:lstStyle/>
+          <a:p>
+            <a:pPr algn="ctr"/>
+            <a:r>
+              <a:rPr lang="en-US" sz="2800" dirty="0" err="1">
+                <a:latin typeface="Arial" panose="020B0604020202020204" pitchFamily="34" charset="0"/>
+                <a:cs typeface="Arial" panose="020B0604020202020204" pitchFamily="34" charset="0"/>
+              </a:rPr>
+              <a:t>Instabase</a:t>
+            </a:r>
+            <a:endParaRPr lang="en-US" sz="2800" dirty="0">
+              <a:latin typeface="Arial" panose="020B0604020202020204" pitchFamily="34" charset="0"/>
+              <a:cs typeface="Arial" panose="020B0604020202020204" pitchFamily="34" charset="0"/>
+            </a:endParaRPr>
+          </a:p>
+          <a:p>
+            <a:pPr algn="ctr"/>
+            <a:r>
+              <a:rPr lang="en-US" sz="2800" dirty="0">
+                <a:latin typeface="Arial" panose="020B0604020202020204" pitchFamily="34" charset="0"/>
+                <a:cs typeface="Arial" panose="020B0604020202020204" pitchFamily="34" charset="0"/>
+              </a:rPr>
+              <a:t>structured docs</a:t>
+            </a:r>
+          </a:p>
+        </p:txBody>
+      </p:sp>
+    </p:spTree>
+    <p:extLst>
+      <p:ext uri="{BB962C8B-B14F-4D97-AF65-F5344CB8AC3E}">
+        <p14:creationId xmlns:p14="http://schemas.microsoft.com/office/powerpoint/2010/main" val="241482674"/>
+      </p:ext>
+    </p:extLst>
+  </p:cSld>
+  <p:clrMapOvr>
+    <a:masterClrMapping/>
+  </p:clrMapOvr>
+</p:sld>
+</file>
+
+<file path=ppt/slides/slide24.xml><?xml version="1.0" encoding="utf-8"?>
+<p:sld xmlns:a="http://schemas.openxmlformats.org/drawingml/2006/main" xmlns:r="http://schemas.openxmlformats.org/officeDocument/2006/relationships" xmlns:p="http://schemas.openxmlformats.org/presentationml/2006/main">
+  <p:cSld>
+    <p:spTree>
+      <p:nvGrpSpPr>
+        <p:cNvPr id="1" name=""/>
+        <p:cNvGrpSpPr/>
+        <p:nvPr/>
+      </p:nvGrpSpPr>
+      <p:grpSpPr>
+        <a:xfrm>
+          <a:off x="0" y="0"/>
+          <a:ext cx="0" cy="0"/>
+          <a:chOff x="0" y="0"/>
+          <a:chExt cx="0" cy="0"/>
+        </a:xfrm>
+      </p:grpSpPr>
+      <p:sp>
+        <p:nvSpPr>
+          <p:cNvPr id="2" name="Title 1">
+            <a:extLst>
+              <a:ext uri="{FF2B5EF4-FFF2-40B4-BE49-F238E27FC236}">
+                <a16:creationId xmlns:a16="http://schemas.microsoft.com/office/drawing/2014/main" id="{967FA871-0E28-D543-A2DC-049CD4D12C8F}"/>
+              </a:ext>
+            </a:extLst>
+          </p:cNvPr>
+          <p:cNvSpPr>
+            <a:spLocks noGrp="1"/>
+          </p:cNvSpPr>
+          <p:nvPr>
+            <p:ph type="title"/>
+          </p:nvPr>
+        </p:nvSpPr>
+        <p:spPr/>
+        <p:txBody>
+          <a:bodyPr>
+            <a:normAutofit/>
+          </a:bodyPr>
+          <a:lstStyle/>
+          <a:p>
+            <a:r>
+              <a:rPr lang="en-US" sz="4000" dirty="0"/>
               <a:t>Compare: Problems They Tackle</a:t>
             </a:r>
           </a:p>
@@ -8364,7 +9175,7 @@
 </p:sld>
 </file>
 
-<file path=ppt/slides/slide24.xml><?xml version="1.0" encoding="utf-8"?>
+<file path=ppt/slides/slide25.xml><?xml version="1.0" encoding="utf-8"?>
 <p:sld xmlns:a="http://schemas.openxmlformats.org/drawingml/2006/main" xmlns:r="http://schemas.openxmlformats.org/officeDocument/2006/relationships" xmlns:p="http://schemas.openxmlformats.org/presentationml/2006/main">
   <p:cSld>
     <p:spTree>
@@ -9002,442 +9813,6 @@
 </p:sld>
 </file>
 
-<file path=ppt/slides/slide25.xml><?xml version="1.0" encoding="utf-8"?>
-<p:sld xmlns:a="http://schemas.openxmlformats.org/drawingml/2006/main" xmlns:r="http://schemas.openxmlformats.org/officeDocument/2006/relationships" xmlns:p="http://schemas.openxmlformats.org/presentationml/2006/main">
-  <p:cSld>
-    <p:spTree>
-      <p:nvGrpSpPr>
-        <p:cNvPr id="1" name=""/>
-        <p:cNvGrpSpPr/>
-        <p:nvPr/>
-      </p:nvGrpSpPr>
-      <p:grpSpPr>
-        <a:xfrm>
-          <a:off x="0" y="0"/>
-          <a:ext cx="0" cy="0"/>
-          <a:chOff x="0" y="0"/>
-          <a:chExt cx="0" cy="0"/>
-        </a:xfrm>
-      </p:grpSpPr>
-      <p:sp>
-        <p:nvSpPr>
-          <p:cNvPr id="2" name="Title 1">
-            <a:extLst>
-              <a:ext uri="{FF2B5EF4-FFF2-40B4-BE49-F238E27FC236}">
-                <a16:creationId xmlns:a16="http://schemas.microsoft.com/office/drawing/2014/main" id="{967FA871-0E28-D543-A2DC-049CD4D12C8F}"/>
-              </a:ext>
-            </a:extLst>
-          </p:cNvPr>
-          <p:cNvSpPr>
-            <a:spLocks noGrp="1"/>
-          </p:cNvSpPr>
-          <p:nvPr>
-            <p:ph type="title"/>
-          </p:nvPr>
-        </p:nvSpPr>
-        <p:spPr/>
-        <p:txBody>
-          <a:bodyPr>
-            <a:normAutofit/>
-          </a:bodyPr>
-          <a:lstStyle/>
-          <a:p>
-            <a:r>
-              <a:rPr lang="en-US" sz="4000" dirty="0"/>
-              <a:t>Compare: How They Model the Problem</a:t>
-            </a:r>
-          </a:p>
-        </p:txBody>
-      </p:sp>
-      <p:sp>
-        <p:nvSpPr>
-          <p:cNvPr id="9" name="TextBox 8">
-            <a:extLst>
-              <a:ext uri="{FF2B5EF4-FFF2-40B4-BE49-F238E27FC236}">
-                <a16:creationId xmlns:a16="http://schemas.microsoft.com/office/drawing/2014/main" id="{BB1CE9B1-5555-8044-AE46-B3AF6880735C}"/>
-              </a:ext>
-            </a:extLst>
-          </p:cNvPr>
-          <p:cNvSpPr txBox="1"/>
-          <p:nvPr/>
-        </p:nvSpPr>
-        <p:spPr>
-          <a:xfrm>
-            <a:off x="1293690" y="1706880"/>
-            <a:ext cx="1638525" cy="523220"/>
-          </a:xfrm>
-          <a:prstGeom prst="rect">
-            <a:avLst/>
-          </a:prstGeom>
-          <a:noFill/>
-        </p:spPr>
-        <p:txBody>
-          <a:bodyPr wrap="none" rtlCol="0">
-            <a:spAutoFit/>
-          </a:bodyPr>
-          <a:lstStyle/>
-          <a:p>
-            <a:pPr algn="ctr"/>
-            <a:r>
-              <a:rPr lang="en-US" sz="2800" dirty="0">
-                <a:latin typeface="Arial" panose="020B0604020202020204" pitchFamily="34" charset="0"/>
-                <a:cs typeface="Arial" panose="020B0604020202020204" pitchFamily="34" charset="0"/>
-              </a:rPr>
-              <a:t>Wrangler</a:t>
-            </a:r>
-          </a:p>
-        </p:txBody>
-      </p:sp>
-      <p:sp>
-        <p:nvSpPr>
-          <p:cNvPr id="10" name="TextBox 9">
-            <a:extLst>
-              <a:ext uri="{FF2B5EF4-FFF2-40B4-BE49-F238E27FC236}">
-                <a16:creationId xmlns:a16="http://schemas.microsoft.com/office/drawing/2014/main" id="{8CDD9BFE-EBDE-7F49-A24A-2E9202484386}"/>
-              </a:ext>
-            </a:extLst>
-          </p:cNvPr>
-          <p:cNvSpPr txBox="1"/>
-          <p:nvPr/>
-        </p:nvSpPr>
-        <p:spPr>
-          <a:xfrm>
-            <a:off x="5556477" y="1706880"/>
-            <a:ext cx="1364733" cy="523220"/>
-          </a:xfrm>
-          <a:prstGeom prst="rect">
-            <a:avLst/>
-          </a:prstGeom>
-          <a:noFill/>
-        </p:spPr>
-        <p:txBody>
-          <a:bodyPr wrap="none" rtlCol="0">
-            <a:spAutoFit/>
-          </a:bodyPr>
-          <a:lstStyle/>
-          <a:p>
-            <a:pPr algn="ctr"/>
-            <a:r>
-              <a:rPr lang="en-US" sz="2800" dirty="0">
-                <a:latin typeface="Arial" panose="020B0604020202020204" pitchFamily="34" charset="0"/>
-                <a:cs typeface="Arial" panose="020B0604020202020204" pitchFamily="34" charset="0"/>
-              </a:rPr>
-              <a:t>Texture</a:t>
-            </a:r>
-          </a:p>
-        </p:txBody>
-      </p:sp>
-      <p:sp>
-        <p:nvSpPr>
-          <p:cNvPr id="11" name="TextBox 10">
-            <a:extLst>
-              <a:ext uri="{FF2B5EF4-FFF2-40B4-BE49-F238E27FC236}">
-                <a16:creationId xmlns:a16="http://schemas.microsoft.com/office/drawing/2014/main" id="{A76C25E9-A96A-A049-B0EF-36999F4496A1}"/>
-              </a:ext>
-            </a:extLst>
-          </p:cNvPr>
-          <p:cNvSpPr txBox="1"/>
-          <p:nvPr/>
-        </p:nvSpPr>
-        <p:spPr>
-          <a:xfrm>
-            <a:off x="9339740" y="1706880"/>
-            <a:ext cx="1744388" cy="523220"/>
-          </a:xfrm>
-          <a:prstGeom prst="rect">
-            <a:avLst/>
-          </a:prstGeom>
-          <a:noFill/>
-        </p:spPr>
-        <p:txBody>
-          <a:bodyPr wrap="none" rtlCol="0">
-            <a:spAutoFit/>
-          </a:bodyPr>
-          <a:lstStyle/>
-          <a:p>
-            <a:pPr algn="ctr"/>
-            <a:r>
-              <a:rPr lang="en-US" sz="2800" dirty="0" err="1">
-                <a:latin typeface="Arial" panose="020B0604020202020204" pitchFamily="34" charset="0"/>
-                <a:cs typeface="Arial" panose="020B0604020202020204" pitchFamily="34" charset="0"/>
-              </a:rPr>
-              <a:t>Instabase</a:t>
-            </a:r>
-            <a:endParaRPr lang="en-US" sz="2800" dirty="0">
-              <a:latin typeface="Arial" panose="020B0604020202020204" pitchFamily="34" charset="0"/>
-              <a:cs typeface="Arial" panose="020B0604020202020204" pitchFamily="34" charset="0"/>
-            </a:endParaRPr>
-          </a:p>
-        </p:txBody>
-      </p:sp>
-      <p:sp>
-        <p:nvSpPr>
-          <p:cNvPr id="3" name="TextBox 2">
-            <a:extLst>
-              <a:ext uri="{FF2B5EF4-FFF2-40B4-BE49-F238E27FC236}">
-                <a16:creationId xmlns:a16="http://schemas.microsoft.com/office/drawing/2014/main" id="{878A08FC-E5ED-5C49-A489-9FB2694C8DBE}"/>
-              </a:ext>
-            </a:extLst>
-          </p:cNvPr>
-          <p:cNvSpPr txBox="1"/>
-          <p:nvPr/>
-        </p:nvSpPr>
-        <p:spPr>
-          <a:xfrm>
-            <a:off x="648447" y="2673342"/>
-            <a:ext cx="3218117" cy="2308324"/>
-          </a:xfrm>
-          <a:prstGeom prst="rect">
-            <a:avLst/>
-          </a:prstGeom>
-          <a:noFill/>
-        </p:spPr>
-        <p:txBody>
-          <a:bodyPr wrap="square" rtlCol="0">
-            <a:spAutoFit/>
-          </a:bodyPr>
-          <a:lstStyle/>
-          <a:p>
-            <a:r>
-              <a:rPr lang="en-US" b="1" dirty="0">
-                <a:latin typeface="Arial" panose="020B0604020202020204" pitchFamily="34" charset="0"/>
-                <a:cs typeface="Arial" panose="020B0604020202020204" pitchFamily="34" charset="0"/>
-              </a:rPr>
-              <a:t>Data model</a:t>
-            </a:r>
-          </a:p>
-          <a:p>
-            <a:endParaRPr lang="en-US" dirty="0">
-              <a:latin typeface="Arial" panose="020B0604020202020204" pitchFamily="34" charset="0"/>
-              <a:cs typeface="Arial" panose="020B0604020202020204" pitchFamily="34" charset="0"/>
-            </a:endParaRPr>
-          </a:p>
-          <a:p>
-            <a:endParaRPr lang="en-US" dirty="0">
-              <a:latin typeface="Arial" panose="020B0604020202020204" pitchFamily="34" charset="0"/>
-              <a:cs typeface="Arial" panose="020B0604020202020204" pitchFamily="34" charset="0"/>
-            </a:endParaRPr>
-          </a:p>
-          <a:p>
-            <a:r>
-              <a:rPr lang="en-US" b="1" dirty="0">
-                <a:latin typeface="Arial" panose="020B0604020202020204" pitchFamily="34" charset="0"/>
-                <a:cs typeface="Arial" panose="020B0604020202020204" pitchFamily="34" charset="0"/>
-              </a:rPr>
-              <a:t>Language</a:t>
-            </a:r>
-          </a:p>
-          <a:p>
-            <a:endParaRPr lang="en-US" dirty="0">
-              <a:latin typeface="Arial" panose="020B0604020202020204" pitchFamily="34" charset="0"/>
-              <a:cs typeface="Arial" panose="020B0604020202020204" pitchFamily="34" charset="0"/>
-            </a:endParaRPr>
-          </a:p>
-          <a:p>
-            <a:endParaRPr lang="en-US" dirty="0">
-              <a:latin typeface="Arial" panose="020B0604020202020204" pitchFamily="34" charset="0"/>
-              <a:cs typeface="Arial" panose="020B0604020202020204" pitchFamily="34" charset="0"/>
-            </a:endParaRPr>
-          </a:p>
-          <a:p>
-            <a:endParaRPr lang="en-US" dirty="0">
-              <a:latin typeface="Arial" panose="020B0604020202020204" pitchFamily="34" charset="0"/>
-              <a:cs typeface="Arial" panose="020B0604020202020204" pitchFamily="34" charset="0"/>
-            </a:endParaRPr>
-          </a:p>
-          <a:p>
-            <a:r>
-              <a:rPr lang="en-US" b="1" dirty="0">
-                <a:latin typeface="Arial" panose="020B0604020202020204" pitchFamily="34" charset="0"/>
-                <a:cs typeface="Arial" panose="020B0604020202020204" pitchFamily="34" charset="0"/>
-              </a:rPr>
-              <a:t>User Interaction</a:t>
-            </a:r>
-          </a:p>
-        </p:txBody>
-      </p:sp>
-      <p:sp>
-        <p:nvSpPr>
-          <p:cNvPr id="12" name="TextBox 11">
-            <a:extLst>
-              <a:ext uri="{FF2B5EF4-FFF2-40B4-BE49-F238E27FC236}">
-                <a16:creationId xmlns:a16="http://schemas.microsoft.com/office/drawing/2014/main" id="{E81716B8-161D-7245-B22D-8D8941877B79}"/>
-              </a:ext>
-            </a:extLst>
-          </p:cNvPr>
-          <p:cNvSpPr txBox="1"/>
-          <p:nvPr/>
-        </p:nvSpPr>
-        <p:spPr>
-          <a:xfrm>
-            <a:off x="4538772" y="2660987"/>
-            <a:ext cx="3786666" cy="3139321"/>
-          </a:xfrm>
-          <a:prstGeom prst="rect">
-            <a:avLst/>
-          </a:prstGeom>
-          <a:noFill/>
-        </p:spPr>
-        <p:txBody>
-          <a:bodyPr wrap="square" rtlCol="0">
-            <a:spAutoFit/>
-          </a:bodyPr>
-          <a:lstStyle/>
-          <a:p>
-            <a:r>
-              <a:rPr lang="en-US" b="1" dirty="0">
-                <a:latin typeface="Arial" panose="020B0604020202020204" pitchFamily="34" charset="0"/>
-                <a:cs typeface="Arial" panose="020B0604020202020204" pitchFamily="34" charset="0"/>
-              </a:rPr>
-              <a:t>Data model</a:t>
-            </a:r>
-          </a:p>
-          <a:p>
-            <a:endParaRPr lang="en-US" dirty="0">
-              <a:latin typeface="Arial" panose="020B0604020202020204" pitchFamily="34" charset="0"/>
-              <a:cs typeface="Arial" panose="020B0604020202020204" pitchFamily="34" charset="0"/>
-            </a:endParaRPr>
-          </a:p>
-          <a:p>
-            <a:endParaRPr lang="en-US" dirty="0">
-              <a:latin typeface="Arial" panose="020B0604020202020204" pitchFamily="34" charset="0"/>
-              <a:cs typeface="Arial" panose="020B0604020202020204" pitchFamily="34" charset="0"/>
-            </a:endParaRPr>
-          </a:p>
-          <a:p>
-            <a:endParaRPr lang="en-US" dirty="0">
-              <a:latin typeface="Arial" panose="020B0604020202020204" pitchFamily="34" charset="0"/>
-              <a:cs typeface="Arial" panose="020B0604020202020204" pitchFamily="34" charset="0"/>
-            </a:endParaRPr>
-          </a:p>
-          <a:p>
-            <a:endParaRPr lang="en-US" dirty="0">
-              <a:latin typeface="Arial" panose="020B0604020202020204" pitchFamily="34" charset="0"/>
-              <a:cs typeface="Arial" panose="020B0604020202020204" pitchFamily="34" charset="0"/>
-            </a:endParaRPr>
-          </a:p>
-          <a:p>
-            <a:r>
-              <a:rPr lang="en-US" b="1" dirty="0">
-                <a:latin typeface="Arial" panose="020B0604020202020204" pitchFamily="34" charset="0"/>
-                <a:cs typeface="Arial" panose="020B0604020202020204" pitchFamily="34" charset="0"/>
-              </a:rPr>
-              <a:t>Developer Interaction</a:t>
-            </a:r>
-          </a:p>
-          <a:p>
-            <a:endParaRPr lang="en-US" dirty="0">
-              <a:latin typeface="Arial" panose="020B0604020202020204" pitchFamily="34" charset="0"/>
-              <a:cs typeface="Arial" panose="020B0604020202020204" pitchFamily="34" charset="0"/>
-            </a:endParaRPr>
-          </a:p>
-          <a:p>
-            <a:endParaRPr lang="en-US" dirty="0">
-              <a:latin typeface="Arial" panose="020B0604020202020204" pitchFamily="34" charset="0"/>
-              <a:cs typeface="Arial" panose="020B0604020202020204" pitchFamily="34" charset="0"/>
-            </a:endParaRPr>
-          </a:p>
-          <a:p>
-            <a:endParaRPr lang="en-US" dirty="0">
-              <a:latin typeface="Arial" panose="020B0604020202020204" pitchFamily="34" charset="0"/>
-              <a:cs typeface="Arial" panose="020B0604020202020204" pitchFamily="34" charset="0"/>
-            </a:endParaRPr>
-          </a:p>
-          <a:p>
-            <a:endParaRPr lang="en-US" dirty="0">
-              <a:latin typeface="Arial" panose="020B0604020202020204" pitchFamily="34" charset="0"/>
-              <a:cs typeface="Arial" panose="020B0604020202020204" pitchFamily="34" charset="0"/>
-            </a:endParaRPr>
-          </a:p>
-          <a:p>
-            <a:r>
-              <a:rPr lang="en-US" b="1" dirty="0">
-                <a:latin typeface="Arial" panose="020B0604020202020204" pitchFamily="34" charset="0"/>
-                <a:cs typeface="Arial" panose="020B0604020202020204" pitchFamily="34" charset="0"/>
-              </a:rPr>
-              <a:t>User Interaction</a:t>
-            </a:r>
-          </a:p>
-        </p:txBody>
-      </p:sp>
-      <p:sp>
-        <p:nvSpPr>
-          <p:cNvPr id="13" name="TextBox 12">
-            <a:extLst>
-              <a:ext uri="{FF2B5EF4-FFF2-40B4-BE49-F238E27FC236}">
-                <a16:creationId xmlns:a16="http://schemas.microsoft.com/office/drawing/2014/main" id="{0A722801-970F-D242-8755-464ED53D7B1D}"/>
-              </a:ext>
-            </a:extLst>
-          </p:cNvPr>
-          <p:cNvSpPr txBox="1"/>
-          <p:nvPr/>
-        </p:nvSpPr>
-        <p:spPr>
-          <a:xfrm>
-            <a:off x="8611121" y="2660987"/>
-            <a:ext cx="3360920" cy="2585323"/>
-          </a:xfrm>
-          <a:prstGeom prst="rect">
-            <a:avLst/>
-          </a:prstGeom>
-          <a:noFill/>
-        </p:spPr>
-        <p:txBody>
-          <a:bodyPr wrap="square" rtlCol="0">
-            <a:spAutoFit/>
-          </a:bodyPr>
-          <a:lstStyle/>
-          <a:p>
-            <a:r>
-              <a:rPr lang="en-US" b="1" dirty="0"/>
-              <a:t>Data model</a:t>
-            </a:r>
-          </a:p>
-          <a:p>
-            <a:endParaRPr lang="en-US" dirty="0"/>
-          </a:p>
-          <a:p>
-            <a:endParaRPr lang="en-US" dirty="0"/>
-          </a:p>
-          <a:p>
-            <a:endParaRPr lang="en-US" dirty="0"/>
-          </a:p>
-          <a:p>
-            <a:r>
-              <a:rPr lang="en-US" b="1" dirty="0"/>
-              <a:t>Language</a:t>
-            </a:r>
-          </a:p>
-          <a:p>
-            <a:endParaRPr lang="en-US" dirty="0"/>
-          </a:p>
-          <a:p>
-            <a:endParaRPr lang="en-US" dirty="0"/>
-          </a:p>
-          <a:p>
-            <a:endParaRPr lang="en-US" dirty="0"/>
-          </a:p>
-          <a:p>
-            <a:r>
-              <a:rPr lang="en-US" b="1" dirty="0"/>
-              <a:t>User Interaction</a:t>
-            </a:r>
-          </a:p>
-        </p:txBody>
-      </p:sp>
-    </p:spTree>
-    <p:extLst>
-      <p:ext uri="{BB962C8B-B14F-4D97-AF65-F5344CB8AC3E}">
-        <p14:creationId xmlns:p14="http://schemas.microsoft.com/office/powerpoint/2010/main" val="3108409200"/>
-      </p:ext>
-    </p:extLst>
-  </p:cSld>
-  <p:clrMapOvr>
-    <a:masterClrMapping/>
-  </p:clrMapOvr>
-</p:sld>
-</file>
-
 <file path=ppt/slides/slide26.xml><?xml version="1.0" encoding="utf-8"?>
 <p:sld xmlns:a="http://schemas.openxmlformats.org/drawingml/2006/main" xmlns:r="http://schemas.openxmlformats.org/officeDocument/2006/relationships" xmlns:p="http://schemas.openxmlformats.org/presentationml/2006/main">
   <p:cSld>
@@ -9608,6 +9983,92 @@
       </p:sp>
       <p:sp>
         <p:nvSpPr>
+          <p:cNvPr id="3" name="TextBox 2">
+            <a:extLst>
+              <a:ext uri="{FF2B5EF4-FFF2-40B4-BE49-F238E27FC236}">
+                <a16:creationId xmlns:a16="http://schemas.microsoft.com/office/drawing/2014/main" id="{878A08FC-E5ED-5C49-A489-9FB2694C8DBE}"/>
+              </a:ext>
+            </a:extLst>
+          </p:cNvPr>
+          <p:cNvSpPr txBox="1"/>
+          <p:nvPr/>
+        </p:nvSpPr>
+        <p:spPr>
+          <a:xfrm>
+            <a:off x="648447" y="2673342"/>
+            <a:ext cx="3218117" cy="2308324"/>
+          </a:xfrm>
+          <a:prstGeom prst="rect">
+            <a:avLst/>
+          </a:prstGeom>
+          <a:noFill/>
+        </p:spPr>
+        <p:txBody>
+          <a:bodyPr wrap="square" rtlCol="0">
+            <a:spAutoFit/>
+          </a:bodyPr>
+          <a:lstStyle/>
+          <a:p>
+            <a:r>
+              <a:rPr lang="en-US" b="1" dirty="0">
+                <a:latin typeface="Arial" panose="020B0604020202020204" pitchFamily="34" charset="0"/>
+                <a:cs typeface="Arial" panose="020B0604020202020204" pitchFamily="34" charset="0"/>
+              </a:rPr>
+              <a:t>Data model</a:t>
+            </a:r>
+          </a:p>
+          <a:p>
+            <a:endParaRPr lang="en-US" dirty="0">
+              <a:latin typeface="Arial" panose="020B0604020202020204" pitchFamily="34" charset="0"/>
+              <a:cs typeface="Arial" panose="020B0604020202020204" pitchFamily="34" charset="0"/>
+            </a:endParaRPr>
+          </a:p>
+          <a:p>
+            <a:endParaRPr lang="en-US" dirty="0">
+              <a:latin typeface="Arial" panose="020B0604020202020204" pitchFamily="34" charset="0"/>
+              <a:cs typeface="Arial" panose="020B0604020202020204" pitchFamily="34" charset="0"/>
+            </a:endParaRPr>
+          </a:p>
+          <a:p>
+            <a:r>
+              <a:rPr lang="en-US" b="1" dirty="0">
+                <a:latin typeface="Arial" panose="020B0604020202020204" pitchFamily="34" charset="0"/>
+                <a:cs typeface="Arial" panose="020B0604020202020204" pitchFamily="34" charset="0"/>
+              </a:rPr>
+              <a:t>Language</a:t>
+            </a:r>
+          </a:p>
+          <a:p>
+            <a:endParaRPr lang="en-US" dirty="0">
+              <a:latin typeface="Arial" panose="020B0604020202020204" pitchFamily="34" charset="0"/>
+              <a:cs typeface="Arial" panose="020B0604020202020204" pitchFamily="34" charset="0"/>
+            </a:endParaRPr>
+          </a:p>
+          <a:p>
+            <a:endParaRPr lang="en-US" dirty="0">
+              <a:latin typeface="Arial" panose="020B0604020202020204" pitchFamily="34" charset="0"/>
+              <a:cs typeface="Arial" panose="020B0604020202020204" pitchFamily="34" charset="0"/>
+            </a:endParaRPr>
+          </a:p>
+          <a:p>
+            <a:endParaRPr lang="en-US" dirty="0">
+              <a:latin typeface="Arial" panose="020B0604020202020204" pitchFamily="34" charset="0"/>
+              <a:cs typeface="Arial" panose="020B0604020202020204" pitchFamily="34" charset="0"/>
+            </a:endParaRPr>
+          </a:p>
+          <a:p>
+            <a:r>
+              <a:rPr lang="en-US" b="1" dirty="0">
+                <a:latin typeface="Arial" panose="020B0604020202020204" pitchFamily="34" charset="0"/>
+                <a:cs typeface="Arial" panose="020B0604020202020204" pitchFamily="34" charset="0"/>
+              </a:rPr>
+              <a:t>User Interaction</a:t>
+            </a:r>
+          </a:p>
+        </p:txBody>
+      </p:sp>
+      <p:sp>
+        <p:nvSpPr>
           <p:cNvPr id="12" name="TextBox 11">
             <a:extLst>
               <a:ext uri="{FF2B5EF4-FFF2-40B4-BE49-F238E27FC236}">
@@ -9775,124 +10236,10 @@
           </a:p>
         </p:txBody>
       </p:sp>
-      <p:sp>
-        <p:nvSpPr>
-          <p:cNvPr id="14" name="TextBox 13">
-            <a:extLst>
-              <a:ext uri="{FF2B5EF4-FFF2-40B4-BE49-F238E27FC236}">
-                <a16:creationId xmlns:a16="http://schemas.microsoft.com/office/drawing/2014/main" id="{B42105CD-E7DA-D34F-9EB5-03AC66781E20}"/>
-              </a:ext>
-            </a:extLst>
-          </p:cNvPr>
-          <p:cNvSpPr txBox="1"/>
-          <p:nvPr/>
-        </p:nvSpPr>
-        <p:spPr>
-          <a:xfrm>
-            <a:off x="648447" y="2673342"/>
-            <a:ext cx="3218117" cy="2862322"/>
-          </a:xfrm>
-          <a:prstGeom prst="rect">
-            <a:avLst/>
-          </a:prstGeom>
-          <a:noFill/>
-        </p:spPr>
-        <p:txBody>
-          <a:bodyPr wrap="square" rtlCol="0">
-            <a:spAutoFit/>
-          </a:bodyPr>
-          <a:lstStyle/>
-          <a:p>
-            <a:r>
-              <a:rPr lang="en-US" b="1" dirty="0">
-                <a:latin typeface="Arial" panose="020B0604020202020204" pitchFamily="34" charset="0"/>
-                <a:cs typeface="Arial" panose="020B0604020202020204" pitchFamily="34" charset="0"/>
-              </a:rPr>
-              <a:t>Data model</a:t>
-            </a:r>
-          </a:p>
-          <a:p>
-            <a:r>
-              <a:rPr lang="en-US" dirty="0">
-                <a:latin typeface="Arial" panose="020B0604020202020204" pitchFamily="34" charset="0"/>
-                <a:cs typeface="Arial" panose="020B0604020202020204" pitchFamily="34" charset="0"/>
-              </a:rPr>
-              <a:t>Table of text attributes</a:t>
-            </a:r>
-          </a:p>
-          <a:p>
-            <a:endParaRPr lang="en-US" dirty="0">
-              <a:latin typeface="Arial" panose="020B0604020202020204" pitchFamily="34" charset="0"/>
-              <a:cs typeface="Arial" panose="020B0604020202020204" pitchFamily="34" charset="0"/>
-            </a:endParaRPr>
-          </a:p>
-          <a:p>
-            <a:r>
-              <a:rPr lang="en-US" b="1" dirty="0">
-                <a:latin typeface="Arial" panose="020B0604020202020204" pitchFamily="34" charset="0"/>
-                <a:cs typeface="Arial" panose="020B0604020202020204" pitchFamily="34" charset="0"/>
-              </a:rPr>
-              <a:t>Language</a:t>
-            </a:r>
-          </a:p>
-          <a:p>
-            <a:r>
-              <a:rPr lang="en-US" dirty="0">
-                <a:latin typeface="Arial" panose="020B0604020202020204" pitchFamily="34" charset="0"/>
-                <a:cs typeface="Arial" panose="020B0604020202020204" pitchFamily="34" charset="0"/>
-              </a:rPr>
-              <a:t>Filter, project operators + fold/unfold</a:t>
-            </a:r>
-          </a:p>
-          <a:p>
-            <a:endParaRPr lang="en-US" dirty="0">
-              <a:latin typeface="Arial" panose="020B0604020202020204" pitchFamily="34" charset="0"/>
-              <a:cs typeface="Arial" panose="020B0604020202020204" pitchFamily="34" charset="0"/>
-            </a:endParaRPr>
-          </a:p>
-          <a:p>
-            <a:r>
-              <a:rPr lang="en-US" b="1" dirty="0">
-                <a:latin typeface="Arial" panose="020B0604020202020204" pitchFamily="34" charset="0"/>
-                <a:cs typeface="Arial" panose="020B0604020202020204" pitchFamily="34" charset="0"/>
-              </a:rPr>
-              <a:t>User Interaction</a:t>
-            </a:r>
-          </a:p>
-          <a:p>
-            <a:r>
-              <a:rPr lang="en-US" dirty="0">
-                <a:latin typeface="Arial" panose="020B0604020202020204" pitchFamily="34" charset="0"/>
-                <a:cs typeface="Arial" panose="020B0604020202020204" pitchFamily="34" charset="0"/>
-              </a:rPr>
-              <a:t>Select </a:t>
-            </a:r>
-            <a:r>
-              <a:rPr lang="en-US" dirty="0">
-                <a:highlight>
-                  <a:srgbClr val="FFFF00"/>
-                </a:highlight>
-                <a:latin typeface="Arial" panose="020B0604020202020204" pitchFamily="34" charset="0"/>
-                <a:cs typeface="Arial" panose="020B0604020202020204" pitchFamily="34" charset="0"/>
-              </a:rPr>
-              <a:t>text to extract</a:t>
-            </a:r>
-          </a:p>
-          <a:p>
-            <a:r>
-              <a:rPr lang="en-US" dirty="0">
-                <a:latin typeface="Arial" panose="020B0604020202020204" pitchFamily="34" charset="0"/>
-                <a:cs typeface="Arial" panose="020B0604020202020204" pitchFamily="34" charset="0"/>
-              </a:rPr>
-              <a:t>Choose &amp; refine suggestions</a:t>
-            </a:r>
-          </a:p>
-        </p:txBody>
-      </p:sp>
     </p:spTree>
     <p:extLst>
       <p:ext uri="{BB962C8B-B14F-4D97-AF65-F5344CB8AC3E}">
-        <p14:creationId xmlns:p14="http://schemas.microsoft.com/office/powerpoint/2010/main" val="307266725"/>
+        <p14:creationId xmlns:p14="http://schemas.microsoft.com/office/powerpoint/2010/main" val="3108409200"/>
       </p:ext>
     </p:extLst>
   </p:cSld>
@@ -10072,6 +10419,110 @@
       </p:sp>
       <p:sp>
         <p:nvSpPr>
+          <p:cNvPr id="12" name="TextBox 11">
+            <a:extLst>
+              <a:ext uri="{FF2B5EF4-FFF2-40B4-BE49-F238E27FC236}">
+                <a16:creationId xmlns:a16="http://schemas.microsoft.com/office/drawing/2014/main" id="{E81716B8-161D-7245-B22D-8D8941877B79}"/>
+              </a:ext>
+            </a:extLst>
+          </p:cNvPr>
+          <p:cNvSpPr txBox="1"/>
+          <p:nvPr/>
+        </p:nvSpPr>
+        <p:spPr>
+          <a:xfrm>
+            <a:off x="4538772" y="2660987"/>
+            <a:ext cx="3786666" cy="3139321"/>
+          </a:xfrm>
+          <a:prstGeom prst="rect">
+            <a:avLst/>
+          </a:prstGeom>
+          <a:noFill/>
+        </p:spPr>
+        <p:txBody>
+          <a:bodyPr wrap="square" rtlCol="0">
+            <a:spAutoFit/>
+          </a:bodyPr>
+          <a:lstStyle/>
+          <a:p>
+            <a:r>
+              <a:rPr lang="en-US" b="1" dirty="0">
+                <a:latin typeface="Arial" panose="020B0604020202020204" pitchFamily="34" charset="0"/>
+                <a:cs typeface="Arial" panose="020B0604020202020204" pitchFamily="34" charset="0"/>
+              </a:rPr>
+              <a:t>Data model</a:t>
+            </a:r>
+          </a:p>
+          <a:p>
+            <a:endParaRPr lang="en-US" dirty="0">
+              <a:latin typeface="Arial" panose="020B0604020202020204" pitchFamily="34" charset="0"/>
+              <a:cs typeface="Arial" panose="020B0604020202020204" pitchFamily="34" charset="0"/>
+            </a:endParaRPr>
+          </a:p>
+          <a:p>
+            <a:endParaRPr lang="en-US" dirty="0">
+              <a:latin typeface="Arial" panose="020B0604020202020204" pitchFamily="34" charset="0"/>
+              <a:cs typeface="Arial" panose="020B0604020202020204" pitchFamily="34" charset="0"/>
+            </a:endParaRPr>
+          </a:p>
+          <a:p>
+            <a:endParaRPr lang="en-US" dirty="0">
+              <a:latin typeface="Arial" panose="020B0604020202020204" pitchFamily="34" charset="0"/>
+              <a:cs typeface="Arial" panose="020B0604020202020204" pitchFamily="34" charset="0"/>
+            </a:endParaRPr>
+          </a:p>
+          <a:p>
+            <a:endParaRPr lang="en-US" dirty="0">
+              <a:latin typeface="Arial" panose="020B0604020202020204" pitchFamily="34" charset="0"/>
+              <a:cs typeface="Arial" panose="020B0604020202020204" pitchFamily="34" charset="0"/>
+            </a:endParaRPr>
+          </a:p>
+          <a:p>
+            <a:r>
+              <a:rPr lang="en-US" b="1" dirty="0">
+                <a:latin typeface="Arial" panose="020B0604020202020204" pitchFamily="34" charset="0"/>
+                <a:cs typeface="Arial" panose="020B0604020202020204" pitchFamily="34" charset="0"/>
+              </a:rPr>
+              <a:t>Developer Interaction</a:t>
+            </a:r>
+          </a:p>
+          <a:p>
+            <a:endParaRPr lang="en-US" dirty="0">
+              <a:latin typeface="Arial" panose="020B0604020202020204" pitchFamily="34" charset="0"/>
+              <a:cs typeface="Arial" panose="020B0604020202020204" pitchFamily="34" charset="0"/>
+            </a:endParaRPr>
+          </a:p>
+          <a:p>
+            <a:endParaRPr lang="en-US" dirty="0">
+              <a:latin typeface="Arial" panose="020B0604020202020204" pitchFamily="34" charset="0"/>
+              <a:cs typeface="Arial" panose="020B0604020202020204" pitchFamily="34" charset="0"/>
+            </a:endParaRPr>
+          </a:p>
+          <a:p>
+            <a:endParaRPr lang="en-US" dirty="0">
+              <a:latin typeface="Arial" panose="020B0604020202020204" pitchFamily="34" charset="0"/>
+              <a:cs typeface="Arial" panose="020B0604020202020204" pitchFamily="34" charset="0"/>
+            </a:endParaRPr>
+          </a:p>
+          <a:p>
+            <a:endParaRPr lang="en-US" dirty="0">
+              <a:latin typeface="Arial" panose="020B0604020202020204" pitchFamily="34" charset="0"/>
+              <a:cs typeface="Arial" panose="020B0604020202020204" pitchFamily="34" charset="0"/>
+            </a:endParaRPr>
+          </a:p>
+          <a:p>
+            <a:r>
+              <a:rPr lang="en-US" b="1" dirty="0">
+                <a:latin typeface="Arial" panose="020B0604020202020204" pitchFamily="34" charset="0"/>
+                <a:cs typeface="Arial" panose="020B0604020202020204" pitchFamily="34" charset="0"/>
+              </a:rPr>
+              <a:t>User Interaction</a:t>
+            </a:r>
+          </a:p>
+        </p:txBody>
+      </p:sp>
+      <p:sp>
+        <p:nvSpPr>
           <p:cNvPr id="13" name="TextBox 12">
             <a:extLst>
               <a:ext uri="{FF2B5EF4-FFF2-40B4-BE49-F238E27FC236}">
@@ -10249,144 +10700,10 @@
           </a:p>
         </p:txBody>
       </p:sp>
-      <p:sp>
-        <p:nvSpPr>
-          <p:cNvPr id="15" name="TextBox 14">
-            <a:extLst>
-              <a:ext uri="{FF2B5EF4-FFF2-40B4-BE49-F238E27FC236}">
-                <a16:creationId xmlns:a16="http://schemas.microsoft.com/office/drawing/2014/main" id="{83422977-8845-BC4D-8840-CD064465DE8F}"/>
-              </a:ext>
-            </a:extLst>
-          </p:cNvPr>
-          <p:cNvSpPr txBox="1"/>
-          <p:nvPr/>
-        </p:nvSpPr>
-        <p:spPr>
-          <a:xfrm>
-            <a:off x="4538772" y="2660987"/>
-            <a:ext cx="3786666" cy="3693319"/>
-          </a:xfrm>
-          <a:prstGeom prst="rect">
-            <a:avLst/>
-          </a:prstGeom>
-          <a:noFill/>
-        </p:spPr>
-        <p:txBody>
-          <a:bodyPr wrap="square" rtlCol="0">
-            <a:spAutoFit/>
-          </a:bodyPr>
-          <a:lstStyle/>
-          <a:p>
-            <a:r>
-              <a:rPr lang="en-US" b="1" dirty="0">
-                <a:latin typeface="Arial" panose="020B0604020202020204" pitchFamily="34" charset="0"/>
-                <a:cs typeface="Arial" panose="020B0604020202020204" pitchFamily="34" charset="0"/>
-              </a:rPr>
-              <a:t>Data model</a:t>
-            </a:r>
-          </a:p>
-          <a:p>
-            <a:r>
-              <a:rPr lang="en-US" dirty="0">
-                <a:latin typeface="Arial" panose="020B0604020202020204" pitchFamily="34" charset="0"/>
-                <a:cs typeface="Arial" panose="020B0604020202020204" pitchFamily="34" charset="0"/>
-              </a:rPr>
-              <a:t>Typed bounding boxes </a:t>
-            </a:r>
-            <a:r>
-              <a:rPr lang="en-US" dirty="0">
-                <a:solidFill>
-                  <a:schemeClr val="bg1">
-                    <a:lumMod val="50000"/>
-                  </a:schemeClr>
-                </a:solidFill>
-                <a:latin typeface="Arial" panose="020B0604020202020204" pitchFamily="34" charset="0"/>
-                <a:cs typeface="Arial" panose="020B0604020202020204" pitchFamily="34" charset="0"/>
-              </a:rPr>
-              <a:t>(title, list)</a:t>
-            </a:r>
-          </a:p>
-          <a:p>
-            <a:r>
-              <a:rPr lang="en-US" dirty="0">
-                <a:latin typeface="Arial" panose="020B0604020202020204" pitchFamily="34" charset="0"/>
-                <a:cs typeface="Arial" panose="020B0604020202020204" pitchFamily="34" charset="0"/>
-              </a:rPr>
-              <a:t>Boxes have metadata</a:t>
-            </a:r>
-          </a:p>
-          <a:p>
-            <a:r>
-              <a:rPr lang="en-US" dirty="0">
-                <a:latin typeface="Arial" panose="020B0604020202020204" pitchFamily="34" charset="0"/>
-                <a:cs typeface="Arial" panose="020B0604020202020204" pitchFamily="34" charset="0"/>
-              </a:rPr>
-              <a:t>Doc = hierarchy of boxes</a:t>
-            </a:r>
-          </a:p>
-          <a:p>
-            <a:endParaRPr lang="en-US" dirty="0">
-              <a:latin typeface="Arial" panose="020B0604020202020204" pitchFamily="34" charset="0"/>
-              <a:cs typeface="Arial" panose="020B0604020202020204" pitchFamily="34" charset="0"/>
-            </a:endParaRPr>
-          </a:p>
-          <a:p>
-            <a:r>
-              <a:rPr lang="en-US" b="1" dirty="0">
-                <a:latin typeface="Arial" panose="020B0604020202020204" pitchFamily="34" charset="0"/>
-                <a:cs typeface="Arial" panose="020B0604020202020204" pitchFamily="34" charset="0"/>
-              </a:rPr>
-              <a:t>Developer Interaction</a:t>
-            </a:r>
-          </a:p>
-          <a:p>
-            <a:r>
-              <a:rPr lang="en-US" dirty="0">
-                <a:latin typeface="Arial" panose="020B0604020202020204" pitchFamily="34" charset="0"/>
-                <a:cs typeface="Arial" panose="020B0604020202020204" pitchFamily="34" charset="0"/>
-              </a:rPr>
-              <a:t>Write bounding boxes detectors and labelers in Java</a:t>
-            </a:r>
-          </a:p>
-          <a:p>
-            <a:r>
-              <a:rPr lang="en-US" dirty="0">
-                <a:latin typeface="Arial" panose="020B0604020202020204" pitchFamily="34" charset="0"/>
-                <a:cs typeface="Arial" panose="020B0604020202020204" pitchFamily="34" charset="0"/>
-              </a:rPr>
-              <a:t>Heuristics populate the “database”</a:t>
-            </a:r>
-          </a:p>
-          <a:p>
-            <a:endParaRPr lang="en-US" dirty="0">
-              <a:latin typeface="Arial" panose="020B0604020202020204" pitchFamily="34" charset="0"/>
-              <a:cs typeface="Arial" panose="020B0604020202020204" pitchFamily="34" charset="0"/>
-            </a:endParaRPr>
-          </a:p>
-          <a:p>
-            <a:r>
-              <a:rPr lang="en-US" b="1" dirty="0">
-                <a:latin typeface="Arial" panose="020B0604020202020204" pitchFamily="34" charset="0"/>
-                <a:cs typeface="Arial" panose="020B0604020202020204" pitchFamily="34" charset="0"/>
-              </a:rPr>
-              <a:t>User Interaction</a:t>
-            </a:r>
-          </a:p>
-          <a:p>
-            <a:r>
-              <a:rPr lang="en-US" dirty="0">
-                <a:latin typeface="Arial" panose="020B0604020202020204" pitchFamily="34" charset="0"/>
-                <a:cs typeface="Arial" panose="020B0604020202020204" pitchFamily="34" charset="0"/>
-              </a:rPr>
-              <a:t>Write extraction “queries” over “database” of boxes</a:t>
-            </a:r>
-          </a:p>
-        </p:txBody>
-      </p:sp>
     </p:spTree>
     <p:extLst>
       <p:ext uri="{BB962C8B-B14F-4D97-AF65-F5344CB8AC3E}">
-        <p14:creationId xmlns:p14="http://schemas.microsoft.com/office/powerpoint/2010/main" val="922803284"/>
+        <p14:creationId xmlns:p14="http://schemas.microsoft.com/office/powerpoint/2010/main" val="307266725"/>
       </p:ext>
     </p:extLst>
   </p:cSld>
@@ -10566,6 +10883,500 @@
       </p:sp>
       <p:sp>
         <p:nvSpPr>
+          <p:cNvPr id="13" name="TextBox 12">
+            <a:extLst>
+              <a:ext uri="{FF2B5EF4-FFF2-40B4-BE49-F238E27FC236}">
+                <a16:creationId xmlns:a16="http://schemas.microsoft.com/office/drawing/2014/main" id="{0A722801-970F-D242-8755-464ED53D7B1D}"/>
+              </a:ext>
+            </a:extLst>
+          </p:cNvPr>
+          <p:cNvSpPr txBox="1"/>
+          <p:nvPr/>
+        </p:nvSpPr>
+        <p:spPr>
+          <a:xfrm>
+            <a:off x="8611121" y="2660987"/>
+            <a:ext cx="3360920" cy="2585323"/>
+          </a:xfrm>
+          <a:prstGeom prst="rect">
+            <a:avLst/>
+          </a:prstGeom>
+          <a:noFill/>
+        </p:spPr>
+        <p:txBody>
+          <a:bodyPr wrap="square" rtlCol="0">
+            <a:spAutoFit/>
+          </a:bodyPr>
+          <a:lstStyle/>
+          <a:p>
+            <a:r>
+              <a:rPr lang="en-US" b="1" dirty="0"/>
+              <a:t>Data model</a:t>
+            </a:r>
+          </a:p>
+          <a:p>
+            <a:endParaRPr lang="en-US" dirty="0"/>
+          </a:p>
+          <a:p>
+            <a:endParaRPr lang="en-US" dirty="0"/>
+          </a:p>
+          <a:p>
+            <a:endParaRPr lang="en-US" dirty="0"/>
+          </a:p>
+          <a:p>
+            <a:r>
+              <a:rPr lang="en-US" b="1" dirty="0"/>
+              <a:t>Language</a:t>
+            </a:r>
+          </a:p>
+          <a:p>
+            <a:endParaRPr lang="en-US" dirty="0"/>
+          </a:p>
+          <a:p>
+            <a:endParaRPr lang="en-US" dirty="0"/>
+          </a:p>
+          <a:p>
+            <a:endParaRPr lang="en-US" dirty="0"/>
+          </a:p>
+          <a:p>
+            <a:r>
+              <a:rPr lang="en-US" b="1" dirty="0"/>
+              <a:t>User Interaction</a:t>
+            </a:r>
+          </a:p>
+        </p:txBody>
+      </p:sp>
+      <p:sp>
+        <p:nvSpPr>
+          <p:cNvPr id="14" name="TextBox 13">
+            <a:extLst>
+              <a:ext uri="{FF2B5EF4-FFF2-40B4-BE49-F238E27FC236}">
+                <a16:creationId xmlns:a16="http://schemas.microsoft.com/office/drawing/2014/main" id="{B42105CD-E7DA-D34F-9EB5-03AC66781E20}"/>
+              </a:ext>
+            </a:extLst>
+          </p:cNvPr>
+          <p:cNvSpPr txBox="1"/>
+          <p:nvPr/>
+        </p:nvSpPr>
+        <p:spPr>
+          <a:xfrm>
+            <a:off x="648447" y="2673342"/>
+            <a:ext cx="3218117" cy="2862322"/>
+          </a:xfrm>
+          <a:prstGeom prst="rect">
+            <a:avLst/>
+          </a:prstGeom>
+          <a:noFill/>
+        </p:spPr>
+        <p:txBody>
+          <a:bodyPr wrap="square" rtlCol="0">
+            <a:spAutoFit/>
+          </a:bodyPr>
+          <a:lstStyle/>
+          <a:p>
+            <a:r>
+              <a:rPr lang="en-US" b="1" dirty="0">
+                <a:latin typeface="Arial" panose="020B0604020202020204" pitchFamily="34" charset="0"/>
+                <a:cs typeface="Arial" panose="020B0604020202020204" pitchFamily="34" charset="0"/>
+              </a:rPr>
+              <a:t>Data model</a:t>
+            </a:r>
+          </a:p>
+          <a:p>
+            <a:r>
+              <a:rPr lang="en-US" dirty="0">
+                <a:latin typeface="Arial" panose="020B0604020202020204" pitchFamily="34" charset="0"/>
+                <a:cs typeface="Arial" panose="020B0604020202020204" pitchFamily="34" charset="0"/>
+              </a:rPr>
+              <a:t>Table of text attributes</a:t>
+            </a:r>
+          </a:p>
+          <a:p>
+            <a:endParaRPr lang="en-US" dirty="0">
+              <a:latin typeface="Arial" panose="020B0604020202020204" pitchFamily="34" charset="0"/>
+              <a:cs typeface="Arial" panose="020B0604020202020204" pitchFamily="34" charset="0"/>
+            </a:endParaRPr>
+          </a:p>
+          <a:p>
+            <a:r>
+              <a:rPr lang="en-US" b="1" dirty="0">
+                <a:latin typeface="Arial" panose="020B0604020202020204" pitchFamily="34" charset="0"/>
+                <a:cs typeface="Arial" panose="020B0604020202020204" pitchFamily="34" charset="0"/>
+              </a:rPr>
+              <a:t>Language</a:t>
+            </a:r>
+          </a:p>
+          <a:p>
+            <a:r>
+              <a:rPr lang="en-US" dirty="0">
+                <a:latin typeface="Arial" panose="020B0604020202020204" pitchFamily="34" charset="0"/>
+                <a:cs typeface="Arial" panose="020B0604020202020204" pitchFamily="34" charset="0"/>
+              </a:rPr>
+              <a:t>Filter, project operators + fold/unfold</a:t>
+            </a:r>
+          </a:p>
+          <a:p>
+            <a:endParaRPr lang="en-US" dirty="0">
+              <a:latin typeface="Arial" panose="020B0604020202020204" pitchFamily="34" charset="0"/>
+              <a:cs typeface="Arial" panose="020B0604020202020204" pitchFamily="34" charset="0"/>
+            </a:endParaRPr>
+          </a:p>
+          <a:p>
+            <a:r>
+              <a:rPr lang="en-US" b="1" dirty="0">
+                <a:latin typeface="Arial" panose="020B0604020202020204" pitchFamily="34" charset="0"/>
+                <a:cs typeface="Arial" panose="020B0604020202020204" pitchFamily="34" charset="0"/>
+              </a:rPr>
+              <a:t>User Interaction</a:t>
+            </a:r>
+          </a:p>
+          <a:p>
+            <a:r>
+              <a:rPr lang="en-US" dirty="0">
+                <a:latin typeface="Arial" panose="020B0604020202020204" pitchFamily="34" charset="0"/>
+                <a:cs typeface="Arial" panose="020B0604020202020204" pitchFamily="34" charset="0"/>
+              </a:rPr>
+              <a:t>Select </a:t>
+            </a:r>
+            <a:r>
+              <a:rPr lang="en-US" dirty="0">
+                <a:highlight>
+                  <a:srgbClr val="FFFF00"/>
+                </a:highlight>
+                <a:latin typeface="Arial" panose="020B0604020202020204" pitchFamily="34" charset="0"/>
+                <a:cs typeface="Arial" panose="020B0604020202020204" pitchFamily="34" charset="0"/>
+              </a:rPr>
+              <a:t>text to extract</a:t>
+            </a:r>
+          </a:p>
+          <a:p>
+            <a:r>
+              <a:rPr lang="en-US" dirty="0">
+                <a:latin typeface="Arial" panose="020B0604020202020204" pitchFamily="34" charset="0"/>
+                <a:cs typeface="Arial" panose="020B0604020202020204" pitchFamily="34" charset="0"/>
+              </a:rPr>
+              <a:t>Choose &amp; refine suggestions</a:t>
+            </a:r>
+          </a:p>
+        </p:txBody>
+      </p:sp>
+      <p:sp>
+        <p:nvSpPr>
+          <p:cNvPr id="15" name="TextBox 14">
+            <a:extLst>
+              <a:ext uri="{FF2B5EF4-FFF2-40B4-BE49-F238E27FC236}">
+                <a16:creationId xmlns:a16="http://schemas.microsoft.com/office/drawing/2014/main" id="{83422977-8845-BC4D-8840-CD064465DE8F}"/>
+              </a:ext>
+            </a:extLst>
+          </p:cNvPr>
+          <p:cNvSpPr txBox="1"/>
+          <p:nvPr/>
+        </p:nvSpPr>
+        <p:spPr>
+          <a:xfrm>
+            <a:off x="4538772" y="2660987"/>
+            <a:ext cx="3786666" cy="3693319"/>
+          </a:xfrm>
+          <a:prstGeom prst="rect">
+            <a:avLst/>
+          </a:prstGeom>
+          <a:noFill/>
+        </p:spPr>
+        <p:txBody>
+          <a:bodyPr wrap="square" rtlCol="0">
+            <a:spAutoFit/>
+          </a:bodyPr>
+          <a:lstStyle/>
+          <a:p>
+            <a:r>
+              <a:rPr lang="en-US" b="1" dirty="0">
+                <a:latin typeface="Arial" panose="020B0604020202020204" pitchFamily="34" charset="0"/>
+                <a:cs typeface="Arial" panose="020B0604020202020204" pitchFamily="34" charset="0"/>
+              </a:rPr>
+              <a:t>Data model</a:t>
+            </a:r>
+          </a:p>
+          <a:p>
+            <a:r>
+              <a:rPr lang="en-US" dirty="0">
+                <a:latin typeface="Arial" panose="020B0604020202020204" pitchFamily="34" charset="0"/>
+                <a:cs typeface="Arial" panose="020B0604020202020204" pitchFamily="34" charset="0"/>
+              </a:rPr>
+              <a:t>Typed bounding boxes </a:t>
+            </a:r>
+            <a:r>
+              <a:rPr lang="en-US" dirty="0">
+                <a:solidFill>
+                  <a:schemeClr val="bg1">
+                    <a:lumMod val="50000"/>
+                  </a:schemeClr>
+                </a:solidFill>
+                <a:latin typeface="Arial" panose="020B0604020202020204" pitchFamily="34" charset="0"/>
+                <a:cs typeface="Arial" panose="020B0604020202020204" pitchFamily="34" charset="0"/>
+              </a:rPr>
+              <a:t>(title, list)</a:t>
+            </a:r>
+          </a:p>
+          <a:p>
+            <a:r>
+              <a:rPr lang="en-US" dirty="0">
+                <a:latin typeface="Arial" panose="020B0604020202020204" pitchFamily="34" charset="0"/>
+                <a:cs typeface="Arial" panose="020B0604020202020204" pitchFamily="34" charset="0"/>
+              </a:rPr>
+              <a:t>Boxes have metadata</a:t>
+            </a:r>
+          </a:p>
+          <a:p>
+            <a:r>
+              <a:rPr lang="en-US" dirty="0">
+                <a:latin typeface="Arial" panose="020B0604020202020204" pitchFamily="34" charset="0"/>
+                <a:cs typeface="Arial" panose="020B0604020202020204" pitchFamily="34" charset="0"/>
+              </a:rPr>
+              <a:t>Doc = hierarchy of boxes</a:t>
+            </a:r>
+          </a:p>
+          <a:p>
+            <a:endParaRPr lang="en-US" dirty="0">
+              <a:latin typeface="Arial" panose="020B0604020202020204" pitchFamily="34" charset="0"/>
+              <a:cs typeface="Arial" panose="020B0604020202020204" pitchFamily="34" charset="0"/>
+            </a:endParaRPr>
+          </a:p>
+          <a:p>
+            <a:r>
+              <a:rPr lang="en-US" b="1" dirty="0">
+                <a:latin typeface="Arial" panose="020B0604020202020204" pitchFamily="34" charset="0"/>
+                <a:cs typeface="Arial" panose="020B0604020202020204" pitchFamily="34" charset="0"/>
+              </a:rPr>
+              <a:t>Developer Interaction</a:t>
+            </a:r>
+          </a:p>
+          <a:p>
+            <a:r>
+              <a:rPr lang="en-US" dirty="0">
+                <a:latin typeface="Arial" panose="020B0604020202020204" pitchFamily="34" charset="0"/>
+                <a:cs typeface="Arial" panose="020B0604020202020204" pitchFamily="34" charset="0"/>
+              </a:rPr>
+              <a:t>Write bounding boxes detectors and labelers in Java</a:t>
+            </a:r>
+          </a:p>
+          <a:p>
+            <a:r>
+              <a:rPr lang="en-US" dirty="0">
+                <a:latin typeface="Arial" panose="020B0604020202020204" pitchFamily="34" charset="0"/>
+                <a:cs typeface="Arial" panose="020B0604020202020204" pitchFamily="34" charset="0"/>
+              </a:rPr>
+              <a:t>Heuristics populate the “database”</a:t>
+            </a:r>
+          </a:p>
+          <a:p>
+            <a:endParaRPr lang="en-US" dirty="0">
+              <a:latin typeface="Arial" panose="020B0604020202020204" pitchFamily="34" charset="0"/>
+              <a:cs typeface="Arial" panose="020B0604020202020204" pitchFamily="34" charset="0"/>
+            </a:endParaRPr>
+          </a:p>
+          <a:p>
+            <a:r>
+              <a:rPr lang="en-US" b="1" dirty="0">
+                <a:latin typeface="Arial" panose="020B0604020202020204" pitchFamily="34" charset="0"/>
+                <a:cs typeface="Arial" panose="020B0604020202020204" pitchFamily="34" charset="0"/>
+              </a:rPr>
+              <a:t>User Interaction</a:t>
+            </a:r>
+          </a:p>
+          <a:p>
+            <a:r>
+              <a:rPr lang="en-US" dirty="0">
+                <a:latin typeface="Arial" panose="020B0604020202020204" pitchFamily="34" charset="0"/>
+                <a:cs typeface="Arial" panose="020B0604020202020204" pitchFamily="34" charset="0"/>
+              </a:rPr>
+              <a:t>Write extraction “queries” over “database” of boxes</a:t>
+            </a:r>
+          </a:p>
+        </p:txBody>
+      </p:sp>
+    </p:spTree>
+    <p:extLst>
+      <p:ext uri="{BB962C8B-B14F-4D97-AF65-F5344CB8AC3E}">
+        <p14:creationId xmlns:p14="http://schemas.microsoft.com/office/powerpoint/2010/main" val="922803284"/>
+      </p:ext>
+    </p:extLst>
+  </p:cSld>
+  <p:clrMapOvr>
+    <a:masterClrMapping/>
+  </p:clrMapOvr>
+</p:sld>
+</file>
+
+<file path=ppt/slides/slide29.xml><?xml version="1.0" encoding="utf-8"?>
+<p:sld xmlns:a="http://schemas.openxmlformats.org/drawingml/2006/main" xmlns:r="http://schemas.openxmlformats.org/officeDocument/2006/relationships" xmlns:p="http://schemas.openxmlformats.org/presentationml/2006/main">
+  <p:cSld>
+    <p:spTree>
+      <p:nvGrpSpPr>
+        <p:cNvPr id="1" name=""/>
+        <p:cNvGrpSpPr/>
+        <p:nvPr/>
+      </p:nvGrpSpPr>
+      <p:grpSpPr>
+        <a:xfrm>
+          <a:off x="0" y="0"/>
+          <a:ext cx="0" cy="0"/>
+          <a:chOff x="0" y="0"/>
+          <a:chExt cx="0" cy="0"/>
+        </a:xfrm>
+      </p:grpSpPr>
+      <p:sp>
+        <p:nvSpPr>
+          <p:cNvPr id="2" name="Title 1">
+            <a:extLst>
+              <a:ext uri="{FF2B5EF4-FFF2-40B4-BE49-F238E27FC236}">
+                <a16:creationId xmlns:a16="http://schemas.microsoft.com/office/drawing/2014/main" id="{967FA871-0E28-D543-A2DC-049CD4D12C8F}"/>
+              </a:ext>
+            </a:extLst>
+          </p:cNvPr>
+          <p:cNvSpPr>
+            <a:spLocks noGrp="1"/>
+          </p:cNvSpPr>
+          <p:nvPr>
+            <p:ph type="title"/>
+          </p:nvPr>
+        </p:nvSpPr>
+        <p:spPr/>
+        <p:txBody>
+          <a:bodyPr>
+            <a:normAutofit/>
+          </a:bodyPr>
+          <a:lstStyle/>
+          <a:p>
+            <a:r>
+              <a:rPr lang="en-US" sz="4000" dirty="0"/>
+              <a:t>Compare: How They Model the Problem</a:t>
+            </a:r>
+          </a:p>
+        </p:txBody>
+      </p:sp>
+      <p:sp>
+        <p:nvSpPr>
+          <p:cNvPr id="9" name="TextBox 8">
+            <a:extLst>
+              <a:ext uri="{FF2B5EF4-FFF2-40B4-BE49-F238E27FC236}">
+                <a16:creationId xmlns:a16="http://schemas.microsoft.com/office/drawing/2014/main" id="{BB1CE9B1-5555-8044-AE46-B3AF6880735C}"/>
+              </a:ext>
+            </a:extLst>
+          </p:cNvPr>
+          <p:cNvSpPr txBox="1"/>
+          <p:nvPr/>
+        </p:nvSpPr>
+        <p:spPr>
+          <a:xfrm>
+            <a:off x="1293690" y="1706880"/>
+            <a:ext cx="1638525" cy="523220"/>
+          </a:xfrm>
+          <a:prstGeom prst="rect">
+            <a:avLst/>
+          </a:prstGeom>
+          <a:noFill/>
+        </p:spPr>
+        <p:txBody>
+          <a:bodyPr wrap="none" rtlCol="0">
+            <a:spAutoFit/>
+          </a:bodyPr>
+          <a:lstStyle/>
+          <a:p>
+            <a:pPr algn="ctr"/>
+            <a:r>
+              <a:rPr lang="en-US" sz="2800" dirty="0">
+                <a:latin typeface="Arial" panose="020B0604020202020204" pitchFamily="34" charset="0"/>
+                <a:cs typeface="Arial" panose="020B0604020202020204" pitchFamily="34" charset="0"/>
+              </a:rPr>
+              <a:t>Wrangler</a:t>
+            </a:r>
+          </a:p>
+        </p:txBody>
+      </p:sp>
+      <p:sp>
+        <p:nvSpPr>
+          <p:cNvPr id="10" name="TextBox 9">
+            <a:extLst>
+              <a:ext uri="{FF2B5EF4-FFF2-40B4-BE49-F238E27FC236}">
+                <a16:creationId xmlns:a16="http://schemas.microsoft.com/office/drawing/2014/main" id="{8CDD9BFE-EBDE-7F49-A24A-2E9202484386}"/>
+              </a:ext>
+            </a:extLst>
+          </p:cNvPr>
+          <p:cNvSpPr txBox="1"/>
+          <p:nvPr/>
+        </p:nvSpPr>
+        <p:spPr>
+          <a:xfrm>
+            <a:off x="5556477" y="1706880"/>
+            <a:ext cx="1364733" cy="523220"/>
+          </a:xfrm>
+          <a:prstGeom prst="rect">
+            <a:avLst/>
+          </a:prstGeom>
+          <a:noFill/>
+        </p:spPr>
+        <p:txBody>
+          <a:bodyPr wrap="none" rtlCol="0">
+            <a:spAutoFit/>
+          </a:bodyPr>
+          <a:lstStyle/>
+          <a:p>
+            <a:pPr algn="ctr"/>
+            <a:r>
+              <a:rPr lang="en-US" sz="2800" dirty="0">
+                <a:latin typeface="Arial" panose="020B0604020202020204" pitchFamily="34" charset="0"/>
+                <a:cs typeface="Arial" panose="020B0604020202020204" pitchFamily="34" charset="0"/>
+              </a:rPr>
+              <a:t>Texture</a:t>
+            </a:r>
+          </a:p>
+        </p:txBody>
+      </p:sp>
+      <p:sp>
+        <p:nvSpPr>
+          <p:cNvPr id="11" name="TextBox 10">
+            <a:extLst>
+              <a:ext uri="{FF2B5EF4-FFF2-40B4-BE49-F238E27FC236}">
+                <a16:creationId xmlns:a16="http://schemas.microsoft.com/office/drawing/2014/main" id="{A76C25E9-A96A-A049-B0EF-36999F4496A1}"/>
+              </a:ext>
+            </a:extLst>
+          </p:cNvPr>
+          <p:cNvSpPr txBox="1"/>
+          <p:nvPr/>
+        </p:nvSpPr>
+        <p:spPr>
+          <a:xfrm>
+            <a:off x="9339740" y="1706880"/>
+            <a:ext cx="1744388" cy="523220"/>
+          </a:xfrm>
+          <a:prstGeom prst="rect">
+            <a:avLst/>
+          </a:prstGeom>
+          <a:noFill/>
+        </p:spPr>
+        <p:txBody>
+          <a:bodyPr wrap="none" rtlCol="0">
+            <a:spAutoFit/>
+          </a:bodyPr>
+          <a:lstStyle/>
+          <a:p>
+            <a:pPr algn="ctr"/>
+            <a:r>
+              <a:rPr lang="en-US" sz="2800" dirty="0" err="1">
+                <a:latin typeface="Arial" panose="020B0604020202020204" pitchFamily="34" charset="0"/>
+                <a:cs typeface="Arial" panose="020B0604020202020204" pitchFamily="34" charset="0"/>
+              </a:rPr>
+              <a:t>Instabase</a:t>
+            </a:r>
+            <a:endParaRPr lang="en-US" sz="2800" dirty="0">
+              <a:latin typeface="Arial" panose="020B0604020202020204" pitchFamily="34" charset="0"/>
+              <a:cs typeface="Arial" panose="020B0604020202020204" pitchFamily="34" charset="0"/>
+            </a:endParaRPr>
+          </a:p>
+        </p:txBody>
+      </p:sp>
+      <p:sp>
+        <p:nvSpPr>
           <p:cNvPr id="3" name="TextBox 2">
             <a:extLst>
               <a:ext uri="{FF2B5EF4-FFF2-40B4-BE49-F238E27FC236}">
@@ -10927,7 +11738,128 @@
 </p:sld>
 </file>
 
-<file path=ppt/slides/slide29.xml><?xml version="1.0" encoding="utf-8"?>
+<file path=ppt/slides/slide3.xml><?xml version="1.0" encoding="utf-8"?>
+<p:sld xmlns:a="http://schemas.openxmlformats.org/drawingml/2006/main" xmlns:r="http://schemas.openxmlformats.org/officeDocument/2006/relationships" xmlns:p="http://schemas.openxmlformats.org/presentationml/2006/main">
+  <p:cSld>
+    <p:spTree>
+      <p:nvGrpSpPr>
+        <p:cNvPr id="1" name=""/>
+        <p:cNvGrpSpPr/>
+        <p:nvPr/>
+      </p:nvGrpSpPr>
+      <p:grpSpPr>
+        <a:xfrm>
+          <a:off x="0" y="0"/>
+          <a:ext cx="0" cy="0"/>
+          <a:chOff x="0" y="0"/>
+          <a:chExt cx="0" cy="0"/>
+        </a:xfrm>
+      </p:grpSpPr>
+      <p:sp>
+        <p:nvSpPr>
+          <p:cNvPr id="2" name="Title 1">
+            <a:extLst>
+              <a:ext uri="{FF2B5EF4-FFF2-40B4-BE49-F238E27FC236}">
+                <a16:creationId xmlns:a16="http://schemas.microsoft.com/office/drawing/2014/main" id="{974EBE9F-0347-7345-A14B-375DB1733896}"/>
+              </a:ext>
+            </a:extLst>
+          </p:cNvPr>
+          <p:cNvSpPr>
+            <a:spLocks noGrp="1"/>
+          </p:cNvSpPr>
+          <p:nvPr>
+            <p:ph type="title"/>
+          </p:nvPr>
+        </p:nvSpPr>
+        <p:spPr/>
+        <p:txBody>
+          <a:bodyPr/>
+          <a:lstStyle/>
+          <a:p>
+            <a:r>
+              <a:rPr lang="en-US" dirty="0"/>
+              <a:t>Administrivia</a:t>
+            </a:r>
+          </a:p>
+        </p:txBody>
+      </p:sp>
+      <p:sp>
+        <p:nvSpPr>
+          <p:cNvPr id="3" name="Content Placeholder 2">
+            <a:extLst>
+              <a:ext uri="{FF2B5EF4-FFF2-40B4-BE49-F238E27FC236}">
+                <a16:creationId xmlns:a16="http://schemas.microsoft.com/office/drawing/2014/main" id="{680AE1EB-F04D-6444-BA6C-A52AA9772B1A}"/>
+              </a:ext>
+            </a:extLst>
+          </p:cNvPr>
+          <p:cNvSpPr>
+            <a:spLocks noGrp="1"/>
+          </p:cNvSpPr>
+          <p:nvPr>
+            <p:ph idx="1"/>
+          </p:nvPr>
+        </p:nvSpPr>
+        <p:spPr/>
+        <p:txBody>
+          <a:bodyPr/>
+          <a:lstStyle/>
+          <a:p>
+            <a:pPr marL="0" indent="0">
+              <a:buNone/>
+            </a:pPr>
+            <a:r>
+              <a:rPr lang="en-US" dirty="0"/>
+              <a:t>Check-ins</a:t>
+            </a:r>
+          </a:p>
+          <a:p>
+            <a:pPr marL="0" indent="0">
+              <a:buNone/>
+            </a:pPr>
+            <a:r>
+              <a:rPr lang="en-US" dirty="0"/>
+              <a:t>A3 due yesterday</a:t>
+            </a:r>
+          </a:p>
+          <a:p>
+            <a:pPr marL="0" indent="0">
+              <a:buNone/>
+            </a:pPr>
+            <a:r>
+              <a:rPr lang="en-US" dirty="0"/>
+              <a:t>A4 due Apr 6</a:t>
+            </a:r>
+            <a:r>
+              <a:rPr lang="en-US" baseline="30000" dirty="0"/>
+              <a:t>th</a:t>
+            </a:r>
+            <a:endParaRPr lang="en-US" dirty="0"/>
+          </a:p>
+          <a:p>
+            <a:pPr marL="0" indent="0">
+              <a:buNone/>
+            </a:pPr>
+            <a:r>
+              <a:rPr lang="en-US" dirty="0"/>
+              <a:t>Guest lecture next week</a:t>
+            </a:r>
+          </a:p>
+        </p:txBody>
+      </p:sp>
+    </p:spTree>
+    <p:extLst>
+      <p:ext uri="{BB962C8B-B14F-4D97-AF65-F5344CB8AC3E}">
+        <p14:creationId xmlns:p14="http://schemas.microsoft.com/office/powerpoint/2010/main" val="1345333758"/>
+      </p:ext>
+    </p:extLst>
+  </p:cSld>
+  <p:clrMapOvr>
+    <a:masterClrMapping/>
+  </p:clrMapOvr>
+</p:sld>
+</file>
+
+<file path=ppt/slides/slide30.xml><?xml version="1.0" encoding="utf-8"?>
 <p:sld xmlns:a="http://schemas.openxmlformats.org/drawingml/2006/main" xmlns:r="http://schemas.openxmlformats.org/officeDocument/2006/relationships" xmlns:p="http://schemas.openxmlformats.org/presentationml/2006/main">
   <p:cSld>
     <p:spTree>
@@ -11566,7 +12498,7 @@
 </p:sld>
 </file>
 
-<file path=ppt/slides/slide3.xml><?xml version="1.0" encoding="utf-8"?>
+<file path=ppt/slides/slide31.xml><?xml version="1.0" encoding="utf-8"?>
 <p:sld xmlns:a="http://schemas.openxmlformats.org/drawingml/2006/main" xmlns:r="http://schemas.openxmlformats.org/officeDocument/2006/relationships" xmlns:p="http://schemas.openxmlformats.org/presentationml/2006/main">
   <p:cSld>
     <p:spTree>
@@ -11588,127 +12520,6 @@
           <p:cNvPr id="2" name="Title 1">
             <a:extLst>
               <a:ext uri="{FF2B5EF4-FFF2-40B4-BE49-F238E27FC236}">
-                <a16:creationId xmlns:a16="http://schemas.microsoft.com/office/drawing/2014/main" id="{974EBE9F-0347-7345-A14B-375DB1733896}"/>
-              </a:ext>
-            </a:extLst>
-          </p:cNvPr>
-          <p:cNvSpPr>
-            <a:spLocks noGrp="1"/>
-          </p:cNvSpPr>
-          <p:nvPr>
-            <p:ph type="title"/>
-          </p:nvPr>
-        </p:nvSpPr>
-        <p:spPr/>
-        <p:txBody>
-          <a:bodyPr/>
-          <a:lstStyle/>
-          <a:p>
-            <a:r>
-              <a:rPr lang="en-US" dirty="0"/>
-              <a:t>Administrivia</a:t>
-            </a:r>
-          </a:p>
-        </p:txBody>
-      </p:sp>
-      <p:sp>
-        <p:nvSpPr>
-          <p:cNvPr id="3" name="Content Placeholder 2">
-            <a:extLst>
-              <a:ext uri="{FF2B5EF4-FFF2-40B4-BE49-F238E27FC236}">
-                <a16:creationId xmlns:a16="http://schemas.microsoft.com/office/drawing/2014/main" id="{680AE1EB-F04D-6444-BA6C-A52AA9772B1A}"/>
-              </a:ext>
-            </a:extLst>
-          </p:cNvPr>
-          <p:cNvSpPr>
-            <a:spLocks noGrp="1"/>
-          </p:cNvSpPr>
-          <p:nvPr>
-            <p:ph idx="1"/>
-          </p:nvPr>
-        </p:nvSpPr>
-        <p:spPr/>
-        <p:txBody>
-          <a:bodyPr/>
-          <a:lstStyle/>
-          <a:p>
-            <a:pPr marL="0" indent="0">
-              <a:buNone/>
-            </a:pPr>
-            <a:r>
-              <a:rPr lang="en-US" dirty="0"/>
-              <a:t>Check-ins</a:t>
-            </a:r>
-          </a:p>
-          <a:p>
-            <a:pPr marL="0" indent="0">
-              <a:buNone/>
-            </a:pPr>
-            <a:r>
-              <a:rPr lang="en-US" dirty="0"/>
-              <a:t>A3 due yesterday</a:t>
-            </a:r>
-          </a:p>
-          <a:p>
-            <a:pPr marL="0" indent="0">
-              <a:buNone/>
-            </a:pPr>
-            <a:r>
-              <a:rPr lang="en-US" dirty="0"/>
-              <a:t>A4 due Apr 6</a:t>
-            </a:r>
-            <a:r>
-              <a:rPr lang="en-US" baseline="30000" dirty="0"/>
-              <a:t>th</a:t>
-            </a:r>
-            <a:endParaRPr lang="en-US" dirty="0"/>
-          </a:p>
-          <a:p>
-            <a:pPr marL="0" indent="0">
-              <a:buNone/>
-            </a:pPr>
-            <a:r>
-              <a:rPr lang="en-US" dirty="0"/>
-              <a:t>Guest lecture next week</a:t>
-            </a:r>
-          </a:p>
-        </p:txBody>
-      </p:sp>
-    </p:spTree>
-    <p:extLst>
-      <p:ext uri="{BB962C8B-B14F-4D97-AF65-F5344CB8AC3E}">
-        <p14:creationId xmlns:p14="http://schemas.microsoft.com/office/powerpoint/2010/main" val="1345333758"/>
-      </p:ext>
-    </p:extLst>
-  </p:cSld>
-  <p:clrMapOvr>
-    <a:masterClrMapping/>
-  </p:clrMapOvr>
-</p:sld>
-</file>
-
-<file path=ppt/slides/slide30.xml><?xml version="1.0" encoding="utf-8"?>
-<p:sld xmlns:a="http://schemas.openxmlformats.org/drawingml/2006/main" xmlns:r="http://schemas.openxmlformats.org/officeDocument/2006/relationships" xmlns:p="http://schemas.openxmlformats.org/presentationml/2006/main">
-  <p:cSld>
-    <p:spTree>
-      <p:nvGrpSpPr>
-        <p:cNvPr id="1" name=""/>
-        <p:cNvGrpSpPr/>
-        <p:nvPr/>
-      </p:nvGrpSpPr>
-      <p:grpSpPr>
-        <a:xfrm>
-          <a:off x="0" y="0"/>
-          <a:ext cx="0" cy="0"/>
-          <a:chOff x="0" y="0"/>
-          <a:chExt cx="0" cy="0"/>
-        </a:xfrm>
-      </p:grpSpPr>
-      <p:sp>
-        <p:nvSpPr>
-          <p:cNvPr id="2" name="Title 1">
-            <a:extLst>
-              <a:ext uri="{FF2B5EF4-FFF2-40B4-BE49-F238E27FC236}">
                 <a16:creationId xmlns:a16="http://schemas.microsoft.com/office/drawing/2014/main" id="{967FA871-0E28-D543-A2DC-049CD4D12C8F}"/>
               </a:ext>
             </a:extLst>
@@ -12060,7 +12871,7 @@
 </p:sld>
 </file>
 
-<file path=ppt/slides/slide31.xml><?xml version="1.0" encoding="utf-8"?>
+<file path=ppt/slides/slide32.xml><?xml version="1.0" encoding="utf-8"?>
 <p:sld xmlns:a="http://schemas.openxmlformats.org/drawingml/2006/main" xmlns:r="http://schemas.openxmlformats.org/officeDocument/2006/relationships" xmlns:p="http://schemas.openxmlformats.org/presentationml/2006/main" show="0">
   <p:cSld>
     <p:spTree>
